--- a/trunk/CSOF5104 Mejoramiento de Procesos de Software/Taller 2/Taller2-Presentacion-Ingenium.pptx
+++ b/trunk/CSOF5104 Mejoramiento de Procesos de Software/Taller 2/Taller2-Presentacion-Ingenium.pptx
@@ -19,8 +19,8 @@
     <p:sldId id="294" r:id="rId10"/>
     <p:sldId id="269" r:id="rId11"/>
     <p:sldId id="288" r:id="rId12"/>
-    <p:sldId id="291" r:id="rId13"/>
-    <p:sldId id="292" r:id="rId14"/>
+    <p:sldId id="297" r:id="rId13"/>
+    <p:sldId id="298" r:id="rId14"/>
     <p:sldId id="293" r:id="rId15"/>
   </p:sldIdLst>
   <p:sldSz cx="9144000" cy="6858000" type="screen4x3"/>
@@ -935,6 +935,788 @@
 </dgm:colorsDef>
 </file>
 
+<file path=ppt/diagrams/colors10.xml><?xml version="1.0" encoding="utf-8"?>
+<dgm:colorsDef xmlns:dgm="http://schemas.openxmlformats.org/drawingml/2006/diagram" xmlns:a="http://schemas.openxmlformats.org/drawingml/2006/main" uniqueId="urn:microsoft.com/office/officeart/2005/8/colors/colorful3">
+  <dgm:title val=""/>
+  <dgm:desc val=""/>
+  <dgm:catLst>
+    <dgm:cat type="colorful" pri="10300"/>
+  </dgm:catLst>
+  <dgm:styleLbl name="node0">
+    <dgm:fillClrLst meth="repeat">
+      <a:schemeClr val="accent2"/>
+    </dgm:fillClrLst>
+    <dgm:linClrLst meth="repeat">
+      <a:schemeClr val="lt1"/>
+    </dgm:linClrLst>
+    <dgm:effectClrLst/>
+    <dgm:txLinClrLst/>
+    <dgm:txFillClrLst/>
+    <dgm:txEffectClrLst/>
+  </dgm:styleLbl>
+  <dgm:styleLbl name="node1">
+    <dgm:fillClrLst>
+      <a:schemeClr val="accent3"/>
+      <a:schemeClr val="accent4"/>
+    </dgm:fillClrLst>
+    <dgm:linClrLst meth="repeat">
+      <a:schemeClr val="lt1"/>
+    </dgm:linClrLst>
+    <dgm:effectClrLst/>
+    <dgm:txLinClrLst/>
+    <dgm:txFillClrLst/>
+    <dgm:txEffectClrLst/>
+  </dgm:styleLbl>
+  <dgm:styleLbl name="alignNode1">
+    <dgm:fillClrLst>
+      <a:schemeClr val="accent3"/>
+      <a:schemeClr val="accent4"/>
+    </dgm:fillClrLst>
+    <dgm:linClrLst>
+      <a:schemeClr val="accent3"/>
+      <a:schemeClr val="accent4"/>
+    </dgm:linClrLst>
+    <dgm:effectClrLst/>
+    <dgm:txLinClrLst/>
+    <dgm:txFillClrLst/>
+    <dgm:txEffectClrLst/>
+  </dgm:styleLbl>
+  <dgm:styleLbl name="lnNode1">
+    <dgm:fillClrLst>
+      <a:schemeClr val="accent3"/>
+      <a:schemeClr val="accent4"/>
+    </dgm:fillClrLst>
+    <dgm:linClrLst meth="repeat">
+      <a:schemeClr val="lt1"/>
+    </dgm:linClrLst>
+    <dgm:effectClrLst/>
+    <dgm:txLinClrLst/>
+    <dgm:txFillClrLst/>
+    <dgm:txEffectClrLst/>
+  </dgm:styleLbl>
+  <dgm:styleLbl name="vennNode1">
+    <dgm:fillClrLst>
+      <a:schemeClr val="accent3">
+        <a:alpha val="50000"/>
+      </a:schemeClr>
+      <a:schemeClr val="accent4">
+        <a:alpha val="50000"/>
+      </a:schemeClr>
+    </dgm:fillClrLst>
+    <dgm:linClrLst meth="repeat">
+      <a:schemeClr val="lt1"/>
+    </dgm:linClrLst>
+    <dgm:effectClrLst/>
+    <dgm:txLinClrLst/>
+    <dgm:txFillClrLst/>
+    <dgm:txEffectClrLst/>
+  </dgm:styleLbl>
+  <dgm:styleLbl name="node2">
+    <dgm:fillClrLst>
+      <a:schemeClr val="accent4"/>
+    </dgm:fillClrLst>
+    <dgm:linClrLst meth="repeat">
+      <a:schemeClr val="lt1"/>
+    </dgm:linClrLst>
+    <dgm:effectClrLst/>
+    <dgm:txLinClrLst/>
+    <dgm:txFillClrLst/>
+    <dgm:txEffectClrLst/>
+  </dgm:styleLbl>
+  <dgm:styleLbl name="node3">
+    <dgm:fillClrLst>
+      <a:schemeClr val="accent5"/>
+    </dgm:fillClrLst>
+    <dgm:linClrLst meth="repeat">
+      <a:schemeClr val="lt1"/>
+    </dgm:linClrLst>
+    <dgm:effectClrLst/>
+    <dgm:txLinClrLst/>
+    <dgm:txFillClrLst/>
+    <dgm:txEffectClrLst/>
+  </dgm:styleLbl>
+  <dgm:styleLbl name="node4">
+    <dgm:fillClrLst>
+      <a:schemeClr val="accent6"/>
+    </dgm:fillClrLst>
+    <dgm:linClrLst meth="repeat">
+      <a:schemeClr val="lt1"/>
+    </dgm:linClrLst>
+    <dgm:effectClrLst/>
+    <dgm:txLinClrLst/>
+    <dgm:txFillClrLst/>
+    <dgm:txEffectClrLst/>
+  </dgm:styleLbl>
+  <dgm:styleLbl name="fgImgPlace1">
+    <dgm:fillClrLst>
+      <a:schemeClr val="accent3">
+        <a:tint val="50000"/>
+      </a:schemeClr>
+      <a:schemeClr val="accent4">
+        <a:tint val="50000"/>
+      </a:schemeClr>
+    </dgm:fillClrLst>
+    <dgm:linClrLst meth="repeat">
+      <a:schemeClr val="lt1"/>
+    </dgm:linClrLst>
+    <dgm:effectClrLst/>
+    <dgm:txLinClrLst/>
+    <dgm:txFillClrLst meth="repeat">
+      <a:schemeClr val="lt1"/>
+    </dgm:txFillClrLst>
+    <dgm:txEffectClrLst/>
+  </dgm:styleLbl>
+  <dgm:styleLbl name="alignImgPlace1">
+    <dgm:fillClrLst>
+      <a:schemeClr val="accent3">
+        <a:tint val="50000"/>
+      </a:schemeClr>
+      <a:schemeClr val="accent4">
+        <a:tint val="20000"/>
+      </a:schemeClr>
+    </dgm:fillClrLst>
+    <dgm:linClrLst meth="repeat">
+      <a:schemeClr val="lt1"/>
+    </dgm:linClrLst>
+    <dgm:effectClrLst/>
+    <dgm:txLinClrLst/>
+    <dgm:txFillClrLst meth="repeat">
+      <a:schemeClr val="lt1"/>
+    </dgm:txFillClrLst>
+    <dgm:txEffectClrLst/>
+  </dgm:styleLbl>
+  <dgm:styleLbl name="bgImgPlace1">
+    <dgm:fillClrLst>
+      <a:schemeClr val="accent3">
+        <a:tint val="50000"/>
+      </a:schemeClr>
+      <a:schemeClr val="accent4">
+        <a:tint val="20000"/>
+      </a:schemeClr>
+    </dgm:fillClrLst>
+    <dgm:linClrLst meth="repeat">
+      <a:schemeClr val="lt1"/>
+    </dgm:linClrLst>
+    <dgm:effectClrLst/>
+    <dgm:txLinClrLst/>
+    <dgm:txFillClrLst meth="repeat">
+      <a:schemeClr val="lt1"/>
+    </dgm:txFillClrLst>
+    <dgm:txEffectClrLst/>
+  </dgm:styleLbl>
+  <dgm:styleLbl name="sibTrans2D1">
+    <dgm:fillClrLst>
+      <a:schemeClr val="accent3"/>
+      <a:schemeClr val="accent4"/>
+    </dgm:fillClrLst>
+    <dgm:linClrLst meth="repeat">
+      <a:schemeClr val="lt1"/>
+    </dgm:linClrLst>
+    <dgm:effectClrLst/>
+    <dgm:txLinClrLst/>
+    <dgm:txFillClrLst/>
+    <dgm:txEffectClrLst/>
+  </dgm:styleLbl>
+  <dgm:styleLbl name="fgSibTrans2D1">
+    <dgm:fillClrLst>
+      <a:schemeClr val="accent3"/>
+      <a:schemeClr val="accent4"/>
+    </dgm:fillClrLst>
+    <dgm:linClrLst meth="repeat">
+      <a:schemeClr val="lt1"/>
+    </dgm:linClrLst>
+    <dgm:effectClrLst/>
+    <dgm:txLinClrLst/>
+    <dgm:txFillClrLst meth="repeat">
+      <a:schemeClr val="lt1"/>
+    </dgm:txFillClrLst>
+    <dgm:txEffectClrLst/>
+  </dgm:styleLbl>
+  <dgm:styleLbl name="bgSibTrans2D1">
+    <dgm:fillClrLst>
+      <a:schemeClr val="accent3"/>
+      <a:schemeClr val="accent4"/>
+    </dgm:fillClrLst>
+    <dgm:linClrLst meth="repeat">
+      <a:schemeClr val="lt1"/>
+    </dgm:linClrLst>
+    <dgm:effectClrLst/>
+    <dgm:txLinClrLst/>
+    <dgm:txFillClrLst meth="repeat">
+      <a:schemeClr val="lt1"/>
+    </dgm:txFillClrLst>
+    <dgm:txEffectClrLst/>
+  </dgm:styleLbl>
+  <dgm:styleLbl name="sibTrans1D1">
+    <dgm:fillClrLst/>
+    <dgm:linClrLst>
+      <a:schemeClr val="accent3"/>
+      <a:schemeClr val="accent4"/>
+    </dgm:linClrLst>
+    <dgm:effectClrLst/>
+    <dgm:txLinClrLst/>
+    <dgm:txFillClrLst meth="repeat">
+      <a:schemeClr val="tx1"/>
+    </dgm:txFillClrLst>
+    <dgm:txEffectClrLst/>
+  </dgm:styleLbl>
+  <dgm:styleLbl name="callout">
+    <dgm:fillClrLst meth="repeat">
+      <a:schemeClr val="accent3"/>
+    </dgm:fillClrLst>
+    <dgm:linClrLst meth="repeat">
+      <a:schemeClr val="accent3">
+        <a:tint val="50000"/>
+      </a:schemeClr>
+    </dgm:linClrLst>
+    <dgm:effectClrLst/>
+    <dgm:txLinClrLst/>
+    <dgm:txFillClrLst meth="repeat">
+      <a:schemeClr val="tx1"/>
+    </dgm:txFillClrLst>
+    <dgm:txEffectClrLst/>
+  </dgm:styleLbl>
+  <dgm:styleLbl name="asst0">
+    <dgm:fillClrLst meth="repeat">
+      <a:schemeClr val="accent3"/>
+    </dgm:fillClrLst>
+    <dgm:linClrLst meth="repeat">
+      <a:schemeClr val="lt1">
+        <a:shade val="80000"/>
+      </a:schemeClr>
+    </dgm:linClrLst>
+    <dgm:effectClrLst/>
+    <dgm:txLinClrLst/>
+    <dgm:txFillClrLst/>
+    <dgm:txEffectClrLst/>
+  </dgm:styleLbl>
+  <dgm:styleLbl name="asst1">
+    <dgm:fillClrLst meth="repeat">
+      <a:schemeClr val="accent4"/>
+    </dgm:fillClrLst>
+    <dgm:linClrLst meth="repeat">
+      <a:schemeClr val="lt1">
+        <a:shade val="80000"/>
+      </a:schemeClr>
+    </dgm:linClrLst>
+    <dgm:effectClrLst/>
+    <dgm:txLinClrLst/>
+    <dgm:txFillClrLst/>
+    <dgm:txEffectClrLst/>
+  </dgm:styleLbl>
+  <dgm:styleLbl name="asst2">
+    <dgm:fillClrLst>
+      <a:schemeClr val="accent5"/>
+    </dgm:fillClrLst>
+    <dgm:linClrLst meth="repeat">
+      <a:schemeClr val="lt1"/>
+    </dgm:linClrLst>
+    <dgm:effectClrLst/>
+    <dgm:txLinClrLst/>
+    <dgm:txFillClrLst/>
+    <dgm:txEffectClrLst/>
+  </dgm:styleLbl>
+  <dgm:styleLbl name="asst3">
+    <dgm:fillClrLst>
+      <a:schemeClr val="accent6"/>
+    </dgm:fillClrLst>
+    <dgm:linClrLst meth="repeat">
+      <a:schemeClr val="lt1"/>
+    </dgm:linClrLst>
+    <dgm:effectClrLst/>
+    <dgm:txLinClrLst/>
+    <dgm:txFillClrLst/>
+    <dgm:txEffectClrLst/>
+  </dgm:styleLbl>
+  <dgm:styleLbl name="asst4">
+    <dgm:fillClrLst>
+      <a:schemeClr val="accent1"/>
+    </dgm:fillClrLst>
+    <dgm:linClrLst meth="repeat">
+      <a:schemeClr val="lt1"/>
+    </dgm:linClrLst>
+    <dgm:effectClrLst/>
+    <dgm:txLinClrLst/>
+    <dgm:txFillClrLst/>
+    <dgm:txEffectClrLst/>
+  </dgm:styleLbl>
+  <dgm:styleLbl name="parChTrans2D1">
+    <dgm:fillClrLst meth="repeat">
+      <a:schemeClr val="accent2"/>
+    </dgm:fillClrLst>
+    <dgm:linClrLst meth="repeat">
+      <a:schemeClr val="lt1"/>
+    </dgm:linClrLst>
+    <dgm:effectClrLst/>
+    <dgm:txLinClrLst/>
+    <dgm:txFillClrLst meth="repeat">
+      <a:schemeClr val="lt1"/>
+    </dgm:txFillClrLst>
+    <dgm:txEffectClrLst/>
+  </dgm:styleLbl>
+  <dgm:styleLbl name="parChTrans2D2">
+    <dgm:fillClrLst meth="repeat">
+      <a:schemeClr val="accent3"/>
+    </dgm:fillClrLst>
+    <dgm:linClrLst meth="repeat">
+      <a:schemeClr val="lt1"/>
+    </dgm:linClrLst>
+    <dgm:effectClrLst/>
+    <dgm:txLinClrLst/>
+    <dgm:txFillClrLst/>
+    <dgm:txEffectClrLst/>
+  </dgm:styleLbl>
+  <dgm:styleLbl name="parChTrans2D3">
+    <dgm:fillClrLst meth="repeat">
+      <a:schemeClr val="accent4"/>
+    </dgm:fillClrLst>
+    <dgm:linClrLst meth="repeat">
+      <a:schemeClr val="lt1"/>
+    </dgm:linClrLst>
+    <dgm:effectClrLst/>
+    <dgm:txLinClrLst/>
+    <dgm:txFillClrLst/>
+    <dgm:txEffectClrLst/>
+  </dgm:styleLbl>
+  <dgm:styleLbl name="parChTrans2D4">
+    <dgm:fillClrLst meth="repeat">
+      <a:schemeClr val="accent5"/>
+    </dgm:fillClrLst>
+    <dgm:linClrLst meth="repeat">
+      <a:schemeClr val="lt1"/>
+    </dgm:linClrLst>
+    <dgm:effectClrLst/>
+    <dgm:txLinClrLst/>
+    <dgm:txFillClrLst meth="repeat">
+      <a:schemeClr val="lt1"/>
+    </dgm:txFillClrLst>
+    <dgm:txEffectClrLst/>
+  </dgm:styleLbl>
+  <dgm:styleLbl name="parChTrans1D1">
+    <dgm:fillClrLst meth="repeat">
+      <a:schemeClr val="accent3"/>
+    </dgm:fillClrLst>
+    <dgm:linClrLst meth="repeat">
+      <a:schemeClr val="accent3"/>
+    </dgm:linClrLst>
+    <dgm:effectClrLst/>
+    <dgm:txLinClrLst/>
+    <dgm:txFillClrLst meth="repeat">
+      <a:schemeClr val="tx1"/>
+    </dgm:txFillClrLst>
+    <dgm:txEffectClrLst/>
+  </dgm:styleLbl>
+  <dgm:styleLbl name="parChTrans1D2">
+    <dgm:fillClrLst meth="repeat">
+      <a:schemeClr val="accent2">
+        <a:tint val="90000"/>
+      </a:schemeClr>
+    </dgm:fillClrLst>
+    <dgm:linClrLst meth="repeat">
+      <a:schemeClr val="accent4"/>
+    </dgm:linClrLst>
+    <dgm:effectClrLst/>
+    <dgm:txLinClrLst/>
+    <dgm:txFillClrLst meth="repeat">
+      <a:schemeClr val="tx1"/>
+    </dgm:txFillClrLst>
+    <dgm:txEffectClrLst/>
+  </dgm:styleLbl>
+  <dgm:styleLbl name="parChTrans1D3">
+    <dgm:fillClrLst meth="repeat">
+      <a:schemeClr val="accent2">
+        <a:tint val="70000"/>
+      </a:schemeClr>
+    </dgm:fillClrLst>
+    <dgm:linClrLst meth="repeat">
+      <a:schemeClr val="accent5"/>
+    </dgm:linClrLst>
+    <dgm:effectClrLst/>
+    <dgm:txLinClrLst/>
+    <dgm:txFillClrLst meth="repeat">
+      <a:schemeClr val="tx1"/>
+    </dgm:txFillClrLst>
+    <dgm:txEffectClrLst/>
+  </dgm:styleLbl>
+  <dgm:styleLbl name="parChTrans1D4">
+    <dgm:fillClrLst meth="repeat">
+      <a:schemeClr val="accent6">
+        <a:tint val="50000"/>
+      </a:schemeClr>
+    </dgm:fillClrLst>
+    <dgm:linClrLst meth="repeat">
+      <a:schemeClr val="accent6"/>
+    </dgm:linClrLst>
+    <dgm:effectClrLst/>
+    <dgm:txLinClrLst/>
+    <dgm:txFillClrLst meth="repeat">
+      <a:schemeClr val="tx1"/>
+    </dgm:txFillClrLst>
+    <dgm:txEffectClrLst/>
+  </dgm:styleLbl>
+  <dgm:styleLbl name="fgAcc1">
+    <dgm:fillClrLst meth="repeat">
+      <a:schemeClr val="lt1">
+        <a:alpha val="90000"/>
+      </a:schemeClr>
+    </dgm:fillClrLst>
+    <dgm:linClrLst>
+      <a:schemeClr val="accent3"/>
+      <a:schemeClr val="accent4"/>
+    </dgm:linClrLst>
+    <dgm:effectClrLst/>
+    <dgm:txLinClrLst/>
+    <dgm:txFillClrLst meth="repeat">
+      <a:schemeClr val="dk1"/>
+    </dgm:txFillClrLst>
+    <dgm:txEffectClrLst/>
+  </dgm:styleLbl>
+  <dgm:styleLbl name="conFgAcc1">
+    <dgm:fillClrLst meth="repeat">
+      <a:schemeClr val="lt1">
+        <a:alpha val="90000"/>
+      </a:schemeClr>
+    </dgm:fillClrLst>
+    <dgm:linClrLst>
+      <a:schemeClr val="accent3"/>
+      <a:schemeClr val="accent4"/>
+    </dgm:linClrLst>
+    <dgm:effectClrLst/>
+    <dgm:txLinClrLst/>
+    <dgm:txFillClrLst meth="repeat">
+      <a:schemeClr val="dk1"/>
+    </dgm:txFillClrLst>
+    <dgm:txEffectClrLst/>
+  </dgm:styleLbl>
+  <dgm:styleLbl name="alignAcc1">
+    <dgm:fillClrLst meth="repeat">
+      <a:schemeClr val="lt1">
+        <a:alpha val="90000"/>
+      </a:schemeClr>
+    </dgm:fillClrLst>
+    <dgm:linClrLst>
+      <a:schemeClr val="accent3"/>
+      <a:schemeClr val="accent4"/>
+    </dgm:linClrLst>
+    <dgm:effectClrLst/>
+    <dgm:txLinClrLst/>
+    <dgm:txFillClrLst meth="repeat">
+      <a:schemeClr val="dk1"/>
+    </dgm:txFillClrLst>
+    <dgm:txEffectClrLst/>
+  </dgm:styleLbl>
+  <dgm:styleLbl name="trAlignAcc1">
+    <dgm:fillClrLst meth="repeat">
+      <a:schemeClr val="lt1">
+        <a:alpha val="40000"/>
+      </a:schemeClr>
+    </dgm:fillClrLst>
+    <dgm:linClrLst meth="repeat">
+      <a:schemeClr val="accent2"/>
+    </dgm:linClrLst>
+    <dgm:effectClrLst/>
+    <dgm:txLinClrLst/>
+    <dgm:txFillClrLst meth="repeat">
+      <a:schemeClr val="dk1"/>
+    </dgm:txFillClrLst>
+    <dgm:txEffectClrLst/>
+  </dgm:styleLbl>
+  <dgm:styleLbl name="bgAcc1">
+    <dgm:fillClrLst meth="repeat">
+      <a:schemeClr val="lt1">
+        <a:alpha val="90000"/>
+      </a:schemeClr>
+    </dgm:fillClrLst>
+    <dgm:linClrLst>
+      <a:schemeClr val="accent3"/>
+      <a:schemeClr val="accent4"/>
+    </dgm:linClrLst>
+    <dgm:effectClrLst/>
+    <dgm:txLinClrLst/>
+    <dgm:txFillClrLst meth="repeat">
+      <a:schemeClr val="dk1"/>
+    </dgm:txFillClrLst>
+    <dgm:txEffectClrLst/>
+  </dgm:styleLbl>
+  <dgm:styleLbl name="solidFgAcc1">
+    <dgm:fillClrLst meth="repeat">
+      <a:schemeClr val="lt1"/>
+    </dgm:fillClrLst>
+    <dgm:linClrLst>
+      <a:schemeClr val="accent3"/>
+      <a:schemeClr val="accent4"/>
+    </dgm:linClrLst>
+    <dgm:effectClrLst/>
+    <dgm:txLinClrLst/>
+    <dgm:txFillClrLst meth="repeat">
+      <a:schemeClr val="dk1"/>
+    </dgm:txFillClrLst>
+    <dgm:txEffectClrLst/>
+  </dgm:styleLbl>
+  <dgm:styleLbl name="solidAlignAcc1">
+    <dgm:fillClrLst meth="repeat">
+      <a:schemeClr val="lt1"/>
+    </dgm:fillClrLst>
+    <dgm:linClrLst>
+      <a:schemeClr val="accent3"/>
+      <a:schemeClr val="accent4"/>
+    </dgm:linClrLst>
+    <dgm:effectClrLst/>
+    <dgm:txLinClrLst/>
+    <dgm:txFillClrLst meth="repeat">
+      <a:schemeClr val="dk1"/>
+    </dgm:txFillClrLst>
+    <dgm:txEffectClrLst/>
+  </dgm:styleLbl>
+  <dgm:styleLbl name="solidBgAcc1">
+    <dgm:fillClrLst meth="repeat">
+      <a:schemeClr val="lt1"/>
+    </dgm:fillClrLst>
+    <dgm:linClrLst>
+      <a:schemeClr val="accent3"/>
+      <a:schemeClr val="accent4"/>
+    </dgm:linClrLst>
+    <dgm:effectClrLst/>
+    <dgm:txLinClrLst/>
+    <dgm:txFillClrLst meth="repeat">
+      <a:schemeClr val="dk1"/>
+    </dgm:txFillClrLst>
+    <dgm:txEffectClrLst/>
+  </dgm:styleLbl>
+  <dgm:styleLbl name="fgAccFollowNode1">
+    <dgm:fillClrLst>
+      <a:schemeClr val="accent3">
+        <a:tint val="40000"/>
+        <a:alpha val="90000"/>
+      </a:schemeClr>
+      <a:schemeClr val="accent4">
+        <a:tint val="40000"/>
+        <a:alpha val="90000"/>
+      </a:schemeClr>
+    </dgm:fillClrLst>
+    <dgm:linClrLst>
+      <a:schemeClr val="accent3">
+        <a:tint val="40000"/>
+        <a:alpha val="90000"/>
+      </a:schemeClr>
+      <a:schemeClr val="accent4">
+        <a:tint val="40000"/>
+        <a:alpha val="90000"/>
+      </a:schemeClr>
+    </dgm:linClrLst>
+    <dgm:effectClrLst/>
+    <dgm:txLinClrLst/>
+    <dgm:txFillClrLst meth="repeat">
+      <a:schemeClr val="dk1"/>
+    </dgm:txFillClrLst>
+    <dgm:txEffectClrLst/>
+  </dgm:styleLbl>
+  <dgm:styleLbl name="alignAccFollowNode1">
+    <dgm:fillClrLst>
+      <a:schemeClr val="accent3">
+        <a:tint val="40000"/>
+        <a:alpha val="90000"/>
+      </a:schemeClr>
+      <a:schemeClr val="accent4">
+        <a:tint val="40000"/>
+        <a:alpha val="90000"/>
+      </a:schemeClr>
+    </dgm:fillClrLst>
+    <dgm:linClrLst>
+      <a:schemeClr val="accent3">
+        <a:tint val="40000"/>
+        <a:alpha val="90000"/>
+      </a:schemeClr>
+      <a:schemeClr val="accent4">
+        <a:tint val="40000"/>
+        <a:alpha val="90000"/>
+      </a:schemeClr>
+    </dgm:linClrLst>
+    <dgm:effectClrLst/>
+    <dgm:txLinClrLst/>
+    <dgm:txFillClrLst meth="repeat">
+      <a:schemeClr val="dk1"/>
+    </dgm:txFillClrLst>
+    <dgm:txEffectClrLst/>
+  </dgm:styleLbl>
+  <dgm:styleLbl name="bgAccFollowNode1">
+    <dgm:fillClrLst>
+      <a:schemeClr val="accent3">
+        <a:tint val="40000"/>
+        <a:alpha val="90000"/>
+      </a:schemeClr>
+      <a:schemeClr val="accent4">
+        <a:tint val="40000"/>
+        <a:alpha val="90000"/>
+      </a:schemeClr>
+    </dgm:fillClrLst>
+    <dgm:linClrLst>
+      <a:schemeClr val="accent3">
+        <a:tint val="40000"/>
+        <a:alpha val="90000"/>
+      </a:schemeClr>
+      <a:schemeClr val="accent4">
+        <a:tint val="40000"/>
+        <a:alpha val="90000"/>
+      </a:schemeClr>
+    </dgm:linClrLst>
+    <dgm:effectClrLst/>
+    <dgm:txLinClrLst/>
+    <dgm:txFillClrLst meth="repeat">
+      <a:schemeClr val="dk1"/>
+    </dgm:txFillClrLst>
+    <dgm:txEffectClrLst/>
+  </dgm:styleLbl>
+  <dgm:styleLbl name="fgAcc0">
+    <dgm:fillClrLst meth="repeat">
+      <a:schemeClr val="lt1">
+        <a:alpha val="90000"/>
+      </a:schemeClr>
+    </dgm:fillClrLst>
+    <dgm:linClrLst>
+      <a:schemeClr val="accent2"/>
+    </dgm:linClrLst>
+    <dgm:effectClrLst/>
+    <dgm:txLinClrLst/>
+    <dgm:txFillClrLst meth="repeat">
+      <a:schemeClr val="dk1"/>
+    </dgm:txFillClrLst>
+    <dgm:txEffectClrLst/>
+  </dgm:styleLbl>
+  <dgm:styleLbl name="fgAcc2">
+    <dgm:fillClrLst meth="repeat">
+      <a:schemeClr val="lt1">
+        <a:alpha val="90000"/>
+      </a:schemeClr>
+    </dgm:fillClrLst>
+    <dgm:linClrLst>
+      <a:schemeClr val="accent4"/>
+    </dgm:linClrLst>
+    <dgm:effectClrLst/>
+    <dgm:txLinClrLst/>
+    <dgm:txFillClrLst meth="repeat">
+      <a:schemeClr val="dk1"/>
+    </dgm:txFillClrLst>
+    <dgm:txEffectClrLst/>
+  </dgm:styleLbl>
+  <dgm:styleLbl name="fgAcc3">
+    <dgm:fillClrLst meth="repeat">
+      <a:schemeClr val="lt1">
+        <a:alpha val="90000"/>
+      </a:schemeClr>
+    </dgm:fillClrLst>
+    <dgm:linClrLst>
+      <a:schemeClr val="accent5"/>
+    </dgm:linClrLst>
+    <dgm:effectClrLst/>
+    <dgm:txLinClrLst/>
+    <dgm:txFillClrLst meth="repeat">
+      <a:schemeClr val="dk1"/>
+    </dgm:txFillClrLst>
+    <dgm:txEffectClrLst/>
+  </dgm:styleLbl>
+  <dgm:styleLbl name="fgAcc4">
+    <dgm:fillClrLst meth="repeat">
+      <a:schemeClr val="lt1">
+        <a:alpha val="90000"/>
+      </a:schemeClr>
+    </dgm:fillClrLst>
+    <dgm:linClrLst>
+      <a:schemeClr val="accent6"/>
+    </dgm:linClrLst>
+    <dgm:effectClrLst/>
+    <dgm:txLinClrLst/>
+    <dgm:txFillClrLst meth="repeat">
+      <a:schemeClr val="dk1"/>
+    </dgm:txFillClrLst>
+    <dgm:txEffectClrLst/>
+  </dgm:styleLbl>
+  <dgm:styleLbl name="bgShp">
+    <dgm:fillClrLst meth="repeat">
+      <a:schemeClr val="accent3">
+        <a:tint val="40000"/>
+      </a:schemeClr>
+    </dgm:fillClrLst>
+    <dgm:linClrLst meth="repeat">
+      <a:schemeClr val="dk1"/>
+    </dgm:linClrLst>
+    <dgm:effectClrLst/>
+    <dgm:txLinClrLst/>
+    <dgm:txFillClrLst meth="repeat">
+      <a:schemeClr val="dk1"/>
+    </dgm:txFillClrLst>
+    <dgm:txEffectClrLst/>
+  </dgm:styleLbl>
+  <dgm:styleLbl name="dkBgShp">
+    <dgm:fillClrLst meth="repeat">
+      <a:schemeClr val="accent3">
+        <a:shade val="90000"/>
+      </a:schemeClr>
+    </dgm:fillClrLst>
+    <dgm:linClrLst meth="repeat">
+      <a:schemeClr val="dk1"/>
+    </dgm:linClrLst>
+    <dgm:effectClrLst/>
+    <dgm:txLinClrLst/>
+    <dgm:txFillClrLst meth="repeat">
+      <a:schemeClr val="lt1"/>
+    </dgm:txFillClrLst>
+    <dgm:txEffectClrLst/>
+  </dgm:styleLbl>
+  <dgm:styleLbl name="trBgShp">
+    <dgm:fillClrLst meth="repeat">
+      <a:schemeClr val="accent2">
+        <a:tint val="50000"/>
+        <a:alpha val="40000"/>
+      </a:schemeClr>
+    </dgm:fillClrLst>
+    <dgm:linClrLst meth="repeat">
+      <a:schemeClr val="accent3"/>
+    </dgm:linClrLst>
+    <dgm:effectClrLst/>
+    <dgm:txLinClrLst/>
+    <dgm:txFillClrLst meth="repeat">
+      <a:schemeClr val="lt1"/>
+    </dgm:txFillClrLst>
+    <dgm:txEffectClrLst/>
+  </dgm:styleLbl>
+  <dgm:styleLbl name="fgShp">
+    <dgm:fillClrLst meth="repeat">
+      <a:schemeClr val="accent3">
+        <a:tint val="40000"/>
+      </a:schemeClr>
+    </dgm:fillClrLst>
+    <dgm:linClrLst meth="repeat">
+      <a:schemeClr val="lt1"/>
+    </dgm:linClrLst>
+    <dgm:effectClrLst/>
+    <dgm:txLinClrLst/>
+    <dgm:txFillClrLst meth="repeat">
+      <a:schemeClr val="dk1"/>
+    </dgm:txFillClrLst>
+    <dgm:txEffectClrLst/>
+  </dgm:styleLbl>
+  <dgm:styleLbl name="revTx">
+    <dgm:fillClrLst meth="repeat">
+      <a:schemeClr val="lt1">
+        <a:alpha val="0"/>
+      </a:schemeClr>
+    </dgm:fillClrLst>
+    <dgm:linClrLst meth="repeat">
+      <a:schemeClr val="dk1">
+        <a:alpha val="0"/>
+      </a:schemeClr>
+    </dgm:linClrLst>
+    <dgm:effectClrLst/>
+    <dgm:txLinClrLst/>
+    <dgm:txFillClrLst meth="repeat">
+      <a:schemeClr val="tx1"/>
+    </dgm:txFillClrLst>
+    <dgm:txEffectClrLst/>
+  </dgm:styleLbl>
+</dgm:colorsDef>
+</file>
+
 <file path=ppt/diagrams/colors2.xml><?xml version="1.0" encoding="utf-8"?>
 <dgm:colorsDef xmlns:dgm="http://schemas.openxmlformats.org/drawingml/2006/diagram" xmlns:a="http://schemas.openxmlformats.org/drawingml/2006/main" uniqueId="urn:microsoft.com/office/officeart/2005/8/colors/colorful2">
   <dgm:title val=""/>
@@ -6375,6 +7157,788 @@
   <dgm:styleLbl name="fgShp">
     <dgm:fillClrLst meth="repeat">
       <a:schemeClr val="accent3">
+        <a:tint val="40000"/>
+      </a:schemeClr>
+    </dgm:fillClrLst>
+    <dgm:linClrLst meth="repeat">
+      <a:schemeClr val="lt1"/>
+    </dgm:linClrLst>
+    <dgm:effectClrLst/>
+    <dgm:txLinClrLst/>
+    <dgm:txFillClrLst meth="repeat">
+      <a:schemeClr val="dk1"/>
+    </dgm:txFillClrLst>
+    <dgm:txEffectClrLst/>
+  </dgm:styleLbl>
+  <dgm:styleLbl name="revTx">
+    <dgm:fillClrLst meth="repeat">
+      <a:schemeClr val="lt1">
+        <a:alpha val="0"/>
+      </a:schemeClr>
+    </dgm:fillClrLst>
+    <dgm:linClrLst meth="repeat">
+      <a:schemeClr val="dk1">
+        <a:alpha val="0"/>
+      </a:schemeClr>
+    </dgm:linClrLst>
+    <dgm:effectClrLst/>
+    <dgm:txLinClrLst/>
+    <dgm:txFillClrLst meth="repeat">
+      <a:schemeClr val="tx1"/>
+    </dgm:txFillClrLst>
+    <dgm:txEffectClrLst/>
+  </dgm:styleLbl>
+</dgm:colorsDef>
+</file>
+
+<file path=ppt/diagrams/colors9.xml><?xml version="1.0" encoding="utf-8"?>
+<dgm:colorsDef xmlns:dgm="http://schemas.openxmlformats.org/drawingml/2006/diagram" xmlns:a="http://schemas.openxmlformats.org/drawingml/2006/main" uniqueId="urn:microsoft.com/office/officeart/2005/8/colors/colorful5">
+  <dgm:title val=""/>
+  <dgm:desc val=""/>
+  <dgm:catLst>
+    <dgm:cat type="colorful" pri="10500"/>
+  </dgm:catLst>
+  <dgm:styleLbl name="node0">
+    <dgm:fillClrLst meth="repeat">
+      <a:schemeClr val="accent4"/>
+    </dgm:fillClrLst>
+    <dgm:linClrLst meth="repeat">
+      <a:schemeClr val="lt1"/>
+    </dgm:linClrLst>
+    <dgm:effectClrLst/>
+    <dgm:txLinClrLst/>
+    <dgm:txFillClrLst/>
+    <dgm:txEffectClrLst/>
+  </dgm:styleLbl>
+  <dgm:styleLbl name="node1">
+    <dgm:fillClrLst>
+      <a:schemeClr val="accent5"/>
+      <a:schemeClr val="accent6"/>
+    </dgm:fillClrLst>
+    <dgm:linClrLst meth="repeat">
+      <a:schemeClr val="lt1"/>
+    </dgm:linClrLst>
+    <dgm:effectClrLst/>
+    <dgm:txLinClrLst/>
+    <dgm:txFillClrLst/>
+    <dgm:txEffectClrLst/>
+  </dgm:styleLbl>
+  <dgm:styleLbl name="alignNode1">
+    <dgm:fillClrLst>
+      <a:schemeClr val="accent5"/>
+      <a:schemeClr val="accent6"/>
+    </dgm:fillClrLst>
+    <dgm:linClrLst>
+      <a:schemeClr val="accent5"/>
+      <a:schemeClr val="accent6"/>
+    </dgm:linClrLst>
+    <dgm:effectClrLst/>
+    <dgm:txLinClrLst/>
+    <dgm:txFillClrLst/>
+    <dgm:txEffectClrLst/>
+  </dgm:styleLbl>
+  <dgm:styleLbl name="lnNode1">
+    <dgm:fillClrLst>
+      <a:schemeClr val="accent5"/>
+      <a:schemeClr val="accent6"/>
+    </dgm:fillClrLst>
+    <dgm:linClrLst meth="repeat">
+      <a:schemeClr val="lt1"/>
+    </dgm:linClrLst>
+    <dgm:effectClrLst/>
+    <dgm:txLinClrLst/>
+    <dgm:txFillClrLst/>
+    <dgm:txEffectClrLst/>
+  </dgm:styleLbl>
+  <dgm:styleLbl name="vennNode1">
+    <dgm:fillClrLst>
+      <a:schemeClr val="accent5">
+        <a:alpha val="50000"/>
+      </a:schemeClr>
+      <a:schemeClr val="accent6">
+        <a:alpha val="50000"/>
+      </a:schemeClr>
+    </dgm:fillClrLst>
+    <dgm:linClrLst meth="repeat">
+      <a:schemeClr val="lt1"/>
+    </dgm:linClrLst>
+    <dgm:effectClrLst/>
+    <dgm:txLinClrLst/>
+    <dgm:txFillClrLst/>
+    <dgm:txEffectClrLst/>
+  </dgm:styleLbl>
+  <dgm:styleLbl name="node2">
+    <dgm:fillClrLst>
+      <a:schemeClr val="accent6"/>
+    </dgm:fillClrLst>
+    <dgm:linClrLst meth="repeat">
+      <a:schemeClr val="lt1"/>
+    </dgm:linClrLst>
+    <dgm:effectClrLst/>
+    <dgm:txLinClrLst/>
+    <dgm:txFillClrLst/>
+    <dgm:txEffectClrLst/>
+  </dgm:styleLbl>
+  <dgm:styleLbl name="node3">
+    <dgm:fillClrLst>
+      <a:schemeClr val="accent1"/>
+    </dgm:fillClrLst>
+    <dgm:linClrLst meth="repeat">
+      <a:schemeClr val="lt1"/>
+    </dgm:linClrLst>
+    <dgm:effectClrLst/>
+    <dgm:txLinClrLst/>
+    <dgm:txFillClrLst/>
+    <dgm:txEffectClrLst/>
+  </dgm:styleLbl>
+  <dgm:styleLbl name="node4">
+    <dgm:fillClrLst>
+      <a:schemeClr val="accent2"/>
+    </dgm:fillClrLst>
+    <dgm:linClrLst meth="repeat">
+      <a:schemeClr val="lt1"/>
+    </dgm:linClrLst>
+    <dgm:effectClrLst/>
+    <dgm:txLinClrLst/>
+    <dgm:txFillClrLst/>
+    <dgm:txEffectClrLst/>
+  </dgm:styleLbl>
+  <dgm:styleLbl name="fgImgPlace1">
+    <dgm:fillClrLst>
+      <a:schemeClr val="accent5">
+        <a:tint val="50000"/>
+      </a:schemeClr>
+      <a:schemeClr val="accent6">
+        <a:tint val="50000"/>
+      </a:schemeClr>
+    </dgm:fillClrLst>
+    <dgm:linClrLst meth="repeat">
+      <a:schemeClr val="lt1"/>
+    </dgm:linClrLst>
+    <dgm:effectClrLst/>
+    <dgm:txLinClrLst/>
+    <dgm:txFillClrLst meth="repeat">
+      <a:schemeClr val="lt1"/>
+    </dgm:txFillClrLst>
+    <dgm:txEffectClrLst/>
+  </dgm:styleLbl>
+  <dgm:styleLbl name="alignImgPlace1">
+    <dgm:fillClrLst>
+      <a:schemeClr val="accent5">
+        <a:tint val="50000"/>
+      </a:schemeClr>
+      <a:schemeClr val="accent6">
+        <a:tint val="20000"/>
+      </a:schemeClr>
+    </dgm:fillClrLst>
+    <dgm:linClrLst meth="repeat">
+      <a:schemeClr val="lt1"/>
+    </dgm:linClrLst>
+    <dgm:effectClrLst/>
+    <dgm:txLinClrLst/>
+    <dgm:txFillClrLst meth="repeat">
+      <a:schemeClr val="lt1"/>
+    </dgm:txFillClrLst>
+    <dgm:txEffectClrLst/>
+  </dgm:styleLbl>
+  <dgm:styleLbl name="bgImgPlace1">
+    <dgm:fillClrLst>
+      <a:schemeClr val="accent5">
+        <a:tint val="50000"/>
+      </a:schemeClr>
+      <a:schemeClr val="accent6">
+        <a:tint val="20000"/>
+      </a:schemeClr>
+    </dgm:fillClrLst>
+    <dgm:linClrLst meth="repeat">
+      <a:schemeClr val="lt1"/>
+    </dgm:linClrLst>
+    <dgm:effectClrLst/>
+    <dgm:txLinClrLst/>
+    <dgm:txFillClrLst meth="repeat">
+      <a:schemeClr val="lt1"/>
+    </dgm:txFillClrLst>
+    <dgm:txEffectClrLst/>
+  </dgm:styleLbl>
+  <dgm:styleLbl name="sibTrans2D1">
+    <dgm:fillClrLst>
+      <a:schemeClr val="accent5"/>
+      <a:schemeClr val="accent6"/>
+    </dgm:fillClrLst>
+    <dgm:linClrLst meth="repeat">
+      <a:schemeClr val="lt1"/>
+    </dgm:linClrLst>
+    <dgm:effectClrLst/>
+    <dgm:txLinClrLst/>
+    <dgm:txFillClrLst/>
+    <dgm:txEffectClrLst/>
+  </dgm:styleLbl>
+  <dgm:styleLbl name="fgSibTrans2D1">
+    <dgm:fillClrLst>
+      <a:schemeClr val="accent5"/>
+      <a:schemeClr val="accent6"/>
+    </dgm:fillClrLst>
+    <dgm:linClrLst meth="repeat">
+      <a:schemeClr val="lt1"/>
+    </dgm:linClrLst>
+    <dgm:effectClrLst/>
+    <dgm:txLinClrLst/>
+    <dgm:txFillClrLst meth="repeat">
+      <a:schemeClr val="lt1"/>
+    </dgm:txFillClrLst>
+    <dgm:txEffectClrLst/>
+  </dgm:styleLbl>
+  <dgm:styleLbl name="bgSibTrans2D1">
+    <dgm:fillClrLst>
+      <a:schemeClr val="accent5"/>
+      <a:schemeClr val="accent6"/>
+    </dgm:fillClrLst>
+    <dgm:linClrLst meth="repeat">
+      <a:schemeClr val="lt1"/>
+    </dgm:linClrLst>
+    <dgm:effectClrLst/>
+    <dgm:txLinClrLst/>
+    <dgm:txFillClrLst meth="repeat">
+      <a:schemeClr val="lt1"/>
+    </dgm:txFillClrLst>
+    <dgm:txEffectClrLst/>
+  </dgm:styleLbl>
+  <dgm:styleLbl name="sibTrans1D1">
+    <dgm:fillClrLst/>
+    <dgm:linClrLst>
+      <a:schemeClr val="accent5"/>
+      <a:schemeClr val="accent6"/>
+    </dgm:linClrLst>
+    <dgm:effectClrLst/>
+    <dgm:txLinClrLst/>
+    <dgm:txFillClrLst meth="repeat">
+      <a:schemeClr val="tx1"/>
+    </dgm:txFillClrLst>
+    <dgm:txEffectClrLst/>
+  </dgm:styleLbl>
+  <dgm:styleLbl name="callout">
+    <dgm:fillClrLst meth="repeat">
+      <a:schemeClr val="accent5"/>
+    </dgm:fillClrLst>
+    <dgm:linClrLst meth="repeat">
+      <a:schemeClr val="accent5">
+        <a:tint val="50000"/>
+      </a:schemeClr>
+    </dgm:linClrLst>
+    <dgm:effectClrLst/>
+    <dgm:txLinClrLst/>
+    <dgm:txFillClrLst meth="repeat">
+      <a:schemeClr val="tx1"/>
+    </dgm:txFillClrLst>
+    <dgm:txEffectClrLst/>
+  </dgm:styleLbl>
+  <dgm:styleLbl name="asst0">
+    <dgm:fillClrLst meth="repeat">
+      <a:schemeClr val="accent5"/>
+    </dgm:fillClrLst>
+    <dgm:linClrLst meth="repeat">
+      <a:schemeClr val="lt1">
+        <a:shade val="80000"/>
+      </a:schemeClr>
+    </dgm:linClrLst>
+    <dgm:effectClrLst/>
+    <dgm:txLinClrLst/>
+    <dgm:txFillClrLst/>
+    <dgm:txEffectClrLst/>
+  </dgm:styleLbl>
+  <dgm:styleLbl name="asst1">
+    <dgm:fillClrLst meth="repeat">
+      <a:schemeClr val="accent6"/>
+    </dgm:fillClrLst>
+    <dgm:linClrLst meth="repeat">
+      <a:schemeClr val="lt1">
+        <a:shade val="80000"/>
+      </a:schemeClr>
+    </dgm:linClrLst>
+    <dgm:effectClrLst/>
+    <dgm:txLinClrLst/>
+    <dgm:txFillClrLst/>
+    <dgm:txEffectClrLst/>
+  </dgm:styleLbl>
+  <dgm:styleLbl name="asst2">
+    <dgm:fillClrLst>
+      <a:schemeClr val="accent1"/>
+    </dgm:fillClrLst>
+    <dgm:linClrLst meth="repeat">
+      <a:schemeClr val="lt1"/>
+    </dgm:linClrLst>
+    <dgm:effectClrLst/>
+    <dgm:txLinClrLst/>
+    <dgm:txFillClrLst/>
+    <dgm:txEffectClrLst/>
+  </dgm:styleLbl>
+  <dgm:styleLbl name="asst3">
+    <dgm:fillClrLst>
+      <a:schemeClr val="accent2"/>
+    </dgm:fillClrLst>
+    <dgm:linClrLst meth="repeat">
+      <a:schemeClr val="lt1"/>
+    </dgm:linClrLst>
+    <dgm:effectClrLst/>
+    <dgm:txLinClrLst/>
+    <dgm:txFillClrLst/>
+    <dgm:txEffectClrLst/>
+  </dgm:styleLbl>
+  <dgm:styleLbl name="asst4">
+    <dgm:fillClrLst>
+      <a:schemeClr val="accent3"/>
+    </dgm:fillClrLst>
+    <dgm:linClrLst meth="repeat">
+      <a:schemeClr val="lt1"/>
+    </dgm:linClrLst>
+    <dgm:effectClrLst/>
+    <dgm:txLinClrLst/>
+    <dgm:txFillClrLst/>
+    <dgm:txEffectClrLst/>
+  </dgm:styleLbl>
+  <dgm:styleLbl name="parChTrans2D1">
+    <dgm:fillClrLst meth="repeat">
+      <a:schemeClr val="accent5"/>
+    </dgm:fillClrLst>
+    <dgm:linClrLst meth="repeat">
+      <a:schemeClr val="lt1"/>
+    </dgm:linClrLst>
+    <dgm:effectClrLst/>
+    <dgm:txLinClrLst/>
+    <dgm:txFillClrLst meth="repeat">
+      <a:schemeClr val="lt1"/>
+    </dgm:txFillClrLst>
+    <dgm:txEffectClrLst/>
+  </dgm:styleLbl>
+  <dgm:styleLbl name="parChTrans2D2">
+    <dgm:fillClrLst meth="repeat">
+      <a:schemeClr val="accent6"/>
+    </dgm:fillClrLst>
+    <dgm:linClrLst meth="repeat">
+      <a:schemeClr val="lt1"/>
+    </dgm:linClrLst>
+    <dgm:effectClrLst/>
+    <dgm:txLinClrLst/>
+    <dgm:txFillClrLst/>
+    <dgm:txEffectClrLst/>
+  </dgm:styleLbl>
+  <dgm:styleLbl name="parChTrans2D3">
+    <dgm:fillClrLst meth="repeat">
+      <a:schemeClr val="accent6"/>
+    </dgm:fillClrLst>
+    <dgm:linClrLst meth="repeat">
+      <a:schemeClr val="lt1"/>
+    </dgm:linClrLst>
+    <dgm:effectClrLst/>
+    <dgm:txLinClrLst/>
+    <dgm:txFillClrLst/>
+    <dgm:txEffectClrLst/>
+  </dgm:styleLbl>
+  <dgm:styleLbl name="parChTrans2D4">
+    <dgm:fillClrLst meth="repeat">
+      <a:schemeClr val="accent1"/>
+    </dgm:fillClrLst>
+    <dgm:linClrLst meth="repeat">
+      <a:schemeClr val="lt1"/>
+    </dgm:linClrLst>
+    <dgm:effectClrLst/>
+    <dgm:txLinClrLst/>
+    <dgm:txFillClrLst meth="repeat">
+      <a:schemeClr val="lt1"/>
+    </dgm:txFillClrLst>
+    <dgm:txEffectClrLst/>
+  </dgm:styleLbl>
+  <dgm:styleLbl name="parChTrans1D1">
+    <dgm:fillClrLst meth="repeat">
+      <a:schemeClr val="accent5"/>
+    </dgm:fillClrLst>
+    <dgm:linClrLst meth="repeat">
+      <a:schemeClr val="accent5"/>
+    </dgm:linClrLst>
+    <dgm:effectClrLst/>
+    <dgm:txLinClrLst/>
+    <dgm:txFillClrLst meth="repeat">
+      <a:schemeClr val="tx1"/>
+    </dgm:txFillClrLst>
+    <dgm:txEffectClrLst/>
+  </dgm:styleLbl>
+  <dgm:styleLbl name="parChTrans1D2">
+    <dgm:fillClrLst meth="repeat">
+      <a:schemeClr val="accent6">
+        <a:tint val="90000"/>
+      </a:schemeClr>
+    </dgm:fillClrLst>
+    <dgm:linClrLst meth="repeat">
+      <a:schemeClr val="accent6"/>
+    </dgm:linClrLst>
+    <dgm:effectClrLst/>
+    <dgm:txLinClrLst/>
+    <dgm:txFillClrLst meth="repeat">
+      <a:schemeClr val="tx1"/>
+    </dgm:txFillClrLst>
+    <dgm:txEffectClrLst/>
+  </dgm:styleLbl>
+  <dgm:styleLbl name="parChTrans1D3">
+    <dgm:fillClrLst meth="repeat">
+      <a:schemeClr val="accent6">
+        <a:tint val="70000"/>
+      </a:schemeClr>
+    </dgm:fillClrLst>
+    <dgm:linClrLst meth="repeat">
+      <a:schemeClr val="accent1"/>
+    </dgm:linClrLst>
+    <dgm:effectClrLst/>
+    <dgm:txLinClrLst/>
+    <dgm:txFillClrLst meth="repeat">
+      <a:schemeClr val="tx1"/>
+    </dgm:txFillClrLst>
+    <dgm:txEffectClrLst/>
+  </dgm:styleLbl>
+  <dgm:styleLbl name="parChTrans1D4">
+    <dgm:fillClrLst meth="repeat">
+      <a:schemeClr val="accent6">
+        <a:tint val="50000"/>
+      </a:schemeClr>
+    </dgm:fillClrLst>
+    <dgm:linClrLst meth="repeat">
+      <a:schemeClr val="accent2"/>
+    </dgm:linClrLst>
+    <dgm:effectClrLst/>
+    <dgm:txLinClrLst/>
+    <dgm:txFillClrLst meth="repeat">
+      <a:schemeClr val="tx1"/>
+    </dgm:txFillClrLst>
+    <dgm:txEffectClrLst/>
+  </dgm:styleLbl>
+  <dgm:styleLbl name="fgAcc1">
+    <dgm:fillClrLst meth="repeat">
+      <a:schemeClr val="lt1">
+        <a:alpha val="90000"/>
+      </a:schemeClr>
+    </dgm:fillClrLst>
+    <dgm:linClrLst>
+      <a:schemeClr val="accent5"/>
+      <a:schemeClr val="accent6"/>
+    </dgm:linClrLst>
+    <dgm:effectClrLst/>
+    <dgm:txLinClrLst/>
+    <dgm:txFillClrLst meth="repeat">
+      <a:schemeClr val="dk1"/>
+    </dgm:txFillClrLst>
+    <dgm:txEffectClrLst/>
+  </dgm:styleLbl>
+  <dgm:styleLbl name="conFgAcc1">
+    <dgm:fillClrLst meth="repeat">
+      <a:schemeClr val="lt1">
+        <a:alpha val="90000"/>
+      </a:schemeClr>
+    </dgm:fillClrLst>
+    <dgm:linClrLst>
+      <a:schemeClr val="accent5"/>
+      <a:schemeClr val="accent6"/>
+    </dgm:linClrLst>
+    <dgm:effectClrLst/>
+    <dgm:txLinClrLst/>
+    <dgm:txFillClrLst meth="repeat">
+      <a:schemeClr val="dk1"/>
+    </dgm:txFillClrLst>
+    <dgm:txEffectClrLst/>
+  </dgm:styleLbl>
+  <dgm:styleLbl name="alignAcc1">
+    <dgm:fillClrLst meth="repeat">
+      <a:schemeClr val="lt1">
+        <a:alpha val="90000"/>
+      </a:schemeClr>
+    </dgm:fillClrLst>
+    <dgm:linClrLst>
+      <a:schemeClr val="accent5"/>
+      <a:schemeClr val="accent6"/>
+    </dgm:linClrLst>
+    <dgm:effectClrLst/>
+    <dgm:txLinClrLst/>
+    <dgm:txFillClrLst meth="repeat">
+      <a:schemeClr val="dk1"/>
+    </dgm:txFillClrLst>
+    <dgm:txEffectClrLst/>
+  </dgm:styleLbl>
+  <dgm:styleLbl name="trAlignAcc1">
+    <dgm:fillClrLst meth="repeat">
+      <a:schemeClr val="lt1">
+        <a:alpha val="40000"/>
+      </a:schemeClr>
+    </dgm:fillClrLst>
+    <dgm:linClrLst meth="repeat">
+      <a:schemeClr val="accent5"/>
+    </dgm:linClrLst>
+    <dgm:effectClrLst/>
+    <dgm:txLinClrLst/>
+    <dgm:txFillClrLst meth="repeat">
+      <a:schemeClr val="dk1"/>
+    </dgm:txFillClrLst>
+    <dgm:txEffectClrLst/>
+  </dgm:styleLbl>
+  <dgm:styleLbl name="bgAcc1">
+    <dgm:fillClrLst meth="repeat">
+      <a:schemeClr val="lt1">
+        <a:alpha val="90000"/>
+      </a:schemeClr>
+    </dgm:fillClrLst>
+    <dgm:linClrLst>
+      <a:schemeClr val="accent5"/>
+      <a:schemeClr val="accent6"/>
+    </dgm:linClrLst>
+    <dgm:effectClrLst/>
+    <dgm:txLinClrLst/>
+    <dgm:txFillClrLst meth="repeat">
+      <a:schemeClr val="dk1"/>
+    </dgm:txFillClrLst>
+    <dgm:txEffectClrLst/>
+  </dgm:styleLbl>
+  <dgm:styleLbl name="solidFgAcc1">
+    <dgm:fillClrLst meth="repeat">
+      <a:schemeClr val="lt1"/>
+    </dgm:fillClrLst>
+    <dgm:linClrLst>
+      <a:schemeClr val="accent5"/>
+      <a:schemeClr val="accent6"/>
+    </dgm:linClrLst>
+    <dgm:effectClrLst/>
+    <dgm:txLinClrLst/>
+    <dgm:txFillClrLst meth="repeat">
+      <a:schemeClr val="dk1"/>
+    </dgm:txFillClrLst>
+    <dgm:txEffectClrLst/>
+  </dgm:styleLbl>
+  <dgm:styleLbl name="solidAlignAcc1">
+    <dgm:fillClrLst meth="repeat">
+      <a:schemeClr val="lt1"/>
+    </dgm:fillClrLst>
+    <dgm:linClrLst>
+      <a:schemeClr val="accent5"/>
+      <a:schemeClr val="accent6"/>
+    </dgm:linClrLst>
+    <dgm:effectClrLst/>
+    <dgm:txLinClrLst/>
+    <dgm:txFillClrLst meth="repeat">
+      <a:schemeClr val="dk1"/>
+    </dgm:txFillClrLst>
+    <dgm:txEffectClrLst/>
+  </dgm:styleLbl>
+  <dgm:styleLbl name="solidBgAcc1">
+    <dgm:fillClrLst meth="repeat">
+      <a:schemeClr val="lt1"/>
+    </dgm:fillClrLst>
+    <dgm:linClrLst>
+      <a:schemeClr val="accent5"/>
+      <a:schemeClr val="accent6"/>
+    </dgm:linClrLst>
+    <dgm:effectClrLst/>
+    <dgm:txLinClrLst/>
+    <dgm:txFillClrLst meth="repeat">
+      <a:schemeClr val="dk1"/>
+    </dgm:txFillClrLst>
+    <dgm:txEffectClrLst/>
+  </dgm:styleLbl>
+  <dgm:styleLbl name="fgAccFollowNode1">
+    <dgm:fillClrLst>
+      <a:schemeClr val="accent5">
+        <a:tint val="40000"/>
+        <a:alpha val="90000"/>
+      </a:schemeClr>
+      <a:schemeClr val="accent6">
+        <a:tint val="40000"/>
+        <a:alpha val="90000"/>
+      </a:schemeClr>
+    </dgm:fillClrLst>
+    <dgm:linClrLst>
+      <a:schemeClr val="accent5">
+        <a:tint val="40000"/>
+        <a:alpha val="90000"/>
+      </a:schemeClr>
+      <a:schemeClr val="accent5">
+        <a:tint val="40000"/>
+        <a:alpha val="90000"/>
+      </a:schemeClr>
+    </dgm:linClrLst>
+    <dgm:effectClrLst/>
+    <dgm:txLinClrLst/>
+    <dgm:txFillClrLst meth="repeat">
+      <a:schemeClr val="dk1"/>
+    </dgm:txFillClrLst>
+    <dgm:txEffectClrLst/>
+  </dgm:styleLbl>
+  <dgm:styleLbl name="alignAccFollowNode1">
+    <dgm:fillClrLst>
+      <a:schemeClr val="accent5">
+        <a:tint val="40000"/>
+        <a:alpha val="90000"/>
+      </a:schemeClr>
+      <a:schemeClr val="accent6">
+        <a:tint val="40000"/>
+        <a:alpha val="90000"/>
+      </a:schemeClr>
+    </dgm:fillClrLst>
+    <dgm:linClrLst>
+      <a:schemeClr val="accent5">
+        <a:tint val="40000"/>
+        <a:alpha val="90000"/>
+      </a:schemeClr>
+      <a:schemeClr val="accent6">
+        <a:tint val="40000"/>
+        <a:alpha val="90000"/>
+      </a:schemeClr>
+    </dgm:linClrLst>
+    <dgm:effectClrLst/>
+    <dgm:txLinClrLst/>
+    <dgm:txFillClrLst meth="repeat">
+      <a:schemeClr val="dk1"/>
+    </dgm:txFillClrLst>
+    <dgm:txEffectClrLst/>
+  </dgm:styleLbl>
+  <dgm:styleLbl name="bgAccFollowNode1">
+    <dgm:fillClrLst>
+      <a:schemeClr val="accent5">
+        <a:tint val="40000"/>
+        <a:alpha val="90000"/>
+      </a:schemeClr>
+      <a:schemeClr val="accent6">
+        <a:tint val="40000"/>
+        <a:alpha val="90000"/>
+      </a:schemeClr>
+    </dgm:fillClrLst>
+    <dgm:linClrLst>
+      <a:schemeClr val="accent5">
+        <a:tint val="40000"/>
+        <a:alpha val="90000"/>
+      </a:schemeClr>
+      <a:schemeClr val="accent6">
+        <a:tint val="40000"/>
+        <a:alpha val="90000"/>
+      </a:schemeClr>
+    </dgm:linClrLst>
+    <dgm:effectClrLst/>
+    <dgm:txLinClrLst/>
+    <dgm:txFillClrLst meth="repeat">
+      <a:schemeClr val="dk1"/>
+    </dgm:txFillClrLst>
+    <dgm:txEffectClrLst/>
+  </dgm:styleLbl>
+  <dgm:styleLbl name="fgAcc0">
+    <dgm:fillClrLst meth="repeat">
+      <a:schemeClr val="lt1">
+        <a:alpha val="90000"/>
+      </a:schemeClr>
+    </dgm:fillClrLst>
+    <dgm:linClrLst>
+      <a:schemeClr val="accent4"/>
+    </dgm:linClrLst>
+    <dgm:effectClrLst/>
+    <dgm:txLinClrLst/>
+    <dgm:txFillClrLst meth="repeat">
+      <a:schemeClr val="dk1"/>
+    </dgm:txFillClrLst>
+    <dgm:txEffectClrLst/>
+  </dgm:styleLbl>
+  <dgm:styleLbl name="fgAcc2">
+    <dgm:fillClrLst meth="repeat">
+      <a:schemeClr val="lt1">
+        <a:alpha val="90000"/>
+      </a:schemeClr>
+    </dgm:fillClrLst>
+    <dgm:linClrLst>
+      <a:schemeClr val="accent6"/>
+    </dgm:linClrLst>
+    <dgm:effectClrLst/>
+    <dgm:txLinClrLst/>
+    <dgm:txFillClrLst meth="repeat">
+      <a:schemeClr val="dk1"/>
+    </dgm:txFillClrLst>
+    <dgm:txEffectClrLst/>
+  </dgm:styleLbl>
+  <dgm:styleLbl name="fgAcc3">
+    <dgm:fillClrLst meth="repeat">
+      <a:schemeClr val="lt1">
+        <a:alpha val="90000"/>
+      </a:schemeClr>
+    </dgm:fillClrLst>
+    <dgm:linClrLst>
+      <a:schemeClr val="accent1"/>
+    </dgm:linClrLst>
+    <dgm:effectClrLst/>
+    <dgm:txLinClrLst/>
+    <dgm:txFillClrLst meth="repeat">
+      <a:schemeClr val="dk1"/>
+    </dgm:txFillClrLst>
+    <dgm:txEffectClrLst/>
+  </dgm:styleLbl>
+  <dgm:styleLbl name="fgAcc4">
+    <dgm:fillClrLst meth="repeat">
+      <a:schemeClr val="lt1">
+        <a:alpha val="90000"/>
+      </a:schemeClr>
+    </dgm:fillClrLst>
+    <dgm:linClrLst>
+      <a:schemeClr val="accent2"/>
+    </dgm:linClrLst>
+    <dgm:effectClrLst/>
+    <dgm:txLinClrLst/>
+    <dgm:txFillClrLst meth="repeat">
+      <a:schemeClr val="dk1"/>
+    </dgm:txFillClrLst>
+    <dgm:txEffectClrLst/>
+  </dgm:styleLbl>
+  <dgm:styleLbl name="bgShp">
+    <dgm:fillClrLst meth="repeat">
+      <a:schemeClr val="accent5">
+        <a:tint val="40000"/>
+      </a:schemeClr>
+    </dgm:fillClrLst>
+    <dgm:linClrLst meth="repeat">
+      <a:schemeClr val="dk1"/>
+    </dgm:linClrLst>
+    <dgm:effectClrLst/>
+    <dgm:txLinClrLst/>
+    <dgm:txFillClrLst meth="repeat">
+      <a:schemeClr val="dk1"/>
+    </dgm:txFillClrLst>
+    <dgm:txEffectClrLst/>
+  </dgm:styleLbl>
+  <dgm:styleLbl name="dkBgShp">
+    <dgm:fillClrLst meth="repeat">
+      <a:schemeClr val="accent5">
+        <a:shade val="90000"/>
+      </a:schemeClr>
+    </dgm:fillClrLst>
+    <dgm:linClrLst meth="repeat">
+      <a:schemeClr val="dk1"/>
+    </dgm:linClrLst>
+    <dgm:effectClrLst/>
+    <dgm:txLinClrLst/>
+    <dgm:txFillClrLst meth="repeat">
+      <a:schemeClr val="lt1"/>
+    </dgm:txFillClrLst>
+    <dgm:txEffectClrLst/>
+  </dgm:styleLbl>
+  <dgm:styleLbl name="trBgShp">
+    <dgm:fillClrLst meth="repeat">
+      <a:schemeClr val="accent5">
+        <a:tint val="50000"/>
+        <a:alpha val="40000"/>
+      </a:schemeClr>
+    </dgm:fillClrLst>
+    <dgm:linClrLst meth="repeat">
+      <a:schemeClr val="accent5"/>
+    </dgm:linClrLst>
+    <dgm:effectClrLst/>
+    <dgm:txLinClrLst/>
+    <dgm:txFillClrLst meth="repeat">
+      <a:schemeClr val="lt1"/>
+    </dgm:txFillClrLst>
+    <dgm:txEffectClrLst/>
+  </dgm:styleLbl>
+  <dgm:styleLbl name="fgShp">
+    <dgm:fillClrLst meth="repeat">
+      <a:schemeClr val="accent5">
         <a:tint val="40000"/>
       </a:schemeClr>
     </dgm:fillClrLst>
@@ -6794,6 +8358,284 @@
     <dgm:cxn modelId="{DBEC9851-FA53-4F18-A5C5-26ACBD14FAAA}" type="presParOf" srcId="{7E9DB296-223F-43E5-984B-D80B4E8A5317}" destId="{B3BAAEEC-3631-4AEC-8E2B-1B45F4D21BA6}" srcOrd="1" destOrd="0" presId="urn:microsoft.com/office/officeart/2005/8/layout/list1"/>
     <dgm:cxn modelId="{C43C22B5-8C29-4420-8316-1B5527181CD1}" type="presParOf" srcId="{EEBB2C2A-F0F1-410D-AEB8-631C9AAAEE31}" destId="{213D20DF-41ED-4C43-9663-929B7AF81DC5}" srcOrd="13" destOrd="0" presId="urn:microsoft.com/office/officeart/2005/8/layout/list1"/>
     <dgm:cxn modelId="{22873E55-F88F-4880-A34B-1E783DEDDD22}" type="presParOf" srcId="{EEBB2C2A-F0F1-410D-AEB8-631C9AAAEE31}" destId="{842A6DED-0B4A-461C-9CE7-69B89978A0C5}" srcOrd="14" destOrd="0" presId="urn:microsoft.com/office/officeart/2005/8/layout/list1"/>
+  </dgm:cxnLst>
+  <dgm:bg/>
+  <dgm:whole/>
+  <dgm:extLst>
+    <a:ext uri="http://schemas.microsoft.com/office/drawing/2008/diagram">
+      <dsp:dataModelExt xmlns:dsp="http://schemas.microsoft.com/office/drawing/2008/diagram" xmlns="" relId="rId7" minVer="http://schemas.openxmlformats.org/drawingml/2006/diagram"/>
+    </a:ext>
+  </dgm:extLst>
+</dgm:dataModel>
+</file>
+
+<file path=ppt/diagrams/data10.xml><?xml version="1.0" encoding="utf-8"?>
+<dgm:dataModel xmlns:dgm="http://schemas.openxmlformats.org/drawingml/2006/diagram" xmlns:a="http://schemas.openxmlformats.org/drawingml/2006/main">
+  <dgm:ptLst>
+    <dgm:pt modelId="{AB89644E-047E-4EF6-8F94-20D8E269D77F}" type="doc">
+      <dgm:prSet loTypeId="urn:microsoft.com/office/officeart/2005/8/layout/chevron2" loCatId="process" qsTypeId="urn:microsoft.com/office/officeart/2005/8/quickstyle/simple1" qsCatId="simple" csTypeId="urn:microsoft.com/office/officeart/2005/8/colors/colorful3" csCatId="colorful" phldr="1"/>
+      <dgm:spPr/>
+      <dgm:t>
+        <a:bodyPr/>
+        <a:lstStyle/>
+        <a:p>
+          <a:endParaRPr lang="es-CO"/>
+        </a:p>
+      </dgm:t>
+    </dgm:pt>
+    <dgm:pt modelId="{1FBE4113-67DF-4D15-8AC5-D34996480903}">
+      <dgm:prSet custT="1"/>
+      <dgm:spPr/>
+      <dgm:t>
+        <a:bodyPr/>
+        <a:lstStyle/>
+        <a:p>
+          <a:pPr rtl="0"/>
+          <a:r>
+            <a:rPr lang="es-CO" sz="1800" b="1" dirty="0" smtClean="0"/>
+            <a:t>Consecuencias</a:t>
+          </a:r>
+          <a:endParaRPr lang="es-CO" sz="1800" dirty="0"/>
+        </a:p>
+      </dgm:t>
+    </dgm:pt>
+    <dgm:pt modelId="{BD77DC55-CDB9-4FC0-B23F-FF44B7B261F4}" type="parTrans" cxnId="{D3314159-2D61-4CF5-BDF8-F5F8418045C7}">
+      <dgm:prSet/>
+      <dgm:spPr/>
+      <dgm:t>
+        <a:bodyPr/>
+        <a:lstStyle/>
+        <a:p>
+          <a:endParaRPr lang="es-CO"/>
+        </a:p>
+      </dgm:t>
+    </dgm:pt>
+    <dgm:pt modelId="{B35A071C-A2C6-44E9-B31A-106B18800C15}" type="sibTrans" cxnId="{D3314159-2D61-4CF5-BDF8-F5F8418045C7}">
+      <dgm:prSet/>
+      <dgm:spPr/>
+      <dgm:t>
+        <a:bodyPr/>
+        <a:lstStyle/>
+        <a:p>
+          <a:endParaRPr lang="es-CO"/>
+        </a:p>
+      </dgm:t>
+    </dgm:pt>
+    <dgm:pt modelId="{A21F959D-4D60-4537-A6E7-F929FE095F80}">
+      <dgm:prSet custT="1"/>
+      <dgm:spPr/>
+      <dgm:t>
+        <a:bodyPr/>
+        <a:lstStyle/>
+        <a:p>
+          <a:pPr rtl="0"/>
+          <a:endParaRPr lang="es-CO" sz="1400" dirty="0"/>
+        </a:p>
+      </dgm:t>
+    </dgm:pt>
+    <dgm:pt modelId="{614C43C5-59B1-4569-946E-2950BD792124}" type="parTrans" cxnId="{5DAF724F-EB68-454C-B426-C5BF65714DF5}">
+      <dgm:prSet/>
+      <dgm:spPr/>
+      <dgm:t>
+        <a:bodyPr/>
+        <a:lstStyle/>
+        <a:p>
+          <a:endParaRPr lang="es-CO"/>
+        </a:p>
+      </dgm:t>
+    </dgm:pt>
+    <dgm:pt modelId="{E49F283B-E874-402B-9419-CA809E340658}" type="sibTrans" cxnId="{5DAF724F-EB68-454C-B426-C5BF65714DF5}">
+      <dgm:prSet/>
+      <dgm:spPr/>
+      <dgm:t>
+        <a:bodyPr/>
+        <a:lstStyle/>
+        <a:p>
+          <a:endParaRPr lang="es-CO"/>
+        </a:p>
+      </dgm:t>
+    </dgm:pt>
+    <dgm:pt modelId="{0283D0BA-E40A-4661-A572-757662D8F90C}">
+      <dgm:prSet custT="1"/>
+      <dgm:spPr/>
+      <dgm:t>
+        <a:bodyPr/>
+        <a:lstStyle/>
+        <a:p>
+          <a:pPr rtl="0"/>
+          <a:r>
+            <a:rPr lang="es-CO" sz="1800" b="1" dirty="0" smtClean="0"/>
+            <a:t>Recomendaciones</a:t>
+          </a:r>
+          <a:endParaRPr lang="es-CO" sz="1700" dirty="0"/>
+        </a:p>
+      </dgm:t>
+    </dgm:pt>
+    <dgm:pt modelId="{894B10E5-F227-4A8C-A653-0E97B002D807}" type="parTrans" cxnId="{DEE4106A-A86F-4A93-A3CA-334F09A7E84C}">
+      <dgm:prSet/>
+      <dgm:spPr/>
+      <dgm:t>
+        <a:bodyPr/>
+        <a:lstStyle/>
+        <a:p>
+          <a:endParaRPr lang="es-CO"/>
+        </a:p>
+      </dgm:t>
+    </dgm:pt>
+    <dgm:pt modelId="{EE265449-1489-414F-8737-3495B7507766}" type="sibTrans" cxnId="{DEE4106A-A86F-4A93-A3CA-334F09A7E84C}">
+      <dgm:prSet/>
+      <dgm:spPr/>
+      <dgm:t>
+        <a:bodyPr/>
+        <a:lstStyle/>
+        <a:p>
+          <a:endParaRPr lang="es-CO"/>
+        </a:p>
+      </dgm:t>
+    </dgm:pt>
+    <dgm:pt modelId="{2795E8B6-3C41-4D37-8274-72713CEA938F}">
+      <dgm:prSet custT="1"/>
+      <dgm:spPr/>
+      <dgm:t>
+        <a:bodyPr/>
+        <a:lstStyle/>
+        <a:p>
+          <a:pPr rtl="0"/>
+          <a:endParaRPr lang="es-CO" sz="1400" b="1" dirty="0"/>
+        </a:p>
+      </dgm:t>
+    </dgm:pt>
+    <dgm:pt modelId="{BB8FBB51-EFB5-46F6-9CB4-2E7843063108}" type="parTrans" cxnId="{90E2DF14-0571-426A-AFFB-F34CA2AB27B9}">
+      <dgm:prSet/>
+      <dgm:spPr/>
+      <dgm:t>
+        <a:bodyPr/>
+        <a:lstStyle/>
+        <a:p>
+          <a:endParaRPr lang="es-CO"/>
+        </a:p>
+      </dgm:t>
+    </dgm:pt>
+    <dgm:pt modelId="{605611A7-6A8B-4EB1-B204-5A69EBC19626}" type="sibTrans" cxnId="{90E2DF14-0571-426A-AFFB-F34CA2AB27B9}">
+      <dgm:prSet/>
+      <dgm:spPr/>
+      <dgm:t>
+        <a:bodyPr/>
+        <a:lstStyle/>
+        <a:p>
+          <a:endParaRPr lang="es-CO"/>
+        </a:p>
+      </dgm:t>
+    </dgm:pt>
+    <dgm:pt modelId="{ED20A8E0-A09D-4A8F-BA55-901FDBFBFB9B}" type="pres">
+      <dgm:prSet presAssocID="{AB89644E-047E-4EF6-8F94-20D8E269D77F}" presName="linearFlow" presStyleCnt="0">
+        <dgm:presLayoutVars>
+          <dgm:dir/>
+          <dgm:animLvl val="lvl"/>
+          <dgm:resizeHandles val="exact"/>
+        </dgm:presLayoutVars>
+      </dgm:prSet>
+      <dgm:spPr/>
+      <dgm:t>
+        <a:bodyPr/>
+        <a:lstStyle/>
+        <a:p>
+          <a:endParaRPr lang="es-CO"/>
+        </a:p>
+      </dgm:t>
+    </dgm:pt>
+    <dgm:pt modelId="{9EF061BD-FEF4-4C35-A323-AECC5E0BD08E}" type="pres">
+      <dgm:prSet presAssocID="{1FBE4113-67DF-4D15-8AC5-D34996480903}" presName="composite" presStyleCnt="0"/>
+      <dgm:spPr/>
+    </dgm:pt>
+    <dgm:pt modelId="{7E6EE975-DAD0-42A9-8D07-C777F2B46116}" type="pres">
+      <dgm:prSet presAssocID="{1FBE4113-67DF-4D15-8AC5-D34996480903}" presName="parentText" presStyleLbl="alignNode1" presStyleIdx="0" presStyleCnt="2" custScaleX="122528">
+        <dgm:presLayoutVars>
+          <dgm:chMax val="1"/>
+          <dgm:bulletEnabled val="1"/>
+        </dgm:presLayoutVars>
+      </dgm:prSet>
+      <dgm:spPr/>
+      <dgm:t>
+        <a:bodyPr/>
+        <a:lstStyle/>
+        <a:p>
+          <a:endParaRPr lang="es-CO"/>
+        </a:p>
+      </dgm:t>
+    </dgm:pt>
+    <dgm:pt modelId="{9AB14BCC-A0FC-47BB-ADC4-9AF237D6A8FC}" type="pres">
+      <dgm:prSet presAssocID="{1FBE4113-67DF-4D15-8AC5-D34996480903}" presName="descendantText" presStyleLbl="alignAcc1" presStyleIdx="0" presStyleCnt="2" custScaleX="94598" custLinFactNeighborX="274">
+        <dgm:presLayoutVars>
+          <dgm:bulletEnabled val="1"/>
+        </dgm:presLayoutVars>
+      </dgm:prSet>
+      <dgm:spPr/>
+      <dgm:t>
+        <a:bodyPr/>
+        <a:lstStyle/>
+        <a:p>
+          <a:endParaRPr lang="es-CO"/>
+        </a:p>
+      </dgm:t>
+    </dgm:pt>
+    <dgm:pt modelId="{0CFA9D7D-2C29-4740-9E29-49F356DBD3DE}" type="pres">
+      <dgm:prSet presAssocID="{B35A071C-A2C6-44E9-B31A-106B18800C15}" presName="sp" presStyleCnt="0"/>
+      <dgm:spPr/>
+    </dgm:pt>
+    <dgm:pt modelId="{493306DE-BDF6-497E-8956-6A60C4825340}" type="pres">
+      <dgm:prSet presAssocID="{0283D0BA-E40A-4661-A572-757662D8F90C}" presName="composite" presStyleCnt="0"/>
+      <dgm:spPr/>
+    </dgm:pt>
+    <dgm:pt modelId="{27EF10BC-A202-491A-96C2-62B99C9944E4}" type="pres">
+      <dgm:prSet presAssocID="{0283D0BA-E40A-4661-A572-757662D8F90C}" presName="parentText" presStyleLbl="alignNode1" presStyleIdx="1" presStyleCnt="2" custScaleX="122690">
+        <dgm:presLayoutVars>
+          <dgm:chMax val="1"/>
+          <dgm:bulletEnabled val="1"/>
+        </dgm:presLayoutVars>
+      </dgm:prSet>
+      <dgm:spPr/>
+      <dgm:t>
+        <a:bodyPr/>
+        <a:lstStyle/>
+        <a:p>
+          <a:endParaRPr lang="es-CO"/>
+        </a:p>
+      </dgm:t>
+    </dgm:pt>
+    <dgm:pt modelId="{3B1E49C7-1882-4E37-A109-FFE701176F9C}" type="pres">
+      <dgm:prSet presAssocID="{0283D0BA-E40A-4661-A572-757662D8F90C}" presName="descendantText" presStyleLbl="alignAcc1" presStyleIdx="1" presStyleCnt="2" custScaleX="93562" custLinFactNeighborX="-400">
+        <dgm:presLayoutVars>
+          <dgm:bulletEnabled val="1"/>
+        </dgm:presLayoutVars>
+      </dgm:prSet>
+      <dgm:spPr/>
+      <dgm:t>
+        <a:bodyPr/>
+        <a:lstStyle/>
+        <a:p>
+          <a:endParaRPr lang="es-CO"/>
+        </a:p>
+      </dgm:t>
+    </dgm:pt>
+  </dgm:ptLst>
+  <dgm:cxnLst>
+    <dgm:cxn modelId="{0DCC7905-4C92-4F90-89D8-BDB7F2324F43}" type="presOf" srcId="{AB89644E-047E-4EF6-8F94-20D8E269D77F}" destId="{ED20A8E0-A09D-4A8F-BA55-901FDBFBFB9B}" srcOrd="0" destOrd="0" presId="urn:microsoft.com/office/officeart/2005/8/layout/chevron2"/>
+    <dgm:cxn modelId="{F534451B-8BBB-4F15-BC10-79EC91D516DE}" type="presOf" srcId="{0283D0BA-E40A-4661-A572-757662D8F90C}" destId="{27EF10BC-A202-491A-96C2-62B99C9944E4}" srcOrd="0" destOrd="0" presId="urn:microsoft.com/office/officeart/2005/8/layout/chevron2"/>
+    <dgm:cxn modelId="{D3314159-2D61-4CF5-BDF8-F5F8418045C7}" srcId="{AB89644E-047E-4EF6-8F94-20D8E269D77F}" destId="{1FBE4113-67DF-4D15-8AC5-D34996480903}" srcOrd="0" destOrd="0" parTransId="{BD77DC55-CDB9-4FC0-B23F-FF44B7B261F4}" sibTransId="{B35A071C-A2C6-44E9-B31A-106B18800C15}"/>
+    <dgm:cxn modelId="{90E2DF14-0571-426A-AFFB-F34CA2AB27B9}" srcId="{0283D0BA-E40A-4661-A572-757662D8F90C}" destId="{2795E8B6-3C41-4D37-8274-72713CEA938F}" srcOrd="0" destOrd="0" parTransId="{BB8FBB51-EFB5-46F6-9CB4-2E7843063108}" sibTransId="{605611A7-6A8B-4EB1-B204-5A69EBC19626}"/>
+    <dgm:cxn modelId="{676EDF20-EA05-4912-BE88-8C38244B60B3}" type="presOf" srcId="{1FBE4113-67DF-4D15-8AC5-D34996480903}" destId="{7E6EE975-DAD0-42A9-8D07-C777F2B46116}" srcOrd="0" destOrd="0" presId="urn:microsoft.com/office/officeart/2005/8/layout/chevron2"/>
+    <dgm:cxn modelId="{DEE4106A-A86F-4A93-A3CA-334F09A7E84C}" srcId="{AB89644E-047E-4EF6-8F94-20D8E269D77F}" destId="{0283D0BA-E40A-4661-A572-757662D8F90C}" srcOrd="1" destOrd="0" parTransId="{894B10E5-F227-4A8C-A653-0E97B002D807}" sibTransId="{EE265449-1489-414F-8737-3495B7507766}"/>
+    <dgm:cxn modelId="{6222B9BC-197F-4E6A-AE5F-B5D97BD141F8}" type="presOf" srcId="{2795E8B6-3C41-4D37-8274-72713CEA938F}" destId="{3B1E49C7-1882-4E37-A109-FFE701176F9C}" srcOrd="0" destOrd="0" presId="urn:microsoft.com/office/officeart/2005/8/layout/chevron2"/>
+    <dgm:cxn modelId="{772467B2-EEF8-4D7F-B166-8E2EBA66570C}" type="presOf" srcId="{A21F959D-4D60-4537-A6E7-F929FE095F80}" destId="{9AB14BCC-A0FC-47BB-ADC4-9AF237D6A8FC}" srcOrd="0" destOrd="0" presId="urn:microsoft.com/office/officeart/2005/8/layout/chevron2"/>
+    <dgm:cxn modelId="{5DAF724F-EB68-454C-B426-C5BF65714DF5}" srcId="{1FBE4113-67DF-4D15-8AC5-D34996480903}" destId="{A21F959D-4D60-4537-A6E7-F929FE095F80}" srcOrd="0" destOrd="0" parTransId="{614C43C5-59B1-4569-946E-2950BD792124}" sibTransId="{E49F283B-E874-402B-9419-CA809E340658}"/>
+    <dgm:cxn modelId="{147143D2-BFB8-49BA-B52B-0BEFE8C6C7D6}" type="presParOf" srcId="{ED20A8E0-A09D-4A8F-BA55-901FDBFBFB9B}" destId="{9EF061BD-FEF4-4C35-A323-AECC5E0BD08E}" srcOrd="0" destOrd="0" presId="urn:microsoft.com/office/officeart/2005/8/layout/chevron2"/>
+    <dgm:cxn modelId="{15614580-C6F4-4BC7-B7DC-25F4EEC89097}" type="presParOf" srcId="{9EF061BD-FEF4-4C35-A323-AECC5E0BD08E}" destId="{7E6EE975-DAD0-42A9-8D07-C777F2B46116}" srcOrd="0" destOrd="0" presId="urn:microsoft.com/office/officeart/2005/8/layout/chevron2"/>
+    <dgm:cxn modelId="{CF45652F-697F-4D65-B30A-19DC66957EC5}" type="presParOf" srcId="{9EF061BD-FEF4-4C35-A323-AECC5E0BD08E}" destId="{9AB14BCC-A0FC-47BB-ADC4-9AF237D6A8FC}" srcOrd="1" destOrd="0" presId="urn:microsoft.com/office/officeart/2005/8/layout/chevron2"/>
+    <dgm:cxn modelId="{D73E0628-53AC-4714-BE69-EFAAC22D548D}" type="presParOf" srcId="{ED20A8E0-A09D-4A8F-BA55-901FDBFBFB9B}" destId="{0CFA9D7D-2C29-4740-9E29-49F356DBD3DE}" srcOrd="1" destOrd="0" presId="urn:microsoft.com/office/officeart/2005/8/layout/chevron2"/>
+    <dgm:cxn modelId="{37BD079C-8BF7-4E23-A174-250937A2E7C9}" type="presParOf" srcId="{ED20A8E0-A09D-4A8F-BA55-901FDBFBFB9B}" destId="{493306DE-BDF6-497E-8956-6A60C4825340}" srcOrd="2" destOrd="0" presId="urn:microsoft.com/office/officeart/2005/8/layout/chevron2"/>
+    <dgm:cxn modelId="{6082856E-7CFB-4997-8944-AFE23B119785}" type="presParOf" srcId="{493306DE-BDF6-497E-8956-6A60C4825340}" destId="{27EF10BC-A202-491A-96C2-62B99C9944E4}" srcOrd="0" destOrd="0" presId="urn:microsoft.com/office/officeart/2005/8/layout/chevron2"/>
+    <dgm:cxn modelId="{31DEAF4B-1DD2-4B69-94C0-66E3466E09D9}" type="presParOf" srcId="{493306DE-BDF6-497E-8956-6A60C4825340}" destId="{3B1E49C7-1882-4E37-A109-FFE701176F9C}" srcOrd="1" destOrd="0" presId="urn:microsoft.com/office/officeart/2005/8/layout/chevron2"/>
   </dgm:cxnLst>
   <dgm:bg/>
   <dgm:whole/>
@@ -8134,10 +9976,24 @@
     <dgm:pt modelId="{0E54DADB-5B0A-420F-9AB0-86C918E93BB0}" type="parTrans" cxnId="{39722DF4-0B57-4E0A-8921-8B956952DB17}">
       <dgm:prSet/>
       <dgm:spPr/>
+      <dgm:t>
+        <a:bodyPr/>
+        <a:lstStyle/>
+        <a:p>
+          <a:endParaRPr lang="es-CO"/>
+        </a:p>
+      </dgm:t>
     </dgm:pt>
     <dgm:pt modelId="{5C812998-F390-46BC-A2A1-BAE16D30ABEB}" type="sibTrans" cxnId="{39722DF4-0B57-4E0A-8921-8B956952DB17}">
       <dgm:prSet/>
       <dgm:spPr/>
+      <dgm:t>
+        <a:bodyPr/>
+        <a:lstStyle/>
+        <a:p>
+          <a:endParaRPr lang="es-CO"/>
+        </a:p>
+      </dgm:t>
     </dgm:pt>
     <dgm:pt modelId="{1ADBDB7F-0BC8-46E2-B126-AE1F9263A749}" type="pres">
       <dgm:prSet presAssocID="{79320DB0-8528-4E33-8464-A88B73C5C8C5}" presName="linear" presStyleCnt="0">
@@ -8156,7 +10012,7 @@
       </dgm:t>
     </dgm:pt>
     <dgm:pt modelId="{47E64E8E-27C6-4154-9F02-36AC6DF96871}" type="pres">
-      <dgm:prSet presAssocID="{36D11BD7-A079-4694-A7BF-DFBE34C87CA9}" presName="parentText" presStyleLbl="node1" presStyleIdx="0" presStyleCnt="1" custScaleY="63691" custLinFactNeighborY="-8484">
+      <dgm:prSet presAssocID="{36D11BD7-A079-4694-A7BF-DFBE34C87CA9}" presName="parentText" presStyleLbl="node1" presStyleIdx="0" presStyleCnt="1" custScaleY="56139" custLinFactNeighborY="-8484">
         <dgm:presLayoutVars>
           <dgm:chMax val="0"/>
           <dgm:bulletEnabled val="1"/>
@@ -8478,10 +10334,24 @@
     <dgm:pt modelId="{7540EEAA-D837-4A2B-BD36-081D71A49579}" type="parTrans" cxnId="{2CCF9274-5D8C-4CEA-985A-989E3851F58D}">
       <dgm:prSet/>
       <dgm:spPr/>
+      <dgm:t>
+        <a:bodyPr/>
+        <a:lstStyle/>
+        <a:p>
+          <a:endParaRPr lang="es-CO"/>
+        </a:p>
+      </dgm:t>
     </dgm:pt>
     <dgm:pt modelId="{977A82ED-8F36-49BC-8DA5-1A9C80333C09}" type="sibTrans" cxnId="{2CCF9274-5D8C-4CEA-985A-989E3851F58D}">
       <dgm:prSet/>
       <dgm:spPr/>
+      <dgm:t>
+        <a:bodyPr/>
+        <a:lstStyle/>
+        <a:p>
+          <a:endParaRPr lang="es-CO"/>
+        </a:p>
+      </dgm:t>
     </dgm:pt>
     <dgm:pt modelId="{1ADBDB7F-0BC8-46E2-B126-AE1F9263A749}" type="pres">
       <dgm:prSet presAssocID="{79320DB0-8528-4E33-8464-A88B73C5C8C5}" presName="linear" presStyleCnt="0">
@@ -8500,7 +10370,7 @@
       </dgm:t>
     </dgm:pt>
     <dgm:pt modelId="{47E64E8E-27C6-4154-9F02-36AC6DF96871}" type="pres">
-      <dgm:prSet presAssocID="{36D11BD7-A079-4694-A7BF-DFBE34C87CA9}" presName="parentText" presStyleLbl="node1" presStyleIdx="0" presStyleCnt="1" custScaleY="42830" custLinFactNeighborY="-8484">
+      <dgm:prSet presAssocID="{36D11BD7-A079-4694-A7BF-DFBE34C87CA9}" presName="parentText" presStyleLbl="node1" presStyleIdx="0" presStyleCnt="1" custScaleY="53335" custLinFactNeighborY="-8484">
         <dgm:presLayoutVars>
           <dgm:chMax val="0"/>
           <dgm:bulletEnabled val="1"/>
@@ -9256,11 +11126,7 @@
           <a:pPr rtl="0"/>
           <a:r>
             <a:rPr lang="es-CO" sz="1400" b="1" dirty="0" smtClean="0"/>
-            <a:t>Control y seguimiento </a:t>
-          </a:r>
-          <a:r>
-            <a:rPr lang="es-CO" sz="1400" b="1" dirty="0" smtClean="0"/>
-            <a:t>de progreso en requerimientos</a:t>
+            <a:t>Control y seguimiento de progreso en requerimientos</a:t>
           </a:r>
           <a:endParaRPr lang="es-CO" sz="1400" b="1" dirty="0"/>
         </a:p>
@@ -9436,8 +11302,8 @@
     <dgm:cxn modelId="{A1A0F21B-0A46-4B61-960C-D4F375B6A9DA}" srcId="{01D516EE-1BB8-4889-BDE8-4189AE0F91DB}" destId="{463B9769-BF8D-4BB7-93B9-BC203442C53D}" srcOrd="0" destOrd="0" parTransId="{CE23665E-A6FE-44EB-8E18-765F13CE2D42}" sibTransId="{C1115098-A5E2-4F23-A52B-D949B5E78D1F}"/>
     <dgm:cxn modelId="{7A31CA61-D5EE-4BC9-9E54-FC16A53CD87E}" srcId="{F508A6E5-360C-40F2-9A87-F831A020317E}" destId="{142E5BCB-04D0-4ECA-84B7-81A97187AADD}" srcOrd="0" destOrd="0" parTransId="{02B026C1-75FA-4B24-8493-AF4BF4A2D360}" sibTransId="{52759D1C-33EC-43F1-A842-C9C321CB71E1}"/>
     <dgm:cxn modelId="{CD06F41A-5D29-4156-92F9-AF076621804B}" type="presOf" srcId="{463B9769-BF8D-4BB7-93B9-BC203442C53D}" destId="{A74BF774-9F37-4D08-9726-7F148DB6C16C}" srcOrd="0" destOrd="0" presId="urn:microsoft.com/office/officeart/2005/8/layout/chevron2"/>
+    <dgm:cxn modelId="{9192C5A8-B0FF-4CA1-95E9-AEDFEE71659C}" type="presOf" srcId="{B15B6480-D6F5-4D3A-9D4A-3ADAEB9F72F0}" destId="{A74BF774-9F37-4D08-9726-7F148DB6C16C}" srcOrd="0" destOrd="3" presId="urn:microsoft.com/office/officeart/2005/8/layout/chevron2"/>
     <dgm:cxn modelId="{85417694-BE57-46F7-BF0E-6891E45CB088}" srcId="{F508A6E5-360C-40F2-9A87-F831A020317E}" destId="{01D516EE-1BB8-4889-BDE8-4189AE0F91DB}" srcOrd="1" destOrd="0" parTransId="{3EDA7968-8804-4484-83FC-D49F196535D8}" sibTransId="{FFC35DCE-23BB-47FF-8CE8-276ADC67DA1F}"/>
-    <dgm:cxn modelId="{9192C5A8-B0FF-4CA1-95E9-AEDFEE71659C}" type="presOf" srcId="{B15B6480-D6F5-4D3A-9D4A-3ADAEB9F72F0}" destId="{A74BF774-9F37-4D08-9726-7F148DB6C16C}" srcOrd="0" destOrd="3" presId="urn:microsoft.com/office/officeart/2005/8/layout/chevron2"/>
     <dgm:cxn modelId="{72560A30-0CD2-484C-8FF8-640847B1779B}" type="presOf" srcId="{F508A6E5-360C-40F2-9A87-F831A020317E}" destId="{6CC34854-8500-410D-8C9B-723B45A4460C}" srcOrd="0" destOrd="0" presId="urn:microsoft.com/office/officeart/2005/8/layout/chevron2"/>
     <dgm:cxn modelId="{8199A00F-9131-4407-8CDE-A518C16070D6}" srcId="{01D516EE-1BB8-4889-BDE8-4189AE0F91DB}" destId="{419BAD8E-1E02-432D-BFDB-4AA1D650DB73}" srcOrd="4" destOrd="0" parTransId="{294AF0CA-B0AD-42B3-9B6A-3778C022416C}" sibTransId="{6E4C52CC-7FE9-471E-A5C3-6E0295971785}"/>
     <dgm:cxn modelId="{C5E24ADE-988B-4B5A-AD40-FC5547EF213A}" type="presParOf" srcId="{6CC34854-8500-410D-8C9B-723B45A4460C}" destId="{4B7F5AE3-66D0-4299-B267-F95D68686308}" srcOrd="0" destOrd="0" presId="urn:microsoft.com/office/officeart/2005/8/layout/chevron2"/>
@@ -9520,11 +11386,7 @@
           <a:pPr rtl="0"/>
           <a:r>
             <a:rPr lang="es-CO" sz="1400" b="1" dirty="0" smtClean="0"/>
-            <a:t>Generación de re </a:t>
-          </a:r>
-          <a:r>
-            <a:rPr lang="es-CO" sz="1400" b="1" dirty="0" smtClean="0"/>
-            <a:t>trabajo por falta de definición clara de requerimientos</a:t>
+            <a:t>Generación de re trabajo por falta de definición clara de requerimientos</a:t>
           </a:r>
           <a:endParaRPr lang="es-CO" sz="1400" dirty="0"/>
         </a:p>
@@ -9911,25 +11773,25 @@
     </dgm:pt>
   </dgm:ptLst>
   <dgm:cxnLst>
+    <dgm:cxn modelId="{4A8B7031-EDCE-4428-9F0E-2C5F1C0061DE}" type="presOf" srcId="{10FF20D8-A46C-4146-B524-6846D9B3E554}" destId="{9AB14BCC-A0FC-47BB-ADC4-9AF237D6A8FC}" srcOrd="0" destOrd="1" presId="urn:microsoft.com/office/officeart/2005/8/layout/chevron2"/>
+    <dgm:cxn modelId="{8393D7F7-49FA-4F5B-BD51-CFC06ABF21DB}" type="presOf" srcId="{0283D0BA-E40A-4661-A572-757662D8F90C}" destId="{27EF10BC-A202-491A-96C2-62B99C9944E4}" srcOrd="0" destOrd="0" presId="urn:microsoft.com/office/officeart/2005/8/layout/chevron2"/>
+    <dgm:cxn modelId="{60879FB5-406A-471C-B63B-4E06F1B97E5C}" type="presOf" srcId="{7A1AE304-520F-40F9-BE17-AA58B66365F3}" destId="{3B1E49C7-1882-4E37-A109-FFE701176F9C}" srcOrd="0" destOrd="2" presId="urn:microsoft.com/office/officeart/2005/8/layout/chevron2"/>
+    <dgm:cxn modelId="{E7BA29F9-62E0-430C-BCE5-3FA7C0B59642}" type="presOf" srcId="{F595FAA1-AE24-4E2B-BFD8-7BF805A5E090}" destId="{9AB14BCC-A0FC-47BB-ADC4-9AF237D6A8FC}" srcOrd="0" destOrd="2" presId="urn:microsoft.com/office/officeart/2005/8/layout/chevron2"/>
+    <dgm:cxn modelId="{CB1472A5-9C88-4B28-9759-EFC62EF3AA31}" type="presOf" srcId="{AB89644E-047E-4EF6-8F94-20D8E269D77F}" destId="{ED20A8E0-A09D-4A8F-BA55-901FDBFBFB9B}" srcOrd="0" destOrd="0" presId="urn:microsoft.com/office/officeart/2005/8/layout/chevron2"/>
+    <dgm:cxn modelId="{D3314159-2D61-4CF5-BDF8-F5F8418045C7}" srcId="{AB89644E-047E-4EF6-8F94-20D8E269D77F}" destId="{1FBE4113-67DF-4D15-8AC5-D34996480903}" srcOrd="0" destOrd="0" parTransId="{BD77DC55-CDB9-4FC0-B23F-FF44B7B261F4}" sibTransId="{B35A071C-A2C6-44E9-B31A-106B18800C15}"/>
+    <dgm:cxn modelId="{7354EDAB-EFC4-4ED6-A6C6-DE63E91955CD}" type="presOf" srcId="{1FBE4113-67DF-4D15-8AC5-D34996480903}" destId="{7E6EE975-DAD0-42A9-8D07-C777F2B46116}" srcOrd="0" destOrd="0" presId="urn:microsoft.com/office/officeart/2005/8/layout/chevron2"/>
+    <dgm:cxn modelId="{F155BA40-BFA7-43F3-AB8C-42AD635CE2F5}" type="presOf" srcId="{AC8C2A78-94F4-42FF-9583-EA77E5B32383}" destId="{3B1E49C7-1882-4E37-A109-FFE701176F9C}" srcOrd="0" destOrd="1" presId="urn:microsoft.com/office/officeart/2005/8/layout/chevron2"/>
+    <dgm:cxn modelId="{1DB674B6-2723-42B1-8A22-A5C18135843C}" srcId="{0283D0BA-E40A-4661-A572-757662D8F90C}" destId="{7A1AE304-520F-40F9-BE17-AA58B66365F3}" srcOrd="2" destOrd="0" parTransId="{CCA359D3-1B3C-494E-AB3E-5ED0E10D723E}" sibTransId="{F6857EB0-F78C-46C2-8161-4CE024771613}"/>
     <dgm:cxn modelId="{9F38432F-2E7E-458C-9EBB-87A16D14FB6E}" srcId="{0283D0BA-E40A-4661-A572-757662D8F90C}" destId="{AC8C2A78-94F4-42FF-9583-EA77E5B32383}" srcOrd="1" destOrd="0" parTransId="{24ECB85C-D806-471C-A04E-E7EE8AB40748}" sibTransId="{15FD0352-92AF-467E-8CF4-2B4E11147505}"/>
+    <dgm:cxn modelId="{64C4E0B9-4C02-49F5-AAF9-D6D0F9628C35}" srcId="{1FBE4113-67DF-4D15-8AC5-D34996480903}" destId="{F595FAA1-AE24-4E2B-BFD8-7BF805A5E090}" srcOrd="2" destOrd="0" parTransId="{8B254D4D-BDD3-48DB-916D-14803628F688}" sibTransId="{E219E297-0B67-4574-95D2-B67CB5CC86C4}"/>
+    <dgm:cxn modelId="{90E2DF14-0571-426A-AFFB-F34CA2AB27B9}" srcId="{0283D0BA-E40A-4661-A572-757662D8F90C}" destId="{2795E8B6-3C41-4D37-8274-72713CEA938F}" srcOrd="0" destOrd="0" parTransId="{BB8FBB51-EFB5-46F6-9CB4-2E7843063108}" sibTransId="{605611A7-6A8B-4EB1-B204-5A69EBC19626}"/>
+    <dgm:cxn modelId="{A855E1C8-8140-4560-BF08-D61FC0343E9B}" srcId="{1FBE4113-67DF-4D15-8AC5-D34996480903}" destId="{10FF20D8-A46C-4146-B524-6846D9B3E554}" srcOrd="1" destOrd="0" parTransId="{BBFB4573-170B-4F21-851A-1C3DADAE8A5A}" sibTransId="{0F922438-6AC5-48C7-8C74-C5E188E33AA0}"/>
+    <dgm:cxn modelId="{DEE4106A-A86F-4A93-A3CA-334F09A7E84C}" srcId="{AB89644E-047E-4EF6-8F94-20D8E269D77F}" destId="{0283D0BA-E40A-4661-A572-757662D8F90C}" srcOrd="1" destOrd="0" parTransId="{894B10E5-F227-4A8C-A653-0E97B002D807}" sibTransId="{EE265449-1489-414F-8737-3495B7507766}"/>
+    <dgm:cxn modelId="{343E95CC-3B6C-4723-A5A2-F21F23ADA052}" type="presOf" srcId="{A21F959D-4D60-4537-A6E7-F929FE095F80}" destId="{9AB14BCC-A0FC-47BB-ADC4-9AF237D6A8FC}" srcOrd="0" destOrd="0" presId="urn:microsoft.com/office/officeart/2005/8/layout/chevron2"/>
+    <dgm:cxn modelId="{F8CE50DB-38C2-494D-8445-FE5C12412506}" type="presOf" srcId="{F9E2FFF5-AAD3-4168-A58F-BF03FF3D21E4}" destId="{9AB14BCC-A0FC-47BB-ADC4-9AF237D6A8FC}" srcOrd="0" destOrd="3" presId="urn:microsoft.com/office/officeart/2005/8/layout/chevron2"/>
+    <dgm:cxn modelId="{51183649-CBCB-4C47-AA12-A2C4729E72BD}" type="presOf" srcId="{2795E8B6-3C41-4D37-8274-72713CEA938F}" destId="{3B1E49C7-1882-4E37-A109-FFE701176F9C}" srcOrd="0" destOrd="0" presId="urn:microsoft.com/office/officeart/2005/8/layout/chevron2"/>
+    <dgm:cxn modelId="{0D4954FD-1489-4CE2-8B63-11C7C63F2A23}" srcId="{1FBE4113-67DF-4D15-8AC5-D34996480903}" destId="{F9E2FFF5-AAD3-4168-A58F-BF03FF3D21E4}" srcOrd="3" destOrd="0" parTransId="{F2778E1D-B059-4BEB-8303-554F1BD48D12}" sibTransId="{A970FD29-746D-4099-ADE9-FB1509663345}"/>
     <dgm:cxn modelId="{5DAF724F-EB68-454C-B426-C5BF65714DF5}" srcId="{1FBE4113-67DF-4D15-8AC5-D34996480903}" destId="{A21F959D-4D60-4537-A6E7-F929FE095F80}" srcOrd="0" destOrd="0" parTransId="{614C43C5-59B1-4569-946E-2950BD792124}" sibTransId="{E49F283B-E874-402B-9419-CA809E340658}"/>
-    <dgm:cxn modelId="{0D4954FD-1489-4CE2-8B63-11C7C63F2A23}" srcId="{1FBE4113-67DF-4D15-8AC5-D34996480903}" destId="{F9E2FFF5-AAD3-4168-A58F-BF03FF3D21E4}" srcOrd="3" destOrd="0" parTransId="{F2778E1D-B059-4BEB-8303-554F1BD48D12}" sibTransId="{A970FD29-746D-4099-ADE9-FB1509663345}"/>
-    <dgm:cxn modelId="{E7BA29F9-62E0-430C-BCE5-3FA7C0B59642}" type="presOf" srcId="{F595FAA1-AE24-4E2B-BFD8-7BF805A5E090}" destId="{9AB14BCC-A0FC-47BB-ADC4-9AF237D6A8FC}" srcOrd="0" destOrd="2" presId="urn:microsoft.com/office/officeart/2005/8/layout/chevron2"/>
-    <dgm:cxn modelId="{1DB674B6-2723-42B1-8A22-A5C18135843C}" srcId="{0283D0BA-E40A-4661-A572-757662D8F90C}" destId="{7A1AE304-520F-40F9-BE17-AA58B66365F3}" srcOrd="2" destOrd="0" parTransId="{CCA359D3-1B3C-494E-AB3E-5ED0E10D723E}" sibTransId="{F6857EB0-F78C-46C2-8161-4CE024771613}"/>
-    <dgm:cxn modelId="{A855E1C8-8140-4560-BF08-D61FC0343E9B}" srcId="{1FBE4113-67DF-4D15-8AC5-D34996480903}" destId="{10FF20D8-A46C-4146-B524-6846D9B3E554}" srcOrd="1" destOrd="0" parTransId="{BBFB4573-170B-4F21-851A-1C3DADAE8A5A}" sibTransId="{0F922438-6AC5-48C7-8C74-C5E188E33AA0}"/>
-    <dgm:cxn modelId="{4A8B7031-EDCE-4428-9F0E-2C5F1C0061DE}" type="presOf" srcId="{10FF20D8-A46C-4146-B524-6846D9B3E554}" destId="{9AB14BCC-A0FC-47BB-ADC4-9AF237D6A8FC}" srcOrd="0" destOrd="1" presId="urn:microsoft.com/office/officeart/2005/8/layout/chevron2"/>
-    <dgm:cxn modelId="{CB1472A5-9C88-4B28-9759-EFC62EF3AA31}" type="presOf" srcId="{AB89644E-047E-4EF6-8F94-20D8E269D77F}" destId="{ED20A8E0-A09D-4A8F-BA55-901FDBFBFB9B}" srcOrd="0" destOrd="0" presId="urn:microsoft.com/office/officeart/2005/8/layout/chevron2"/>
-    <dgm:cxn modelId="{90E2DF14-0571-426A-AFFB-F34CA2AB27B9}" srcId="{0283D0BA-E40A-4661-A572-757662D8F90C}" destId="{2795E8B6-3C41-4D37-8274-72713CEA938F}" srcOrd="0" destOrd="0" parTransId="{BB8FBB51-EFB5-46F6-9CB4-2E7843063108}" sibTransId="{605611A7-6A8B-4EB1-B204-5A69EBC19626}"/>
-    <dgm:cxn modelId="{F8CE50DB-38C2-494D-8445-FE5C12412506}" type="presOf" srcId="{F9E2FFF5-AAD3-4168-A58F-BF03FF3D21E4}" destId="{9AB14BCC-A0FC-47BB-ADC4-9AF237D6A8FC}" srcOrd="0" destOrd="3" presId="urn:microsoft.com/office/officeart/2005/8/layout/chevron2"/>
-    <dgm:cxn modelId="{60879FB5-406A-471C-B63B-4E06F1B97E5C}" type="presOf" srcId="{7A1AE304-520F-40F9-BE17-AA58B66365F3}" destId="{3B1E49C7-1882-4E37-A109-FFE701176F9C}" srcOrd="0" destOrd="2" presId="urn:microsoft.com/office/officeart/2005/8/layout/chevron2"/>
-    <dgm:cxn modelId="{8393D7F7-49FA-4F5B-BD51-CFC06ABF21DB}" type="presOf" srcId="{0283D0BA-E40A-4661-A572-757662D8F90C}" destId="{27EF10BC-A202-491A-96C2-62B99C9944E4}" srcOrd="0" destOrd="0" presId="urn:microsoft.com/office/officeart/2005/8/layout/chevron2"/>
-    <dgm:cxn modelId="{DEE4106A-A86F-4A93-A3CA-334F09A7E84C}" srcId="{AB89644E-047E-4EF6-8F94-20D8E269D77F}" destId="{0283D0BA-E40A-4661-A572-757662D8F90C}" srcOrd="1" destOrd="0" parTransId="{894B10E5-F227-4A8C-A653-0E97B002D807}" sibTransId="{EE265449-1489-414F-8737-3495B7507766}"/>
-    <dgm:cxn modelId="{F155BA40-BFA7-43F3-AB8C-42AD635CE2F5}" type="presOf" srcId="{AC8C2A78-94F4-42FF-9583-EA77E5B32383}" destId="{3B1E49C7-1882-4E37-A109-FFE701176F9C}" srcOrd="0" destOrd="1" presId="urn:microsoft.com/office/officeart/2005/8/layout/chevron2"/>
-    <dgm:cxn modelId="{D3314159-2D61-4CF5-BDF8-F5F8418045C7}" srcId="{AB89644E-047E-4EF6-8F94-20D8E269D77F}" destId="{1FBE4113-67DF-4D15-8AC5-D34996480903}" srcOrd="0" destOrd="0" parTransId="{BD77DC55-CDB9-4FC0-B23F-FF44B7B261F4}" sibTransId="{B35A071C-A2C6-44E9-B31A-106B18800C15}"/>
-    <dgm:cxn modelId="{343E95CC-3B6C-4723-A5A2-F21F23ADA052}" type="presOf" srcId="{A21F959D-4D60-4537-A6E7-F929FE095F80}" destId="{9AB14BCC-A0FC-47BB-ADC4-9AF237D6A8FC}" srcOrd="0" destOrd="0" presId="urn:microsoft.com/office/officeart/2005/8/layout/chevron2"/>
-    <dgm:cxn modelId="{64C4E0B9-4C02-49F5-AAF9-D6D0F9628C35}" srcId="{1FBE4113-67DF-4D15-8AC5-D34996480903}" destId="{F595FAA1-AE24-4E2B-BFD8-7BF805A5E090}" srcOrd="2" destOrd="0" parTransId="{8B254D4D-BDD3-48DB-916D-14803628F688}" sibTransId="{E219E297-0B67-4574-95D2-B67CB5CC86C4}"/>
-    <dgm:cxn modelId="{51183649-CBCB-4C47-AA12-A2C4729E72BD}" type="presOf" srcId="{2795E8B6-3C41-4D37-8274-72713CEA938F}" destId="{3B1E49C7-1882-4E37-A109-FFE701176F9C}" srcOrd="0" destOrd="0" presId="urn:microsoft.com/office/officeart/2005/8/layout/chevron2"/>
-    <dgm:cxn modelId="{7354EDAB-EFC4-4ED6-A6C6-DE63E91955CD}" type="presOf" srcId="{1FBE4113-67DF-4D15-8AC5-D34996480903}" destId="{7E6EE975-DAD0-42A9-8D07-C777F2B46116}" srcOrd="0" destOrd="0" presId="urn:microsoft.com/office/officeart/2005/8/layout/chevron2"/>
     <dgm:cxn modelId="{3DBBECFD-040A-4DCF-B5A6-DF571E0FC11A}" type="presParOf" srcId="{ED20A8E0-A09D-4A8F-BA55-901FDBFBFB9B}" destId="{9EF061BD-FEF4-4C35-A323-AECC5E0BD08E}" srcOrd="0" destOrd="0" presId="urn:microsoft.com/office/officeart/2005/8/layout/chevron2"/>
     <dgm:cxn modelId="{F55D834D-6E9D-44E3-9ED9-D557A444CD75}" type="presParOf" srcId="{9EF061BD-FEF4-4C35-A323-AECC5E0BD08E}" destId="{7E6EE975-DAD0-42A9-8D07-C777F2B46116}" srcOrd="0" destOrd="0" presId="urn:microsoft.com/office/officeart/2005/8/layout/chevron2"/>
     <dgm:cxn modelId="{F55A3722-E259-42CD-AE29-1D36AD9CFBEA}" type="presParOf" srcId="{9EF061BD-FEF4-4C35-A323-AECC5E0BD08E}" destId="{9AB14BCC-A0FC-47BB-ADC4-9AF237D6A8FC}" srcOrd="1" destOrd="0" presId="urn:microsoft.com/office/officeart/2005/8/layout/chevron2"/>
@@ -9937,6 +11799,479 @@
     <dgm:cxn modelId="{36FFB99B-7CE4-4A41-8AD0-629838B38445}" type="presParOf" srcId="{ED20A8E0-A09D-4A8F-BA55-901FDBFBFB9B}" destId="{493306DE-BDF6-497E-8956-6A60C4825340}" srcOrd="2" destOrd="0" presId="urn:microsoft.com/office/officeart/2005/8/layout/chevron2"/>
     <dgm:cxn modelId="{EEC454BC-9422-4627-995F-7F6BA3CD7EE8}" type="presParOf" srcId="{493306DE-BDF6-497E-8956-6A60C4825340}" destId="{27EF10BC-A202-491A-96C2-62B99C9944E4}" srcOrd="0" destOrd="0" presId="urn:microsoft.com/office/officeart/2005/8/layout/chevron2"/>
     <dgm:cxn modelId="{D3E69CB9-EA42-4182-B3F1-13F3663B29B6}" type="presParOf" srcId="{493306DE-BDF6-497E-8956-6A60C4825340}" destId="{3B1E49C7-1882-4E37-A109-FFE701176F9C}" srcOrd="1" destOrd="0" presId="urn:microsoft.com/office/officeart/2005/8/layout/chevron2"/>
+  </dgm:cxnLst>
+  <dgm:bg/>
+  <dgm:whole/>
+  <dgm:extLst>
+    <a:ext uri="http://schemas.microsoft.com/office/drawing/2008/diagram">
+      <dsp:dataModelExt xmlns:dsp="http://schemas.microsoft.com/office/drawing/2008/diagram" xmlns="" relId="rId7" minVer="http://schemas.openxmlformats.org/drawingml/2006/diagram"/>
+    </a:ext>
+  </dgm:extLst>
+</dgm:dataModel>
+</file>
+
+<file path=ppt/diagrams/data9.xml><?xml version="1.0" encoding="utf-8"?>
+<dgm:dataModel xmlns:dgm="http://schemas.openxmlformats.org/drawingml/2006/diagram" xmlns:a="http://schemas.openxmlformats.org/drawingml/2006/main">
+  <dgm:ptLst>
+    <dgm:pt modelId="{F508A6E5-360C-40F2-9A87-F831A020317E}" type="doc">
+      <dgm:prSet loTypeId="urn:microsoft.com/office/officeart/2005/8/layout/chevron2" loCatId="process" qsTypeId="urn:microsoft.com/office/officeart/2005/8/quickstyle/simple1" qsCatId="simple" csTypeId="urn:microsoft.com/office/officeart/2005/8/colors/colorful5" csCatId="colorful" phldr="1"/>
+      <dgm:spPr/>
+      <dgm:t>
+        <a:bodyPr/>
+        <a:lstStyle/>
+        <a:p>
+          <a:endParaRPr lang="es-CO"/>
+        </a:p>
+      </dgm:t>
+    </dgm:pt>
+    <dgm:pt modelId="{142E5BCB-04D0-4ECA-84B7-81A97187AADD}">
+      <dgm:prSet custT="1"/>
+      <dgm:spPr/>
+      <dgm:t>
+        <a:bodyPr/>
+        <a:lstStyle/>
+        <a:p>
+          <a:pPr rtl="0"/>
+          <a:r>
+            <a:rPr lang="es-CO" sz="1800" b="1" dirty="0" smtClean="0"/>
+            <a:t>Fortalezas</a:t>
+          </a:r>
+          <a:endParaRPr lang="es-CO" sz="1800" dirty="0"/>
+        </a:p>
+      </dgm:t>
+    </dgm:pt>
+    <dgm:pt modelId="{02B026C1-75FA-4B24-8493-AF4BF4A2D360}" type="parTrans" cxnId="{7A31CA61-D5EE-4BC9-9E54-FC16A53CD87E}">
+      <dgm:prSet/>
+      <dgm:spPr/>
+      <dgm:t>
+        <a:bodyPr/>
+        <a:lstStyle/>
+        <a:p>
+          <a:endParaRPr lang="es-CO"/>
+        </a:p>
+      </dgm:t>
+    </dgm:pt>
+    <dgm:pt modelId="{52759D1C-33EC-43F1-A842-C9C321CB71E1}" type="sibTrans" cxnId="{7A31CA61-D5EE-4BC9-9E54-FC16A53CD87E}">
+      <dgm:prSet/>
+      <dgm:spPr/>
+      <dgm:t>
+        <a:bodyPr/>
+        <a:lstStyle/>
+        <a:p>
+          <a:endParaRPr lang="es-CO"/>
+        </a:p>
+      </dgm:t>
+    </dgm:pt>
+    <dgm:pt modelId="{01D516EE-1BB8-4889-BDE8-4189AE0F91DB}">
+      <dgm:prSet custT="1"/>
+      <dgm:spPr/>
+      <dgm:t>
+        <a:bodyPr/>
+        <a:lstStyle/>
+        <a:p>
+          <a:pPr rtl="0"/>
+          <a:r>
+            <a:rPr lang="es-CO" sz="1800" b="1" dirty="0" smtClean="0"/>
+            <a:t>Oportunidades de Mejoramiento </a:t>
+          </a:r>
+          <a:endParaRPr lang="es-CO" sz="1800" dirty="0"/>
+        </a:p>
+      </dgm:t>
+    </dgm:pt>
+    <dgm:pt modelId="{3EDA7968-8804-4484-83FC-D49F196535D8}" type="parTrans" cxnId="{85417694-BE57-46F7-BF0E-6891E45CB088}">
+      <dgm:prSet/>
+      <dgm:spPr/>
+      <dgm:t>
+        <a:bodyPr/>
+        <a:lstStyle/>
+        <a:p>
+          <a:endParaRPr lang="es-CO"/>
+        </a:p>
+      </dgm:t>
+    </dgm:pt>
+    <dgm:pt modelId="{FFC35DCE-23BB-47FF-8CE8-276ADC67DA1F}" type="sibTrans" cxnId="{85417694-BE57-46F7-BF0E-6891E45CB088}">
+      <dgm:prSet/>
+      <dgm:spPr/>
+      <dgm:t>
+        <a:bodyPr/>
+        <a:lstStyle/>
+        <a:p>
+          <a:endParaRPr lang="es-CO"/>
+        </a:p>
+      </dgm:t>
+    </dgm:pt>
+    <dgm:pt modelId="{522E005E-61D4-4831-AEB0-91F109CE0738}">
+      <dgm:prSet custT="1"/>
+      <dgm:spPr/>
+      <dgm:t>
+        <a:bodyPr/>
+        <a:lstStyle/>
+        <a:p>
+          <a:pPr rtl="0"/>
+          <a:r>
+            <a:rPr lang="es-CO" sz="1400" b="1" dirty="0" smtClean="0"/>
+            <a:t>Los proyectos cuentan con un repositorio central para gestionar la configuración</a:t>
+          </a:r>
+          <a:endParaRPr lang="es-CO" sz="1400" b="1" dirty="0"/>
+        </a:p>
+      </dgm:t>
+    </dgm:pt>
+    <dgm:pt modelId="{C47F1193-663B-4446-BC7A-B14D840E8A68}" type="parTrans" cxnId="{4CB5BC61-37CC-4BC1-9E29-065E7A4BF8CA}">
+      <dgm:prSet/>
+      <dgm:spPr/>
+      <dgm:t>
+        <a:bodyPr/>
+        <a:lstStyle/>
+        <a:p>
+          <a:endParaRPr lang="es-ES"/>
+        </a:p>
+      </dgm:t>
+    </dgm:pt>
+    <dgm:pt modelId="{DC3B2E10-8201-4A18-8D5E-73CFD09ABC2A}" type="sibTrans" cxnId="{4CB5BC61-37CC-4BC1-9E29-065E7A4BF8CA}">
+      <dgm:prSet/>
+      <dgm:spPr/>
+      <dgm:t>
+        <a:bodyPr/>
+        <a:lstStyle/>
+        <a:p>
+          <a:endParaRPr lang="es-ES"/>
+        </a:p>
+      </dgm:t>
+    </dgm:pt>
+    <dgm:pt modelId="{9C335344-AC81-4300-B15F-0AD09A9C5606}">
+      <dgm:prSet custT="1"/>
+      <dgm:spPr/>
+      <dgm:t>
+        <a:bodyPr/>
+        <a:lstStyle/>
+        <a:p>
+          <a:r>
+            <a:rPr lang="es-CO" sz="1400" b="1" dirty="0" smtClean="0"/>
+            <a:t>Planificación de actividades de administración de la configuración en los proyectos</a:t>
+          </a:r>
+          <a:endParaRPr lang="es-ES" sz="1400" b="1" dirty="0"/>
+        </a:p>
+      </dgm:t>
+    </dgm:pt>
+    <dgm:pt modelId="{85C6402B-5ECA-4D78-9DB9-B2FC2A2866E1}" type="parTrans" cxnId="{FD1DFD86-605E-48C2-9A50-39657DD1E14F}">
+      <dgm:prSet/>
+      <dgm:spPr/>
+      <dgm:t>
+        <a:bodyPr/>
+        <a:lstStyle/>
+        <a:p>
+          <a:endParaRPr lang="es-ES"/>
+        </a:p>
+      </dgm:t>
+    </dgm:pt>
+    <dgm:pt modelId="{F09B664E-AF4F-4396-99A9-BA3A79B6BF30}" type="sibTrans" cxnId="{FD1DFD86-605E-48C2-9A50-39657DD1E14F}">
+      <dgm:prSet/>
+      <dgm:spPr/>
+      <dgm:t>
+        <a:bodyPr/>
+        <a:lstStyle/>
+        <a:p>
+          <a:endParaRPr lang="es-ES"/>
+        </a:p>
+      </dgm:t>
+    </dgm:pt>
+    <dgm:pt modelId="{18642B92-FC5D-4370-B2C9-6B068556511A}">
+      <dgm:prSet custT="1"/>
+      <dgm:spPr/>
+      <dgm:t>
+        <a:bodyPr/>
+        <a:lstStyle/>
+        <a:p>
+          <a:endParaRPr lang="es-ES" sz="1400" b="1" dirty="0"/>
+        </a:p>
+      </dgm:t>
+    </dgm:pt>
+    <dgm:pt modelId="{AAAA72F9-8259-4C91-87EF-C03BA83CD4BE}" type="parTrans" cxnId="{6BE8E2F8-B72B-48A5-9EAE-35A5A5B834AE}">
+      <dgm:prSet/>
+      <dgm:spPr/>
+      <dgm:t>
+        <a:bodyPr/>
+        <a:lstStyle/>
+        <a:p>
+          <a:endParaRPr lang="es-ES"/>
+        </a:p>
+      </dgm:t>
+    </dgm:pt>
+    <dgm:pt modelId="{0614484B-7CFF-422E-B173-E94317F9E050}" type="sibTrans" cxnId="{6BE8E2F8-B72B-48A5-9EAE-35A5A5B834AE}">
+      <dgm:prSet/>
+      <dgm:spPr/>
+      <dgm:t>
+        <a:bodyPr/>
+        <a:lstStyle/>
+        <a:p>
+          <a:endParaRPr lang="es-ES"/>
+        </a:p>
+      </dgm:t>
+    </dgm:pt>
+    <dgm:pt modelId="{663F22C4-DCFC-45B2-9EAB-84C93778B998}">
+      <dgm:prSet custT="1"/>
+      <dgm:spPr/>
+      <dgm:t>
+        <a:bodyPr/>
+        <a:lstStyle/>
+        <a:p>
+          <a:endParaRPr lang="es-ES" sz="1400" b="1" dirty="0"/>
+        </a:p>
+      </dgm:t>
+    </dgm:pt>
+    <dgm:pt modelId="{70A38899-8244-40FD-99E5-3E6D66A038AE}" type="parTrans" cxnId="{408F3D97-4A58-4BEE-B3FB-F91F72DC4F40}">
+      <dgm:prSet/>
+      <dgm:spPr/>
+      <dgm:t>
+        <a:bodyPr/>
+        <a:lstStyle/>
+        <a:p>
+          <a:endParaRPr lang="es-ES"/>
+        </a:p>
+      </dgm:t>
+    </dgm:pt>
+    <dgm:pt modelId="{E27F6C53-102B-48A6-91A6-AA3401473E5A}" type="sibTrans" cxnId="{408F3D97-4A58-4BEE-B3FB-F91F72DC4F40}">
+      <dgm:prSet/>
+      <dgm:spPr/>
+      <dgm:t>
+        <a:bodyPr/>
+        <a:lstStyle/>
+        <a:p>
+          <a:endParaRPr lang="es-ES"/>
+        </a:p>
+      </dgm:t>
+    </dgm:pt>
+    <dgm:pt modelId="{999897B2-66EA-4EA1-901A-E89D8B7C76DB}">
+      <dgm:prSet custT="1"/>
+      <dgm:spPr/>
+      <dgm:t>
+        <a:bodyPr/>
+        <a:lstStyle/>
+        <a:p>
+          <a:r>
+            <a:rPr lang="es-CO" sz="1400" b="1" dirty="0" smtClean="0"/>
+            <a:t>Seguimiento  e informalidad en petición de cambios</a:t>
+          </a:r>
+          <a:endParaRPr lang="es-ES" sz="1400" b="1" dirty="0"/>
+        </a:p>
+      </dgm:t>
+    </dgm:pt>
+    <dgm:pt modelId="{C1DCC29C-B0DC-4B42-85D0-9D6947F1F000}" type="parTrans" cxnId="{5E861E35-99AC-453D-B6D6-224FD00834D3}">
+      <dgm:prSet/>
+      <dgm:spPr/>
+      <dgm:t>
+        <a:bodyPr/>
+        <a:lstStyle/>
+        <a:p>
+          <a:endParaRPr lang="es-ES"/>
+        </a:p>
+      </dgm:t>
+    </dgm:pt>
+    <dgm:pt modelId="{0A98D6C7-EF3E-4BBD-918B-1B9DC6A1C62D}" type="sibTrans" cxnId="{5E861E35-99AC-453D-B6D6-224FD00834D3}">
+      <dgm:prSet/>
+      <dgm:spPr/>
+      <dgm:t>
+        <a:bodyPr/>
+        <a:lstStyle/>
+        <a:p>
+          <a:endParaRPr lang="es-ES"/>
+        </a:p>
+      </dgm:t>
+    </dgm:pt>
+    <dgm:pt modelId="{637763A9-E1AB-4E5A-BA18-04AFD1BA25A4}">
+      <dgm:prSet custT="1"/>
+      <dgm:spPr/>
+      <dgm:t>
+        <a:bodyPr/>
+        <a:lstStyle/>
+        <a:p>
+          <a:pPr rtl="0"/>
+          <a:r>
+            <a:rPr lang="es-CO" sz="1400" b="1" dirty="0" smtClean="0"/>
+            <a:t>Algunos proyectos cuentan con definición de responsabilidades y actores del proceso</a:t>
+          </a:r>
+          <a:endParaRPr lang="es-CO" sz="1400" b="1" dirty="0"/>
+        </a:p>
+      </dgm:t>
+    </dgm:pt>
+    <dgm:pt modelId="{E48ED7E3-F011-4C0B-BAF5-47D365433924}" type="parTrans" cxnId="{BDB16C57-693E-4A60-B65F-53B63F5C8368}">
+      <dgm:prSet/>
+      <dgm:spPr/>
+      <dgm:t>
+        <a:bodyPr/>
+        <a:lstStyle/>
+        <a:p>
+          <a:endParaRPr lang="es-ES"/>
+        </a:p>
+      </dgm:t>
+    </dgm:pt>
+    <dgm:pt modelId="{F72D22F6-67C7-48FB-8D85-770BEBC9B1F0}" type="sibTrans" cxnId="{BDB16C57-693E-4A60-B65F-53B63F5C8368}">
+      <dgm:prSet/>
+      <dgm:spPr/>
+      <dgm:t>
+        <a:bodyPr/>
+        <a:lstStyle/>
+        <a:p>
+          <a:endParaRPr lang="es-ES"/>
+        </a:p>
+      </dgm:t>
+    </dgm:pt>
+    <dgm:pt modelId="{314FA8D4-D61E-447B-970A-0B6AEEA63A91}">
+      <dgm:prSet custT="1"/>
+      <dgm:spPr/>
+      <dgm:t>
+        <a:bodyPr/>
+        <a:lstStyle/>
+        <a:p>
+          <a:r>
+            <a:rPr lang="es-CO" sz="1400" b="1" dirty="0" smtClean="0"/>
+            <a:t>Formación y capacitación en el proceso</a:t>
+          </a:r>
+          <a:endParaRPr lang="es-ES" sz="1400" b="1" dirty="0"/>
+        </a:p>
+      </dgm:t>
+    </dgm:pt>
+    <dgm:pt modelId="{BF1ACEBA-7B58-4E58-B136-AAB92267A17A}" type="parTrans" cxnId="{BF504DDD-19AA-4094-AA58-0F2B9173519B}">
+      <dgm:prSet/>
+      <dgm:spPr/>
+      <dgm:t>
+        <a:bodyPr/>
+        <a:lstStyle/>
+        <a:p>
+          <a:endParaRPr lang="es-ES"/>
+        </a:p>
+      </dgm:t>
+    </dgm:pt>
+    <dgm:pt modelId="{94115D19-FD7C-487A-8B58-E3A48A4F92DF}" type="sibTrans" cxnId="{BF504DDD-19AA-4094-AA58-0F2B9173519B}">
+      <dgm:prSet/>
+      <dgm:spPr/>
+      <dgm:t>
+        <a:bodyPr/>
+        <a:lstStyle/>
+        <a:p>
+          <a:endParaRPr lang="es-ES"/>
+        </a:p>
+      </dgm:t>
+    </dgm:pt>
+    <dgm:pt modelId="{6CC34854-8500-410D-8C9B-723B45A4460C}" type="pres">
+      <dgm:prSet presAssocID="{F508A6E5-360C-40F2-9A87-F831A020317E}" presName="linearFlow" presStyleCnt="0">
+        <dgm:presLayoutVars>
+          <dgm:dir/>
+          <dgm:animLvl val="lvl"/>
+          <dgm:resizeHandles val="exact"/>
+        </dgm:presLayoutVars>
+      </dgm:prSet>
+      <dgm:spPr/>
+      <dgm:t>
+        <a:bodyPr/>
+        <a:lstStyle/>
+        <a:p>
+          <a:endParaRPr lang="es-CO"/>
+        </a:p>
+      </dgm:t>
+    </dgm:pt>
+    <dgm:pt modelId="{4B7F5AE3-66D0-4299-B267-F95D68686308}" type="pres">
+      <dgm:prSet presAssocID="{142E5BCB-04D0-4ECA-84B7-81A97187AADD}" presName="composite" presStyleCnt="0"/>
+      <dgm:spPr/>
+    </dgm:pt>
+    <dgm:pt modelId="{F69C8132-A733-45A8-A240-22B67AC1A5EB}" type="pres">
+      <dgm:prSet presAssocID="{142E5BCB-04D0-4ECA-84B7-81A97187AADD}" presName="parentText" presStyleLbl="alignNode1" presStyleIdx="0" presStyleCnt="2" custScaleX="120227">
+        <dgm:presLayoutVars>
+          <dgm:chMax val="1"/>
+          <dgm:bulletEnabled val="1"/>
+        </dgm:presLayoutVars>
+      </dgm:prSet>
+      <dgm:spPr/>
+      <dgm:t>
+        <a:bodyPr/>
+        <a:lstStyle/>
+        <a:p>
+          <a:endParaRPr lang="es-CO"/>
+        </a:p>
+      </dgm:t>
+    </dgm:pt>
+    <dgm:pt modelId="{A96FF17D-0749-4A15-A3C2-2182E3C7482C}" type="pres">
+      <dgm:prSet presAssocID="{142E5BCB-04D0-4ECA-84B7-81A97187AADD}" presName="descendantText" presStyleLbl="alignAcc1" presStyleIdx="0" presStyleCnt="2" custScaleX="95309">
+        <dgm:presLayoutVars>
+          <dgm:bulletEnabled val="1"/>
+        </dgm:presLayoutVars>
+      </dgm:prSet>
+      <dgm:spPr/>
+      <dgm:t>
+        <a:bodyPr/>
+        <a:lstStyle/>
+        <a:p>
+          <a:endParaRPr lang="es-CO"/>
+        </a:p>
+      </dgm:t>
+    </dgm:pt>
+    <dgm:pt modelId="{EF25740E-B100-4A36-AAF0-2E3D53FB3CAF}" type="pres">
+      <dgm:prSet presAssocID="{52759D1C-33EC-43F1-A842-C9C321CB71E1}" presName="sp" presStyleCnt="0"/>
+      <dgm:spPr/>
+    </dgm:pt>
+    <dgm:pt modelId="{21CA3017-E6D9-42F9-9532-401E5637C923}" type="pres">
+      <dgm:prSet presAssocID="{01D516EE-1BB8-4889-BDE8-4189AE0F91DB}" presName="composite" presStyleCnt="0"/>
+      <dgm:spPr/>
+    </dgm:pt>
+    <dgm:pt modelId="{05D70A86-AA1F-460D-A692-CA9B1C4C3CB0}" type="pres">
+      <dgm:prSet presAssocID="{01D516EE-1BB8-4889-BDE8-4189AE0F91DB}" presName="parentText" presStyleLbl="alignNode1" presStyleIdx="1" presStyleCnt="2" custScaleX="120333">
+        <dgm:presLayoutVars>
+          <dgm:chMax val="1"/>
+          <dgm:bulletEnabled val="1"/>
+        </dgm:presLayoutVars>
+      </dgm:prSet>
+      <dgm:spPr/>
+      <dgm:t>
+        <a:bodyPr/>
+        <a:lstStyle/>
+        <a:p>
+          <a:endParaRPr lang="es-CO"/>
+        </a:p>
+      </dgm:t>
+    </dgm:pt>
+    <dgm:pt modelId="{A74BF774-9F37-4D08-9726-7F148DB6C16C}" type="pres">
+      <dgm:prSet presAssocID="{01D516EE-1BB8-4889-BDE8-4189AE0F91DB}" presName="descendantText" presStyleLbl="alignAcc1" presStyleIdx="1" presStyleCnt="2" custScaleX="94963">
+        <dgm:presLayoutVars>
+          <dgm:bulletEnabled val="1"/>
+        </dgm:presLayoutVars>
+      </dgm:prSet>
+      <dgm:spPr/>
+      <dgm:t>
+        <a:bodyPr/>
+        <a:lstStyle/>
+        <a:p>
+          <a:endParaRPr lang="es-CO"/>
+        </a:p>
+      </dgm:t>
+    </dgm:pt>
+  </dgm:ptLst>
+  <dgm:cxnLst>
+    <dgm:cxn modelId="{A0B9B871-E4A4-4DFB-9CB3-FED3B87D98E4}" type="presOf" srcId="{F508A6E5-360C-40F2-9A87-F831A020317E}" destId="{6CC34854-8500-410D-8C9B-723B45A4460C}" srcOrd="0" destOrd="0" presId="urn:microsoft.com/office/officeart/2005/8/layout/chevron2"/>
+    <dgm:cxn modelId="{5E861E35-99AC-453D-B6D6-224FD00834D3}" srcId="{01D516EE-1BB8-4889-BDE8-4189AE0F91DB}" destId="{999897B2-66EA-4EA1-901A-E89D8B7C76DB}" srcOrd="2" destOrd="0" parTransId="{C1DCC29C-B0DC-4B42-85D0-9D6947F1F000}" sibTransId="{0A98D6C7-EF3E-4BBD-918B-1B9DC6A1C62D}"/>
+    <dgm:cxn modelId="{BF504DDD-19AA-4094-AA58-0F2B9173519B}" srcId="{01D516EE-1BB8-4889-BDE8-4189AE0F91DB}" destId="{314FA8D4-D61E-447B-970A-0B6AEEA63A91}" srcOrd="3" destOrd="0" parTransId="{BF1ACEBA-7B58-4E58-B136-AAB92267A17A}" sibTransId="{94115D19-FD7C-487A-8B58-E3A48A4F92DF}"/>
+    <dgm:cxn modelId="{B81F62F2-1374-4223-8B92-B97AE926F38F}" type="presOf" srcId="{663F22C4-DCFC-45B2-9EAB-84C93778B998}" destId="{A74BF774-9F37-4D08-9726-7F148DB6C16C}" srcOrd="0" destOrd="0" presId="urn:microsoft.com/office/officeart/2005/8/layout/chevron2"/>
+    <dgm:cxn modelId="{408F3D97-4A58-4BEE-B3FB-F91F72DC4F40}" srcId="{01D516EE-1BB8-4889-BDE8-4189AE0F91DB}" destId="{663F22C4-DCFC-45B2-9EAB-84C93778B998}" srcOrd="0" destOrd="0" parTransId="{70A38899-8244-40FD-99E5-3E6D66A038AE}" sibTransId="{E27F6C53-102B-48A6-91A6-AA3401473E5A}"/>
+    <dgm:cxn modelId="{5D75B59A-387D-4060-BAC9-8A31963BDEA5}" type="presOf" srcId="{18642B92-FC5D-4370-B2C9-6B068556511A}" destId="{A74BF774-9F37-4D08-9726-7F148DB6C16C}" srcOrd="0" destOrd="4" presId="urn:microsoft.com/office/officeart/2005/8/layout/chevron2"/>
+    <dgm:cxn modelId="{BDB16C57-693E-4A60-B65F-53B63F5C8368}" srcId="{142E5BCB-04D0-4ECA-84B7-81A97187AADD}" destId="{637763A9-E1AB-4E5A-BA18-04AFD1BA25A4}" srcOrd="1" destOrd="0" parTransId="{E48ED7E3-F011-4C0B-BAF5-47D365433924}" sibTransId="{F72D22F6-67C7-48FB-8D85-770BEBC9B1F0}"/>
+    <dgm:cxn modelId="{4CB5BC61-37CC-4BC1-9E29-065E7A4BF8CA}" srcId="{142E5BCB-04D0-4ECA-84B7-81A97187AADD}" destId="{522E005E-61D4-4831-AEB0-91F109CE0738}" srcOrd="0" destOrd="0" parTransId="{C47F1193-663B-4446-BC7A-B14D840E8A68}" sibTransId="{DC3B2E10-8201-4A18-8D5E-73CFD09ABC2A}"/>
+    <dgm:cxn modelId="{6BE8E2F8-B72B-48A5-9EAE-35A5A5B834AE}" srcId="{01D516EE-1BB8-4889-BDE8-4189AE0F91DB}" destId="{18642B92-FC5D-4370-B2C9-6B068556511A}" srcOrd="4" destOrd="0" parTransId="{AAAA72F9-8259-4C91-87EF-C03BA83CD4BE}" sibTransId="{0614484B-7CFF-422E-B173-E94317F9E050}"/>
+    <dgm:cxn modelId="{C6601BFE-4E9B-45F6-8BE9-4580B36665A5}" type="presOf" srcId="{01D516EE-1BB8-4889-BDE8-4189AE0F91DB}" destId="{05D70A86-AA1F-460D-A692-CA9B1C4C3CB0}" srcOrd="0" destOrd="0" presId="urn:microsoft.com/office/officeart/2005/8/layout/chevron2"/>
+    <dgm:cxn modelId="{FD1DFD86-605E-48C2-9A50-39657DD1E14F}" srcId="{01D516EE-1BB8-4889-BDE8-4189AE0F91DB}" destId="{9C335344-AC81-4300-B15F-0AD09A9C5606}" srcOrd="1" destOrd="0" parTransId="{85C6402B-5ECA-4D78-9DB9-B2FC2A2866E1}" sibTransId="{F09B664E-AF4F-4396-99A9-BA3A79B6BF30}"/>
+    <dgm:cxn modelId="{85417694-BE57-46F7-BF0E-6891E45CB088}" srcId="{F508A6E5-360C-40F2-9A87-F831A020317E}" destId="{01D516EE-1BB8-4889-BDE8-4189AE0F91DB}" srcOrd="1" destOrd="0" parTransId="{3EDA7968-8804-4484-83FC-D49F196535D8}" sibTransId="{FFC35DCE-23BB-47FF-8CE8-276ADC67DA1F}"/>
+    <dgm:cxn modelId="{974043A8-7383-4493-BFFC-A8782E62174B}" type="presOf" srcId="{142E5BCB-04D0-4ECA-84B7-81A97187AADD}" destId="{F69C8132-A733-45A8-A240-22B67AC1A5EB}" srcOrd="0" destOrd="0" presId="urn:microsoft.com/office/officeart/2005/8/layout/chevron2"/>
+    <dgm:cxn modelId="{EC6C545C-5DF1-406B-A432-56170CBA0371}" type="presOf" srcId="{999897B2-66EA-4EA1-901A-E89D8B7C76DB}" destId="{A74BF774-9F37-4D08-9726-7F148DB6C16C}" srcOrd="0" destOrd="2" presId="urn:microsoft.com/office/officeart/2005/8/layout/chevron2"/>
+    <dgm:cxn modelId="{82900806-247F-41C4-957E-AE89C82C0D34}" type="presOf" srcId="{314FA8D4-D61E-447B-970A-0B6AEEA63A91}" destId="{A74BF774-9F37-4D08-9726-7F148DB6C16C}" srcOrd="0" destOrd="3" presId="urn:microsoft.com/office/officeart/2005/8/layout/chevron2"/>
+    <dgm:cxn modelId="{D0C41162-77A1-4610-858A-4867D46232FC}" type="presOf" srcId="{9C335344-AC81-4300-B15F-0AD09A9C5606}" destId="{A74BF774-9F37-4D08-9726-7F148DB6C16C}" srcOrd="0" destOrd="1" presId="urn:microsoft.com/office/officeart/2005/8/layout/chevron2"/>
+    <dgm:cxn modelId="{7A31CA61-D5EE-4BC9-9E54-FC16A53CD87E}" srcId="{F508A6E5-360C-40F2-9A87-F831A020317E}" destId="{142E5BCB-04D0-4ECA-84B7-81A97187AADD}" srcOrd="0" destOrd="0" parTransId="{02B026C1-75FA-4B24-8493-AF4BF4A2D360}" sibTransId="{52759D1C-33EC-43F1-A842-C9C321CB71E1}"/>
+    <dgm:cxn modelId="{8BF97C8A-F445-4232-B3D9-210066E75ED2}" type="presOf" srcId="{637763A9-E1AB-4E5A-BA18-04AFD1BA25A4}" destId="{A96FF17D-0749-4A15-A3C2-2182E3C7482C}" srcOrd="0" destOrd="1" presId="urn:microsoft.com/office/officeart/2005/8/layout/chevron2"/>
+    <dgm:cxn modelId="{1DCA1C69-0DB9-4AA1-A974-5E36D413556F}" type="presOf" srcId="{522E005E-61D4-4831-AEB0-91F109CE0738}" destId="{A96FF17D-0749-4A15-A3C2-2182E3C7482C}" srcOrd="0" destOrd="0" presId="urn:microsoft.com/office/officeart/2005/8/layout/chevron2"/>
+    <dgm:cxn modelId="{15B5FAC2-151F-4F52-9CB6-40A35F198A53}" type="presParOf" srcId="{6CC34854-8500-410D-8C9B-723B45A4460C}" destId="{4B7F5AE3-66D0-4299-B267-F95D68686308}" srcOrd="0" destOrd="0" presId="urn:microsoft.com/office/officeart/2005/8/layout/chevron2"/>
+    <dgm:cxn modelId="{229147E8-AC45-43B4-AEF4-524FC7C7BA98}" type="presParOf" srcId="{4B7F5AE3-66D0-4299-B267-F95D68686308}" destId="{F69C8132-A733-45A8-A240-22B67AC1A5EB}" srcOrd="0" destOrd="0" presId="urn:microsoft.com/office/officeart/2005/8/layout/chevron2"/>
+    <dgm:cxn modelId="{E23DCCEF-5BB4-4CC7-862D-C7E956D43B4B}" type="presParOf" srcId="{4B7F5AE3-66D0-4299-B267-F95D68686308}" destId="{A96FF17D-0749-4A15-A3C2-2182E3C7482C}" srcOrd="1" destOrd="0" presId="urn:microsoft.com/office/officeart/2005/8/layout/chevron2"/>
+    <dgm:cxn modelId="{5C0FE0E2-3F9E-4B32-A42F-F1FD92D91881}" type="presParOf" srcId="{6CC34854-8500-410D-8C9B-723B45A4460C}" destId="{EF25740E-B100-4A36-AAF0-2E3D53FB3CAF}" srcOrd="1" destOrd="0" presId="urn:microsoft.com/office/officeart/2005/8/layout/chevron2"/>
+    <dgm:cxn modelId="{DA1206DD-0642-4387-82CA-4C1B3CE12E74}" type="presParOf" srcId="{6CC34854-8500-410D-8C9B-723B45A4460C}" destId="{21CA3017-E6D9-42F9-9532-401E5637C923}" srcOrd="2" destOrd="0" presId="urn:microsoft.com/office/officeart/2005/8/layout/chevron2"/>
+    <dgm:cxn modelId="{53D36D6C-6CB0-42A4-A69B-EF0A843CDC8C}" type="presParOf" srcId="{21CA3017-E6D9-42F9-9532-401E5637C923}" destId="{05D70A86-AA1F-460D-A692-CA9B1C4C3CB0}" srcOrd="0" destOrd="0" presId="urn:microsoft.com/office/officeart/2005/8/layout/chevron2"/>
+    <dgm:cxn modelId="{C0E794EA-BD3F-4C9C-9AE0-B056B750C2F6}" type="presParOf" srcId="{21CA3017-E6D9-42F9-9532-401E5637C923}" destId="{A74BF774-9F37-4D08-9726-7F148DB6C16C}" srcOrd="1" destOrd="0" presId="urn:microsoft.com/office/officeart/2005/8/layout/chevron2"/>
   </dgm:cxnLst>
   <dgm:bg/>
   <dgm:whole/>
@@ -10452,6 +12787,318 @@
       <dsp:txXfrm>
         <a:off x="381642" y="3001536"/>
         <a:ext cx="6635463" cy="649440"/>
+      </dsp:txXfrm>
+    </dsp:sp>
+  </dsp:spTree>
+</dsp:drawing>
+</file>
+
+<file path=ppt/diagrams/drawing10.xml><?xml version="1.0" encoding="utf-8"?>
+<dsp:drawing xmlns:dgm="http://schemas.openxmlformats.org/drawingml/2006/diagram" xmlns:a="http://schemas.openxmlformats.org/drawingml/2006/main" xmlns:dsp="http://schemas.microsoft.com/office/drawing/2008/diagram">
+  <dsp:spTree>
+    <dsp:nvGrpSpPr>
+      <dsp:cNvPr id="0" name=""/>
+      <dsp:cNvGrpSpPr/>
+    </dsp:nvGrpSpPr>
+    <dsp:grpSpPr/>
+    <dsp:sp modelId="{7E6EE975-DAD0-42A9-8D07-C777F2B46116}">
+      <dsp:nvSpPr>
+        <dsp:cNvPr id="0" name=""/>
+        <dsp:cNvSpPr/>
+      </dsp:nvSpPr>
+      <dsp:spPr>
+        <a:xfrm rot="5400000">
+          <a:off x="-168964" y="173267"/>
+          <a:ext cx="2348673" cy="2014448"/>
+        </a:xfrm>
+        <a:prstGeom prst="chevron">
+          <a:avLst/>
+        </a:prstGeom>
+        <a:solidFill>
+          <a:schemeClr val="accent3">
+            <a:hueOff val="0"/>
+            <a:satOff val="0"/>
+            <a:lumOff val="0"/>
+            <a:alphaOff val="0"/>
+          </a:schemeClr>
+        </a:solidFill>
+        <a:ln w="25400" cap="flat" cmpd="sng" algn="ctr">
+          <a:solidFill>
+            <a:schemeClr val="accent3">
+              <a:hueOff val="0"/>
+              <a:satOff val="0"/>
+              <a:lumOff val="0"/>
+              <a:alphaOff val="0"/>
+            </a:schemeClr>
+          </a:solidFill>
+          <a:prstDash val="solid"/>
+        </a:ln>
+        <a:effectLst/>
+      </dsp:spPr>
+      <dsp:style>
+        <a:lnRef idx="2">
+          <a:scrgbClr r="0" g="0" b="0"/>
+        </a:lnRef>
+        <a:fillRef idx="1">
+          <a:scrgbClr r="0" g="0" b="0"/>
+        </a:fillRef>
+        <a:effectRef idx="0">
+          <a:scrgbClr r="0" g="0" b="0"/>
+        </a:effectRef>
+        <a:fontRef idx="minor">
+          <a:schemeClr val="lt1"/>
+        </a:fontRef>
+      </dsp:style>
+      <dsp:txBody>
+        <a:bodyPr spcFirstLastPara="0" vert="horz" wrap="square" lIns="11430" tIns="11430" rIns="11430" bIns="11430" numCol="1" spcCol="1270" anchor="ctr" anchorCtr="0">
+          <a:noAutofit/>
+        </a:bodyPr>
+        <a:lstStyle/>
+        <a:p>
+          <a:pPr lvl="0" algn="ctr" defTabSz="800100" rtl="0">
+            <a:lnSpc>
+              <a:spcPct val="90000"/>
+            </a:lnSpc>
+            <a:spcBef>
+              <a:spcPct val="0"/>
+            </a:spcBef>
+            <a:spcAft>
+              <a:spcPct val="35000"/>
+            </a:spcAft>
+          </a:pPr>
+          <a:r>
+            <a:rPr lang="es-CO" sz="1800" b="1" kern="1200" dirty="0" smtClean="0"/>
+            <a:t>Consecuencias</a:t>
+          </a:r>
+          <a:endParaRPr lang="es-CO" sz="1800" kern="1200" dirty="0"/>
+        </a:p>
+      </dsp:txBody>
+      <dsp:txXfrm rot="5400000">
+        <a:off x="-168964" y="173267"/>
+        <a:ext cx="2348673" cy="2014448"/>
+      </dsp:txXfrm>
+    </dsp:sp>
+    <dsp:sp modelId="{9AB14BCC-A0FC-47BB-ADC4-9AF237D6A8FC}">
+      <dsp:nvSpPr>
+        <dsp:cNvPr id="0" name=""/>
+        <dsp:cNvSpPr/>
+      </dsp:nvSpPr>
+      <dsp:spPr>
+        <a:xfrm rot="5400000">
+          <a:off x="4423689" y="-2408640"/>
+          <a:ext cx="1526638" cy="6356229"/>
+        </a:xfrm>
+        <a:prstGeom prst="round2SameRect">
+          <a:avLst/>
+        </a:prstGeom>
+        <a:solidFill>
+          <a:schemeClr val="lt1">
+            <a:alpha val="90000"/>
+            <a:hueOff val="0"/>
+            <a:satOff val="0"/>
+            <a:lumOff val="0"/>
+            <a:alphaOff val="0"/>
+          </a:schemeClr>
+        </a:solidFill>
+        <a:ln w="25400" cap="flat" cmpd="sng" algn="ctr">
+          <a:solidFill>
+            <a:schemeClr val="accent3">
+              <a:hueOff val="0"/>
+              <a:satOff val="0"/>
+              <a:lumOff val="0"/>
+              <a:alphaOff val="0"/>
+            </a:schemeClr>
+          </a:solidFill>
+          <a:prstDash val="solid"/>
+        </a:ln>
+        <a:effectLst/>
+      </dsp:spPr>
+      <dsp:style>
+        <a:lnRef idx="2">
+          <a:scrgbClr r="0" g="0" b="0"/>
+        </a:lnRef>
+        <a:fillRef idx="1">
+          <a:scrgbClr r="0" g="0" b="0"/>
+        </a:fillRef>
+        <a:effectRef idx="0">
+          <a:scrgbClr r="0" g="0" b="0"/>
+        </a:effectRef>
+        <a:fontRef idx="minor"/>
+      </dsp:style>
+      <dsp:txBody>
+        <a:bodyPr spcFirstLastPara="0" vert="horz" wrap="square" lIns="99568" tIns="8890" rIns="8890" bIns="8890" numCol="1" spcCol="1270" anchor="ctr" anchorCtr="0">
+          <a:noAutofit/>
+        </a:bodyPr>
+        <a:lstStyle/>
+        <a:p>
+          <a:pPr marL="114300" lvl="1" indent="-114300" algn="l" defTabSz="622300" rtl="0">
+            <a:lnSpc>
+              <a:spcPct val="90000"/>
+            </a:lnSpc>
+            <a:spcBef>
+              <a:spcPct val="0"/>
+            </a:spcBef>
+            <a:spcAft>
+              <a:spcPct val="15000"/>
+            </a:spcAft>
+            <a:buChar char="••"/>
+          </a:pPr>
+          <a:endParaRPr lang="es-CO" sz="1400" kern="1200" dirty="0"/>
+        </a:p>
+      </dsp:txBody>
+      <dsp:txXfrm rot="5400000">
+        <a:off x="4423689" y="-2408640"/>
+        <a:ext cx="1526638" cy="6356229"/>
+      </dsp:txXfrm>
+    </dsp:sp>
+    <dsp:sp modelId="{27EF10BC-A202-491A-96C2-62B99C9944E4}">
+      <dsp:nvSpPr>
+        <dsp:cNvPr id="0" name=""/>
+        <dsp:cNvSpPr/>
+      </dsp:nvSpPr>
+      <dsp:spPr>
+        <a:xfrm rot="5400000">
+          <a:off x="-167632" y="2236307"/>
+          <a:ext cx="2348673" cy="2017111"/>
+        </a:xfrm>
+        <a:prstGeom prst="chevron">
+          <a:avLst/>
+        </a:prstGeom>
+        <a:solidFill>
+          <a:schemeClr val="accent3">
+            <a:hueOff val="11250264"/>
+            <a:satOff val="-16880"/>
+            <a:lumOff val="-2745"/>
+            <a:alphaOff val="0"/>
+          </a:schemeClr>
+        </a:solidFill>
+        <a:ln w="25400" cap="flat" cmpd="sng" algn="ctr">
+          <a:solidFill>
+            <a:schemeClr val="accent3">
+              <a:hueOff val="11250264"/>
+              <a:satOff val="-16880"/>
+              <a:lumOff val="-2745"/>
+              <a:alphaOff val="0"/>
+            </a:schemeClr>
+          </a:solidFill>
+          <a:prstDash val="solid"/>
+        </a:ln>
+        <a:effectLst/>
+      </dsp:spPr>
+      <dsp:style>
+        <a:lnRef idx="2">
+          <a:scrgbClr r="0" g="0" b="0"/>
+        </a:lnRef>
+        <a:fillRef idx="1">
+          <a:scrgbClr r="0" g="0" b="0"/>
+        </a:fillRef>
+        <a:effectRef idx="0">
+          <a:scrgbClr r="0" g="0" b="0"/>
+        </a:effectRef>
+        <a:fontRef idx="minor">
+          <a:schemeClr val="lt1"/>
+        </a:fontRef>
+      </dsp:style>
+      <dsp:txBody>
+        <a:bodyPr spcFirstLastPara="0" vert="horz" wrap="square" lIns="11430" tIns="11430" rIns="11430" bIns="11430" numCol="1" spcCol="1270" anchor="ctr" anchorCtr="0">
+          <a:noAutofit/>
+        </a:bodyPr>
+        <a:lstStyle/>
+        <a:p>
+          <a:pPr lvl="0" algn="ctr" defTabSz="800100" rtl="0">
+            <a:lnSpc>
+              <a:spcPct val="90000"/>
+            </a:lnSpc>
+            <a:spcBef>
+              <a:spcPct val="0"/>
+            </a:spcBef>
+            <a:spcAft>
+              <a:spcPct val="35000"/>
+            </a:spcAft>
+          </a:pPr>
+          <a:r>
+            <a:rPr lang="es-CO" sz="1800" b="1" kern="1200" dirty="0" smtClean="0"/>
+            <a:t>Recomendaciones</a:t>
+          </a:r>
+          <a:endParaRPr lang="es-CO" sz="1700" kern="1200" dirty="0"/>
+        </a:p>
+      </dsp:txBody>
+      <dsp:txXfrm rot="5400000">
+        <a:off x="-167632" y="2236307"/>
+        <a:ext cx="2348673" cy="2017111"/>
+      </dsp:txXfrm>
+    </dsp:sp>
+    <dsp:sp modelId="{3B1E49C7-1882-4E37-A109-FFE701176F9C}">
+      <dsp:nvSpPr>
+        <dsp:cNvPr id="0" name=""/>
+        <dsp:cNvSpPr/>
+      </dsp:nvSpPr>
+      <dsp:spPr>
+        <a:xfrm rot="5400000">
+          <a:off x="4398144" y="-309463"/>
+          <a:ext cx="1526638" cy="6286618"/>
+        </a:xfrm>
+        <a:prstGeom prst="round2SameRect">
+          <a:avLst/>
+        </a:prstGeom>
+        <a:solidFill>
+          <a:schemeClr val="lt1">
+            <a:alpha val="90000"/>
+            <a:hueOff val="0"/>
+            <a:satOff val="0"/>
+            <a:lumOff val="0"/>
+            <a:alphaOff val="0"/>
+          </a:schemeClr>
+        </a:solidFill>
+        <a:ln w="25400" cap="flat" cmpd="sng" algn="ctr">
+          <a:solidFill>
+            <a:schemeClr val="accent3">
+              <a:hueOff val="11250264"/>
+              <a:satOff val="-16880"/>
+              <a:lumOff val="-2745"/>
+              <a:alphaOff val="0"/>
+            </a:schemeClr>
+          </a:solidFill>
+          <a:prstDash val="solid"/>
+        </a:ln>
+        <a:effectLst/>
+      </dsp:spPr>
+      <dsp:style>
+        <a:lnRef idx="2">
+          <a:scrgbClr r="0" g="0" b="0"/>
+        </a:lnRef>
+        <a:fillRef idx="1">
+          <a:scrgbClr r="0" g="0" b="0"/>
+        </a:fillRef>
+        <a:effectRef idx="0">
+          <a:scrgbClr r="0" g="0" b="0"/>
+        </a:effectRef>
+        <a:fontRef idx="minor"/>
+      </dsp:style>
+      <dsp:txBody>
+        <a:bodyPr spcFirstLastPara="0" vert="horz" wrap="square" lIns="99568" tIns="8890" rIns="8890" bIns="8890" numCol="1" spcCol="1270" anchor="ctr" anchorCtr="0">
+          <a:noAutofit/>
+        </a:bodyPr>
+        <a:lstStyle/>
+        <a:p>
+          <a:pPr marL="114300" lvl="1" indent="-114300" algn="l" defTabSz="622300" rtl="0">
+            <a:lnSpc>
+              <a:spcPct val="90000"/>
+            </a:lnSpc>
+            <a:spcBef>
+              <a:spcPct val="0"/>
+            </a:spcBef>
+            <a:spcAft>
+              <a:spcPct val="15000"/>
+            </a:spcAft>
+            <a:buChar char="••"/>
+          </a:pPr>
+          <a:endParaRPr lang="es-CO" sz="1400" b="1" kern="1200" dirty="0"/>
+        </a:p>
+      </dsp:txBody>
+      <dsp:txXfrm rot="5400000">
+        <a:off x="4398144" y="-309463"/>
+        <a:ext cx="1526638" cy="6286618"/>
       </dsp:txXfrm>
     </dsp:sp>
   </dsp:spTree>
@@ -11686,8 +14333,8 @@
       </dsp:nvSpPr>
       <dsp:spPr>
         <a:xfrm>
-          <a:off x="0" y="110974"/>
-          <a:ext cx="6912768" cy="774992"/>
+          <a:off x="0" y="156920"/>
+          <a:ext cx="6912768" cy="683099"/>
         </a:xfrm>
         <a:prstGeom prst="roundRect">
           <a:avLst/>
@@ -11753,8 +14400,8 @@
         </a:p>
       </dsp:txBody>
       <dsp:txXfrm>
-        <a:off x="0" y="110974"/>
-        <a:ext cx="6912768" cy="774992"/>
+        <a:off x="0" y="156920"/>
+        <a:ext cx="6912768" cy="683099"/>
       </dsp:txXfrm>
     </dsp:sp>
     <dsp:sp modelId="{0EEE19BB-80A4-480D-BFD6-411F9B529D54}">
@@ -11764,7 +14411,7 @@
       </dsp:nvSpPr>
       <dsp:spPr>
         <a:xfrm>
-          <a:off x="0" y="1080025"/>
+          <a:off x="0" y="1034078"/>
           <a:ext cx="6912768" cy="2287350"/>
         </a:xfrm>
         <a:prstGeom prst="rect">
@@ -11890,7 +14537,7 @@
         </a:p>
       </dsp:txBody>
       <dsp:txXfrm>
-        <a:off x="0" y="1080025"/>
+        <a:off x="0" y="1034078"/>
         <a:ext cx="6912768" cy="2287350"/>
       </dsp:txXfrm>
     </dsp:sp>
@@ -11914,7 +14561,7 @@
       <dsp:spPr>
         <a:xfrm>
           <a:off x="0" y="0"/>
-          <a:ext cx="6912768" cy="513137"/>
+          <a:ext cx="6912768" cy="648980"/>
         </a:xfrm>
         <a:prstGeom prst="roundRect">
           <a:avLst/>
@@ -11981,7 +14628,7 @@
       </dsp:txBody>
       <dsp:txXfrm>
         <a:off x="0" y="0"/>
-        <a:ext cx="6912768" cy="513137"/>
+        <a:ext cx="6912768" cy="648980"/>
       </dsp:txXfrm>
     </dsp:sp>
     <dsp:sp modelId="{0EEE19BB-80A4-480D-BFD6-411F9B529D54}">
@@ -11991,8 +14638,8 @@
       </dsp:nvSpPr>
       <dsp:spPr>
         <a:xfrm>
-          <a:off x="0" y="668612"/>
-          <a:ext cx="6912768" cy="2848320"/>
+          <a:off x="0" y="714281"/>
+          <a:ext cx="6912768" cy="2892825"/>
         </a:xfrm>
         <a:prstGeom prst="rect">
           <a:avLst/>
@@ -12136,8 +14783,8 @@
         </a:p>
       </dsp:txBody>
       <dsp:txXfrm>
-        <a:off x="0" y="668612"/>
-        <a:ext cx="6912768" cy="2848320"/>
+        <a:off x="0" y="714281"/>
+        <a:ext cx="6912768" cy="2892825"/>
       </dsp:txXfrm>
     </dsp:sp>
   </dsp:spTree>
@@ -12917,11 +15564,7 @@
           </a:pPr>
           <a:r>
             <a:rPr lang="es-CO" sz="1400" b="1" kern="1200" dirty="0" smtClean="0"/>
-            <a:t>Control y seguimiento </a:t>
-          </a:r>
-          <a:r>
-            <a:rPr lang="es-CO" sz="1400" b="1" kern="1200" dirty="0" smtClean="0"/>
-            <a:t>de progreso en requerimientos</a:t>
+            <a:t>Control y seguimiento de progreso en requerimientos</a:t>
           </a:r>
           <a:endParaRPr lang="es-CO" sz="1400" b="1" kern="1200" dirty="0"/>
         </a:p>
@@ -13106,11 +15749,7 @@
           </a:pPr>
           <a:r>
             <a:rPr lang="es-CO" sz="1400" b="1" kern="1200" dirty="0" smtClean="0"/>
-            <a:t>Generación de re </a:t>
-          </a:r>
-          <a:r>
-            <a:rPr lang="es-CO" sz="1400" b="1" kern="1200" dirty="0" smtClean="0"/>
-            <a:t>trabajo por falta de definición clara de requerimientos</a:t>
+            <a:t>Generación de re trabajo por falta de definición clara de requerimientos</a:t>
           </a:r>
           <a:endParaRPr lang="es-CO" sz="1400" kern="1200" dirty="0"/>
         </a:p>
@@ -13373,6 +16012,413 @@
 </dsp:drawing>
 </file>
 
+<file path=ppt/diagrams/drawing9.xml><?xml version="1.0" encoding="utf-8"?>
+<dsp:drawing xmlns:dgm="http://schemas.openxmlformats.org/drawingml/2006/diagram" xmlns:a="http://schemas.openxmlformats.org/drawingml/2006/main" xmlns:dsp="http://schemas.microsoft.com/office/drawing/2008/diagram">
+  <dsp:spTree>
+    <dsp:nvGrpSpPr>
+      <dsp:cNvPr id="0" name=""/>
+      <dsp:cNvGrpSpPr/>
+    </dsp:nvGrpSpPr>
+    <dsp:grpSpPr/>
+    <dsp:sp modelId="{F69C8132-A733-45A8-A240-22B67AC1A5EB}">
+      <dsp:nvSpPr>
+        <dsp:cNvPr id="0" name=""/>
+        <dsp:cNvSpPr/>
+      </dsp:nvSpPr>
+      <dsp:spPr>
+        <a:xfrm rot="5400000">
+          <a:off x="-197392" y="193129"/>
+          <a:ext cx="2393130" cy="2014032"/>
+        </a:xfrm>
+        <a:prstGeom prst="chevron">
+          <a:avLst/>
+        </a:prstGeom>
+        <a:solidFill>
+          <a:schemeClr val="accent5">
+            <a:hueOff val="0"/>
+            <a:satOff val="0"/>
+            <a:lumOff val="0"/>
+            <a:alphaOff val="0"/>
+          </a:schemeClr>
+        </a:solidFill>
+        <a:ln w="25400" cap="flat" cmpd="sng" algn="ctr">
+          <a:solidFill>
+            <a:schemeClr val="accent5">
+              <a:hueOff val="0"/>
+              <a:satOff val="0"/>
+              <a:lumOff val="0"/>
+              <a:alphaOff val="0"/>
+            </a:schemeClr>
+          </a:solidFill>
+          <a:prstDash val="solid"/>
+        </a:ln>
+        <a:effectLst/>
+      </dsp:spPr>
+      <dsp:style>
+        <a:lnRef idx="2">
+          <a:scrgbClr r="0" g="0" b="0"/>
+        </a:lnRef>
+        <a:fillRef idx="1">
+          <a:scrgbClr r="0" g="0" b="0"/>
+        </a:fillRef>
+        <a:effectRef idx="0">
+          <a:scrgbClr r="0" g="0" b="0"/>
+        </a:effectRef>
+        <a:fontRef idx="minor">
+          <a:schemeClr val="lt1"/>
+        </a:fontRef>
+      </dsp:style>
+      <dsp:txBody>
+        <a:bodyPr spcFirstLastPara="0" vert="horz" wrap="square" lIns="11430" tIns="11430" rIns="11430" bIns="11430" numCol="1" spcCol="1270" anchor="ctr" anchorCtr="0">
+          <a:noAutofit/>
+        </a:bodyPr>
+        <a:lstStyle/>
+        <a:p>
+          <a:pPr lvl="0" algn="ctr" defTabSz="800100" rtl="0">
+            <a:lnSpc>
+              <a:spcPct val="90000"/>
+            </a:lnSpc>
+            <a:spcBef>
+              <a:spcPct val="0"/>
+            </a:spcBef>
+            <a:spcAft>
+              <a:spcPct val="35000"/>
+            </a:spcAft>
+          </a:pPr>
+          <a:r>
+            <a:rPr lang="es-CO" sz="1800" b="1" kern="1200" dirty="0" smtClean="0"/>
+            <a:t>Fortalezas</a:t>
+          </a:r>
+          <a:endParaRPr lang="es-CO" sz="1800" kern="1200" dirty="0"/>
+        </a:p>
+      </dsp:txBody>
+      <dsp:txXfrm rot="5400000">
+        <a:off x="-197392" y="193129"/>
+        <a:ext cx="2393130" cy="2014032"/>
+      </dsp:txXfrm>
+    </dsp:sp>
+    <dsp:sp modelId="{A96FF17D-0749-4A15-A3C2-2182E3C7482C}">
+      <dsp:nvSpPr>
+        <dsp:cNvPr id="0" name=""/>
+        <dsp:cNvSpPr/>
+      </dsp:nvSpPr>
+      <dsp:spPr>
+        <a:xfrm rot="5400000">
+          <a:off x="4336205" y="-2342122"/>
+          <a:ext cx="1555534" cy="6246941"/>
+        </a:xfrm>
+        <a:prstGeom prst="round2SameRect">
+          <a:avLst/>
+        </a:prstGeom>
+        <a:solidFill>
+          <a:schemeClr val="lt1">
+            <a:alpha val="90000"/>
+            <a:hueOff val="0"/>
+            <a:satOff val="0"/>
+            <a:lumOff val="0"/>
+            <a:alphaOff val="0"/>
+          </a:schemeClr>
+        </a:solidFill>
+        <a:ln w="25400" cap="flat" cmpd="sng" algn="ctr">
+          <a:solidFill>
+            <a:schemeClr val="accent5">
+              <a:hueOff val="0"/>
+              <a:satOff val="0"/>
+              <a:lumOff val="0"/>
+              <a:alphaOff val="0"/>
+            </a:schemeClr>
+          </a:solidFill>
+          <a:prstDash val="solid"/>
+        </a:ln>
+        <a:effectLst/>
+      </dsp:spPr>
+      <dsp:style>
+        <a:lnRef idx="2">
+          <a:scrgbClr r="0" g="0" b="0"/>
+        </a:lnRef>
+        <a:fillRef idx="1">
+          <a:scrgbClr r="0" g="0" b="0"/>
+        </a:fillRef>
+        <a:effectRef idx="0">
+          <a:scrgbClr r="0" g="0" b="0"/>
+        </a:effectRef>
+        <a:fontRef idx="minor"/>
+      </dsp:style>
+      <dsp:txBody>
+        <a:bodyPr spcFirstLastPara="0" vert="horz" wrap="square" lIns="99568" tIns="8890" rIns="8890" bIns="8890" numCol="1" spcCol="1270" anchor="ctr" anchorCtr="0">
+          <a:noAutofit/>
+        </a:bodyPr>
+        <a:lstStyle/>
+        <a:p>
+          <a:pPr marL="114300" lvl="1" indent="-114300" algn="l" defTabSz="622300" rtl="0">
+            <a:lnSpc>
+              <a:spcPct val="90000"/>
+            </a:lnSpc>
+            <a:spcBef>
+              <a:spcPct val="0"/>
+            </a:spcBef>
+            <a:spcAft>
+              <a:spcPct val="15000"/>
+            </a:spcAft>
+            <a:buChar char="••"/>
+          </a:pPr>
+          <a:r>
+            <a:rPr lang="es-CO" sz="1400" b="1" kern="1200" dirty="0" smtClean="0"/>
+            <a:t>Los proyectos cuentan con un repositorio central para gestionar la configuración</a:t>
+          </a:r>
+          <a:endParaRPr lang="es-CO" sz="1400" b="1" kern="1200" dirty="0"/>
+        </a:p>
+        <a:p>
+          <a:pPr marL="114300" lvl="1" indent="-114300" algn="l" defTabSz="622300" rtl="0">
+            <a:lnSpc>
+              <a:spcPct val="90000"/>
+            </a:lnSpc>
+            <a:spcBef>
+              <a:spcPct val="0"/>
+            </a:spcBef>
+            <a:spcAft>
+              <a:spcPct val="15000"/>
+            </a:spcAft>
+            <a:buChar char="••"/>
+          </a:pPr>
+          <a:r>
+            <a:rPr lang="es-CO" sz="1400" b="1" kern="1200" dirty="0" smtClean="0"/>
+            <a:t>Algunos proyectos cuentan con definición de responsabilidades y actores del proceso</a:t>
+          </a:r>
+          <a:endParaRPr lang="es-CO" sz="1400" b="1" kern="1200" dirty="0"/>
+        </a:p>
+      </dsp:txBody>
+      <dsp:txXfrm rot="5400000">
+        <a:off x="4336205" y="-2342122"/>
+        <a:ext cx="1555534" cy="6246941"/>
+      </dsp:txXfrm>
+    </dsp:sp>
+    <dsp:sp modelId="{05D70A86-AA1F-460D-A692-CA9B1C4C3CB0}">
+      <dsp:nvSpPr>
+        <dsp:cNvPr id="0" name=""/>
+        <dsp:cNvSpPr/>
+      </dsp:nvSpPr>
+      <dsp:spPr>
+        <a:xfrm rot="5400000">
+          <a:off x="-196504" y="2301070"/>
+          <a:ext cx="2393130" cy="2015808"/>
+        </a:xfrm>
+        <a:prstGeom prst="chevron">
+          <a:avLst/>
+        </a:prstGeom>
+        <a:solidFill>
+          <a:schemeClr val="accent5">
+            <a:hueOff val="-9933876"/>
+            <a:satOff val="39811"/>
+            <a:lumOff val="8628"/>
+            <a:alphaOff val="0"/>
+          </a:schemeClr>
+        </a:solidFill>
+        <a:ln w="25400" cap="flat" cmpd="sng" algn="ctr">
+          <a:solidFill>
+            <a:schemeClr val="accent5">
+              <a:hueOff val="-9933876"/>
+              <a:satOff val="39811"/>
+              <a:lumOff val="8628"/>
+              <a:alphaOff val="0"/>
+            </a:schemeClr>
+          </a:solidFill>
+          <a:prstDash val="solid"/>
+        </a:ln>
+        <a:effectLst/>
+      </dsp:spPr>
+      <dsp:style>
+        <a:lnRef idx="2">
+          <a:scrgbClr r="0" g="0" b="0"/>
+        </a:lnRef>
+        <a:fillRef idx="1">
+          <a:scrgbClr r="0" g="0" b="0"/>
+        </a:fillRef>
+        <a:effectRef idx="0">
+          <a:scrgbClr r="0" g="0" b="0"/>
+        </a:effectRef>
+        <a:fontRef idx="minor">
+          <a:schemeClr val="lt1"/>
+        </a:fontRef>
+      </dsp:style>
+      <dsp:txBody>
+        <a:bodyPr spcFirstLastPara="0" vert="horz" wrap="square" lIns="11430" tIns="11430" rIns="11430" bIns="11430" numCol="1" spcCol="1270" anchor="ctr" anchorCtr="0">
+          <a:noAutofit/>
+        </a:bodyPr>
+        <a:lstStyle/>
+        <a:p>
+          <a:pPr lvl="0" algn="ctr" defTabSz="800100" rtl="0">
+            <a:lnSpc>
+              <a:spcPct val="90000"/>
+            </a:lnSpc>
+            <a:spcBef>
+              <a:spcPct val="0"/>
+            </a:spcBef>
+            <a:spcAft>
+              <a:spcPct val="35000"/>
+            </a:spcAft>
+          </a:pPr>
+          <a:r>
+            <a:rPr lang="es-CO" sz="1800" b="1" kern="1200" dirty="0" smtClean="0"/>
+            <a:t>Oportunidades de Mejoramiento </a:t>
+          </a:r>
+          <a:endParaRPr lang="es-CO" sz="1800" kern="1200" dirty="0"/>
+        </a:p>
+      </dsp:txBody>
+      <dsp:txXfrm rot="5400000">
+        <a:off x="-196504" y="2301070"/>
+        <a:ext cx="2393130" cy="2015808"/>
+      </dsp:txXfrm>
+    </dsp:sp>
+    <dsp:sp modelId="{A74BF774-9F37-4D08-9726-7F148DB6C16C}">
+      <dsp:nvSpPr>
+        <dsp:cNvPr id="0" name=""/>
+        <dsp:cNvSpPr/>
+      </dsp:nvSpPr>
+      <dsp:spPr>
+        <a:xfrm rot="5400000">
+          <a:off x="4336684" y="-221546"/>
+          <a:ext cx="1556352" cy="6224262"/>
+        </a:xfrm>
+        <a:prstGeom prst="round2SameRect">
+          <a:avLst/>
+        </a:prstGeom>
+        <a:solidFill>
+          <a:schemeClr val="lt1">
+            <a:alpha val="90000"/>
+            <a:hueOff val="0"/>
+            <a:satOff val="0"/>
+            <a:lumOff val="0"/>
+            <a:alphaOff val="0"/>
+          </a:schemeClr>
+        </a:solidFill>
+        <a:ln w="25400" cap="flat" cmpd="sng" algn="ctr">
+          <a:solidFill>
+            <a:schemeClr val="accent5">
+              <a:hueOff val="-9933876"/>
+              <a:satOff val="39811"/>
+              <a:lumOff val="8628"/>
+              <a:alphaOff val="0"/>
+            </a:schemeClr>
+          </a:solidFill>
+          <a:prstDash val="solid"/>
+        </a:ln>
+        <a:effectLst/>
+      </dsp:spPr>
+      <dsp:style>
+        <a:lnRef idx="2">
+          <a:scrgbClr r="0" g="0" b="0"/>
+        </a:lnRef>
+        <a:fillRef idx="1">
+          <a:scrgbClr r="0" g="0" b="0"/>
+        </a:fillRef>
+        <a:effectRef idx="0">
+          <a:scrgbClr r="0" g="0" b="0"/>
+        </a:effectRef>
+        <a:fontRef idx="minor"/>
+      </dsp:style>
+      <dsp:txBody>
+        <a:bodyPr spcFirstLastPara="0" vert="horz" wrap="square" lIns="99568" tIns="8890" rIns="8890" bIns="8890" numCol="1" spcCol="1270" anchor="ctr" anchorCtr="0">
+          <a:noAutofit/>
+        </a:bodyPr>
+        <a:lstStyle/>
+        <a:p>
+          <a:pPr marL="114300" lvl="1" indent="-114300" algn="l" defTabSz="622300">
+            <a:lnSpc>
+              <a:spcPct val="90000"/>
+            </a:lnSpc>
+            <a:spcBef>
+              <a:spcPct val="0"/>
+            </a:spcBef>
+            <a:spcAft>
+              <a:spcPct val="15000"/>
+            </a:spcAft>
+            <a:buChar char="••"/>
+          </a:pPr>
+          <a:endParaRPr lang="es-ES" sz="1400" b="1" kern="1200" dirty="0"/>
+        </a:p>
+        <a:p>
+          <a:pPr marL="114300" lvl="1" indent="-114300" algn="l" defTabSz="622300">
+            <a:lnSpc>
+              <a:spcPct val="90000"/>
+            </a:lnSpc>
+            <a:spcBef>
+              <a:spcPct val="0"/>
+            </a:spcBef>
+            <a:spcAft>
+              <a:spcPct val="15000"/>
+            </a:spcAft>
+            <a:buChar char="••"/>
+          </a:pPr>
+          <a:r>
+            <a:rPr lang="es-CO" sz="1400" b="1" kern="1200" dirty="0" smtClean="0"/>
+            <a:t>Planificación de actividades de administración de la configuración en los proyectos</a:t>
+          </a:r>
+          <a:endParaRPr lang="es-ES" sz="1400" b="1" kern="1200" dirty="0"/>
+        </a:p>
+        <a:p>
+          <a:pPr marL="114300" lvl="1" indent="-114300" algn="l" defTabSz="622300">
+            <a:lnSpc>
+              <a:spcPct val="90000"/>
+            </a:lnSpc>
+            <a:spcBef>
+              <a:spcPct val="0"/>
+            </a:spcBef>
+            <a:spcAft>
+              <a:spcPct val="15000"/>
+            </a:spcAft>
+            <a:buChar char="••"/>
+          </a:pPr>
+          <a:r>
+            <a:rPr lang="es-CO" sz="1400" b="1" kern="1200" dirty="0" smtClean="0"/>
+            <a:t>Seguimiento  e informalidad en petición de cambios</a:t>
+          </a:r>
+          <a:endParaRPr lang="es-ES" sz="1400" b="1" kern="1200" dirty="0"/>
+        </a:p>
+        <a:p>
+          <a:pPr marL="114300" lvl="1" indent="-114300" algn="l" defTabSz="622300">
+            <a:lnSpc>
+              <a:spcPct val="90000"/>
+            </a:lnSpc>
+            <a:spcBef>
+              <a:spcPct val="0"/>
+            </a:spcBef>
+            <a:spcAft>
+              <a:spcPct val="15000"/>
+            </a:spcAft>
+            <a:buChar char="••"/>
+          </a:pPr>
+          <a:r>
+            <a:rPr lang="es-CO" sz="1400" b="1" kern="1200" dirty="0" smtClean="0"/>
+            <a:t>Formación y capacitación en el proceso</a:t>
+          </a:r>
+          <a:endParaRPr lang="es-ES" sz="1400" b="1" kern="1200" dirty="0"/>
+        </a:p>
+        <a:p>
+          <a:pPr marL="114300" lvl="1" indent="-114300" algn="l" defTabSz="622300">
+            <a:lnSpc>
+              <a:spcPct val="90000"/>
+            </a:lnSpc>
+            <a:spcBef>
+              <a:spcPct val="0"/>
+            </a:spcBef>
+            <a:spcAft>
+              <a:spcPct val="15000"/>
+            </a:spcAft>
+            <a:buChar char="••"/>
+          </a:pPr>
+          <a:endParaRPr lang="es-ES" sz="1400" b="1" kern="1200" dirty="0"/>
+        </a:p>
+      </dsp:txBody>
+      <dsp:txXfrm rot="5400000">
+        <a:off x="4336684" y="-221546"/>
+        <a:ext cx="1556352" cy="6224262"/>
+      </dsp:txXfrm>
+    </dsp:sp>
+  </dsp:spTree>
+</dsp:drawing>
+</file>
+
 <file path=ppt/diagrams/layout1.xml><?xml version="1.0" encoding="utf-8"?>
 <dgm:layoutDef xmlns:dgm="http://schemas.openxmlformats.org/drawingml/2006/diagram" xmlns:a="http://schemas.openxmlformats.org/drawingml/2006/main" uniqueId="urn:microsoft.com/office/officeart/2005/8/layout/list1">
   <dgm:title val=""/>
@@ -13590,6 +16636,262 @@
           </dgm:shape>
           <dgm:presOf/>
           <dgm:constrLst/>
+          <dgm:ruleLst/>
+        </dgm:layoutNode>
+      </dgm:forEach>
+    </dgm:forEach>
+  </dgm:layoutNode>
+</dgm:layoutDef>
+</file>
+
+<file path=ppt/diagrams/layout10.xml><?xml version="1.0" encoding="utf-8"?>
+<dgm:layoutDef xmlns:dgm="http://schemas.openxmlformats.org/drawingml/2006/diagram" xmlns:a="http://schemas.openxmlformats.org/drawingml/2006/main" uniqueId="urn:microsoft.com/office/officeart/2005/8/layout/chevron2">
+  <dgm:title val=""/>
+  <dgm:desc val=""/>
+  <dgm:catLst>
+    <dgm:cat type="process" pri="12000"/>
+    <dgm:cat type="list" pri="16000"/>
+    <dgm:cat type="convert" pri="11000"/>
+  </dgm:catLst>
+  <dgm:sampData>
+    <dgm:dataModel>
+      <dgm:ptLst>
+        <dgm:pt modelId="0" type="doc"/>
+        <dgm:pt modelId="1">
+          <dgm:prSet phldr="1"/>
+        </dgm:pt>
+        <dgm:pt modelId="11">
+          <dgm:prSet phldr="1"/>
+        </dgm:pt>
+        <dgm:pt modelId="12">
+          <dgm:prSet phldr="1"/>
+        </dgm:pt>
+        <dgm:pt modelId="2">
+          <dgm:prSet phldr="1"/>
+        </dgm:pt>
+        <dgm:pt modelId="21">
+          <dgm:prSet phldr="1"/>
+        </dgm:pt>
+        <dgm:pt modelId="22">
+          <dgm:prSet phldr="1"/>
+        </dgm:pt>
+        <dgm:pt modelId="3">
+          <dgm:prSet phldr="1"/>
+        </dgm:pt>
+        <dgm:pt modelId="31">
+          <dgm:prSet phldr="1"/>
+        </dgm:pt>
+        <dgm:pt modelId="32">
+          <dgm:prSet phldr="1"/>
+        </dgm:pt>
+      </dgm:ptLst>
+      <dgm:cxnLst>
+        <dgm:cxn modelId="4" srcId="0" destId="1" srcOrd="0" destOrd="0"/>
+        <dgm:cxn modelId="5" srcId="0" destId="2" srcOrd="1" destOrd="0"/>
+        <dgm:cxn modelId="6" srcId="0" destId="3" srcOrd="2" destOrd="0"/>
+        <dgm:cxn modelId="13" srcId="1" destId="11" srcOrd="0" destOrd="0"/>
+        <dgm:cxn modelId="14" srcId="1" destId="12" srcOrd="1" destOrd="0"/>
+        <dgm:cxn modelId="23" srcId="2" destId="21" srcOrd="0" destOrd="0"/>
+        <dgm:cxn modelId="24" srcId="2" destId="22" srcOrd="1" destOrd="0"/>
+        <dgm:cxn modelId="33" srcId="3" destId="31" srcOrd="0" destOrd="0"/>
+        <dgm:cxn modelId="34" srcId="3" destId="32" srcOrd="1" destOrd="0"/>
+      </dgm:cxnLst>
+      <dgm:bg/>
+      <dgm:whole/>
+    </dgm:dataModel>
+  </dgm:sampData>
+  <dgm:styleData>
+    <dgm:dataModel>
+      <dgm:ptLst>
+        <dgm:pt modelId="0" type="doc"/>
+        <dgm:pt modelId="1"/>
+      </dgm:ptLst>
+      <dgm:cxnLst>
+        <dgm:cxn modelId="4" srcId="0" destId="1" srcOrd="0" destOrd="0"/>
+      </dgm:cxnLst>
+      <dgm:bg/>
+      <dgm:whole/>
+    </dgm:dataModel>
+  </dgm:styleData>
+  <dgm:clrData>
+    <dgm:dataModel>
+      <dgm:ptLst>
+        <dgm:pt modelId="0" type="doc"/>
+        <dgm:pt modelId="1"/>
+        <dgm:pt modelId="11"/>
+        <dgm:pt modelId="2"/>
+        <dgm:pt modelId="21"/>
+        <dgm:pt modelId="3"/>
+        <dgm:pt modelId="31"/>
+        <dgm:pt modelId="4"/>
+        <dgm:pt modelId="41"/>
+      </dgm:ptLst>
+      <dgm:cxnLst>
+        <dgm:cxn modelId="5" srcId="0" destId="1" srcOrd="0" destOrd="0"/>
+        <dgm:cxn modelId="6" srcId="0" destId="2" srcOrd="1" destOrd="0"/>
+        <dgm:cxn modelId="7" srcId="0" destId="3" srcOrd="2" destOrd="0"/>
+        <dgm:cxn modelId="8" srcId="0" destId="4" srcOrd="3" destOrd="0"/>
+        <dgm:cxn modelId="13" srcId="1" destId="11" srcOrd="0" destOrd="0"/>
+        <dgm:cxn modelId="23" srcId="2" destId="21" srcOrd="0" destOrd="0"/>
+        <dgm:cxn modelId="33" srcId="3" destId="31" srcOrd="0" destOrd="0"/>
+        <dgm:cxn modelId="43" srcId="4" destId="41" srcOrd="0" destOrd="0"/>
+      </dgm:cxnLst>
+      <dgm:bg/>
+      <dgm:whole/>
+    </dgm:dataModel>
+  </dgm:clrData>
+  <dgm:layoutNode name="linearFlow">
+    <dgm:varLst>
+      <dgm:dir/>
+      <dgm:animLvl val="lvl"/>
+      <dgm:resizeHandles val="exact"/>
+    </dgm:varLst>
+    <dgm:alg type="lin">
+      <dgm:param type="linDir" val="fromT"/>
+      <dgm:param type="nodeHorzAlign" val="l"/>
+    </dgm:alg>
+    <dgm:shape xmlns:r="http://schemas.openxmlformats.org/officeDocument/2006/relationships" r:blip="">
+      <dgm:adjLst/>
+    </dgm:shape>
+    <dgm:presOf/>
+    <dgm:constrLst>
+      <dgm:constr type="h" for="ch" forName="composite" refType="h"/>
+      <dgm:constr type="w" for="ch" forName="composite" refType="w"/>
+      <dgm:constr type="h" for="des" forName="parentText" op="equ"/>
+      <dgm:constr type="h" for="ch" forName="sp" val="-14.88"/>
+      <dgm:constr type="h" for="ch" forName="sp" refType="w" refFor="des" refForName="parentText" op="gte" fact="-0.3"/>
+      <dgm:constr type="primFontSz" for="des" forName="parentText" op="equ" val="65"/>
+      <dgm:constr type="primFontSz" for="des" forName="descendantText" op="equ" val="65"/>
+    </dgm:constrLst>
+    <dgm:ruleLst/>
+    <dgm:forEach name="Name0" axis="ch" ptType="node">
+      <dgm:layoutNode name="composite">
+        <dgm:alg type="composite"/>
+        <dgm:shape xmlns:r="http://schemas.openxmlformats.org/officeDocument/2006/relationships" r:blip="">
+          <dgm:adjLst/>
+        </dgm:shape>
+        <dgm:presOf/>
+        <dgm:choose name="Name1">
+          <dgm:if name="Name2" func="var" arg="dir" op="equ" val="norm">
+            <dgm:constrLst>
+              <dgm:constr type="t" for="ch" forName="parentText"/>
+              <dgm:constr type="l" for="ch" forName="parentText"/>
+              <dgm:constr type="w" for="ch" forName="parentText" refType="w" fact="0.4"/>
+              <dgm:constr type="h" for="ch" forName="parentText" refType="h"/>
+              <dgm:constr type="w" for="ch" forName="parentText" refType="w" op="lte" fact="0.5"/>
+              <dgm:constr type="w" for="ch" forName="parentText" refType="h" refFor="ch" refForName="parentText" op="lte" fact="0.7"/>
+              <dgm:constr type="h" for="ch" forName="parentText" refType="w" refFor="ch" refForName="parentText" op="lte" fact="3"/>
+              <dgm:constr type="l" for="ch" forName="descendantText" refType="w" refFor="ch" refForName="parentText"/>
+              <dgm:constr type="w" for="ch" forName="descendantText" refType="w"/>
+              <dgm:constr type="wOff" for="ch" forName="descendantText" refType="w" refFor="ch" refForName="parentText" fact="-1"/>
+              <dgm:constr type="t" for="ch" forName="descendantText"/>
+              <dgm:constr type="b" for="ch" forName="descendantText" refType="h" refFor="ch" refForName="parentText"/>
+              <dgm:constr type="bOff" for="ch" forName="descendantText" refType="w" refFor="ch" refForName="parentText" fact="-0.5"/>
+            </dgm:constrLst>
+          </dgm:if>
+          <dgm:else name="Name3">
+            <dgm:constrLst>
+              <dgm:constr type="t" for="ch" forName="parentText"/>
+              <dgm:constr type="r" for="ch" forName="parentText" refType="w"/>
+              <dgm:constr type="w" for="ch" forName="parentText" refType="w" fact="0.4"/>
+              <dgm:constr type="h" for="ch" forName="parentText" refType="h"/>
+              <dgm:constr type="w" for="ch" forName="parentText" refType="w" op="lte" fact="0.5"/>
+              <dgm:constr type="w" for="ch" forName="parentText" refType="h" refFor="ch" refForName="parentText" op="lte" fact="0.7"/>
+              <dgm:constr type="h" for="ch" forName="parentText" refType="w" refFor="ch" refForName="parentText" op="lte" fact="3"/>
+              <dgm:constr type="l" for="ch" forName="descendantText"/>
+              <dgm:constr type="w" for="ch" forName="descendantText" refType="w"/>
+              <dgm:constr type="wOff" for="ch" forName="descendantText" refType="w" refFor="ch" refForName="parentText" fact="-1"/>
+              <dgm:constr type="t" for="ch" forName="descendantText"/>
+              <dgm:constr type="b" for="ch" forName="descendantText" refType="h" refFor="ch" refForName="parentText"/>
+              <dgm:constr type="bOff" for="ch" forName="descendantText" refType="w" refFor="ch" refForName="parentText" fact="-0.5"/>
+            </dgm:constrLst>
+          </dgm:else>
+        </dgm:choose>
+        <dgm:ruleLst/>
+        <dgm:layoutNode name="parentText" styleLbl="alignNode1">
+          <dgm:varLst>
+            <dgm:chMax val="1"/>
+            <dgm:bulletEnabled val="1"/>
+          </dgm:varLst>
+          <dgm:alg type="tx"/>
+          <dgm:shape xmlns:r="http://schemas.openxmlformats.org/officeDocument/2006/relationships" rot="90" type="chevron" r:blip="">
+            <dgm:adjLst/>
+          </dgm:shape>
+          <dgm:presOf axis="self" ptType="node"/>
+          <dgm:constrLst>
+            <dgm:constr type="lMarg" refType="primFontSz" fact="0.05"/>
+            <dgm:constr type="rMarg" refType="primFontSz" fact="0.05"/>
+            <dgm:constr type="tMarg" refType="primFontSz" fact="0.05"/>
+            <dgm:constr type="bMarg" refType="primFontSz" fact="0.05"/>
+          </dgm:constrLst>
+          <dgm:ruleLst>
+            <dgm:rule type="h" val="100" fact="NaN" max="NaN"/>
+            <dgm:rule type="primFontSz" val="24" fact="NaN" max="NaN"/>
+            <dgm:rule type="h" val="110" fact="NaN" max="NaN"/>
+            <dgm:rule type="primFontSz" val="18" fact="NaN" max="NaN"/>
+            <dgm:rule type="h" val="INF" fact="NaN" max="NaN"/>
+            <dgm:rule type="primFontSz" val="5" fact="NaN" max="NaN"/>
+          </dgm:ruleLst>
+        </dgm:layoutNode>
+        <dgm:layoutNode name="descendantText" styleLbl="alignAcc1">
+          <dgm:varLst>
+            <dgm:bulletEnabled val="1"/>
+          </dgm:varLst>
+          <dgm:choose name="Name4">
+            <dgm:if name="Name5" func="var" arg="dir" op="equ" val="norm">
+              <dgm:alg type="tx">
+                <dgm:param type="stBulletLvl" val="1"/>
+                <dgm:param type="txAnchorVertCh" val="mid"/>
+              </dgm:alg>
+              <dgm:shape xmlns:r="http://schemas.openxmlformats.org/officeDocument/2006/relationships" rot="90" type="round2SameRect" r:blip="">
+                <dgm:adjLst/>
+              </dgm:shape>
+            </dgm:if>
+            <dgm:else name="Name6">
+              <dgm:alg type="tx">
+                <dgm:param type="stBulletLvl" val="1"/>
+                <dgm:param type="txAnchorVertCh" val="mid"/>
+              </dgm:alg>
+              <dgm:shape xmlns:r="http://schemas.openxmlformats.org/officeDocument/2006/relationships" rot="-90" type="round2SameRect" r:blip="">
+                <dgm:adjLst/>
+              </dgm:shape>
+            </dgm:else>
+          </dgm:choose>
+          <dgm:presOf axis="des" ptType="node"/>
+          <dgm:choose name="Name7">
+            <dgm:if name="Name8" func="var" arg="dir" op="equ" val="norm">
+              <dgm:constrLst>
+                <dgm:constr type="secFontSz" refType="primFontSz"/>
+                <dgm:constr type="tMarg" refType="primFontSz" fact="0.05"/>
+                <dgm:constr type="bMarg" refType="primFontSz" fact="0.05"/>
+                <dgm:constr type="rMarg" refType="primFontSz" fact="0.05"/>
+              </dgm:constrLst>
+            </dgm:if>
+            <dgm:else name="Name9">
+              <dgm:constrLst>
+                <dgm:constr type="secFontSz" refType="primFontSz"/>
+                <dgm:constr type="tMarg" refType="primFontSz" fact="0.05"/>
+                <dgm:constr type="bMarg" refType="primFontSz" fact="0.05"/>
+                <dgm:constr type="lMarg" refType="primFontSz" fact="0.05"/>
+              </dgm:constrLst>
+            </dgm:else>
+          </dgm:choose>
+          <dgm:ruleLst>
+            <dgm:rule type="primFontSz" val="5" fact="NaN" max="NaN"/>
+          </dgm:ruleLst>
+        </dgm:layoutNode>
+      </dgm:layoutNode>
+      <dgm:forEach name="Name10" axis="followSib" ptType="sibTrans" cnt="1">
+        <dgm:layoutNode name="sp">
+          <dgm:alg type="sp"/>
+          <dgm:shape xmlns:r="http://schemas.openxmlformats.org/officeDocument/2006/relationships" r:blip="">
+            <dgm:adjLst/>
+          </dgm:shape>
+          <dgm:presOf axis="self"/>
+          <dgm:constrLst>
+            <dgm:constr type="w" val="1"/>
+            <dgm:constr type="h" val="37.5"/>
+          </dgm:constrLst>
           <dgm:ruleLst/>
         </dgm:layoutNode>
       </dgm:forEach>
@@ -15135,7 +18437,1297 @@
 </dgm:layoutDef>
 </file>
 
+<file path=ppt/diagrams/layout9.xml><?xml version="1.0" encoding="utf-8"?>
+<dgm:layoutDef xmlns:dgm="http://schemas.openxmlformats.org/drawingml/2006/diagram" xmlns:a="http://schemas.openxmlformats.org/drawingml/2006/main" uniqueId="urn:microsoft.com/office/officeart/2005/8/layout/chevron2">
+  <dgm:title val=""/>
+  <dgm:desc val=""/>
+  <dgm:catLst>
+    <dgm:cat type="process" pri="12000"/>
+    <dgm:cat type="list" pri="16000"/>
+    <dgm:cat type="convert" pri="11000"/>
+  </dgm:catLst>
+  <dgm:sampData>
+    <dgm:dataModel>
+      <dgm:ptLst>
+        <dgm:pt modelId="0" type="doc"/>
+        <dgm:pt modelId="1">
+          <dgm:prSet phldr="1"/>
+        </dgm:pt>
+        <dgm:pt modelId="11">
+          <dgm:prSet phldr="1"/>
+        </dgm:pt>
+        <dgm:pt modelId="12">
+          <dgm:prSet phldr="1"/>
+        </dgm:pt>
+        <dgm:pt modelId="2">
+          <dgm:prSet phldr="1"/>
+        </dgm:pt>
+        <dgm:pt modelId="21">
+          <dgm:prSet phldr="1"/>
+        </dgm:pt>
+        <dgm:pt modelId="22">
+          <dgm:prSet phldr="1"/>
+        </dgm:pt>
+        <dgm:pt modelId="3">
+          <dgm:prSet phldr="1"/>
+        </dgm:pt>
+        <dgm:pt modelId="31">
+          <dgm:prSet phldr="1"/>
+        </dgm:pt>
+        <dgm:pt modelId="32">
+          <dgm:prSet phldr="1"/>
+        </dgm:pt>
+      </dgm:ptLst>
+      <dgm:cxnLst>
+        <dgm:cxn modelId="4" srcId="0" destId="1" srcOrd="0" destOrd="0"/>
+        <dgm:cxn modelId="5" srcId="0" destId="2" srcOrd="1" destOrd="0"/>
+        <dgm:cxn modelId="6" srcId="0" destId="3" srcOrd="2" destOrd="0"/>
+        <dgm:cxn modelId="13" srcId="1" destId="11" srcOrd="0" destOrd="0"/>
+        <dgm:cxn modelId="14" srcId="1" destId="12" srcOrd="1" destOrd="0"/>
+        <dgm:cxn modelId="23" srcId="2" destId="21" srcOrd="0" destOrd="0"/>
+        <dgm:cxn modelId="24" srcId="2" destId="22" srcOrd="1" destOrd="0"/>
+        <dgm:cxn modelId="33" srcId="3" destId="31" srcOrd="0" destOrd="0"/>
+        <dgm:cxn modelId="34" srcId="3" destId="32" srcOrd="1" destOrd="0"/>
+      </dgm:cxnLst>
+      <dgm:bg/>
+      <dgm:whole/>
+    </dgm:dataModel>
+  </dgm:sampData>
+  <dgm:styleData>
+    <dgm:dataModel>
+      <dgm:ptLst>
+        <dgm:pt modelId="0" type="doc"/>
+        <dgm:pt modelId="1"/>
+      </dgm:ptLst>
+      <dgm:cxnLst>
+        <dgm:cxn modelId="4" srcId="0" destId="1" srcOrd="0" destOrd="0"/>
+      </dgm:cxnLst>
+      <dgm:bg/>
+      <dgm:whole/>
+    </dgm:dataModel>
+  </dgm:styleData>
+  <dgm:clrData>
+    <dgm:dataModel>
+      <dgm:ptLst>
+        <dgm:pt modelId="0" type="doc"/>
+        <dgm:pt modelId="1"/>
+        <dgm:pt modelId="11"/>
+        <dgm:pt modelId="2"/>
+        <dgm:pt modelId="21"/>
+        <dgm:pt modelId="3"/>
+        <dgm:pt modelId="31"/>
+        <dgm:pt modelId="4"/>
+        <dgm:pt modelId="41"/>
+      </dgm:ptLst>
+      <dgm:cxnLst>
+        <dgm:cxn modelId="5" srcId="0" destId="1" srcOrd="0" destOrd="0"/>
+        <dgm:cxn modelId="6" srcId="0" destId="2" srcOrd="1" destOrd="0"/>
+        <dgm:cxn modelId="7" srcId="0" destId="3" srcOrd="2" destOrd="0"/>
+        <dgm:cxn modelId="8" srcId="0" destId="4" srcOrd="3" destOrd="0"/>
+        <dgm:cxn modelId="13" srcId="1" destId="11" srcOrd="0" destOrd="0"/>
+        <dgm:cxn modelId="23" srcId="2" destId="21" srcOrd="0" destOrd="0"/>
+        <dgm:cxn modelId="33" srcId="3" destId="31" srcOrd="0" destOrd="0"/>
+        <dgm:cxn modelId="43" srcId="4" destId="41" srcOrd="0" destOrd="0"/>
+      </dgm:cxnLst>
+      <dgm:bg/>
+      <dgm:whole/>
+    </dgm:dataModel>
+  </dgm:clrData>
+  <dgm:layoutNode name="linearFlow">
+    <dgm:varLst>
+      <dgm:dir/>
+      <dgm:animLvl val="lvl"/>
+      <dgm:resizeHandles val="exact"/>
+    </dgm:varLst>
+    <dgm:alg type="lin">
+      <dgm:param type="linDir" val="fromT"/>
+      <dgm:param type="nodeHorzAlign" val="l"/>
+    </dgm:alg>
+    <dgm:shape xmlns:r="http://schemas.openxmlformats.org/officeDocument/2006/relationships" r:blip="">
+      <dgm:adjLst/>
+    </dgm:shape>
+    <dgm:presOf/>
+    <dgm:constrLst>
+      <dgm:constr type="h" for="ch" forName="composite" refType="h"/>
+      <dgm:constr type="w" for="ch" forName="composite" refType="w"/>
+      <dgm:constr type="h" for="des" forName="parentText" op="equ"/>
+      <dgm:constr type="h" for="ch" forName="sp" val="-14.88"/>
+      <dgm:constr type="h" for="ch" forName="sp" refType="w" refFor="des" refForName="parentText" op="gte" fact="-0.3"/>
+      <dgm:constr type="primFontSz" for="des" forName="parentText" op="equ" val="65"/>
+      <dgm:constr type="primFontSz" for="des" forName="descendantText" op="equ" val="65"/>
+    </dgm:constrLst>
+    <dgm:ruleLst/>
+    <dgm:forEach name="Name0" axis="ch" ptType="node">
+      <dgm:layoutNode name="composite">
+        <dgm:alg type="composite"/>
+        <dgm:shape xmlns:r="http://schemas.openxmlformats.org/officeDocument/2006/relationships" r:blip="">
+          <dgm:adjLst/>
+        </dgm:shape>
+        <dgm:presOf/>
+        <dgm:choose name="Name1">
+          <dgm:if name="Name2" func="var" arg="dir" op="equ" val="norm">
+            <dgm:constrLst>
+              <dgm:constr type="t" for="ch" forName="parentText"/>
+              <dgm:constr type="l" for="ch" forName="parentText"/>
+              <dgm:constr type="w" for="ch" forName="parentText" refType="w" fact="0.4"/>
+              <dgm:constr type="h" for="ch" forName="parentText" refType="h"/>
+              <dgm:constr type="w" for="ch" forName="parentText" refType="w" op="lte" fact="0.5"/>
+              <dgm:constr type="w" for="ch" forName="parentText" refType="h" refFor="ch" refForName="parentText" op="lte" fact="0.7"/>
+              <dgm:constr type="h" for="ch" forName="parentText" refType="w" refFor="ch" refForName="parentText" op="lte" fact="3"/>
+              <dgm:constr type="l" for="ch" forName="descendantText" refType="w" refFor="ch" refForName="parentText"/>
+              <dgm:constr type="w" for="ch" forName="descendantText" refType="w"/>
+              <dgm:constr type="wOff" for="ch" forName="descendantText" refType="w" refFor="ch" refForName="parentText" fact="-1"/>
+              <dgm:constr type="t" for="ch" forName="descendantText"/>
+              <dgm:constr type="b" for="ch" forName="descendantText" refType="h" refFor="ch" refForName="parentText"/>
+              <dgm:constr type="bOff" for="ch" forName="descendantText" refType="w" refFor="ch" refForName="parentText" fact="-0.5"/>
+            </dgm:constrLst>
+          </dgm:if>
+          <dgm:else name="Name3">
+            <dgm:constrLst>
+              <dgm:constr type="t" for="ch" forName="parentText"/>
+              <dgm:constr type="r" for="ch" forName="parentText" refType="w"/>
+              <dgm:constr type="w" for="ch" forName="parentText" refType="w" fact="0.4"/>
+              <dgm:constr type="h" for="ch" forName="parentText" refType="h"/>
+              <dgm:constr type="w" for="ch" forName="parentText" refType="w" op="lte" fact="0.5"/>
+              <dgm:constr type="w" for="ch" forName="parentText" refType="h" refFor="ch" refForName="parentText" op="lte" fact="0.7"/>
+              <dgm:constr type="h" for="ch" forName="parentText" refType="w" refFor="ch" refForName="parentText" op="lte" fact="3"/>
+              <dgm:constr type="l" for="ch" forName="descendantText"/>
+              <dgm:constr type="w" for="ch" forName="descendantText" refType="w"/>
+              <dgm:constr type="wOff" for="ch" forName="descendantText" refType="w" refFor="ch" refForName="parentText" fact="-1"/>
+              <dgm:constr type="t" for="ch" forName="descendantText"/>
+              <dgm:constr type="b" for="ch" forName="descendantText" refType="h" refFor="ch" refForName="parentText"/>
+              <dgm:constr type="bOff" for="ch" forName="descendantText" refType="w" refFor="ch" refForName="parentText" fact="-0.5"/>
+            </dgm:constrLst>
+          </dgm:else>
+        </dgm:choose>
+        <dgm:ruleLst/>
+        <dgm:layoutNode name="parentText" styleLbl="alignNode1">
+          <dgm:varLst>
+            <dgm:chMax val="1"/>
+            <dgm:bulletEnabled val="1"/>
+          </dgm:varLst>
+          <dgm:alg type="tx"/>
+          <dgm:shape xmlns:r="http://schemas.openxmlformats.org/officeDocument/2006/relationships" rot="90" type="chevron" r:blip="">
+            <dgm:adjLst/>
+          </dgm:shape>
+          <dgm:presOf axis="self" ptType="node"/>
+          <dgm:constrLst>
+            <dgm:constr type="lMarg" refType="primFontSz" fact="0.05"/>
+            <dgm:constr type="rMarg" refType="primFontSz" fact="0.05"/>
+            <dgm:constr type="tMarg" refType="primFontSz" fact="0.05"/>
+            <dgm:constr type="bMarg" refType="primFontSz" fact="0.05"/>
+          </dgm:constrLst>
+          <dgm:ruleLst>
+            <dgm:rule type="h" val="100" fact="NaN" max="NaN"/>
+            <dgm:rule type="primFontSz" val="24" fact="NaN" max="NaN"/>
+            <dgm:rule type="h" val="110" fact="NaN" max="NaN"/>
+            <dgm:rule type="primFontSz" val="18" fact="NaN" max="NaN"/>
+            <dgm:rule type="h" val="INF" fact="NaN" max="NaN"/>
+            <dgm:rule type="primFontSz" val="5" fact="NaN" max="NaN"/>
+          </dgm:ruleLst>
+        </dgm:layoutNode>
+        <dgm:layoutNode name="descendantText" styleLbl="alignAcc1">
+          <dgm:varLst>
+            <dgm:bulletEnabled val="1"/>
+          </dgm:varLst>
+          <dgm:choose name="Name4">
+            <dgm:if name="Name5" func="var" arg="dir" op="equ" val="norm">
+              <dgm:alg type="tx">
+                <dgm:param type="stBulletLvl" val="1"/>
+                <dgm:param type="txAnchorVertCh" val="mid"/>
+              </dgm:alg>
+              <dgm:shape xmlns:r="http://schemas.openxmlformats.org/officeDocument/2006/relationships" rot="90" type="round2SameRect" r:blip="">
+                <dgm:adjLst/>
+              </dgm:shape>
+            </dgm:if>
+            <dgm:else name="Name6">
+              <dgm:alg type="tx">
+                <dgm:param type="stBulletLvl" val="1"/>
+                <dgm:param type="txAnchorVertCh" val="mid"/>
+              </dgm:alg>
+              <dgm:shape xmlns:r="http://schemas.openxmlformats.org/officeDocument/2006/relationships" rot="-90" type="round2SameRect" r:blip="">
+                <dgm:adjLst/>
+              </dgm:shape>
+            </dgm:else>
+          </dgm:choose>
+          <dgm:presOf axis="des" ptType="node"/>
+          <dgm:choose name="Name7">
+            <dgm:if name="Name8" func="var" arg="dir" op="equ" val="norm">
+              <dgm:constrLst>
+                <dgm:constr type="secFontSz" refType="primFontSz"/>
+                <dgm:constr type="tMarg" refType="primFontSz" fact="0.05"/>
+                <dgm:constr type="bMarg" refType="primFontSz" fact="0.05"/>
+                <dgm:constr type="rMarg" refType="primFontSz" fact="0.05"/>
+              </dgm:constrLst>
+            </dgm:if>
+            <dgm:else name="Name9">
+              <dgm:constrLst>
+                <dgm:constr type="secFontSz" refType="primFontSz"/>
+                <dgm:constr type="tMarg" refType="primFontSz" fact="0.05"/>
+                <dgm:constr type="bMarg" refType="primFontSz" fact="0.05"/>
+                <dgm:constr type="lMarg" refType="primFontSz" fact="0.05"/>
+              </dgm:constrLst>
+            </dgm:else>
+          </dgm:choose>
+          <dgm:ruleLst>
+            <dgm:rule type="primFontSz" val="5" fact="NaN" max="NaN"/>
+          </dgm:ruleLst>
+        </dgm:layoutNode>
+      </dgm:layoutNode>
+      <dgm:forEach name="Name10" axis="followSib" ptType="sibTrans" cnt="1">
+        <dgm:layoutNode name="sp">
+          <dgm:alg type="sp"/>
+          <dgm:shape xmlns:r="http://schemas.openxmlformats.org/officeDocument/2006/relationships" r:blip="">
+            <dgm:adjLst/>
+          </dgm:shape>
+          <dgm:presOf axis="self"/>
+          <dgm:constrLst>
+            <dgm:constr type="w" val="1"/>
+            <dgm:constr type="h" val="37.5"/>
+          </dgm:constrLst>
+          <dgm:ruleLst/>
+        </dgm:layoutNode>
+      </dgm:forEach>
+    </dgm:forEach>
+  </dgm:layoutNode>
+</dgm:layoutDef>
+</file>
+
 <file path=ppt/diagrams/quickStyle1.xml><?xml version="1.0" encoding="utf-8"?>
+<dgm:styleDef xmlns:dgm="http://schemas.openxmlformats.org/drawingml/2006/diagram" xmlns:a="http://schemas.openxmlformats.org/drawingml/2006/main" uniqueId="urn:microsoft.com/office/officeart/2005/8/quickstyle/simple1">
+  <dgm:title val=""/>
+  <dgm:desc val=""/>
+  <dgm:catLst>
+    <dgm:cat type="simple" pri="10100"/>
+  </dgm:catLst>
+  <dgm:scene3d>
+    <a:camera prst="orthographicFront"/>
+    <a:lightRig rig="threePt" dir="t"/>
+  </dgm:scene3d>
+  <dgm:styleLbl name="node0">
+    <dgm:scene3d>
+      <a:camera prst="orthographicFront"/>
+      <a:lightRig rig="threePt" dir="t"/>
+    </dgm:scene3d>
+    <dgm:sp3d/>
+    <dgm:txPr/>
+    <dgm:style>
+      <a:lnRef idx="2">
+        <a:scrgbClr r="0" g="0" b="0"/>
+      </a:lnRef>
+      <a:fillRef idx="1">
+        <a:scrgbClr r="0" g="0" b="0"/>
+      </a:fillRef>
+      <a:effectRef idx="0">
+        <a:scrgbClr r="0" g="0" b="0"/>
+      </a:effectRef>
+      <a:fontRef idx="minor">
+        <a:schemeClr val="lt1"/>
+      </a:fontRef>
+    </dgm:style>
+  </dgm:styleLbl>
+  <dgm:styleLbl name="lnNode1">
+    <dgm:scene3d>
+      <a:camera prst="orthographicFront"/>
+      <a:lightRig rig="threePt" dir="t"/>
+    </dgm:scene3d>
+    <dgm:sp3d/>
+    <dgm:txPr/>
+    <dgm:style>
+      <a:lnRef idx="2">
+        <a:scrgbClr r="0" g="0" b="0"/>
+      </a:lnRef>
+      <a:fillRef idx="1">
+        <a:scrgbClr r="0" g="0" b="0"/>
+      </a:fillRef>
+      <a:effectRef idx="0">
+        <a:scrgbClr r="0" g="0" b="0"/>
+      </a:effectRef>
+      <a:fontRef idx="minor">
+        <a:schemeClr val="lt1"/>
+      </a:fontRef>
+    </dgm:style>
+  </dgm:styleLbl>
+  <dgm:styleLbl name="vennNode1">
+    <dgm:scene3d>
+      <a:camera prst="orthographicFront"/>
+      <a:lightRig rig="threePt" dir="t"/>
+    </dgm:scene3d>
+    <dgm:sp3d/>
+    <dgm:txPr/>
+    <dgm:style>
+      <a:lnRef idx="2">
+        <a:scrgbClr r="0" g="0" b="0"/>
+      </a:lnRef>
+      <a:fillRef idx="1">
+        <a:scrgbClr r="0" g="0" b="0"/>
+      </a:fillRef>
+      <a:effectRef idx="0">
+        <a:scrgbClr r="0" g="0" b="0"/>
+      </a:effectRef>
+      <a:fontRef idx="minor">
+        <a:schemeClr val="tx1"/>
+      </a:fontRef>
+    </dgm:style>
+  </dgm:styleLbl>
+  <dgm:styleLbl name="alignNode1">
+    <dgm:scene3d>
+      <a:camera prst="orthographicFront"/>
+      <a:lightRig rig="threePt" dir="t"/>
+    </dgm:scene3d>
+    <dgm:sp3d/>
+    <dgm:txPr/>
+    <dgm:style>
+      <a:lnRef idx="2">
+        <a:scrgbClr r="0" g="0" b="0"/>
+      </a:lnRef>
+      <a:fillRef idx="1">
+        <a:scrgbClr r="0" g="0" b="0"/>
+      </a:fillRef>
+      <a:effectRef idx="0">
+        <a:scrgbClr r="0" g="0" b="0"/>
+      </a:effectRef>
+      <a:fontRef idx="minor">
+        <a:schemeClr val="lt1"/>
+      </a:fontRef>
+    </dgm:style>
+  </dgm:styleLbl>
+  <dgm:styleLbl name="node1">
+    <dgm:scene3d>
+      <a:camera prst="orthographicFront"/>
+      <a:lightRig rig="threePt" dir="t"/>
+    </dgm:scene3d>
+    <dgm:sp3d/>
+    <dgm:txPr/>
+    <dgm:style>
+      <a:lnRef idx="2">
+        <a:scrgbClr r="0" g="0" b="0"/>
+      </a:lnRef>
+      <a:fillRef idx="1">
+        <a:scrgbClr r="0" g="0" b="0"/>
+      </a:fillRef>
+      <a:effectRef idx="0">
+        <a:scrgbClr r="0" g="0" b="0"/>
+      </a:effectRef>
+      <a:fontRef idx="minor">
+        <a:schemeClr val="lt1"/>
+      </a:fontRef>
+    </dgm:style>
+  </dgm:styleLbl>
+  <dgm:styleLbl name="node2">
+    <dgm:scene3d>
+      <a:camera prst="orthographicFront"/>
+      <a:lightRig rig="threePt" dir="t"/>
+    </dgm:scene3d>
+    <dgm:sp3d/>
+    <dgm:txPr/>
+    <dgm:style>
+      <a:lnRef idx="2">
+        <a:scrgbClr r="0" g="0" b="0"/>
+      </a:lnRef>
+      <a:fillRef idx="1">
+        <a:scrgbClr r="0" g="0" b="0"/>
+      </a:fillRef>
+      <a:effectRef idx="0">
+        <a:scrgbClr r="0" g="0" b="0"/>
+      </a:effectRef>
+      <a:fontRef idx="minor">
+        <a:schemeClr val="lt1"/>
+      </a:fontRef>
+    </dgm:style>
+  </dgm:styleLbl>
+  <dgm:styleLbl name="node3">
+    <dgm:scene3d>
+      <a:camera prst="orthographicFront"/>
+      <a:lightRig rig="threePt" dir="t"/>
+    </dgm:scene3d>
+    <dgm:sp3d/>
+    <dgm:txPr/>
+    <dgm:style>
+      <a:lnRef idx="2">
+        <a:scrgbClr r="0" g="0" b="0"/>
+      </a:lnRef>
+      <a:fillRef idx="1">
+        <a:scrgbClr r="0" g="0" b="0"/>
+      </a:fillRef>
+      <a:effectRef idx="0">
+        <a:scrgbClr r="0" g="0" b="0"/>
+      </a:effectRef>
+      <a:fontRef idx="minor">
+        <a:schemeClr val="lt1"/>
+      </a:fontRef>
+    </dgm:style>
+  </dgm:styleLbl>
+  <dgm:styleLbl name="node4">
+    <dgm:scene3d>
+      <a:camera prst="orthographicFront"/>
+      <a:lightRig rig="threePt" dir="t"/>
+    </dgm:scene3d>
+    <dgm:sp3d/>
+    <dgm:txPr/>
+    <dgm:style>
+      <a:lnRef idx="2">
+        <a:scrgbClr r="0" g="0" b="0"/>
+      </a:lnRef>
+      <a:fillRef idx="1">
+        <a:scrgbClr r="0" g="0" b="0"/>
+      </a:fillRef>
+      <a:effectRef idx="0">
+        <a:scrgbClr r="0" g="0" b="0"/>
+      </a:effectRef>
+      <a:fontRef idx="minor">
+        <a:schemeClr val="lt1"/>
+      </a:fontRef>
+    </dgm:style>
+  </dgm:styleLbl>
+  <dgm:styleLbl name="fgImgPlace1">
+    <dgm:scene3d>
+      <a:camera prst="orthographicFront"/>
+      <a:lightRig rig="threePt" dir="t"/>
+    </dgm:scene3d>
+    <dgm:sp3d/>
+    <dgm:txPr/>
+    <dgm:style>
+      <a:lnRef idx="2">
+        <a:scrgbClr r="0" g="0" b="0"/>
+      </a:lnRef>
+      <a:fillRef idx="1">
+        <a:scrgbClr r="0" g="0" b="0"/>
+      </a:fillRef>
+      <a:effectRef idx="0">
+        <a:scrgbClr r="0" g="0" b="0"/>
+      </a:effectRef>
+      <a:fontRef idx="minor"/>
+    </dgm:style>
+  </dgm:styleLbl>
+  <dgm:styleLbl name="alignImgPlace1">
+    <dgm:scene3d>
+      <a:camera prst="orthographicFront"/>
+      <a:lightRig rig="threePt" dir="t"/>
+    </dgm:scene3d>
+    <dgm:sp3d/>
+    <dgm:txPr/>
+    <dgm:style>
+      <a:lnRef idx="2">
+        <a:scrgbClr r="0" g="0" b="0"/>
+      </a:lnRef>
+      <a:fillRef idx="1">
+        <a:scrgbClr r="0" g="0" b="0"/>
+      </a:fillRef>
+      <a:effectRef idx="0">
+        <a:scrgbClr r="0" g="0" b="0"/>
+      </a:effectRef>
+      <a:fontRef idx="minor"/>
+    </dgm:style>
+  </dgm:styleLbl>
+  <dgm:styleLbl name="bgImgPlace1">
+    <dgm:scene3d>
+      <a:camera prst="orthographicFront"/>
+      <a:lightRig rig="threePt" dir="t"/>
+    </dgm:scene3d>
+    <dgm:sp3d/>
+    <dgm:txPr/>
+    <dgm:style>
+      <a:lnRef idx="2">
+        <a:scrgbClr r="0" g="0" b="0"/>
+      </a:lnRef>
+      <a:fillRef idx="1">
+        <a:scrgbClr r="0" g="0" b="0"/>
+      </a:fillRef>
+      <a:effectRef idx="0">
+        <a:scrgbClr r="0" g="0" b="0"/>
+      </a:effectRef>
+      <a:fontRef idx="minor"/>
+    </dgm:style>
+  </dgm:styleLbl>
+  <dgm:styleLbl name="sibTrans2D1">
+    <dgm:scene3d>
+      <a:camera prst="orthographicFront"/>
+      <a:lightRig rig="threePt" dir="t"/>
+    </dgm:scene3d>
+    <dgm:sp3d/>
+    <dgm:txPr/>
+    <dgm:style>
+      <a:lnRef idx="0">
+        <a:scrgbClr r="0" g="0" b="0"/>
+      </a:lnRef>
+      <a:fillRef idx="1">
+        <a:scrgbClr r="0" g="0" b="0"/>
+      </a:fillRef>
+      <a:effectRef idx="0">
+        <a:scrgbClr r="0" g="0" b="0"/>
+      </a:effectRef>
+      <a:fontRef idx="minor">
+        <a:schemeClr val="lt1"/>
+      </a:fontRef>
+    </dgm:style>
+  </dgm:styleLbl>
+  <dgm:styleLbl name="fgSibTrans2D1">
+    <dgm:scene3d>
+      <a:camera prst="orthographicFront"/>
+      <a:lightRig rig="threePt" dir="t"/>
+    </dgm:scene3d>
+    <dgm:sp3d/>
+    <dgm:txPr/>
+    <dgm:style>
+      <a:lnRef idx="0">
+        <a:scrgbClr r="0" g="0" b="0"/>
+      </a:lnRef>
+      <a:fillRef idx="1">
+        <a:scrgbClr r="0" g="0" b="0"/>
+      </a:fillRef>
+      <a:effectRef idx="0">
+        <a:scrgbClr r="0" g="0" b="0"/>
+      </a:effectRef>
+      <a:fontRef idx="minor">
+        <a:schemeClr val="lt1"/>
+      </a:fontRef>
+    </dgm:style>
+  </dgm:styleLbl>
+  <dgm:styleLbl name="bgSibTrans2D1">
+    <dgm:scene3d>
+      <a:camera prst="orthographicFront"/>
+      <a:lightRig rig="threePt" dir="t"/>
+    </dgm:scene3d>
+    <dgm:sp3d/>
+    <dgm:txPr/>
+    <dgm:style>
+      <a:lnRef idx="0">
+        <a:scrgbClr r="0" g="0" b="0"/>
+      </a:lnRef>
+      <a:fillRef idx="1">
+        <a:scrgbClr r="0" g="0" b="0"/>
+      </a:fillRef>
+      <a:effectRef idx="0">
+        <a:scrgbClr r="0" g="0" b="0"/>
+      </a:effectRef>
+      <a:fontRef idx="minor">
+        <a:schemeClr val="lt1"/>
+      </a:fontRef>
+    </dgm:style>
+  </dgm:styleLbl>
+  <dgm:styleLbl name="sibTrans1D1">
+    <dgm:scene3d>
+      <a:camera prst="orthographicFront"/>
+      <a:lightRig rig="threePt" dir="t"/>
+    </dgm:scene3d>
+    <dgm:sp3d/>
+    <dgm:txPr/>
+    <dgm:style>
+      <a:lnRef idx="1">
+        <a:scrgbClr r="0" g="0" b="0"/>
+      </a:lnRef>
+      <a:fillRef idx="0">
+        <a:scrgbClr r="0" g="0" b="0"/>
+      </a:fillRef>
+      <a:effectRef idx="0">
+        <a:scrgbClr r="0" g="0" b="0"/>
+      </a:effectRef>
+      <a:fontRef idx="minor"/>
+    </dgm:style>
+  </dgm:styleLbl>
+  <dgm:styleLbl name="callout">
+    <dgm:scene3d>
+      <a:camera prst="orthographicFront"/>
+      <a:lightRig rig="threePt" dir="t"/>
+    </dgm:scene3d>
+    <dgm:sp3d/>
+    <dgm:txPr/>
+    <dgm:style>
+      <a:lnRef idx="2">
+        <a:scrgbClr r="0" g="0" b="0"/>
+      </a:lnRef>
+      <a:fillRef idx="1">
+        <a:scrgbClr r="0" g="0" b="0"/>
+      </a:fillRef>
+      <a:effectRef idx="0">
+        <a:scrgbClr r="0" g="0" b="0"/>
+      </a:effectRef>
+      <a:fontRef idx="minor"/>
+    </dgm:style>
+  </dgm:styleLbl>
+  <dgm:styleLbl name="asst0">
+    <dgm:scene3d>
+      <a:camera prst="orthographicFront"/>
+      <a:lightRig rig="threePt" dir="t"/>
+    </dgm:scene3d>
+    <dgm:sp3d/>
+    <dgm:txPr/>
+    <dgm:style>
+      <a:lnRef idx="2">
+        <a:scrgbClr r="0" g="0" b="0"/>
+      </a:lnRef>
+      <a:fillRef idx="1">
+        <a:scrgbClr r="0" g="0" b="0"/>
+      </a:fillRef>
+      <a:effectRef idx="0">
+        <a:scrgbClr r="0" g="0" b="0"/>
+      </a:effectRef>
+      <a:fontRef idx="minor">
+        <a:schemeClr val="lt1"/>
+      </a:fontRef>
+    </dgm:style>
+  </dgm:styleLbl>
+  <dgm:styleLbl name="asst1">
+    <dgm:scene3d>
+      <a:camera prst="orthographicFront"/>
+      <a:lightRig rig="threePt" dir="t"/>
+    </dgm:scene3d>
+    <dgm:sp3d/>
+    <dgm:txPr/>
+    <dgm:style>
+      <a:lnRef idx="2">
+        <a:scrgbClr r="0" g="0" b="0"/>
+      </a:lnRef>
+      <a:fillRef idx="1">
+        <a:scrgbClr r="0" g="0" b="0"/>
+      </a:fillRef>
+      <a:effectRef idx="0">
+        <a:scrgbClr r="0" g="0" b="0"/>
+      </a:effectRef>
+      <a:fontRef idx="minor">
+        <a:schemeClr val="lt1"/>
+      </a:fontRef>
+    </dgm:style>
+  </dgm:styleLbl>
+  <dgm:styleLbl name="asst2">
+    <dgm:scene3d>
+      <a:camera prst="orthographicFront"/>
+      <a:lightRig rig="threePt" dir="t"/>
+    </dgm:scene3d>
+    <dgm:sp3d/>
+    <dgm:txPr/>
+    <dgm:style>
+      <a:lnRef idx="2">
+        <a:scrgbClr r="0" g="0" b="0"/>
+      </a:lnRef>
+      <a:fillRef idx="1">
+        <a:scrgbClr r="0" g="0" b="0"/>
+      </a:fillRef>
+      <a:effectRef idx="0">
+        <a:scrgbClr r="0" g="0" b="0"/>
+      </a:effectRef>
+      <a:fontRef idx="minor">
+        <a:schemeClr val="lt1"/>
+      </a:fontRef>
+    </dgm:style>
+  </dgm:styleLbl>
+  <dgm:styleLbl name="asst3">
+    <dgm:scene3d>
+      <a:camera prst="orthographicFront"/>
+      <a:lightRig rig="threePt" dir="t"/>
+    </dgm:scene3d>
+    <dgm:sp3d/>
+    <dgm:txPr/>
+    <dgm:style>
+      <a:lnRef idx="2">
+        <a:scrgbClr r="0" g="0" b="0"/>
+      </a:lnRef>
+      <a:fillRef idx="1">
+        <a:scrgbClr r="0" g="0" b="0"/>
+      </a:fillRef>
+      <a:effectRef idx="0">
+        <a:scrgbClr r="0" g="0" b="0"/>
+      </a:effectRef>
+      <a:fontRef idx="minor">
+        <a:schemeClr val="lt1"/>
+      </a:fontRef>
+    </dgm:style>
+  </dgm:styleLbl>
+  <dgm:styleLbl name="asst4">
+    <dgm:scene3d>
+      <a:camera prst="orthographicFront"/>
+      <a:lightRig rig="threePt" dir="t"/>
+    </dgm:scene3d>
+    <dgm:sp3d/>
+    <dgm:txPr/>
+    <dgm:style>
+      <a:lnRef idx="2">
+        <a:scrgbClr r="0" g="0" b="0"/>
+      </a:lnRef>
+      <a:fillRef idx="1">
+        <a:scrgbClr r="0" g="0" b="0"/>
+      </a:fillRef>
+      <a:effectRef idx="0">
+        <a:scrgbClr r="0" g="0" b="0"/>
+      </a:effectRef>
+      <a:fontRef idx="minor">
+        <a:schemeClr val="lt1"/>
+      </a:fontRef>
+    </dgm:style>
+  </dgm:styleLbl>
+  <dgm:styleLbl name="parChTrans2D1">
+    <dgm:scene3d>
+      <a:camera prst="orthographicFront"/>
+      <a:lightRig rig="threePt" dir="t"/>
+    </dgm:scene3d>
+    <dgm:sp3d/>
+    <dgm:txPr/>
+    <dgm:style>
+      <a:lnRef idx="2">
+        <a:scrgbClr r="0" g="0" b="0"/>
+      </a:lnRef>
+      <a:fillRef idx="1">
+        <a:scrgbClr r="0" g="0" b="0"/>
+      </a:fillRef>
+      <a:effectRef idx="0">
+        <a:scrgbClr r="0" g="0" b="0"/>
+      </a:effectRef>
+      <a:fontRef idx="minor">
+        <a:schemeClr val="lt1"/>
+      </a:fontRef>
+    </dgm:style>
+  </dgm:styleLbl>
+  <dgm:styleLbl name="parChTrans2D2">
+    <dgm:scene3d>
+      <a:camera prst="orthographicFront"/>
+      <a:lightRig rig="threePt" dir="t"/>
+    </dgm:scene3d>
+    <dgm:sp3d/>
+    <dgm:txPr/>
+    <dgm:style>
+      <a:lnRef idx="2">
+        <a:scrgbClr r="0" g="0" b="0"/>
+      </a:lnRef>
+      <a:fillRef idx="1">
+        <a:scrgbClr r="0" g="0" b="0"/>
+      </a:fillRef>
+      <a:effectRef idx="0">
+        <a:scrgbClr r="0" g="0" b="0"/>
+      </a:effectRef>
+      <a:fontRef idx="minor">
+        <a:schemeClr val="lt1"/>
+      </a:fontRef>
+    </dgm:style>
+  </dgm:styleLbl>
+  <dgm:styleLbl name="parChTrans2D3">
+    <dgm:scene3d>
+      <a:camera prst="orthographicFront"/>
+      <a:lightRig rig="threePt" dir="t"/>
+    </dgm:scene3d>
+    <dgm:sp3d/>
+    <dgm:txPr/>
+    <dgm:style>
+      <a:lnRef idx="2">
+        <a:scrgbClr r="0" g="0" b="0"/>
+      </a:lnRef>
+      <a:fillRef idx="1">
+        <a:scrgbClr r="0" g="0" b="0"/>
+      </a:fillRef>
+      <a:effectRef idx="0">
+        <a:scrgbClr r="0" g="0" b="0"/>
+      </a:effectRef>
+      <a:fontRef idx="minor">
+        <a:schemeClr val="lt1"/>
+      </a:fontRef>
+    </dgm:style>
+  </dgm:styleLbl>
+  <dgm:styleLbl name="parChTrans2D4">
+    <dgm:scene3d>
+      <a:camera prst="orthographicFront"/>
+      <a:lightRig rig="threePt" dir="t"/>
+    </dgm:scene3d>
+    <dgm:sp3d/>
+    <dgm:txPr/>
+    <dgm:style>
+      <a:lnRef idx="2">
+        <a:scrgbClr r="0" g="0" b="0"/>
+      </a:lnRef>
+      <a:fillRef idx="1">
+        <a:scrgbClr r="0" g="0" b="0"/>
+      </a:fillRef>
+      <a:effectRef idx="0">
+        <a:scrgbClr r="0" g="0" b="0"/>
+      </a:effectRef>
+      <a:fontRef idx="minor">
+        <a:schemeClr val="lt1"/>
+      </a:fontRef>
+    </dgm:style>
+  </dgm:styleLbl>
+  <dgm:styleLbl name="parChTrans1D1">
+    <dgm:scene3d>
+      <a:camera prst="orthographicFront"/>
+      <a:lightRig rig="threePt" dir="t"/>
+    </dgm:scene3d>
+    <dgm:sp3d/>
+    <dgm:txPr/>
+    <dgm:style>
+      <a:lnRef idx="2">
+        <a:scrgbClr r="0" g="0" b="0"/>
+      </a:lnRef>
+      <a:fillRef idx="0">
+        <a:scrgbClr r="0" g="0" b="0"/>
+      </a:fillRef>
+      <a:effectRef idx="0">
+        <a:scrgbClr r="0" g="0" b="0"/>
+      </a:effectRef>
+      <a:fontRef idx="minor"/>
+    </dgm:style>
+  </dgm:styleLbl>
+  <dgm:styleLbl name="parChTrans1D2">
+    <dgm:scene3d>
+      <a:camera prst="orthographicFront"/>
+      <a:lightRig rig="threePt" dir="t"/>
+    </dgm:scene3d>
+    <dgm:sp3d/>
+    <dgm:txPr/>
+    <dgm:style>
+      <a:lnRef idx="2">
+        <a:scrgbClr r="0" g="0" b="0"/>
+      </a:lnRef>
+      <a:fillRef idx="0">
+        <a:scrgbClr r="0" g="0" b="0"/>
+      </a:fillRef>
+      <a:effectRef idx="0">
+        <a:scrgbClr r="0" g="0" b="0"/>
+      </a:effectRef>
+      <a:fontRef idx="minor"/>
+    </dgm:style>
+  </dgm:styleLbl>
+  <dgm:styleLbl name="parChTrans1D3">
+    <dgm:scene3d>
+      <a:camera prst="orthographicFront"/>
+      <a:lightRig rig="threePt" dir="t"/>
+    </dgm:scene3d>
+    <dgm:sp3d/>
+    <dgm:txPr/>
+    <dgm:style>
+      <a:lnRef idx="2">
+        <a:scrgbClr r="0" g="0" b="0"/>
+      </a:lnRef>
+      <a:fillRef idx="0">
+        <a:scrgbClr r="0" g="0" b="0"/>
+      </a:fillRef>
+      <a:effectRef idx="0">
+        <a:scrgbClr r="0" g="0" b="0"/>
+      </a:effectRef>
+      <a:fontRef idx="minor"/>
+    </dgm:style>
+  </dgm:styleLbl>
+  <dgm:styleLbl name="parChTrans1D4">
+    <dgm:scene3d>
+      <a:camera prst="orthographicFront"/>
+      <a:lightRig rig="threePt" dir="t"/>
+    </dgm:scene3d>
+    <dgm:sp3d/>
+    <dgm:txPr/>
+    <dgm:style>
+      <a:lnRef idx="2">
+        <a:scrgbClr r="0" g="0" b="0"/>
+      </a:lnRef>
+      <a:fillRef idx="0">
+        <a:scrgbClr r="0" g="0" b="0"/>
+      </a:fillRef>
+      <a:effectRef idx="0">
+        <a:scrgbClr r="0" g="0" b="0"/>
+      </a:effectRef>
+      <a:fontRef idx="minor"/>
+    </dgm:style>
+  </dgm:styleLbl>
+  <dgm:styleLbl name="fgAcc1">
+    <dgm:scene3d>
+      <a:camera prst="orthographicFront"/>
+      <a:lightRig rig="threePt" dir="t"/>
+    </dgm:scene3d>
+    <dgm:sp3d/>
+    <dgm:txPr/>
+    <dgm:style>
+      <a:lnRef idx="2">
+        <a:scrgbClr r="0" g="0" b="0"/>
+      </a:lnRef>
+      <a:fillRef idx="1">
+        <a:scrgbClr r="0" g="0" b="0"/>
+      </a:fillRef>
+      <a:effectRef idx="0">
+        <a:scrgbClr r="0" g="0" b="0"/>
+      </a:effectRef>
+      <a:fontRef idx="minor"/>
+    </dgm:style>
+  </dgm:styleLbl>
+  <dgm:styleLbl name="conFgAcc1">
+    <dgm:scene3d>
+      <a:camera prst="orthographicFront"/>
+      <a:lightRig rig="threePt" dir="t"/>
+    </dgm:scene3d>
+    <dgm:sp3d/>
+    <dgm:txPr/>
+    <dgm:style>
+      <a:lnRef idx="2">
+        <a:scrgbClr r="0" g="0" b="0"/>
+      </a:lnRef>
+      <a:fillRef idx="1">
+        <a:scrgbClr r="0" g="0" b="0"/>
+      </a:fillRef>
+      <a:effectRef idx="0">
+        <a:scrgbClr r="0" g="0" b="0"/>
+      </a:effectRef>
+      <a:fontRef idx="minor"/>
+    </dgm:style>
+  </dgm:styleLbl>
+  <dgm:styleLbl name="alignAcc1">
+    <dgm:scene3d>
+      <a:camera prst="orthographicFront"/>
+      <a:lightRig rig="threePt" dir="t"/>
+    </dgm:scene3d>
+    <dgm:sp3d/>
+    <dgm:txPr/>
+    <dgm:style>
+      <a:lnRef idx="2">
+        <a:scrgbClr r="0" g="0" b="0"/>
+      </a:lnRef>
+      <a:fillRef idx="1">
+        <a:scrgbClr r="0" g="0" b="0"/>
+      </a:fillRef>
+      <a:effectRef idx="0">
+        <a:scrgbClr r="0" g="0" b="0"/>
+      </a:effectRef>
+      <a:fontRef idx="minor"/>
+    </dgm:style>
+  </dgm:styleLbl>
+  <dgm:styleLbl name="trAlignAcc1">
+    <dgm:scene3d>
+      <a:camera prst="orthographicFront"/>
+      <a:lightRig rig="threePt" dir="t"/>
+    </dgm:scene3d>
+    <dgm:sp3d/>
+    <dgm:txPr/>
+    <dgm:style>
+      <a:lnRef idx="1">
+        <a:scrgbClr r="0" g="0" b="0"/>
+      </a:lnRef>
+      <a:fillRef idx="1">
+        <a:scrgbClr r="0" g="0" b="0"/>
+      </a:fillRef>
+      <a:effectRef idx="0">
+        <a:scrgbClr r="0" g="0" b="0"/>
+      </a:effectRef>
+      <a:fontRef idx="minor"/>
+    </dgm:style>
+  </dgm:styleLbl>
+  <dgm:styleLbl name="bgAcc1">
+    <dgm:scene3d>
+      <a:camera prst="orthographicFront"/>
+      <a:lightRig rig="threePt" dir="t"/>
+    </dgm:scene3d>
+    <dgm:sp3d/>
+    <dgm:txPr/>
+    <dgm:style>
+      <a:lnRef idx="2">
+        <a:scrgbClr r="0" g="0" b="0"/>
+      </a:lnRef>
+      <a:fillRef idx="1">
+        <a:scrgbClr r="0" g="0" b="0"/>
+      </a:fillRef>
+      <a:effectRef idx="0">
+        <a:scrgbClr r="0" g="0" b="0"/>
+      </a:effectRef>
+      <a:fontRef idx="minor"/>
+    </dgm:style>
+  </dgm:styleLbl>
+  <dgm:styleLbl name="solidFgAcc1">
+    <dgm:scene3d>
+      <a:camera prst="orthographicFront"/>
+      <a:lightRig rig="threePt" dir="t"/>
+    </dgm:scene3d>
+    <dgm:sp3d/>
+    <dgm:txPr/>
+    <dgm:style>
+      <a:lnRef idx="2">
+        <a:scrgbClr r="0" g="0" b="0"/>
+      </a:lnRef>
+      <a:fillRef idx="1">
+        <a:scrgbClr r="0" g="0" b="0"/>
+      </a:fillRef>
+      <a:effectRef idx="0">
+        <a:scrgbClr r="0" g="0" b="0"/>
+      </a:effectRef>
+      <a:fontRef idx="minor"/>
+    </dgm:style>
+  </dgm:styleLbl>
+  <dgm:styleLbl name="solidAlignAcc1">
+    <dgm:scene3d>
+      <a:camera prst="orthographicFront"/>
+      <a:lightRig rig="threePt" dir="t"/>
+    </dgm:scene3d>
+    <dgm:sp3d/>
+    <dgm:txPr/>
+    <dgm:style>
+      <a:lnRef idx="2">
+        <a:scrgbClr r="0" g="0" b="0"/>
+      </a:lnRef>
+      <a:fillRef idx="1">
+        <a:scrgbClr r="0" g="0" b="0"/>
+      </a:fillRef>
+      <a:effectRef idx="0">
+        <a:scrgbClr r="0" g="0" b="0"/>
+      </a:effectRef>
+      <a:fontRef idx="minor"/>
+    </dgm:style>
+  </dgm:styleLbl>
+  <dgm:styleLbl name="solidBgAcc1">
+    <dgm:scene3d>
+      <a:camera prst="orthographicFront"/>
+      <a:lightRig rig="threePt" dir="t"/>
+    </dgm:scene3d>
+    <dgm:sp3d/>
+    <dgm:txPr/>
+    <dgm:style>
+      <a:lnRef idx="2">
+        <a:scrgbClr r="0" g="0" b="0"/>
+      </a:lnRef>
+      <a:fillRef idx="1">
+        <a:scrgbClr r="0" g="0" b="0"/>
+      </a:fillRef>
+      <a:effectRef idx="0">
+        <a:scrgbClr r="0" g="0" b="0"/>
+      </a:effectRef>
+      <a:fontRef idx="minor"/>
+    </dgm:style>
+  </dgm:styleLbl>
+  <dgm:styleLbl name="fgAccFollowNode1">
+    <dgm:scene3d>
+      <a:camera prst="orthographicFront"/>
+      <a:lightRig rig="threePt" dir="t"/>
+    </dgm:scene3d>
+    <dgm:sp3d/>
+    <dgm:txPr/>
+    <dgm:style>
+      <a:lnRef idx="2">
+        <a:scrgbClr r="0" g="0" b="0"/>
+      </a:lnRef>
+      <a:fillRef idx="1">
+        <a:scrgbClr r="0" g="0" b="0"/>
+      </a:fillRef>
+      <a:effectRef idx="0">
+        <a:scrgbClr r="0" g="0" b="0"/>
+      </a:effectRef>
+      <a:fontRef idx="minor"/>
+    </dgm:style>
+  </dgm:styleLbl>
+  <dgm:styleLbl name="alignAccFollowNode1">
+    <dgm:scene3d>
+      <a:camera prst="orthographicFront"/>
+      <a:lightRig rig="threePt" dir="t"/>
+    </dgm:scene3d>
+    <dgm:sp3d/>
+    <dgm:txPr/>
+    <dgm:style>
+      <a:lnRef idx="2">
+        <a:scrgbClr r="0" g="0" b="0"/>
+      </a:lnRef>
+      <a:fillRef idx="1">
+        <a:scrgbClr r="0" g="0" b="0"/>
+      </a:fillRef>
+      <a:effectRef idx="0">
+        <a:scrgbClr r="0" g="0" b="0"/>
+      </a:effectRef>
+      <a:fontRef idx="minor"/>
+    </dgm:style>
+  </dgm:styleLbl>
+  <dgm:styleLbl name="bgAccFollowNode1">
+    <dgm:scene3d>
+      <a:camera prst="orthographicFront"/>
+      <a:lightRig rig="threePt" dir="t"/>
+    </dgm:scene3d>
+    <dgm:sp3d/>
+    <dgm:txPr/>
+    <dgm:style>
+      <a:lnRef idx="2">
+        <a:scrgbClr r="0" g="0" b="0"/>
+      </a:lnRef>
+      <a:fillRef idx="1">
+        <a:scrgbClr r="0" g="0" b="0"/>
+      </a:fillRef>
+      <a:effectRef idx="0">
+        <a:scrgbClr r="0" g="0" b="0"/>
+      </a:effectRef>
+      <a:fontRef idx="minor"/>
+    </dgm:style>
+  </dgm:styleLbl>
+  <dgm:styleLbl name="fgAcc0">
+    <dgm:scene3d>
+      <a:camera prst="orthographicFront"/>
+      <a:lightRig rig="threePt" dir="t"/>
+    </dgm:scene3d>
+    <dgm:sp3d/>
+    <dgm:txPr/>
+    <dgm:style>
+      <a:lnRef idx="2">
+        <a:scrgbClr r="0" g="0" b="0"/>
+      </a:lnRef>
+      <a:fillRef idx="1">
+        <a:scrgbClr r="0" g="0" b="0"/>
+      </a:fillRef>
+      <a:effectRef idx="0">
+        <a:scrgbClr r="0" g="0" b="0"/>
+      </a:effectRef>
+      <a:fontRef idx="minor"/>
+    </dgm:style>
+  </dgm:styleLbl>
+  <dgm:styleLbl name="fgAcc2">
+    <dgm:scene3d>
+      <a:camera prst="orthographicFront"/>
+      <a:lightRig rig="threePt" dir="t"/>
+    </dgm:scene3d>
+    <dgm:sp3d/>
+    <dgm:txPr/>
+    <dgm:style>
+      <a:lnRef idx="2">
+        <a:scrgbClr r="0" g="0" b="0"/>
+      </a:lnRef>
+      <a:fillRef idx="1">
+        <a:scrgbClr r="0" g="0" b="0"/>
+      </a:fillRef>
+      <a:effectRef idx="0">
+        <a:scrgbClr r="0" g="0" b="0"/>
+      </a:effectRef>
+      <a:fontRef idx="minor"/>
+    </dgm:style>
+  </dgm:styleLbl>
+  <dgm:styleLbl name="fgAcc3">
+    <dgm:scene3d>
+      <a:camera prst="orthographicFront"/>
+      <a:lightRig rig="threePt" dir="t"/>
+    </dgm:scene3d>
+    <dgm:sp3d/>
+    <dgm:txPr/>
+    <dgm:style>
+      <a:lnRef idx="2">
+        <a:scrgbClr r="0" g="0" b="0"/>
+      </a:lnRef>
+      <a:fillRef idx="1">
+        <a:scrgbClr r="0" g="0" b="0"/>
+      </a:fillRef>
+      <a:effectRef idx="0">
+        <a:scrgbClr r="0" g="0" b="0"/>
+      </a:effectRef>
+      <a:fontRef idx="minor"/>
+    </dgm:style>
+  </dgm:styleLbl>
+  <dgm:styleLbl name="fgAcc4">
+    <dgm:scene3d>
+      <a:camera prst="orthographicFront"/>
+      <a:lightRig rig="threePt" dir="t"/>
+    </dgm:scene3d>
+    <dgm:sp3d/>
+    <dgm:txPr/>
+    <dgm:style>
+      <a:lnRef idx="2">
+        <a:scrgbClr r="0" g="0" b="0"/>
+      </a:lnRef>
+      <a:fillRef idx="1">
+        <a:scrgbClr r="0" g="0" b="0"/>
+      </a:fillRef>
+      <a:effectRef idx="0">
+        <a:scrgbClr r="0" g="0" b="0"/>
+      </a:effectRef>
+      <a:fontRef idx="minor"/>
+    </dgm:style>
+  </dgm:styleLbl>
+  <dgm:styleLbl name="bgShp">
+    <dgm:scene3d>
+      <a:camera prst="orthographicFront"/>
+      <a:lightRig rig="threePt" dir="t"/>
+    </dgm:scene3d>
+    <dgm:sp3d/>
+    <dgm:txPr/>
+    <dgm:style>
+      <a:lnRef idx="0">
+        <a:scrgbClr r="0" g="0" b="0"/>
+      </a:lnRef>
+      <a:fillRef idx="1">
+        <a:scrgbClr r="0" g="0" b="0"/>
+      </a:fillRef>
+      <a:effectRef idx="0">
+        <a:scrgbClr r="0" g="0" b="0"/>
+      </a:effectRef>
+      <a:fontRef idx="minor"/>
+    </dgm:style>
+  </dgm:styleLbl>
+  <dgm:styleLbl name="dkBgShp">
+    <dgm:scene3d>
+      <a:camera prst="orthographicFront"/>
+      <a:lightRig rig="threePt" dir="t"/>
+    </dgm:scene3d>
+    <dgm:sp3d/>
+    <dgm:txPr/>
+    <dgm:style>
+      <a:lnRef idx="0">
+        <a:scrgbClr r="0" g="0" b="0"/>
+      </a:lnRef>
+      <a:fillRef idx="1">
+        <a:scrgbClr r="0" g="0" b="0"/>
+      </a:fillRef>
+      <a:effectRef idx="0">
+        <a:scrgbClr r="0" g="0" b="0"/>
+      </a:effectRef>
+      <a:fontRef idx="minor"/>
+    </dgm:style>
+  </dgm:styleLbl>
+  <dgm:styleLbl name="trBgShp">
+    <dgm:scene3d>
+      <a:camera prst="orthographicFront"/>
+      <a:lightRig rig="threePt" dir="t"/>
+    </dgm:scene3d>
+    <dgm:sp3d/>
+    <dgm:txPr/>
+    <dgm:style>
+      <a:lnRef idx="0">
+        <a:scrgbClr r="0" g="0" b="0"/>
+      </a:lnRef>
+      <a:fillRef idx="1">
+        <a:scrgbClr r="0" g="0" b="0"/>
+      </a:fillRef>
+      <a:effectRef idx="0">
+        <a:scrgbClr r="0" g="0" b="0"/>
+      </a:effectRef>
+      <a:fontRef idx="minor"/>
+    </dgm:style>
+  </dgm:styleLbl>
+  <dgm:styleLbl name="fgShp">
+    <dgm:scene3d>
+      <a:camera prst="orthographicFront"/>
+      <a:lightRig rig="threePt" dir="t"/>
+    </dgm:scene3d>
+    <dgm:sp3d/>
+    <dgm:txPr/>
+    <dgm:style>
+      <a:lnRef idx="2">
+        <a:scrgbClr r="0" g="0" b="0"/>
+      </a:lnRef>
+      <a:fillRef idx="1">
+        <a:scrgbClr r="0" g="0" b="0"/>
+      </a:fillRef>
+      <a:effectRef idx="0">
+        <a:scrgbClr r="0" g="0" b="0"/>
+      </a:effectRef>
+      <a:fontRef idx="minor"/>
+    </dgm:style>
+  </dgm:styleLbl>
+  <dgm:styleLbl name="revTx">
+    <dgm:scene3d>
+      <a:camera prst="orthographicFront"/>
+      <a:lightRig rig="threePt" dir="t"/>
+    </dgm:scene3d>
+    <dgm:sp3d/>
+    <dgm:txPr/>
+    <dgm:style>
+      <a:lnRef idx="0">
+        <a:scrgbClr r="0" g="0" b="0"/>
+      </a:lnRef>
+      <a:fillRef idx="0">
+        <a:scrgbClr r="0" g="0" b="0"/>
+      </a:fillRef>
+      <a:effectRef idx="0">
+        <a:scrgbClr r="0" g="0" b="0"/>
+      </a:effectRef>
+      <a:fontRef idx="minor"/>
+    </dgm:style>
+  </dgm:styleLbl>
+</dgm:styleDef>
+</file>
+
+<file path=ppt/diagrams/quickStyle10.xml><?xml version="1.0" encoding="utf-8"?>
 <dgm:styleDef xmlns:dgm="http://schemas.openxmlformats.org/drawingml/2006/diagram" xmlns:a="http://schemas.openxmlformats.org/drawingml/2006/main" uniqueId="urn:microsoft.com/office/officeart/2005/8/quickstyle/simple1">
   <dgm:title val=""/>
   <dgm:desc val=""/>
@@ -22374,6 +26966,1040 @@
 </file>
 
 <file path=ppt/diagrams/quickStyle8.xml><?xml version="1.0" encoding="utf-8"?>
+<dgm:styleDef xmlns:dgm="http://schemas.openxmlformats.org/drawingml/2006/diagram" xmlns:a="http://schemas.openxmlformats.org/drawingml/2006/main" uniqueId="urn:microsoft.com/office/officeart/2005/8/quickstyle/simple1">
+  <dgm:title val=""/>
+  <dgm:desc val=""/>
+  <dgm:catLst>
+    <dgm:cat type="simple" pri="10100"/>
+  </dgm:catLst>
+  <dgm:scene3d>
+    <a:camera prst="orthographicFront"/>
+    <a:lightRig rig="threePt" dir="t"/>
+  </dgm:scene3d>
+  <dgm:styleLbl name="node0">
+    <dgm:scene3d>
+      <a:camera prst="orthographicFront"/>
+      <a:lightRig rig="threePt" dir="t"/>
+    </dgm:scene3d>
+    <dgm:sp3d/>
+    <dgm:txPr/>
+    <dgm:style>
+      <a:lnRef idx="2">
+        <a:scrgbClr r="0" g="0" b="0"/>
+      </a:lnRef>
+      <a:fillRef idx="1">
+        <a:scrgbClr r="0" g="0" b="0"/>
+      </a:fillRef>
+      <a:effectRef idx="0">
+        <a:scrgbClr r="0" g="0" b="0"/>
+      </a:effectRef>
+      <a:fontRef idx="minor">
+        <a:schemeClr val="lt1"/>
+      </a:fontRef>
+    </dgm:style>
+  </dgm:styleLbl>
+  <dgm:styleLbl name="lnNode1">
+    <dgm:scene3d>
+      <a:camera prst="orthographicFront"/>
+      <a:lightRig rig="threePt" dir="t"/>
+    </dgm:scene3d>
+    <dgm:sp3d/>
+    <dgm:txPr/>
+    <dgm:style>
+      <a:lnRef idx="2">
+        <a:scrgbClr r="0" g="0" b="0"/>
+      </a:lnRef>
+      <a:fillRef idx="1">
+        <a:scrgbClr r="0" g="0" b="0"/>
+      </a:fillRef>
+      <a:effectRef idx="0">
+        <a:scrgbClr r="0" g="0" b="0"/>
+      </a:effectRef>
+      <a:fontRef idx="minor">
+        <a:schemeClr val="lt1"/>
+      </a:fontRef>
+    </dgm:style>
+  </dgm:styleLbl>
+  <dgm:styleLbl name="vennNode1">
+    <dgm:scene3d>
+      <a:camera prst="orthographicFront"/>
+      <a:lightRig rig="threePt" dir="t"/>
+    </dgm:scene3d>
+    <dgm:sp3d/>
+    <dgm:txPr/>
+    <dgm:style>
+      <a:lnRef idx="2">
+        <a:scrgbClr r="0" g="0" b="0"/>
+      </a:lnRef>
+      <a:fillRef idx="1">
+        <a:scrgbClr r="0" g="0" b="0"/>
+      </a:fillRef>
+      <a:effectRef idx="0">
+        <a:scrgbClr r="0" g="0" b="0"/>
+      </a:effectRef>
+      <a:fontRef idx="minor">
+        <a:schemeClr val="tx1"/>
+      </a:fontRef>
+    </dgm:style>
+  </dgm:styleLbl>
+  <dgm:styleLbl name="alignNode1">
+    <dgm:scene3d>
+      <a:camera prst="orthographicFront"/>
+      <a:lightRig rig="threePt" dir="t"/>
+    </dgm:scene3d>
+    <dgm:sp3d/>
+    <dgm:txPr/>
+    <dgm:style>
+      <a:lnRef idx="2">
+        <a:scrgbClr r="0" g="0" b="0"/>
+      </a:lnRef>
+      <a:fillRef idx="1">
+        <a:scrgbClr r="0" g="0" b="0"/>
+      </a:fillRef>
+      <a:effectRef idx="0">
+        <a:scrgbClr r="0" g="0" b="0"/>
+      </a:effectRef>
+      <a:fontRef idx="minor">
+        <a:schemeClr val="lt1"/>
+      </a:fontRef>
+    </dgm:style>
+  </dgm:styleLbl>
+  <dgm:styleLbl name="node1">
+    <dgm:scene3d>
+      <a:camera prst="orthographicFront"/>
+      <a:lightRig rig="threePt" dir="t"/>
+    </dgm:scene3d>
+    <dgm:sp3d/>
+    <dgm:txPr/>
+    <dgm:style>
+      <a:lnRef idx="2">
+        <a:scrgbClr r="0" g="0" b="0"/>
+      </a:lnRef>
+      <a:fillRef idx="1">
+        <a:scrgbClr r="0" g="0" b="0"/>
+      </a:fillRef>
+      <a:effectRef idx="0">
+        <a:scrgbClr r="0" g="0" b="0"/>
+      </a:effectRef>
+      <a:fontRef idx="minor">
+        <a:schemeClr val="lt1"/>
+      </a:fontRef>
+    </dgm:style>
+  </dgm:styleLbl>
+  <dgm:styleLbl name="node2">
+    <dgm:scene3d>
+      <a:camera prst="orthographicFront"/>
+      <a:lightRig rig="threePt" dir="t"/>
+    </dgm:scene3d>
+    <dgm:sp3d/>
+    <dgm:txPr/>
+    <dgm:style>
+      <a:lnRef idx="2">
+        <a:scrgbClr r="0" g="0" b="0"/>
+      </a:lnRef>
+      <a:fillRef idx="1">
+        <a:scrgbClr r="0" g="0" b="0"/>
+      </a:fillRef>
+      <a:effectRef idx="0">
+        <a:scrgbClr r="0" g="0" b="0"/>
+      </a:effectRef>
+      <a:fontRef idx="minor">
+        <a:schemeClr val="lt1"/>
+      </a:fontRef>
+    </dgm:style>
+  </dgm:styleLbl>
+  <dgm:styleLbl name="node3">
+    <dgm:scene3d>
+      <a:camera prst="orthographicFront"/>
+      <a:lightRig rig="threePt" dir="t"/>
+    </dgm:scene3d>
+    <dgm:sp3d/>
+    <dgm:txPr/>
+    <dgm:style>
+      <a:lnRef idx="2">
+        <a:scrgbClr r="0" g="0" b="0"/>
+      </a:lnRef>
+      <a:fillRef idx="1">
+        <a:scrgbClr r="0" g="0" b="0"/>
+      </a:fillRef>
+      <a:effectRef idx="0">
+        <a:scrgbClr r="0" g="0" b="0"/>
+      </a:effectRef>
+      <a:fontRef idx="minor">
+        <a:schemeClr val="lt1"/>
+      </a:fontRef>
+    </dgm:style>
+  </dgm:styleLbl>
+  <dgm:styleLbl name="node4">
+    <dgm:scene3d>
+      <a:camera prst="orthographicFront"/>
+      <a:lightRig rig="threePt" dir="t"/>
+    </dgm:scene3d>
+    <dgm:sp3d/>
+    <dgm:txPr/>
+    <dgm:style>
+      <a:lnRef idx="2">
+        <a:scrgbClr r="0" g="0" b="0"/>
+      </a:lnRef>
+      <a:fillRef idx="1">
+        <a:scrgbClr r="0" g="0" b="0"/>
+      </a:fillRef>
+      <a:effectRef idx="0">
+        <a:scrgbClr r="0" g="0" b="0"/>
+      </a:effectRef>
+      <a:fontRef idx="minor">
+        <a:schemeClr val="lt1"/>
+      </a:fontRef>
+    </dgm:style>
+  </dgm:styleLbl>
+  <dgm:styleLbl name="fgImgPlace1">
+    <dgm:scene3d>
+      <a:camera prst="orthographicFront"/>
+      <a:lightRig rig="threePt" dir="t"/>
+    </dgm:scene3d>
+    <dgm:sp3d/>
+    <dgm:txPr/>
+    <dgm:style>
+      <a:lnRef idx="2">
+        <a:scrgbClr r="0" g="0" b="0"/>
+      </a:lnRef>
+      <a:fillRef idx="1">
+        <a:scrgbClr r="0" g="0" b="0"/>
+      </a:fillRef>
+      <a:effectRef idx="0">
+        <a:scrgbClr r="0" g="0" b="0"/>
+      </a:effectRef>
+      <a:fontRef idx="minor"/>
+    </dgm:style>
+  </dgm:styleLbl>
+  <dgm:styleLbl name="alignImgPlace1">
+    <dgm:scene3d>
+      <a:camera prst="orthographicFront"/>
+      <a:lightRig rig="threePt" dir="t"/>
+    </dgm:scene3d>
+    <dgm:sp3d/>
+    <dgm:txPr/>
+    <dgm:style>
+      <a:lnRef idx="2">
+        <a:scrgbClr r="0" g="0" b="0"/>
+      </a:lnRef>
+      <a:fillRef idx="1">
+        <a:scrgbClr r="0" g="0" b="0"/>
+      </a:fillRef>
+      <a:effectRef idx="0">
+        <a:scrgbClr r="0" g="0" b="0"/>
+      </a:effectRef>
+      <a:fontRef idx="minor"/>
+    </dgm:style>
+  </dgm:styleLbl>
+  <dgm:styleLbl name="bgImgPlace1">
+    <dgm:scene3d>
+      <a:camera prst="orthographicFront"/>
+      <a:lightRig rig="threePt" dir="t"/>
+    </dgm:scene3d>
+    <dgm:sp3d/>
+    <dgm:txPr/>
+    <dgm:style>
+      <a:lnRef idx="2">
+        <a:scrgbClr r="0" g="0" b="0"/>
+      </a:lnRef>
+      <a:fillRef idx="1">
+        <a:scrgbClr r="0" g="0" b="0"/>
+      </a:fillRef>
+      <a:effectRef idx="0">
+        <a:scrgbClr r="0" g="0" b="0"/>
+      </a:effectRef>
+      <a:fontRef idx="minor"/>
+    </dgm:style>
+  </dgm:styleLbl>
+  <dgm:styleLbl name="sibTrans2D1">
+    <dgm:scene3d>
+      <a:camera prst="orthographicFront"/>
+      <a:lightRig rig="threePt" dir="t"/>
+    </dgm:scene3d>
+    <dgm:sp3d/>
+    <dgm:txPr/>
+    <dgm:style>
+      <a:lnRef idx="0">
+        <a:scrgbClr r="0" g="0" b="0"/>
+      </a:lnRef>
+      <a:fillRef idx="1">
+        <a:scrgbClr r="0" g="0" b="0"/>
+      </a:fillRef>
+      <a:effectRef idx="0">
+        <a:scrgbClr r="0" g="0" b="0"/>
+      </a:effectRef>
+      <a:fontRef idx="minor">
+        <a:schemeClr val="lt1"/>
+      </a:fontRef>
+    </dgm:style>
+  </dgm:styleLbl>
+  <dgm:styleLbl name="fgSibTrans2D1">
+    <dgm:scene3d>
+      <a:camera prst="orthographicFront"/>
+      <a:lightRig rig="threePt" dir="t"/>
+    </dgm:scene3d>
+    <dgm:sp3d/>
+    <dgm:txPr/>
+    <dgm:style>
+      <a:lnRef idx="0">
+        <a:scrgbClr r="0" g="0" b="0"/>
+      </a:lnRef>
+      <a:fillRef idx="1">
+        <a:scrgbClr r="0" g="0" b="0"/>
+      </a:fillRef>
+      <a:effectRef idx="0">
+        <a:scrgbClr r="0" g="0" b="0"/>
+      </a:effectRef>
+      <a:fontRef idx="minor">
+        <a:schemeClr val="lt1"/>
+      </a:fontRef>
+    </dgm:style>
+  </dgm:styleLbl>
+  <dgm:styleLbl name="bgSibTrans2D1">
+    <dgm:scene3d>
+      <a:camera prst="orthographicFront"/>
+      <a:lightRig rig="threePt" dir="t"/>
+    </dgm:scene3d>
+    <dgm:sp3d/>
+    <dgm:txPr/>
+    <dgm:style>
+      <a:lnRef idx="0">
+        <a:scrgbClr r="0" g="0" b="0"/>
+      </a:lnRef>
+      <a:fillRef idx="1">
+        <a:scrgbClr r="0" g="0" b="0"/>
+      </a:fillRef>
+      <a:effectRef idx="0">
+        <a:scrgbClr r="0" g="0" b="0"/>
+      </a:effectRef>
+      <a:fontRef idx="minor">
+        <a:schemeClr val="lt1"/>
+      </a:fontRef>
+    </dgm:style>
+  </dgm:styleLbl>
+  <dgm:styleLbl name="sibTrans1D1">
+    <dgm:scene3d>
+      <a:camera prst="orthographicFront"/>
+      <a:lightRig rig="threePt" dir="t"/>
+    </dgm:scene3d>
+    <dgm:sp3d/>
+    <dgm:txPr/>
+    <dgm:style>
+      <a:lnRef idx="1">
+        <a:scrgbClr r="0" g="0" b="0"/>
+      </a:lnRef>
+      <a:fillRef idx="0">
+        <a:scrgbClr r="0" g="0" b="0"/>
+      </a:fillRef>
+      <a:effectRef idx="0">
+        <a:scrgbClr r="0" g="0" b="0"/>
+      </a:effectRef>
+      <a:fontRef idx="minor"/>
+    </dgm:style>
+  </dgm:styleLbl>
+  <dgm:styleLbl name="callout">
+    <dgm:scene3d>
+      <a:camera prst="orthographicFront"/>
+      <a:lightRig rig="threePt" dir="t"/>
+    </dgm:scene3d>
+    <dgm:sp3d/>
+    <dgm:txPr/>
+    <dgm:style>
+      <a:lnRef idx="2">
+        <a:scrgbClr r="0" g="0" b="0"/>
+      </a:lnRef>
+      <a:fillRef idx="1">
+        <a:scrgbClr r="0" g="0" b="0"/>
+      </a:fillRef>
+      <a:effectRef idx="0">
+        <a:scrgbClr r="0" g="0" b="0"/>
+      </a:effectRef>
+      <a:fontRef idx="minor"/>
+    </dgm:style>
+  </dgm:styleLbl>
+  <dgm:styleLbl name="asst0">
+    <dgm:scene3d>
+      <a:camera prst="orthographicFront"/>
+      <a:lightRig rig="threePt" dir="t"/>
+    </dgm:scene3d>
+    <dgm:sp3d/>
+    <dgm:txPr/>
+    <dgm:style>
+      <a:lnRef idx="2">
+        <a:scrgbClr r="0" g="0" b="0"/>
+      </a:lnRef>
+      <a:fillRef idx="1">
+        <a:scrgbClr r="0" g="0" b="0"/>
+      </a:fillRef>
+      <a:effectRef idx="0">
+        <a:scrgbClr r="0" g="0" b="0"/>
+      </a:effectRef>
+      <a:fontRef idx="minor">
+        <a:schemeClr val="lt1"/>
+      </a:fontRef>
+    </dgm:style>
+  </dgm:styleLbl>
+  <dgm:styleLbl name="asst1">
+    <dgm:scene3d>
+      <a:camera prst="orthographicFront"/>
+      <a:lightRig rig="threePt" dir="t"/>
+    </dgm:scene3d>
+    <dgm:sp3d/>
+    <dgm:txPr/>
+    <dgm:style>
+      <a:lnRef idx="2">
+        <a:scrgbClr r="0" g="0" b="0"/>
+      </a:lnRef>
+      <a:fillRef idx="1">
+        <a:scrgbClr r="0" g="0" b="0"/>
+      </a:fillRef>
+      <a:effectRef idx="0">
+        <a:scrgbClr r="0" g="0" b="0"/>
+      </a:effectRef>
+      <a:fontRef idx="minor">
+        <a:schemeClr val="lt1"/>
+      </a:fontRef>
+    </dgm:style>
+  </dgm:styleLbl>
+  <dgm:styleLbl name="asst2">
+    <dgm:scene3d>
+      <a:camera prst="orthographicFront"/>
+      <a:lightRig rig="threePt" dir="t"/>
+    </dgm:scene3d>
+    <dgm:sp3d/>
+    <dgm:txPr/>
+    <dgm:style>
+      <a:lnRef idx="2">
+        <a:scrgbClr r="0" g="0" b="0"/>
+      </a:lnRef>
+      <a:fillRef idx="1">
+        <a:scrgbClr r="0" g="0" b="0"/>
+      </a:fillRef>
+      <a:effectRef idx="0">
+        <a:scrgbClr r="0" g="0" b="0"/>
+      </a:effectRef>
+      <a:fontRef idx="minor">
+        <a:schemeClr val="lt1"/>
+      </a:fontRef>
+    </dgm:style>
+  </dgm:styleLbl>
+  <dgm:styleLbl name="asst3">
+    <dgm:scene3d>
+      <a:camera prst="orthographicFront"/>
+      <a:lightRig rig="threePt" dir="t"/>
+    </dgm:scene3d>
+    <dgm:sp3d/>
+    <dgm:txPr/>
+    <dgm:style>
+      <a:lnRef idx="2">
+        <a:scrgbClr r="0" g="0" b="0"/>
+      </a:lnRef>
+      <a:fillRef idx="1">
+        <a:scrgbClr r="0" g="0" b="0"/>
+      </a:fillRef>
+      <a:effectRef idx="0">
+        <a:scrgbClr r="0" g="0" b="0"/>
+      </a:effectRef>
+      <a:fontRef idx="minor">
+        <a:schemeClr val="lt1"/>
+      </a:fontRef>
+    </dgm:style>
+  </dgm:styleLbl>
+  <dgm:styleLbl name="asst4">
+    <dgm:scene3d>
+      <a:camera prst="orthographicFront"/>
+      <a:lightRig rig="threePt" dir="t"/>
+    </dgm:scene3d>
+    <dgm:sp3d/>
+    <dgm:txPr/>
+    <dgm:style>
+      <a:lnRef idx="2">
+        <a:scrgbClr r="0" g="0" b="0"/>
+      </a:lnRef>
+      <a:fillRef idx="1">
+        <a:scrgbClr r="0" g="0" b="0"/>
+      </a:fillRef>
+      <a:effectRef idx="0">
+        <a:scrgbClr r="0" g="0" b="0"/>
+      </a:effectRef>
+      <a:fontRef idx="minor">
+        <a:schemeClr val="lt1"/>
+      </a:fontRef>
+    </dgm:style>
+  </dgm:styleLbl>
+  <dgm:styleLbl name="parChTrans2D1">
+    <dgm:scene3d>
+      <a:camera prst="orthographicFront"/>
+      <a:lightRig rig="threePt" dir="t"/>
+    </dgm:scene3d>
+    <dgm:sp3d/>
+    <dgm:txPr/>
+    <dgm:style>
+      <a:lnRef idx="2">
+        <a:scrgbClr r="0" g="0" b="0"/>
+      </a:lnRef>
+      <a:fillRef idx="1">
+        <a:scrgbClr r="0" g="0" b="0"/>
+      </a:fillRef>
+      <a:effectRef idx="0">
+        <a:scrgbClr r="0" g="0" b="0"/>
+      </a:effectRef>
+      <a:fontRef idx="minor">
+        <a:schemeClr val="lt1"/>
+      </a:fontRef>
+    </dgm:style>
+  </dgm:styleLbl>
+  <dgm:styleLbl name="parChTrans2D2">
+    <dgm:scene3d>
+      <a:camera prst="orthographicFront"/>
+      <a:lightRig rig="threePt" dir="t"/>
+    </dgm:scene3d>
+    <dgm:sp3d/>
+    <dgm:txPr/>
+    <dgm:style>
+      <a:lnRef idx="2">
+        <a:scrgbClr r="0" g="0" b="0"/>
+      </a:lnRef>
+      <a:fillRef idx="1">
+        <a:scrgbClr r="0" g="0" b="0"/>
+      </a:fillRef>
+      <a:effectRef idx="0">
+        <a:scrgbClr r="0" g="0" b="0"/>
+      </a:effectRef>
+      <a:fontRef idx="minor">
+        <a:schemeClr val="lt1"/>
+      </a:fontRef>
+    </dgm:style>
+  </dgm:styleLbl>
+  <dgm:styleLbl name="parChTrans2D3">
+    <dgm:scene3d>
+      <a:camera prst="orthographicFront"/>
+      <a:lightRig rig="threePt" dir="t"/>
+    </dgm:scene3d>
+    <dgm:sp3d/>
+    <dgm:txPr/>
+    <dgm:style>
+      <a:lnRef idx="2">
+        <a:scrgbClr r="0" g="0" b="0"/>
+      </a:lnRef>
+      <a:fillRef idx="1">
+        <a:scrgbClr r="0" g="0" b="0"/>
+      </a:fillRef>
+      <a:effectRef idx="0">
+        <a:scrgbClr r="0" g="0" b="0"/>
+      </a:effectRef>
+      <a:fontRef idx="minor">
+        <a:schemeClr val="lt1"/>
+      </a:fontRef>
+    </dgm:style>
+  </dgm:styleLbl>
+  <dgm:styleLbl name="parChTrans2D4">
+    <dgm:scene3d>
+      <a:camera prst="orthographicFront"/>
+      <a:lightRig rig="threePt" dir="t"/>
+    </dgm:scene3d>
+    <dgm:sp3d/>
+    <dgm:txPr/>
+    <dgm:style>
+      <a:lnRef idx="2">
+        <a:scrgbClr r="0" g="0" b="0"/>
+      </a:lnRef>
+      <a:fillRef idx="1">
+        <a:scrgbClr r="0" g="0" b="0"/>
+      </a:fillRef>
+      <a:effectRef idx="0">
+        <a:scrgbClr r="0" g="0" b="0"/>
+      </a:effectRef>
+      <a:fontRef idx="minor">
+        <a:schemeClr val="lt1"/>
+      </a:fontRef>
+    </dgm:style>
+  </dgm:styleLbl>
+  <dgm:styleLbl name="parChTrans1D1">
+    <dgm:scene3d>
+      <a:camera prst="orthographicFront"/>
+      <a:lightRig rig="threePt" dir="t"/>
+    </dgm:scene3d>
+    <dgm:sp3d/>
+    <dgm:txPr/>
+    <dgm:style>
+      <a:lnRef idx="2">
+        <a:scrgbClr r="0" g="0" b="0"/>
+      </a:lnRef>
+      <a:fillRef idx="0">
+        <a:scrgbClr r="0" g="0" b="0"/>
+      </a:fillRef>
+      <a:effectRef idx="0">
+        <a:scrgbClr r="0" g="0" b="0"/>
+      </a:effectRef>
+      <a:fontRef idx="minor"/>
+    </dgm:style>
+  </dgm:styleLbl>
+  <dgm:styleLbl name="parChTrans1D2">
+    <dgm:scene3d>
+      <a:camera prst="orthographicFront"/>
+      <a:lightRig rig="threePt" dir="t"/>
+    </dgm:scene3d>
+    <dgm:sp3d/>
+    <dgm:txPr/>
+    <dgm:style>
+      <a:lnRef idx="2">
+        <a:scrgbClr r="0" g="0" b="0"/>
+      </a:lnRef>
+      <a:fillRef idx="0">
+        <a:scrgbClr r="0" g="0" b="0"/>
+      </a:fillRef>
+      <a:effectRef idx="0">
+        <a:scrgbClr r="0" g="0" b="0"/>
+      </a:effectRef>
+      <a:fontRef idx="minor"/>
+    </dgm:style>
+  </dgm:styleLbl>
+  <dgm:styleLbl name="parChTrans1D3">
+    <dgm:scene3d>
+      <a:camera prst="orthographicFront"/>
+      <a:lightRig rig="threePt" dir="t"/>
+    </dgm:scene3d>
+    <dgm:sp3d/>
+    <dgm:txPr/>
+    <dgm:style>
+      <a:lnRef idx="2">
+        <a:scrgbClr r="0" g="0" b="0"/>
+      </a:lnRef>
+      <a:fillRef idx="0">
+        <a:scrgbClr r="0" g="0" b="0"/>
+      </a:fillRef>
+      <a:effectRef idx="0">
+        <a:scrgbClr r="0" g="0" b="0"/>
+      </a:effectRef>
+      <a:fontRef idx="minor"/>
+    </dgm:style>
+  </dgm:styleLbl>
+  <dgm:styleLbl name="parChTrans1D4">
+    <dgm:scene3d>
+      <a:camera prst="orthographicFront"/>
+      <a:lightRig rig="threePt" dir="t"/>
+    </dgm:scene3d>
+    <dgm:sp3d/>
+    <dgm:txPr/>
+    <dgm:style>
+      <a:lnRef idx="2">
+        <a:scrgbClr r="0" g="0" b="0"/>
+      </a:lnRef>
+      <a:fillRef idx="0">
+        <a:scrgbClr r="0" g="0" b="0"/>
+      </a:fillRef>
+      <a:effectRef idx="0">
+        <a:scrgbClr r="0" g="0" b="0"/>
+      </a:effectRef>
+      <a:fontRef idx="minor"/>
+    </dgm:style>
+  </dgm:styleLbl>
+  <dgm:styleLbl name="fgAcc1">
+    <dgm:scene3d>
+      <a:camera prst="orthographicFront"/>
+      <a:lightRig rig="threePt" dir="t"/>
+    </dgm:scene3d>
+    <dgm:sp3d/>
+    <dgm:txPr/>
+    <dgm:style>
+      <a:lnRef idx="2">
+        <a:scrgbClr r="0" g="0" b="0"/>
+      </a:lnRef>
+      <a:fillRef idx="1">
+        <a:scrgbClr r="0" g="0" b="0"/>
+      </a:fillRef>
+      <a:effectRef idx="0">
+        <a:scrgbClr r="0" g="0" b="0"/>
+      </a:effectRef>
+      <a:fontRef idx="minor"/>
+    </dgm:style>
+  </dgm:styleLbl>
+  <dgm:styleLbl name="conFgAcc1">
+    <dgm:scene3d>
+      <a:camera prst="orthographicFront"/>
+      <a:lightRig rig="threePt" dir="t"/>
+    </dgm:scene3d>
+    <dgm:sp3d/>
+    <dgm:txPr/>
+    <dgm:style>
+      <a:lnRef idx="2">
+        <a:scrgbClr r="0" g="0" b="0"/>
+      </a:lnRef>
+      <a:fillRef idx="1">
+        <a:scrgbClr r="0" g="0" b="0"/>
+      </a:fillRef>
+      <a:effectRef idx="0">
+        <a:scrgbClr r="0" g="0" b="0"/>
+      </a:effectRef>
+      <a:fontRef idx="minor"/>
+    </dgm:style>
+  </dgm:styleLbl>
+  <dgm:styleLbl name="alignAcc1">
+    <dgm:scene3d>
+      <a:camera prst="orthographicFront"/>
+      <a:lightRig rig="threePt" dir="t"/>
+    </dgm:scene3d>
+    <dgm:sp3d/>
+    <dgm:txPr/>
+    <dgm:style>
+      <a:lnRef idx="2">
+        <a:scrgbClr r="0" g="0" b="0"/>
+      </a:lnRef>
+      <a:fillRef idx="1">
+        <a:scrgbClr r="0" g="0" b="0"/>
+      </a:fillRef>
+      <a:effectRef idx="0">
+        <a:scrgbClr r="0" g="0" b="0"/>
+      </a:effectRef>
+      <a:fontRef idx="minor"/>
+    </dgm:style>
+  </dgm:styleLbl>
+  <dgm:styleLbl name="trAlignAcc1">
+    <dgm:scene3d>
+      <a:camera prst="orthographicFront"/>
+      <a:lightRig rig="threePt" dir="t"/>
+    </dgm:scene3d>
+    <dgm:sp3d/>
+    <dgm:txPr/>
+    <dgm:style>
+      <a:lnRef idx="1">
+        <a:scrgbClr r="0" g="0" b="0"/>
+      </a:lnRef>
+      <a:fillRef idx="1">
+        <a:scrgbClr r="0" g="0" b="0"/>
+      </a:fillRef>
+      <a:effectRef idx="0">
+        <a:scrgbClr r="0" g="0" b="0"/>
+      </a:effectRef>
+      <a:fontRef idx="minor"/>
+    </dgm:style>
+  </dgm:styleLbl>
+  <dgm:styleLbl name="bgAcc1">
+    <dgm:scene3d>
+      <a:camera prst="orthographicFront"/>
+      <a:lightRig rig="threePt" dir="t"/>
+    </dgm:scene3d>
+    <dgm:sp3d/>
+    <dgm:txPr/>
+    <dgm:style>
+      <a:lnRef idx="2">
+        <a:scrgbClr r="0" g="0" b="0"/>
+      </a:lnRef>
+      <a:fillRef idx="1">
+        <a:scrgbClr r="0" g="0" b="0"/>
+      </a:fillRef>
+      <a:effectRef idx="0">
+        <a:scrgbClr r="0" g="0" b="0"/>
+      </a:effectRef>
+      <a:fontRef idx="minor"/>
+    </dgm:style>
+  </dgm:styleLbl>
+  <dgm:styleLbl name="solidFgAcc1">
+    <dgm:scene3d>
+      <a:camera prst="orthographicFront"/>
+      <a:lightRig rig="threePt" dir="t"/>
+    </dgm:scene3d>
+    <dgm:sp3d/>
+    <dgm:txPr/>
+    <dgm:style>
+      <a:lnRef idx="2">
+        <a:scrgbClr r="0" g="0" b="0"/>
+      </a:lnRef>
+      <a:fillRef idx="1">
+        <a:scrgbClr r="0" g="0" b="0"/>
+      </a:fillRef>
+      <a:effectRef idx="0">
+        <a:scrgbClr r="0" g="0" b="0"/>
+      </a:effectRef>
+      <a:fontRef idx="minor"/>
+    </dgm:style>
+  </dgm:styleLbl>
+  <dgm:styleLbl name="solidAlignAcc1">
+    <dgm:scene3d>
+      <a:camera prst="orthographicFront"/>
+      <a:lightRig rig="threePt" dir="t"/>
+    </dgm:scene3d>
+    <dgm:sp3d/>
+    <dgm:txPr/>
+    <dgm:style>
+      <a:lnRef idx="2">
+        <a:scrgbClr r="0" g="0" b="0"/>
+      </a:lnRef>
+      <a:fillRef idx="1">
+        <a:scrgbClr r="0" g="0" b="0"/>
+      </a:fillRef>
+      <a:effectRef idx="0">
+        <a:scrgbClr r="0" g="0" b="0"/>
+      </a:effectRef>
+      <a:fontRef idx="minor"/>
+    </dgm:style>
+  </dgm:styleLbl>
+  <dgm:styleLbl name="solidBgAcc1">
+    <dgm:scene3d>
+      <a:camera prst="orthographicFront"/>
+      <a:lightRig rig="threePt" dir="t"/>
+    </dgm:scene3d>
+    <dgm:sp3d/>
+    <dgm:txPr/>
+    <dgm:style>
+      <a:lnRef idx="2">
+        <a:scrgbClr r="0" g="0" b="0"/>
+      </a:lnRef>
+      <a:fillRef idx="1">
+        <a:scrgbClr r="0" g="0" b="0"/>
+      </a:fillRef>
+      <a:effectRef idx="0">
+        <a:scrgbClr r="0" g="0" b="0"/>
+      </a:effectRef>
+      <a:fontRef idx="minor"/>
+    </dgm:style>
+  </dgm:styleLbl>
+  <dgm:styleLbl name="fgAccFollowNode1">
+    <dgm:scene3d>
+      <a:camera prst="orthographicFront"/>
+      <a:lightRig rig="threePt" dir="t"/>
+    </dgm:scene3d>
+    <dgm:sp3d/>
+    <dgm:txPr/>
+    <dgm:style>
+      <a:lnRef idx="2">
+        <a:scrgbClr r="0" g="0" b="0"/>
+      </a:lnRef>
+      <a:fillRef idx="1">
+        <a:scrgbClr r="0" g="0" b="0"/>
+      </a:fillRef>
+      <a:effectRef idx="0">
+        <a:scrgbClr r="0" g="0" b="0"/>
+      </a:effectRef>
+      <a:fontRef idx="minor"/>
+    </dgm:style>
+  </dgm:styleLbl>
+  <dgm:styleLbl name="alignAccFollowNode1">
+    <dgm:scene3d>
+      <a:camera prst="orthographicFront"/>
+      <a:lightRig rig="threePt" dir="t"/>
+    </dgm:scene3d>
+    <dgm:sp3d/>
+    <dgm:txPr/>
+    <dgm:style>
+      <a:lnRef idx="2">
+        <a:scrgbClr r="0" g="0" b="0"/>
+      </a:lnRef>
+      <a:fillRef idx="1">
+        <a:scrgbClr r="0" g="0" b="0"/>
+      </a:fillRef>
+      <a:effectRef idx="0">
+        <a:scrgbClr r="0" g="0" b="0"/>
+      </a:effectRef>
+      <a:fontRef idx="minor"/>
+    </dgm:style>
+  </dgm:styleLbl>
+  <dgm:styleLbl name="bgAccFollowNode1">
+    <dgm:scene3d>
+      <a:camera prst="orthographicFront"/>
+      <a:lightRig rig="threePt" dir="t"/>
+    </dgm:scene3d>
+    <dgm:sp3d/>
+    <dgm:txPr/>
+    <dgm:style>
+      <a:lnRef idx="2">
+        <a:scrgbClr r="0" g="0" b="0"/>
+      </a:lnRef>
+      <a:fillRef idx="1">
+        <a:scrgbClr r="0" g="0" b="0"/>
+      </a:fillRef>
+      <a:effectRef idx="0">
+        <a:scrgbClr r="0" g="0" b="0"/>
+      </a:effectRef>
+      <a:fontRef idx="minor"/>
+    </dgm:style>
+  </dgm:styleLbl>
+  <dgm:styleLbl name="fgAcc0">
+    <dgm:scene3d>
+      <a:camera prst="orthographicFront"/>
+      <a:lightRig rig="threePt" dir="t"/>
+    </dgm:scene3d>
+    <dgm:sp3d/>
+    <dgm:txPr/>
+    <dgm:style>
+      <a:lnRef idx="2">
+        <a:scrgbClr r="0" g="0" b="0"/>
+      </a:lnRef>
+      <a:fillRef idx="1">
+        <a:scrgbClr r="0" g="0" b="0"/>
+      </a:fillRef>
+      <a:effectRef idx="0">
+        <a:scrgbClr r="0" g="0" b="0"/>
+      </a:effectRef>
+      <a:fontRef idx="minor"/>
+    </dgm:style>
+  </dgm:styleLbl>
+  <dgm:styleLbl name="fgAcc2">
+    <dgm:scene3d>
+      <a:camera prst="orthographicFront"/>
+      <a:lightRig rig="threePt" dir="t"/>
+    </dgm:scene3d>
+    <dgm:sp3d/>
+    <dgm:txPr/>
+    <dgm:style>
+      <a:lnRef idx="2">
+        <a:scrgbClr r="0" g="0" b="0"/>
+      </a:lnRef>
+      <a:fillRef idx="1">
+        <a:scrgbClr r="0" g="0" b="0"/>
+      </a:fillRef>
+      <a:effectRef idx="0">
+        <a:scrgbClr r="0" g="0" b="0"/>
+      </a:effectRef>
+      <a:fontRef idx="minor"/>
+    </dgm:style>
+  </dgm:styleLbl>
+  <dgm:styleLbl name="fgAcc3">
+    <dgm:scene3d>
+      <a:camera prst="orthographicFront"/>
+      <a:lightRig rig="threePt" dir="t"/>
+    </dgm:scene3d>
+    <dgm:sp3d/>
+    <dgm:txPr/>
+    <dgm:style>
+      <a:lnRef idx="2">
+        <a:scrgbClr r="0" g="0" b="0"/>
+      </a:lnRef>
+      <a:fillRef idx="1">
+        <a:scrgbClr r="0" g="0" b="0"/>
+      </a:fillRef>
+      <a:effectRef idx="0">
+        <a:scrgbClr r="0" g="0" b="0"/>
+      </a:effectRef>
+      <a:fontRef idx="minor"/>
+    </dgm:style>
+  </dgm:styleLbl>
+  <dgm:styleLbl name="fgAcc4">
+    <dgm:scene3d>
+      <a:camera prst="orthographicFront"/>
+      <a:lightRig rig="threePt" dir="t"/>
+    </dgm:scene3d>
+    <dgm:sp3d/>
+    <dgm:txPr/>
+    <dgm:style>
+      <a:lnRef idx="2">
+        <a:scrgbClr r="0" g="0" b="0"/>
+      </a:lnRef>
+      <a:fillRef idx="1">
+        <a:scrgbClr r="0" g="0" b="0"/>
+      </a:fillRef>
+      <a:effectRef idx="0">
+        <a:scrgbClr r="0" g="0" b="0"/>
+      </a:effectRef>
+      <a:fontRef idx="minor"/>
+    </dgm:style>
+  </dgm:styleLbl>
+  <dgm:styleLbl name="bgShp">
+    <dgm:scene3d>
+      <a:camera prst="orthographicFront"/>
+      <a:lightRig rig="threePt" dir="t"/>
+    </dgm:scene3d>
+    <dgm:sp3d/>
+    <dgm:txPr/>
+    <dgm:style>
+      <a:lnRef idx="0">
+        <a:scrgbClr r="0" g="0" b="0"/>
+      </a:lnRef>
+      <a:fillRef idx="1">
+        <a:scrgbClr r="0" g="0" b="0"/>
+      </a:fillRef>
+      <a:effectRef idx="0">
+        <a:scrgbClr r="0" g="0" b="0"/>
+      </a:effectRef>
+      <a:fontRef idx="minor"/>
+    </dgm:style>
+  </dgm:styleLbl>
+  <dgm:styleLbl name="dkBgShp">
+    <dgm:scene3d>
+      <a:camera prst="orthographicFront"/>
+      <a:lightRig rig="threePt" dir="t"/>
+    </dgm:scene3d>
+    <dgm:sp3d/>
+    <dgm:txPr/>
+    <dgm:style>
+      <a:lnRef idx="0">
+        <a:scrgbClr r="0" g="0" b="0"/>
+      </a:lnRef>
+      <a:fillRef idx="1">
+        <a:scrgbClr r="0" g="0" b="0"/>
+      </a:fillRef>
+      <a:effectRef idx="0">
+        <a:scrgbClr r="0" g="0" b="0"/>
+      </a:effectRef>
+      <a:fontRef idx="minor"/>
+    </dgm:style>
+  </dgm:styleLbl>
+  <dgm:styleLbl name="trBgShp">
+    <dgm:scene3d>
+      <a:camera prst="orthographicFront"/>
+      <a:lightRig rig="threePt" dir="t"/>
+    </dgm:scene3d>
+    <dgm:sp3d/>
+    <dgm:txPr/>
+    <dgm:style>
+      <a:lnRef idx="0">
+        <a:scrgbClr r="0" g="0" b="0"/>
+      </a:lnRef>
+      <a:fillRef idx="1">
+        <a:scrgbClr r="0" g="0" b="0"/>
+      </a:fillRef>
+      <a:effectRef idx="0">
+        <a:scrgbClr r="0" g="0" b="0"/>
+      </a:effectRef>
+      <a:fontRef idx="minor"/>
+    </dgm:style>
+  </dgm:styleLbl>
+  <dgm:styleLbl name="fgShp">
+    <dgm:scene3d>
+      <a:camera prst="orthographicFront"/>
+      <a:lightRig rig="threePt" dir="t"/>
+    </dgm:scene3d>
+    <dgm:sp3d/>
+    <dgm:txPr/>
+    <dgm:style>
+      <a:lnRef idx="2">
+        <a:scrgbClr r="0" g="0" b="0"/>
+      </a:lnRef>
+      <a:fillRef idx="1">
+        <a:scrgbClr r="0" g="0" b="0"/>
+      </a:fillRef>
+      <a:effectRef idx="0">
+        <a:scrgbClr r="0" g="0" b="0"/>
+      </a:effectRef>
+      <a:fontRef idx="minor"/>
+    </dgm:style>
+  </dgm:styleLbl>
+  <dgm:styleLbl name="revTx">
+    <dgm:scene3d>
+      <a:camera prst="orthographicFront"/>
+      <a:lightRig rig="threePt" dir="t"/>
+    </dgm:scene3d>
+    <dgm:sp3d/>
+    <dgm:txPr/>
+    <dgm:style>
+      <a:lnRef idx="0">
+        <a:scrgbClr r="0" g="0" b="0"/>
+      </a:lnRef>
+      <a:fillRef idx="0">
+        <a:scrgbClr r="0" g="0" b="0"/>
+      </a:fillRef>
+      <a:effectRef idx="0">
+        <a:scrgbClr r="0" g="0" b="0"/>
+      </a:effectRef>
+      <a:fontRef idx="minor"/>
+    </dgm:style>
+  </dgm:styleLbl>
+</dgm:styleDef>
+</file>
+
+<file path=ppt/diagrams/quickStyle9.xml><?xml version="1.0" encoding="utf-8"?>
 <dgm:styleDef xmlns:dgm="http://schemas.openxmlformats.org/drawingml/2006/diagram" xmlns:a="http://schemas.openxmlformats.org/drawingml/2006/main" uniqueId="urn:microsoft.com/office/officeart/2005/8/quickstyle/simple1">
   <dgm:title val=""/>
   <dgm:desc val=""/>
@@ -27866,7 +33492,7 @@
       </p:grpSpPr>
       <p:pic>
         <p:nvPicPr>
-          <p:cNvPr id="11266" name="Picture 3" descr="F:\[ECOS]\ingenium-managment\ingenium-logo.png"/>
+          <p:cNvPr id="9218" name="Picture 3" descr="F:\[ECOS]\ingenium-managment\ingenium-logo.png"/>
           <p:cNvPicPr>
             <a:picLocks noChangeAspect="1" noChangeArrowheads="1"/>
           </p:cNvPicPr>
@@ -28018,7 +33644,7 @@
               <a:defRPr/>
             </a:pPr>
             <a:r>
-              <a:rPr lang="es-CO" sz="2000" b="1" i="1" cap="small" dirty="0">
+              <a:rPr lang="es-CO" sz="2000" b="1" i="1" cap="small" dirty="0" smtClean="0">
                 <a:effectLst>
                   <a:outerShdw blurRad="38100" dist="38100" dir="2700000" algn="tl">
                     <a:srgbClr val="000000">
@@ -28027,12 +33653,10 @@
                   </a:outerShdw>
                 </a:effectLst>
                 <a:latin typeface="+mj-lt"/>
-                <a:ea typeface="+mj-ea"/>
-                <a:cs typeface="+mj-cs"/>
               </a:rPr>
               <a:t>Administración de la Configuración</a:t>
             </a:r>
-            <a:endParaRPr lang="es-CO" b="1" i="1" dirty="0">
+            <a:endParaRPr lang="es-CO" sz="2000" b="1" i="1" dirty="0">
               <a:effectLst>
                 <a:outerShdw blurRad="38100" dist="38100" dir="2700000" algn="tl">
                   <a:srgbClr val="000000">
@@ -28041,98 +33665,30 @@
                 </a:outerShdw>
               </a:effectLst>
               <a:latin typeface="+mj-lt"/>
-              <a:ea typeface="+mj-ea"/>
-              <a:cs typeface="+mj-cs"/>
             </a:endParaRPr>
           </a:p>
         </p:txBody>
       </p:sp>
-      <p:sp>
-        <p:nvSpPr>
-          <p:cNvPr id="11270" name="12 Marcador de contenido"/>
-          <p:cNvSpPr>
-            <a:spLocks noGrp="1"/>
-          </p:cNvSpPr>
+      <p:graphicFrame>
+        <p:nvGraphicFramePr>
+          <p:cNvPr id="7" name="6 Marcador de contenido"/>
+          <p:cNvGraphicFramePr>
+            <a:graphicFrameLocks noGrp="1"/>
+          </p:cNvGraphicFramePr>
           <p:nvPr>
             <p:ph idx="1"/>
           </p:nvPr>
-        </p:nvSpPr>
-        <p:spPr/>
-        <p:txBody>
-          <a:bodyPr/>
-          <a:lstStyle/>
-          <a:p>
-            <a:pPr eaLnBrk="1" hangingPunct="1"/>
-            <a:r>
-              <a:rPr lang="es-CO" sz="2000" b="1" smtClean="0"/>
-              <a:t>Fortalezas:</a:t>
-            </a:r>
-          </a:p>
-          <a:p>
-            <a:pPr lvl="1" eaLnBrk="1" hangingPunct="1"/>
-            <a:r>
-              <a:rPr lang="es-CO" sz="1800" b="1" smtClean="0"/>
-              <a:t>Fortaleza identificada en la evaluación &gt;</a:t>
-            </a:r>
-          </a:p>
-          <a:p>
-            <a:pPr lvl="1" eaLnBrk="1" hangingPunct="1"/>
-            <a:r>
-              <a:rPr lang="es-CO" sz="1800" b="1" smtClean="0"/>
-              <a:t>Fortaleza identificada en la evaluación &gt;</a:t>
-            </a:r>
-          </a:p>
-          <a:p>
-            <a:pPr lvl="1" eaLnBrk="1" hangingPunct="1"/>
-            <a:r>
-              <a:rPr lang="es-CO" sz="1800" b="1" smtClean="0"/>
-              <a:t>Fortaleza identificada en la evaluación &gt;</a:t>
-            </a:r>
-          </a:p>
-          <a:p>
-            <a:pPr lvl="1" eaLnBrk="1" hangingPunct="1">
-              <a:buFont typeface="Arial" charset="0"/>
-              <a:buNone/>
-            </a:pPr>
-            <a:endParaRPr lang="es-CO" sz="1800" b="1" smtClean="0"/>
-          </a:p>
-          <a:p>
-            <a:pPr eaLnBrk="1" hangingPunct="1"/>
-            <a:r>
-              <a:rPr lang="es-CO" sz="2000" b="1" smtClean="0"/>
-              <a:t>Oportunidades de Mejoramiento :</a:t>
-            </a:r>
-          </a:p>
-          <a:p>
-            <a:pPr lvl="1" eaLnBrk="1" hangingPunct="1"/>
-            <a:r>
-              <a:rPr lang="es-CO" sz="1800" b="1" smtClean="0"/>
-              <a:t>Debilidad identificada en la evaluación &gt;</a:t>
-            </a:r>
-          </a:p>
-          <a:p>
-            <a:pPr lvl="1" eaLnBrk="1" hangingPunct="1"/>
-            <a:r>
-              <a:rPr lang="es-CO" sz="1800" b="1" smtClean="0"/>
-              <a:t>Debilidad identificada en la evaluación &gt; </a:t>
-            </a:r>
-          </a:p>
-          <a:p>
-            <a:pPr lvl="1" eaLnBrk="1" hangingPunct="1"/>
-            <a:r>
-              <a:rPr lang="es-CO" sz="1800" b="1" smtClean="0"/>
-              <a:t>Debilidad identificada en la evaluación &gt;</a:t>
-            </a:r>
-          </a:p>
-          <a:p>
-            <a:pPr lvl="1" eaLnBrk="1" hangingPunct="1"/>
-            <a:r>
-              <a:rPr lang="es-CO" sz="1800" b="1" smtClean="0"/>
-              <a:t>Debilidad identificada en la evaluación &gt; </a:t>
-            </a:r>
-          </a:p>
-        </p:txBody>
-      </p:sp>
+        </p:nvGraphicFramePr>
+        <p:xfrm>
+          <a:off x="467544" y="1700808"/>
+          <a:ext cx="8229600" cy="4509120"/>
+        </p:xfrm>
+        <a:graphic>
+          <a:graphicData uri="http://schemas.openxmlformats.org/drawingml/2006/diagram">
+            <dgm:relIds xmlns:dgm="http://schemas.openxmlformats.org/drawingml/2006/diagram" xmlns:r="http://schemas.openxmlformats.org/officeDocument/2006/relationships" r:dm="rId3" r:lo="rId4" r:qs="rId5" r:cs="rId6"/>
+          </a:graphicData>
+        </a:graphic>
+      </p:graphicFrame>
     </p:spTree>
   </p:cSld>
   <p:clrMapOvr>
@@ -28167,7 +33723,7 @@
       </p:grpSpPr>
       <p:pic>
         <p:nvPicPr>
-          <p:cNvPr id="12290" name="Picture 3" descr="F:\[ECOS]\ingenium-managment\ingenium-logo.png"/>
+          <p:cNvPr id="10242" name="Picture 3" descr="F:\[ECOS]\ingenium-managment\ingenium-logo.png"/>
           <p:cNvPicPr>
             <a:picLocks noChangeAspect="1" noChangeArrowheads="1"/>
           </p:cNvPicPr>
@@ -28319,7 +33875,7 @@
               <a:defRPr/>
             </a:pPr>
             <a:r>
-              <a:rPr lang="es-CO" sz="2000" b="1" i="1" cap="small" dirty="0">
+              <a:rPr lang="es-CO" sz="2000" b="1" i="1" cap="small" dirty="0" smtClean="0">
                 <a:effectLst>
                   <a:outerShdw blurRad="38100" dist="38100" dir="2700000" algn="tl">
                     <a:srgbClr val="000000">
@@ -28328,12 +33884,10 @@
                   </a:outerShdw>
                 </a:effectLst>
                 <a:latin typeface="+mj-lt"/>
-                <a:ea typeface="+mj-ea"/>
-                <a:cs typeface="+mj-cs"/>
               </a:rPr>
               <a:t>Administración de la Configuración</a:t>
             </a:r>
-            <a:endParaRPr lang="es-CO" b="1" i="1" dirty="0">
+            <a:endParaRPr lang="es-CO" sz="2000" b="1" i="1" dirty="0">
               <a:effectLst>
                 <a:outerShdw blurRad="38100" dist="38100" dir="2700000" algn="tl">
                   <a:srgbClr val="000000">
@@ -28342,91 +33896,30 @@
                 </a:outerShdw>
               </a:effectLst>
               <a:latin typeface="+mj-lt"/>
-              <a:ea typeface="+mj-ea"/>
-              <a:cs typeface="+mj-cs"/>
             </a:endParaRPr>
           </a:p>
         </p:txBody>
       </p:sp>
-      <p:sp>
-        <p:nvSpPr>
-          <p:cNvPr id="12294" name="12 Marcador de contenido"/>
-          <p:cNvSpPr>
-            <a:spLocks noGrp="1"/>
-          </p:cNvSpPr>
+      <p:graphicFrame>
+        <p:nvGraphicFramePr>
+          <p:cNvPr id="7" name="6 Marcador de contenido"/>
+          <p:cNvGraphicFramePr>
+            <a:graphicFrameLocks noGrp="1"/>
+          </p:cNvGraphicFramePr>
           <p:nvPr>
             <p:ph idx="1"/>
           </p:nvPr>
-        </p:nvSpPr>
-        <p:spPr/>
-        <p:txBody>
-          <a:bodyPr/>
-          <a:lstStyle/>
-          <a:p>
-            <a:pPr eaLnBrk="1" hangingPunct="1"/>
-            <a:r>
-              <a:rPr lang="es-CO" sz="2000" b="1" smtClean="0"/>
-              <a:t>Consecuencias:</a:t>
-            </a:r>
-          </a:p>
-          <a:p>
-            <a:pPr lvl="1" eaLnBrk="1" hangingPunct="1"/>
-            <a:r>
-              <a:rPr lang="es-CO" sz="1800" b="1" smtClean="0"/>
-              <a:t>&lt; Posibles consecuencias de negocio de las debilidades anteriores,   en Costos, cronograma, compromisos, calidad, ingresos, etc.;   y efectos de borde que generan grandes impactos &gt;</a:t>
-            </a:r>
-          </a:p>
-          <a:p>
-            <a:pPr lvl="1" eaLnBrk="1" hangingPunct="1">
-              <a:buFont typeface="Arial" charset="0"/>
-              <a:buNone/>
-            </a:pPr>
-            <a:endParaRPr lang="es-CO" sz="1800" b="1" smtClean="0"/>
-          </a:p>
-          <a:p>
-            <a:pPr eaLnBrk="1" hangingPunct="1"/>
-            <a:r>
-              <a:rPr lang="es-CO" sz="2000" b="1" smtClean="0"/>
-              <a:t>Recomendaciones:</a:t>
-            </a:r>
-          </a:p>
-          <a:p>
-            <a:pPr lvl="1" eaLnBrk="1" hangingPunct="1"/>
-            <a:r>
-              <a:rPr lang="es-CO" sz="1800" b="1" smtClean="0"/>
-              <a:t>&lt; Sugerencias para remediar las debilidades y las consecuencias &gt;</a:t>
-            </a:r>
-          </a:p>
-          <a:p>
-            <a:pPr lvl="1" eaLnBrk="1" hangingPunct="1"/>
-            <a:r>
-              <a:rPr lang="es-CO" sz="1800" b="1" smtClean="0"/>
-              <a:t>&lt; Sugerencias para remediar las debilidades y las consecuencias &gt;</a:t>
-            </a:r>
-          </a:p>
-          <a:p>
-            <a:pPr lvl="1" eaLnBrk="1" hangingPunct="1"/>
-            <a:r>
-              <a:rPr lang="es-CO" sz="1800" b="1" smtClean="0"/>
-              <a:t>&lt; Sugerencias para remediar las debilidades y las consecuencias &gt;</a:t>
-            </a:r>
-          </a:p>
-          <a:p>
-            <a:pPr lvl="1" eaLnBrk="1" hangingPunct="1"/>
-            <a:r>
-              <a:rPr lang="es-CO" sz="1800" b="1" smtClean="0"/>
-              <a:t>&lt; Sugerencias para remediar las debilidades y las consecuencias &gt;</a:t>
-            </a:r>
-          </a:p>
-          <a:p>
-            <a:pPr lvl="1" eaLnBrk="1" hangingPunct="1"/>
-            <a:r>
-              <a:rPr lang="es-CO" sz="1800" b="1" smtClean="0"/>
-              <a:t>Por favor sugiera  indicadores de progreso </a:t>
-            </a:r>
-          </a:p>
-        </p:txBody>
-      </p:sp>
+        </p:nvGraphicFramePr>
+        <p:xfrm>
+          <a:off x="395536" y="1811957"/>
+          <a:ext cx="8363272" cy="4425355"/>
+        </p:xfrm>
+        <a:graphic>
+          <a:graphicData uri="http://schemas.openxmlformats.org/drawingml/2006/diagram">
+            <dgm:relIds xmlns:dgm="http://schemas.openxmlformats.org/drawingml/2006/diagram" xmlns:r="http://schemas.openxmlformats.org/officeDocument/2006/relationships" r:dm="rId3" r:lo="rId4" r:qs="rId5" r:cs="rId6"/>
+          </a:graphicData>
+        </a:graphic>
+      </p:graphicFrame>
     </p:spTree>
   </p:cSld>
   <p:clrMapOvr>
@@ -30812,7 +36305,7 @@
           <p:nvPr/>
         </p:nvGraphicFramePr>
         <p:xfrm>
-          <a:off x="1115616" y="1916832"/>
+          <a:off x="1115616" y="1700808"/>
           <a:ext cx="6912768" cy="3672408"/>
         </p:xfrm>
         <a:graphic>
@@ -30986,7 +36479,7 @@
           <p:nvPr/>
         </p:nvGraphicFramePr>
         <p:xfrm>
-          <a:off x="1115616" y="1340768"/>
+          <a:off x="1115616" y="1844824"/>
           <a:ext cx="6912768" cy="3672408"/>
         </p:xfrm>
         <a:graphic>

--- a/trunk/CSOF5104 Mejoramiento de Procesos de Software/Taller 2/Taller2-Presentacion-Ingenium.pptx
+++ b/trunk/CSOF5104 Mejoramiento de Procesos de Software/Taller 2/Taller2-Presentacion-Ingenium.pptx
@@ -8391,6 +8391,10 @@
         <a:lstStyle/>
         <a:p>
           <a:pPr rtl="0"/>
+          <a:endParaRPr lang="es-CO" sz="1800" b="1" dirty="0" smtClean="0"/>
+        </a:p>
+        <a:p>
+          <a:pPr rtl="0"/>
           <a:r>
             <a:rPr lang="es-CO" sz="1800" b="1" dirty="0" smtClean="0"/>
             <a:t>Consecuencias</a:t>
@@ -8429,7 +8433,11 @@
         <a:lstStyle/>
         <a:p>
           <a:pPr rtl="0"/>
-          <a:endParaRPr lang="es-CO" sz="1400" dirty="0"/>
+          <a:r>
+            <a:rPr lang="es-CO" sz="1500" b="1" dirty="0" smtClean="0"/>
+            <a:t>Los falta de integridad en los productos desarrollados</a:t>
+          </a:r>
+          <a:endParaRPr lang="es-CO" sz="1500" b="1" dirty="0"/>
         </a:p>
       </dgm:t>
     </dgm:pt>
@@ -8461,6 +8469,10 @@
       <dgm:t>
         <a:bodyPr/>
         <a:lstStyle/>
+        <a:p>
+          <a:pPr rtl="0"/>
+          <a:endParaRPr lang="es-CO" sz="1800" b="1" dirty="0" smtClean="0"/>
+        </a:p>
         <a:p>
           <a:pPr rtl="0"/>
           <a:r>
@@ -8501,7 +8513,11 @@
         <a:lstStyle/>
         <a:p>
           <a:pPr rtl="0"/>
-          <a:endParaRPr lang="es-CO" sz="1400" b="1" dirty="0"/>
+          <a:r>
+            <a:rPr lang="es-CO" sz="1500" b="1" dirty="0" smtClean="0"/>
+            <a:t>Implementar sistemas para la gestión de la configuración</a:t>
+          </a:r>
+          <a:endParaRPr lang="es-CO" sz="1500" b="1" dirty="0"/>
         </a:p>
       </dgm:t>
     </dgm:pt>
@@ -8526,6 +8542,106 @@
           <a:endParaRPr lang="es-CO"/>
         </a:p>
       </dgm:t>
+    </dgm:pt>
+    <dgm:pt modelId="{77662346-5DE4-4D4B-9CEC-20F6FBC3AA35}">
+      <dgm:prSet custT="1"/>
+      <dgm:spPr/>
+      <dgm:t>
+        <a:bodyPr/>
+        <a:lstStyle/>
+        <a:p>
+          <a:pPr rtl="0"/>
+          <a:r>
+            <a:rPr lang="es-CO" sz="1500" b="1" dirty="0" smtClean="0"/>
+            <a:t>Falta de control en el estado de las versiones y sus cambios</a:t>
+          </a:r>
+          <a:endParaRPr lang="es-CO" sz="1500" b="1" dirty="0"/>
+        </a:p>
+      </dgm:t>
+    </dgm:pt>
+    <dgm:pt modelId="{703FD763-E744-4CEF-B5C5-656DA40BCA59}" type="parTrans" cxnId="{52FB8F18-AB0F-4F51-9A28-ACBE87D27A1E}">
+      <dgm:prSet/>
+      <dgm:spPr/>
+      <dgm:t>
+        <a:bodyPr/>
+        <a:lstStyle/>
+        <a:p>
+          <a:endParaRPr lang="es-CO"/>
+        </a:p>
+      </dgm:t>
+    </dgm:pt>
+    <dgm:pt modelId="{F3FD3F1F-891B-46D6-9E32-B7C78596767F}" type="sibTrans" cxnId="{52FB8F18-AB0F-4F51-9A28-ACBE87D27A1E}">
+      <dgm:prSet/>
+      <dgm:spPr/>
+      <dgm:t>
+        <a:bodyPr/>
+        <a:lstStyle/>
+        <a:p>
+          <a:endParaRPr lang="es-CO"/>
+        </a:p>
+      </dgm:t>
+    </dgm:pt>
+    <dgm:pt modelId="{76ACDE88-D11D-4954-A5BE-FE5F09377473}">
+      <dgm:prSet custT="1"/>
+      <dgm:spPr/>
+      <dgm:t>
+        <a:bodyPr/>
+        <a:lstStyle/>
+        <a:p>
+          <a:pPr rtl="0"/>
+          <a:r>
+            <a:rPr lang="es-CO" sz="1500" b="1" dirty="0" smtClean="0"/>
+            <a:t>Dificultad en integración de las diferentes partes </a:t>
+          </a:r>
+          <a:endParaRPr lang="es-CO" sz="1500" b="1" dirty="0"/>
+        </a:p>
+      </dgm:t>
+    </dgm:pt>
+    <dgm:pt modelId="{0BE71389-60A2-47D6-BDC4-4F6B1B9C02A6}" type="parTrans" cxnId="{ECE7A30C-62DB-4F60-9D67-087738CD0BD2}">
+      <dgm:prSet/>
+      <dgm:spPr/>
+      <dgm:t>
+        <a:bodyPr/>
+        <a:lstStyle/>
+        <a:p>
+          <a:endParaRPr lang="es-CO"/>
+        </a:p>
+      </dgm:t>
+    </dgm:pt>
+    <dgm:pt modelId="{08A60044-7543-461F-98A6-F42E7756ECD8}" type="sibTrans" cxnId="{ECE7A30C-62DB-4F60-9D67-087738CD0BD2}">
+      <dgm:prSet/>
+      <dgm:spPr/>
+      <dgm:t>
+        <a:bodyPr/>
+        <a:lstStyle/>
+        <a:p>
+          <a:endParaRPr lang="es-CO"/>
+        </a:p>
+      </dgm:t>
+    </dgm:pt>
+    <dgm:pt modelId="{181658AE-81F5-4E67-A4C9-B1B6D4A7A056}">
+      <dgm:prSet custT="1"/>
+      <dgm:spPr/>
+      <dgm:t>
+        <a:bodyPr/>
+        <a:lstStyle/>
+        <a:p>
+          <a:pPr rtl="0"/>
+          <a:r>
+            <a:rPr lang="es-CO" sz="1500" b="1" dirty="0" smtClean="0"/>
+            <a:t>Establecer políticas para el establecimiento y seguimiento del proceso durante los proyectos</a:t>
+          </a:r>
+          <a:endParaRPr lang="es-CO" sz="1500" b="1" dirty="0"/>
+        </a:p>
+      </dgm:t>
+    </dgm:pt>
+    <dgm:pt modelId="{267FD74C-44EF-4A8E-A694-882CE54DA08C}" type="parTrans" cxnId="{2A3F6983-9F61-411B-8EAC-A31BC6964CB8}">
+      <dgm:prSet/>
+      <dgm:spPr/>
+    </dgm:pt>
+    <dgm:pt modelId="{109BB8A7-7CC9-4600-9098-3ED20AA773BF}" type="sibTrans" cxnId="{2A3F6983-9F61-411B-8EAC-A31BC6964CB8}">
+      <dgm:prSet/>
+      <dgm:spPr/>
     </dgm:pt>
     <dgm:pt modelId="{ED20A8E0-A09D-4A8F-BA55-901FDBFBFB9B}" type="pres">
       <dgm:prSet presAssocID="{AB89644E-047E-4EF6-8F94-20D8E269D77F}" presName="linearFlow" presStyleCnt="0">
@@ -8620,13 +8736,19 @@
     </dgm:pt>
   </dgm:ptLst>
   <dgm:cxnLst>
+    <dgm:cxn modelId="{D2725FC4-841E-48E5-A398-F3E0043F47B4}" type="presOf" srcId="{76ACDE88-D11D-4954-A5BE-FE5F09377473}" destId="{9AB14BCC-A0FC-47BB-ADC4-9AF237D6A8FC}" srcOrd="0" destOrd="2" presId="urn:microsoft.com/office/officeart/2005/8/layout/chevron2"/>
     <dgm:cxn modelId="{0DCC7905-4C92-4F90-89D8-BDB7F2324F43}" type="presOf" srcId="{AB89644E-047E-4EF6-8F94-20D8E269D77F}" destId="{ED20A8E0-A09D-4A8F-BA55-901FDBFBFB9B}" srcOrd="0" destOrd="0" presId="urn:microsoft.com/office/officeart/2005/8/layout/chevron2"/>
     <dgm:cxn modelId="{F534451B-8BBB-4F15-BC10-79EC91D516DE}" type="presOf" srcId="{0283D0BA-E40A-4661-A572-757662D8F90C}" destId="{27EF10BC-A202-491A-96C2-62B99C9944E4}" srcOrd="0" destOrd="0" presId="urn:microsoft.com/office/officeart/2005/8/layout/chevron2"/>
+    <dgm:cxn modelId="{52FB8F18-AB0F-4F51-9A28-ACBE87D27A1E}" srcId="{1FBE4113-67DF-4D15-8AC5-D34996480903}" destId="{77662346-5DE4-4D4B-9CEC-20F6FBC3AA35}" srcOrd="1" destOrd="0" parTransId="{703FD763-E744-4CEF-B5C5-656DA40BCA59}" sibTransId="{F3FD3F1F-891B-46D6-9E32-B7C78596767F}"/>
+    <dgm:cxn modelId="{ECE7A30C-62DB-4F60-9D67-087738CD0BD2}" srcId="{1FBE4113-67DF-4D15-8AC5-D34996480903}" destId="{76ACDE88-D11D-4954-A5BE-FE5F09377473}" srcOrd="2" destOrd="0" parTransId="{0BE71389-60A2-47D6-BDC4-4F6B1B9C02A6}" sibTransId="{08A60044-7543-461F-98A6-F42E7756ECD8}"/>
     <dgm:cxn modelId="{D3314159-2D61-4CF5-BDF8-F5F8418045C7}" srcId="{AB89644E-047E-4EF6-8F94-20D8E269D77F}" destId="{1FBE4113-67DF-4D15-8AC5-D34996480903}" srcOrd="0" destOrd="0" parTransId="{BD77DC55-CDB9-4FC0-B23F-FF44B7B261F4}" sibTransId="{B35A071C-A2C6-44E9-B31A-106B18800C15}"/>
-    <dgm:cxn modelId="{90E2DF14-0571-426A-AFFB-F34CA2AB27B9}" srcId="{0283D0BA-E40A-4661-A572-757662D8F90C}" destId="{2795E8B6-3C41-4D37-8274-72713CEA938F}" srcOrd="0" destOrd="0" parTransId="{BB8FBB51-EFB5-46F6-9CB4-2E7843063108}" sibTransId="{605611A7-6A8B-4EB1-B204-5A69EBC19626}"/>
+    <dgm:cxn modelId="{2A3F6983-9F61-411B-8EAC-A31BC6964CB8}" srcId="{0283D0BA-E40A-4661-A572-757662D8F90C}" destId="{181658AE-81F5-4E67-A4C9-B1B6D4A7A056}" srcOrd="0" destOrd="0" parTransId="{267FD74C-44EF-4A8E-A694-882CE54DA08C}" sibTransId="{109BB8A7-7CC9-4600-9098-3ED20AA773BF}"/>
+    <dgm:cxn modelId="{90E2DF14-0571-426A-AFFB-F34CA2AB27B9}" srcId="{0283D0BA-E40A-4661-A572-757662D8F90C}" destId="{2795E8B6-3C41-4D37-8274-72713CEA938F}" srcOrd="1" destOrd="0" parTransId="{BB8FBB51-EFB5-46F6-9CB4-2E7843063108}" sibTransId="{605611A7-6A8B-4EB1-B204-5A69EBC19626}"/>
     <dgm:cxn modelId="{676EDF20-EA05-4912-BE88-8C38244B60B3}" type="presOf" srcId="{1FBE4113-67DF-4D15-8AC5-D34996480903}" destId="{7E6EE975-DAD0-42A9-8D07-C777F2B46116}" srcOrd="0" destOrd="0" presId="urn:microsoft.com/office/officeart/2005/8/layout/chevron2"/>
     <dgm:cxn modelId="{DEE4106A-A86F-4A93-A3CA-334F09A7E84C}" srcId="{AB89644E-047E-4EF6-8F94-20D8E269D77F}" destId="{0283D0BA-E40A-4661-A572-757662D8F90C}" srcOrd="1" destOrd="0" parTransId="{894B10E5-F227-4A8C-A653-0E97B002D807}" sibTransId="{EE265449-1489-414F-8737-3495B7507766}"/>
-    <dgm:cxn modelId="{6222B9BC-197F-4E6A-AE5F-B5D97BD141F8}" type="presOf" srcId="{2795E8B6-3C41-4D37-8274-72713CEA938F}" destId="{3B1E49C7-1882-4E37-A109-FFE701176F9C}" srcOrd="0" destOrd="0" presId="urn:microsoft.com/office/officeart/2005/8/layout/chevron2"/>
+    <dgm:cxn modelId="{6222B9BC-197F-4E6A-AE5F-B5D97BD141F8}" type="presOf" srcId="{2795E8B6-3C41-4D37-8274-72713CEA938F}" destId="{3B1E49C7-1882-4E37-A109-FFE701176F9C}" srcOrd="0" destOrd="1" presId="urn:microsoft.com/office/officeart/2005/8/layout/chevron2"/>
+    <dgm:cxn modelId="{73D0001F-EA9D-47BC-B48F-4C508CF20A88}" type="presOf" srcId="{181658AE-81F5-4E67-A4C9-B1B6D4A7A056}" destId="{3B1E49C7-1882-4E37-A109-FFE701176F9C}" srcOrd="0" destOrd="0" presId="urn:microsoft.com/office/officeart/2005/8/layout/chevron2"/>
+    <dgm:cxn modelId="{BCCAEEE8-B87F-4496-AA19-4D99100BCCA2}" type="presOf" srcId="{77662346-5DE4-4D4B-9CEC-20F6FBC3AA35}" destId="{9AB14BCC-A0FC-47BB-ADC4-9AF237D6A8FC}" srcOrd="0" destOrd="1" presId="urn:microsoft.com/office/officeart/2005/8/layout/chevron2"/>
     <dgm:cxn modelId="{772467B2-EEF8-4D7F-B166-8E2EBA66570C}" type="presOf" srcId="{A21F959D-4D60-4537-A6E7-F929FE095F80}" destId="{9AB14BCC-A0FC-47BB-ADC4-9AF237D6A8FC}" srcOrd="0" destOrd="0" presId="urn:microsoft.com/office/officeart/2005/8/layout/chevron2"/>
     <dgm:cxn modelId="{5DAF724F-EB68-454C-B426-C5BF65714DF5}" srcId="{1FBE4113-67DF-4D15-8AC5-D34996480903}" destId="{A21F959D-4D60-4537-A6E7-F929FE095F80}" srcOrd="0" destOrd="0" parTransId="{614C43C5-59B1-4569-946E-2950BD792124}" sibTransId="{E49F283B-E874-402B-9419-CA809E340658}"/>
     <dgm:cxn modelId="{147143D2-BFB8-49BA-B52B-0BEFE8C6C7D6}" type="presParOf" srcId="{ED20A8E0-A09D-4A8F-BA55-901FDBFBFB9B}" destId="{9EF061BD-FEF4-4C35-A323-AECC5E0BD08E}" srcOrd="0" destOrd="0" presId="urn:microsoft.com/office/officeart/2005/8/layout/chevron2"/>
@@ -10812,6 +10934,10 @@
         <a:lstStyle/>
         <a:p>
           <a:pPr rtl="0"/>
+          <a:endParaRPr lang="es-CO" sz="1800" b="1" dirty="0" smtClean="0"/>
+        </a:p>
+        <a:p>
+          <a:pPr rtl="0"/>
           <a:r>
             <a:rPr lang="es-CO" sz="1800" b="1" dirty="0" smtClean="0"/>
             <a:t>Fortalezas</a:t>
@@ -10851,10 +10977,10 @@
         <a:p>
           <a:pPr rtl="0"/>
           <a:r>
-            <a:rPr lang="es-CO" sz="1400" b="1" dirty="0" smtClean="0"/>
+            <a:rPr lang="es-CO" sz="1500" b="1" dirty="0" smtClean="0"/>
             <a:t>Definición de los procesos ISO 9001</a:t>
           </a:r>
-          <a:endParaRPr lang="es-CO" sz="1400" b="1" dirty="0"/>
+          <a:endParaRPr lang="es-CO" sz="1500" b="1" dirty="0"/>
         </a:p>
       </dgm:t>
     </dgm:pt>
@@ -10889,10 +11015,10 @@
         <a:p>
           <a:pPr rtl="0"/>
           <a:r>
-            <a:rPr lang="es-CO" sz="1400" b="1" dirty="0" smtClean="0"/>
+            <a:rPr lang="es-CO" sz="1500" b="1" dirty="0" smtClean="0"/>
             <a:t>Se tiene definidos los responsables y roles dentro del proceso</a:t>
           </a:r>
-          <a:endParaRPr lang="es-CO" sz="1400" b="1" dirty="0"/>
+          <a:endParaRPr lang="es-CO" sz="1500" b="1" dirty="0"/>
         </a:p>
       </dgm:t>
     </dgm:pt>
@@ -10927,10 +11053,10 @@
         <a:p>
           <a:pPr rtl="0"/>
           <a:r>
-            <a:rPr lang="es-CO" sz="1400" b="1" dirty="0" smtClean="0"/>
+            <a:rPr lang="es-CO" sz="1500" b="1" dirty="0" smtClean="0"/>
             <a:t>Hay identificación clara de los actores importantes para el proceso</a:t>
           </a:r>
-          <a:endParaRPr lang="es-CO" sz="1400" b="1" dirty="0"/>
+          <a:endParaRPr lang="es-CO" sz="1500" b="1" dirty="0"/>
         </a:p>
       </dgm:t>
     </dgm:pt>
@@ -10962,6 +11088,10 @@
       <dgm:t>
         <a:bodyPr/>
         <a:lstStyle/>
+        <a:p>
+          <a:pPr rtl="0"/>
+          <a:endParaRPr lang="es-CO" sz="1800" b="1" dirty="0" smtClean="0"/>
+        </a:p>
         <a:p>
           <a:pPr rtl="0"/>
           <a:r>
@@ -11003,10 +11133,10 @@
         <a:p>
           <a:pPr rtl="0"/>
           <a:r>
-            <a:rPr lang="es-CO" sz="1400" b="1" dirty="0" smtClean="0"/>
+            <a:rPr lang="es-CO" sz="1500" b="1" dirty="0" smtClean="0"/>
             <a:t>Los requerimientos no han sido documentados formalmente y validados con el cliente</a:t>
           </a:r>
-          <a:endParaRPr lang="es-CO" sz="1400" b="1" dirty="0"/>
+          <a:endParaRPr lang="es-CO" sz="1500" b="1" dirty="0"/>
         </a:p>
       </dgm:t>
     </dgm:pt>
@@ -11041,10 +11171,10 @@
         <a:p>
           <a:pPr rtl="0"/>
           <a:r>
-            <a:rPr lang="es-CO" sz="1400" b="1" dirty="0" smtClean="0"/>
+            <a:rPr lang="es-CO" sz="1500" b="1" dirty="0" smtClean="0"/>
             <a:t>Evaluación y análisis del impacto en cambio de requerimientos</a:t>
           </a:r>
-          <a:endParaRPr lang="es-CO" sz="1400" b="1" dirty="0"/>
+          <a:endParaRPr lang="es-CO" sz="1500" b="1" dirty="0"/>
         </a:p>
       </dgm:t>
     </dgm:pt>
@@ -11079,18 +11209,18 @@
         <a:p>
           <a:pPr rtl="0"/>
           <a:r>
-            <a:rPr lang="es-CO" sz="1400" b="1" dirty="0" smtClean="0"/>
+            <a:rPr lang="es-CO" sz="1500" b="1" dirty="0" smtClean="0"/>
             <a:t>Mantener trazabilidad </a:t>
           </a:r>
           <a:r>
-            <a:rPr lang="es-CO" sz="1400" b="1" dirty="0" err="1" smtClean="0"/>
+            <a:rPr lang="es-CO" sz="1500" b="1" dirty="0" err="1" smtClean="0"/>
             <a:t>bi</a:t>
           </a:r>
           <a:r>
-            <a:rPr lang="es-CO" sz="1400" b="1" dirty="0" smtClean="0"/>
+            <a:rPr lang="es-CO" sz="1500" b="1" dirty="0" smtClean="0"/>
             <a:t>-direccional de los requerimientos</a:t>
           </a:r>
-          <a:endParaRPr lang="es-CO" sz="1400" b="1" dirty="0"/>
+          <a:endParaRPr lang="es-CO" sz="1500" b="1" dirty="0"/>
         </a:p>
       </dgm:t>
     </dgm:pt>
@@ -11125,10 +11255,10 @@
         <a:p>
           <a:pPr rtl="0"/>
           <a:r>
-            <a:rPr lang="es-CO" sz="1400" b="1" dirty="0" smtClean="0"/>
+            <a:rPr lang="es-CO" sz="1500" b="1" dirty="0" smtClean="0"/>
             <a:t>Control y seguimiento de progreso en requerimientos</a:t>
           </a:r>
-          <a:endParaRPr lang="es-CO" sz="1400" b="1" dirty="0"/>
+          <a:endParaRPr lang="es-CO" sz="1500" b="1" dirty="0"/>
         </a:p>
       </dgm:t>
     </dgm:pt>
@@ -11163,10 +11293,10 @@
         <a:p>
           <a:pPr rtl="0"/>
           <a:r>
-            <a:rPr lang="es-CO" sz="1400" b="1" dirty="0" smtClean="0"/>
+            <a:rPr lang="es-CO" sz="1500" b="1" dirty="0" smtClean="0"/>
             <a:t>Establecimiento de una política para la administración de requerimientos</a:t>
           </a:r>
-          <a:endParaRPr lang="es-CO" sz="1400" b="1" dirty="0"/>
+          <a:endParaRPr lang="es-CO" sz="1500" b="1" dirty="0"/>
         </a:p>
       </dgm:t>
     </dgm:pt>
@@ -11346,6 +11476,10 @@
         <a:lstStyle/>
         <a:p>
           <a:pPr rtl="0"/>
+          <a:endParaRPr lang="es-CO" sz="1800" b="1" dirty="0" smtClean="0"/>
+        </a:p>
+        <a:p>
+          <a:pPr rtl="0"/>
           <a:r>
             <a:rPr lang="es-CO" sz="1800" b="1" dirty="0" smtClean="0"/>
             <a:t>Consecuencias</a:t>
@@ -11385,10 +11519,10 @@
         <a:p>
           <a:pPr rtl="0"/>
           <a:r>
-            <a:rPr lang="es-CO" sz="1400" b="1" dirty="0" smtClean="0"/>
+            <a:rPr lang="es-CO" sz="1500" b="1" dirty="0" smtClean="0"/>
             <a:t>Generación de re trabajo por falta de definición clara de requerimientos</a:t>
           </a:r>
-          <a:endParaRPr lang="es-CO" sz="1400" dirty="0"/>
+          <a:endParaRPr lang="es-CO" sz="1500" dirty="0"/>
         </a:p>
       </dgm:t>
     </dgm:pt>
@@ -11420,6 +11554,10 @@
       <dgm:t>
         <a:bodyPr/>
         <a:lstStyle/>
+        <a:p>
+          <a:pPr rtl="0"/>
+          <a:endParaRPr lang="es-CO" sz="1800" b="1" dirty="0" smtClean="0"/>
+        </a:p>
         <a:p>
           <a:pPr rtl="0"/>
           <a:r>
@@ -11461,10 +11599,10 @@
         <a:p>
           <a:pPr rtl="0"/>
           <a:r>
-            <a:rPr lang="es-CO" sz="1400" b="1" dirty="0" smtClean="0"/>
+            <a:rPr lang="es-CO" sz="1500" b="1" dirty="0" smtClean="0"/>
             <a:t>Definir documentación formal y actas en la definición de los requerimientos</a:t>
           </a:r>
-          <a:endParaRPr lang="es-CO" sz="1400" b="1" dirty="0"/>
+          <a:endParaRPr lang="es-CO" sz="1500" b="1" dirty="0"/>
         </a:p>
       </dgm:t>
     </dgm:pt>
@@ -11499,10 +11637,10 @@
         <a:p>
           <a:pPr rtl="0"/>
           <a:r>
-            <a:rPr lang="es-CO" sz="1400" b="1" dirty="0" smtClean="0"/>
+            <a:rPr lang="es-CO" sz="1500" b="1" dirty="0" smtClean="0"/>
             <a:t>Establecer conductos regulares para las solicitudes de cambios en requerimientos</a:t>
           </a:r>
-          <a:endParaRPr lang="es-CO" sz="1400" b="1" dirty="0"/>
+          <a:endParaRPr lang="es-CO" sz="1500" b="1" dirty="0"/>
         </a:p>
       </dgm:t>
     </dgm:pt>
@@ -11537,10 +11675,10 @@
         <a:p>
           <a:pPr rtl="0"/>
           <a:r>
-            <a:rPr lang="es-CO" sz="1400" b="1" dirty="0" smtClean="0"/>
+            <a:rPr lang="es-CO" sz="1500" b="1" dirty="0" smtClean="0"/>
             <a:t>Incrementos en el tiempo empleado vs tiempo real</a:t>
           </a:r>
-          <a:endParaRPr lang="es-CO" sz="1400" dirty="0"/>
+          <a:endParaRPr lang="es-CO" sz="1500" dirty="0"/>
         </a:p>
       </dgm:t>
     </dgm:pt>
@@ -11575,10 +11713,10 @@
         <a:p>
           <a:pPr rtl="0"/>
           <a:r>
-            <a:rPr lang="es-CO" sz="1400" b="1" dirty="0" smtClean="0"/>
+            <a:rPr lang="es-CO" sz="1500" b="1" dirty="0" smtClean="0"/>
             <a:t>Inconsistencias entre lo requerido y lo desarrollado</a:t>
           </a:r>
-          <a:endParaRPr lang="es-CO" sz="1400" b="1" dirty="0"/>
+          <a:endParaRPr lang="es-CO" sz="1500" b="1" dirty="0"/>
         </a:p>
       </dgm:t>
     </dgm:pt>
@@ -11613,10 +11751,10 @@
         <a:p>
           <a:pPr rtl="0"/>
           <a:r>
-            <a:rPr lang="es-CO" sz="1400" b="1" dirty="0" smtClean="0"/>
+            <a:rPr lang="es-CO" sz="1500" b="1" dirty="0" smtClean="0"/>
             <a:t>Cambios parte del cliente de forma indiscriminada</a:t>
           </a:r>
-          <a:endParaRPr lang="es-CO" sz="1400" b="1" dirty="0"/>
+          <a:endParaRPr lang="es-CO" sz="1500" b="1" dirty="0"/>
         </a:p>
       </dgm:t>
     </dgm:pt>
@@ -11651,10 +11789,10 @@
         <a:p>
           <a:pPr rtl="0"/>
           <a:r>
-            <a:rPr lang="es-CO" sz="1400" b="1" dirty="0" smtClean="0"/>
+            <a:rPr lang="es-CO" sz="1500" b="1" dirty="0" smtClean="0"/>
             <a:t>Incluir actividades de análisis y evaluación de impacto en las solicitudes de cambio en requerimientos</a:t>
           </a:r>
-          <a:endParaRPr lang="es-CO" sz="1400" b="1" dirty="0"/>
+          <a:endParaRPr lang="es-CO" sz="1500" b="1" dirty="0"/>
         </a:p>
       </dgm:t>
     </dgm:pt>
@@ -11832,6 +11970,10 @@
         <a:lstStyle/>
         <a:p>
           <a:pPr rtl="0"/>
+          <a:endParaRPr lang="es-CO" sz="1800" b="1" dirty="0" smtClean="0"/>
+        </a:p>
+        <a:p>
+          <a:pPr rtl="0"/>
           <a:r>
             <a:rPr lang="es-CO" sz="1800" b="1" dirty="0" smtClean="0"/>
             <a:t>Fortalezas</a:t>
@@ -11868,6 +12010,10 @@
       <dgm:t>
         <a:bodyPr/>
         <a:lstStyle/>
+        <a:p>
+          <a:pPr rtl="0"/>
+          <a:endParaRPr lang="es-CO" sz="1800" b="1" dirty="0" smtClean="0"/>
+        </a:p>
         <a:p>
           <a:pPr rtl="0"/>
           <a:r>
@@ -11909,10 +12055,10 @@
         <a:p>
           <a:pPr rtl="0"/>
           <a:r>
-            <a:rPr lang="es-CO" sz="1400" b="1" dirty="0" smtClean="0"/>
+            <a:rPr lang="es-CO" sz="1500" b="1" dirty="0" smtClean="0"/>
             <a:t>Los proyectos cuentan con un repositorio central para gestionar la configuración</a:t>
           </a:r>
-          <a:endParaRPr lang="es-CO" sz="1400" b="1" dirty="0"/>
+          <a:endParaRPr lang="es-CO" sz="1500" b="1" dirty="0"/>
         </a:p>
       </dgm:t>
     </dgm:pt>
@@ -11946,10 +12092,10 @@
         <a:lstStyle/>
         <a:p>
           <a:r>
-            <a:rPr lang="es-CO" sz="1400" b="1" dirty="0" smtClean="0"/>
+            <a:rPr lang="es-CO" sz="1500" b="1" dirty="0" smtClean="0"/>
             <a:t>Planificación de actividades de administración de la configuración en los proyectos</a:t>
           </a:r>
-          <a:endParaRPr lang="es-ES" sz="1400" b="1" dirty="0"/>
+          <a:endParaRPr lang="es-ES" sz="1500" b="1" dirty="0"/>
         </a:p>
       </dgm:t>
     </dgm:pt>
@@ -12015,7 +12161,7 @@
         <a:bodyPr/>
         <a:lstStyle/>
         <a:p>
-          <a:endParaRPr lang="es-ES" sz="1400" b="1" dirty="0"/>
+          <a:endParaRPr lang="es-ES" sz="1500" b="1" dirty="0"/>
         </a:p>
       </dgm:t>
     </dgm:pt>
@@ -12049,10 +12195,10 @@
         <a:lstStyle/>
         <a:p>
           <a:r>
-            <a:rPr lang="es-CO" sz="1400" b="1" dirty="0" smtClean="0"/>
+            <a:rPr lang="es-CO" sz="1500" b="1" dirty="0" smtClean="0"/>
             <a:t>Seguimiento  e informalidad en petición de cambios</a:t>
           </a:r>
-          <a:endParaRPr lang="es-ES" sz="1400" b="1" dirty="0"/>
+          <a:endParaRPr lang="es-ES" sz="1500" b="1" dirty="0"/>
         </a:p>
       </dgm:t>
     </dgm:pt>
@@ -12087,10 +12233,10 @@
         <a:p>
           <a:pPr rtl="0"/>
           <a:r>
-            <a:rPr lang="es-CO" sz="1400" b="1" dirty="0" smtClean="0"/>
+            <a:rPr lang="es-CO" sz="1500" b="1" dirty="0" smtClean="0"/>
             <a:t>Algunos proyectos cuentan con definición de responsabilidades y actores del proceso</a:t>
           </a:r>
-          <a:endParaRPr lang="es-CO" sz="1400" b="1" dirty="0"/>
+          <a:endParaRPr lang="es-CO" sz="1500" b="1" dirty="0"/>
         </a:p>
       </dgm:t>
     </dgm:pt>
@@ -12124,10 +12270,10 @@
         <a:lstStyle/>
         <a:p>
           <a:r>
-            <a:rPr lang="es-CO" sz="1400" b="1" dirty="0" smtClean="0"/>
+            <a:rPr lang="es-CO" sz="1500" b="1" dirty="0" smtClean="0"/>
             <a:t>Formación y capacitación en el proceso</a:t>
           </a:r>
-          <a:endParaRPr lang="es-ES" sz="1400" b="1" dirty="0"/>
+          <a:endParaRPr lang="es-ES" sz="1500" b="1" dirty="0"/>
         </a:p>
       </dgm:t>
     </dgm:pt>
@@ -12246,25 +12392,25 @@
     </dgm:pt>
   </dgm:ptLst>
   <dgm:cxnLst>
+    <dgm:cxn modelId="{82900806-247F-41C4-957E-AE89C82C0D34}" type="presOf" srcId="{314FA8D4-D61E-447B-970A-0B6AEEA63A91}" destId="{A74BF774-9F37-4D08-9726-7F148DB6C16C}" srcOrd="0" destOrd="3" presId="urn:microsoft.com/office/officeart/2005/8/layout/chevron2"/>
+    <dgm:cxn modelId="{5E861E35-99AC-453D-B6D6-224FD00834D3}" srcId="{01D516EE-1BB8-4889-BDE8-4189AE0F91DB}" destId="{999897B2-66EA-4EA1-901A-E89D8B7C76DB}" srcOrd="2" destOrd="0" parTransId="{C1DCC29C-B0DC-4B42-85D0-9D6947F1F000}" sibTransId="{0A98D6C7-EF3E-4BBD-918B-1B9DC6A1C62D}"/>
+    <dgm:cxn modelId="{8BF97C8A-F445-4232-B3D9-210066E75ED2}" type="presOf" srcId="{637763A9-E1AB-4E5A-BA18-04AFD1BA25A4}" destId="{A96FF17D-0749-4A15-A3C2-2182E3C7482C}" srcOrd="0" destOrd="1" presId="urn:microsoft.com/office/officeart/2005/8/layout/chevron2"/>
+    <dgm:cxn modelId="{C6601BFE-4E9B-45F6-8BE9-4580B36665A5}" type="presOf" srcId="{01D516EE-1BB8-4889-BDE8-4189AE0F91DB}" destId="{05D70A86-AA1F-460D-A692-CA9B1C4C3CB0}" srcOrd="0" destOrd="0" presId="urn:microsoft.com/office/officeart/2005/8/layout/chevron2"/>
+    <dgm:cxn modelId="{B81F62F2-1374-4223-8B92-B97AE926F38F}" type="presOf" srcId="{663F22C4-DCFC-45B2-9EAB-84C93778B998}" destId="{A74BF774-9F37-4D08-9726-7F148DB6C16C}" srcOrd="0" destOrd="0" presId="urn:microsoft.com/office/officeart/2005/8/layout/chevron2"/>
+    <dgm:cxn modelId="{EC6C545C-5DF1-406B-A432-56170CBA0371}" type="presOf" srcId="{999897B2-66EA-4EA1-901A-E89D8B7C76DB}" destId="{A74BF774-9F37-4D08-9726-7F148DB6C16C}" srcOrd="0" destOrd="2" presId="urn:microsoft.com/office/officeart/2005/8/layout/chevron2"/>
     <dgm:cxn modelId="{A0B9B871-E4A4-4DFB-9CB3-FED3B87D98E4}" type="presOf" srcId="{F508A6E5-360C-40F2-9A87-F831A020317E}" destId="{6CC34854-8500-410D-8C9B-723B45A4460C}" srcOrd="0" destOrd="0" presId="urn:microsoft.com/office/officeart/2005/8/layout/chevron2"/>
-    <dgm:cxn modelId="{5E861E35-99AC-453D-B6D6-224FD00834D3}" srcId="{01D516EE-1BB8-4889-BDE8-4189AE0F91DB}" destId="{999897B2-66EA-4EA1-901A-E89D8B7C76DB}" srcOrd="2" destOrd="0" parTransId="{C1DCC29C-B0DC-4B42-85D0-9D6947F1F000}" sibTransId="{0A98D6C7-EF3E-4BBD-918B-1B9DC6A1C62D}"/>
-    <dgm:cxn modelId="{BF504DDD-19AA-4094-AA58-0F2B9173519B}" srcId="{01D516EE-1BB8-4889-BDE8-4189AE0F91DB}" destId="{314FA8D4-D61E-447B-970A-0B6AEEA63A91}" srcOrd="3" destOrd="0" parTransId="{BF1ACEBA-7B58-4E58-B136-AAB92267A17A}" sibTransId="{94115D19-FD7C-487A-8B58-E3A48A4F92DF}"/>
-    <dgm:cxn modelId="{B81F62F2-1374-4223-8B92-B97AE926F38F}" type="presOf" srcId="{663F22C4-DCFC-45B2-9EAB-84C93778B998}" destId="{A74BF774-9F37-4D08-9726-7F148DB6C16C}" srcOrd="0" destOrd="0" presId="urn:microsoft.com/office/officeart/2005/8/layout/chevron2"/>
     <dgm:cxn modelId="{408F3D97-4A58-4BEE-B3FB-F91F72DC4F40}" srcId="{01D516EE-1BB8-4889-BDE8-4189AE0F91DB}" destId="{663F22C4-DCFC-45B2-9EAB-84C93778B998}" srcOrd="0" destOrd="0" parTransId="{70A38899-8244-40FD-99E5-3E6D66A038AE}" sibTransId="{E27F6C53-102B-48A6-91A6-AA3401473E5A}"/>
+    <dgm:cxn modelId="{4CB5BC61-37CC-4BC1-9E29-065E7A4BF8CA}" srcId="{142E5BCB-04D0-4ECA-84B7-81A97187AADD}" destId="{522E005E-61D4-4831-AEB0-91F109CE0738}" srcOrd="0" destOrd="0" parTransId="{C47F1193-663B-4446-BC7A-B14D840E8A68}" sibTransId="{DC3B2E10-8201-4A18-8D5E-73CFD09ABC2A}"/>
+    <dgm:cxn modelId="{1DCA1C69-0DB9-4AA1-A974-5E36D413556F}" type="presOf" srcId="{522E005E-61D4-4831-AEB0-91F109CE0738}" destId="{A96FF17D-0749-4A15-A3C2-2182E3C7482C}" srcOrd="0" destOrd="0" presId="urn:microsoft.com/office/officeart/2005/8/layout/chevron2"/>
+    <dgm:cxn modelId="{FD1DFD86-605E-48C2-9A50-39657DD1E14F}" srcId="{01D516EE-1BB8-4889-BDE8-4189AE0F91DB}" destId="{9C335344-AC81-4300-B15F-0AD09A9C5606}" srcOrd="1" destOrd="0" parTransId="{85C6402B-5ECA-4D78-9DB9-B2FC2A2866E1}" sibTransId="{F09B664E-AF4F-4396-99A9-BA3A79B6BF30}"/>
+    <dgm:cxn modelId="{974043A8-7383-4493-BFFC-A8782E62174B}" type="presOf" srcId="{142E5BCB-04D0-4ECA-84B7-81A97187AADD}" destId="{F69C8132-A733-45A8-A240-22B67AC1A5EB}" srcOrd="0" destOrd="0" presId="urn:microsoft.com/office/officeart/2005/8/layout/chevron2"/>
     <dgm:cxn modelId="{5D75B59A-387D-4060-BAC9-8A31963BDEA5}" type="presOf" srcId="{18642B92-FC5D-4370-B2C9-6B068556511A}" destId="{A74BF774-9F37-4D08-9726-7F148DB6C16C}" srcOrd="0" destOrd="4" presId="urn:microsoft.com/office/officeart/2005/8/layout/chevron2"/>
-    <dgm:cxn modelId="{BDB16C57-693E-4A60-B65F-53B63F5C8368}" srcId="{142E5BCB-04D0-4ECA-84B7-81A97187AADD}" destId="{637763A9-E1AB-4E5A-BA18-04AFD1BA25A4}" srcOrd="1" destOrd="0" parTransId="{E48ED7E3-F011-4C0B-BAF5-47D365433924}" sibTransId="{F72D22F6-67C7-48FB-8D85-770BEBC9B1F0}"/>
-    <dgm:cxn modelId="{4CB5BC61-37CC-4BC1-9E29-065E7A4BF8CA}" srcId="{142E5BCB-04D0-4ECA-84B7-81A97187AADD}" destId="{522E005E-61D4-4831-AEB0-91F109CE0738}" srcOrd="0" destOrd="0" parTransId="{C47F1193-663B-4446-BC7A-B14D840E8A68}" sibTransId="{DC3B2E10-8201-4A18-8D5E-73CFD09ABC2A}"/>
-    <dgm:cxn modelId="{6BE8E2F8-B72B-48A5-9EAE-35A5A5B834AE}" srcId="{01D516EE-1BB8-4889-BDE8-4189AE0F91DB}" destId="{18642B92-FC5D-4370-B2C9-6B068556511A}" srcOrd="4" destOrd="0" parTransId="{AAAA72F9-8259-4C91-87EF-C03BA83CD4BE}" sibTransId="{0614484B-7CFF-422E-B173-E94317F9E050}"/>
-    <dgm:cxn modelId="{C6601BFE-4E9B-45F6-8BE9-4580B36665A5}" type="presOf" srcId="{01D516EE-1BB8-4889-BDE8-4189AE0F91DB}" destId="{05D70A86-AA1F-460D-A692-CA9B1C4C3CB0}" srcOrd="0" destOrd="0" presId="urn:microsoft.com/office/officeart/2005/8/layout/chevron2"/>
-    <dgm:cxn modelId="{FD1DFD86-605E-48C2-9A50-39657DD1E14F}" srcId="{01D516EE-1BB8-4889-BDE8-4189AE0F91DB}" destId="{9C335344-AC81-4300-B15F-0AD09A9C5606}" srcOrd="1" destOrd="0" parTransId="{85C6402B-5ECA-4D78-9DB9-B2FC2A2866E1}" sibTransId="{F09B664E-AF4F-4396-99A9-BA3A79B6BF30}"/>
-    <dgm:cxn modelId="{85417694-BE57-46F7-BF0E-6891E45CB088}" srcId="{F508A6E5-360C-40F2-9A87-F831A020317E}" destId="{01D516EE-1BB8-4889-BDE8-4189AE0F91DB}" srcOrd="1" destOrd="0" parTransId="{3EDA7968-8804-4484-83FC-D49F196535D8}" sibTransId="{FFC35DCE-23BB-47FF-8CE8-276ADC67DA1F}"/>
-    <dgm:cxn modelId="{974043A8-7383-4493-BFFC-A8782E62174B}" type="presOf" srcId="{142E5BCB-04D0-4ECA-84B7-81A97187AADD}" destId="{F69C8132-A733-45A8-A240-22B67AC1A5EB}" srcOrd="0" destOrd="0" presId="urn:microsoft.com/office/officeart/2005/8/layout/chevron2"/>
-    <dgm:cxn modelId="{EC6C545C-5DF1-406B-A432-56170CBA0371}" type="presOf" srcId="{999897B2-66EA-4EA1-901A-E89D8B7C76DB}" destId="{A74BF774-9F37-4D08-9726-7F148DB6C16C}" srcOrd="0" destOrd="2" presId="urn:microsoft.com/office/officeart/2005/8/layout/chevron2"/>
-    <dgm:cxn modelId="{82900806-247F-41C4-957E-AE89C82C0D34}" type="presOf" srcId="{314FA8D4-D61E-447B-970A-0B6AEEA63A91}" destId="{A74BF774-9F37-4D08-9726-7F148DB6C16C}" srcOrd="0" destOrd="3" presId="urn:microsoft.com/office/officeart/2005/8/layout/chevron2"/>
     <dgm:cxn modelId="{D0C41162-77A1-4610-858A-4867D46232FC}" type="presOf" srcId="{9C335344-AC81-4300-B15F-0AD09A9C5606}" destId="{A74BF774-9F37-4D08-9726-7F148DB6C16C}" srcOrd="0" destOrd="1" presId="urn:microsoft.com/office/officeart/2005/8/layout/chevron2"/>
     <dgm:cxn modelId="{7A31CA61-D5EE-4BC9-9E54-FC16A53CD87E}" srcId="{F508A6E5-360C-40F2-9A87-F831A020317E}" destId="{142E5BCB-04D0-4ECA-84B7-81A97187AADD}" srcOrd="0" destOrd="0" parTransId="{02B026C1-75FA-4B24-8493-AF4BF4A2D360}" sibTransId="{52759D1C-33EC-43F1-A842-C9C321CB71E1}"/>
-    <dgm:cxn modelId="{8BF97C8A-F445-4232-B3D9-210066E75ED2}" type="presOf" srcId="{637763A9-E1AB-4E5A-BA18-04AFD1BA25A4}" destId="{A96FF17D-0749-4A15-A3C2-2182E3C7482C}" srcOrd="0" destOrd="1" presId="urn:microsoft.com/office/officeart/2005/8/layout/chevron2"/>
-    <dgm:cxn modelId="{1DCA1C69-0DB9-4AA1-A974-5E36D413556F}" type="presOf" srcId="{522E005E-61D4-4831-AEB0-91F109CE0738}" destId="{A96FF17D-0749-4A15-A3C2-2182E3C7482C}" srcOrd="0" destOrd="0" presId="urn:microsoft.com/office/officeart/2005/8/layout/chevron2"/>
+    <dgm:cxn modelId="{6BE8E2F8-B72B-48A5-9EAE-35A5A5B834AE}" srcId="{01D516EE-1BB8-4889-BDE8-4189AE0F91DB}" destId="{18642B92-FC5D-4370-B2C9-6B068556511A}" srcOrd="4" destOrd="0" parTransId="{AAAA72F9-8259-4C91-87EF-C03BA83CD4BE}" sibTransId="{0614484B-7CFF-422E-B173-E94317F9E050}"/>
+    <dgm:cxn modelId="{BF504DDD-19AA-4094-AA58-0F2B9173519B}" srcId="{01D516EE-1BB8-4889-BDE8-4189AE0F91DB}" destId="{314FA8D4-D61E-447B-970A-0B6AEEA63A91}" srcOrd="3" destOrd="0" parTransId="{BF1ACEBA-7B58-4E58-B136-AAB92267A17A}" sibTransId="{94115D19-FD7C-487A-8B58-E3A48A4F92DF}"/>
+    <dgm:cxn modelId="{85417694-BE57-46F7-BF0E-6891E45CB088}" srcId="{F508A6E5-360C-40F2-9A87-F831A020317E}" destId="{01D516EE-1BB8-4889-BDE8-4189AE0F91DB}" srcOrd="1" destOrd="0" parTransId="{3EDA7968-8804-4484-83FC-D49F196535D8}" sibTransId="{FFC35DCE-23BB-47FF-8CE8-276ADC67DA1F}"/>
+    <dgm:cxn modelId="{BDB16C57-693E-4A60-B65F-53B63F5C8368}" srcId="{142E5BCB-04D0-4ECA-84B7-81A97187AADD}" destId="{637763A9-E1AB-4E5A-BA18-04AFD1BA25A4}" srcOrd="1" destOrd="0" parTransId="{E48ED7E3-F011-4C0B-BAF5-47D365433924}" sibTransId="{F72D22F6-67C7-48FB-8D85-770BEBC9B1F0}"/>
     <dgm:cxn modelId="{15B5FAC2-151F-4F52-9CB6-40A35F198A53}" type="presParOf" srcId="{6CC34854-8500-410D-8C9B-723B45A4460C}" destId="{4B7F5AE3-66D0-4299-B267-F95D68686308}" srcOrd="0" destOrd="0" presId="urn:microsoft.com/office/officeart/2005/8/layout/chevron2"/>
     <dgm:cxn modelId="{229147E8-AC45-43B4-AEF4-524FC7C7BA98}" type="presParOf" srcId="{4B7F5AE3-66D0-4299-B267-F95D68686308}" destId="{F69C8132-A733-45A8-A240-22B67AC1A5EB}" srcOrd="0" destOrd="0" presId="urn:microsoft.com/office/officeart/2005/8/layout/chevron2"/>
     <dgm:cxn modelId="{E23DCCEF-5BB4-4CC7-862D-C7E956D43B4B}" type="presParOf" srcId="{4B7F5AE3-66D0-4299-B267-F95D68686308}" destId="{A96FF17D-0749-4A15-A3C2-2182E3C7482C}" srcOrd="1" destOrd="0" presId="urn:microsoft.com/office/officeart/2005/8/layout/chevron2"/>
@@ -12866,6 +13012,20 @@
               <a:spcPct val="35000"/>
             </a:spcAft>
           </a:pPr>
+          <a:endParaRPr lang="es-CO" sz="1800" b="1" kern="1200" dirty="0" smtClean="0"/>
+        </a:p>
+        <a:p>
+          <a:pPr lvl="0" algn="ctr" defTabSz="800100" rtl="0">
+            <a:lnSpc>
+              <a:spcPct val="90000"/>
+            </a:lnSpc>
+            <a:spcBef>
+              <a:spcPct val="0"/>
+            </a:spcBef>
+            <a:spcAft>
+              <a:spcPct val="35000"/>
+            </a:spcAft>
+          </a:pPr>
           <a:r>
             <a:rPr lang="es-CO" sz="1800" b="1" kern="1200" dirty="0" smtClean="0"/>
             <a:t>Consecuencias</a:t>
@@ -12885,8 +13045,8 @@
       </dsp:nvSpPr>
       <dsp:spPr>
         <a:xfrm rot="5400000">
-          <a:off x="4423689" y="-2408640"/>
-          <a:ext cx="1526638" cy="6356229"/>
+          <a:off x="4423288" y="-2408239"/>
+          <a:ext cx="1527440" cy="6356229"/>
         </a:xfrm>
         <a:prstGeom prst="round2SameRect">
           <a:avLst/>
@@ -12926,12 +13086,12 @@
         <a:fontRef idx="minor"/>
       </dsp:style>
       <dsp:txBody>
-        <a:bodyPr spcFirstLastPara="0" vert="horz" wrap="square" lIns="99568" tIns="8890" rIns="8890" bIns="8890" numCol="1" spcCol="1270" anchor="ctr" anchorCtr="0">
+        <a:bodyPr spcFirstLastPara="0" vert="horz" wrap="square" lIns="106680" tIns="9525" rIns="9525" bIns="9525" numCol="1" spcCol="1270" anchor="ctr" anchorCtr="0">
           <a:noAutofit/>
         </a:bodyPr>
         <a:lstStyle/>
         <a:p>
-          <a:pPr marL="114300" lvl="1" indent="-114300" algn="l" defTabSz="622300" rtl="0">
+          <a:pPr marL="114300" lvl="1" indent="-114300" algn="l" defTabSz="666750" rtl="0">
             <a:lnSpc>
               <a:spcPct val="90000"/>
             </a:lnSpc>
@@ -12943,12 +13103,54 @@
             </a:spcAft>
             <a:buChar char="••"/>
           </a:pPr>
-          <a:endParaRPr lang="es-CO" sz="1400" kern="1200" dirty="0"/>
+          <a:r>
+            <a:rPr lang="es-CO" sz="1500" b="1" kern="1200" dirty="0" smtClean="0"/>
+            <a:t>Los falta de integridad en los productos desarrollados</a:t>
+          </a:r>
+          <a:endParaRPr lang="es-CO" sz="1500" b="1" kern="1200" dirty="0"/>
+        </a:p>
+        <a:p>
+          <a:pPr marL="114300" lvl="1" indent="-114300" algn="l" defTabSz="666750" rtl="0">
+            <a:lnSpc>
+              <a:spcPct val="90000"/>
+            </a:lnSpc>
+            <a:spcBef>
+              <a:spcPct val="0"/>
+            </a:spcBef>
+            <a:spcAft>
+              <a:spcPct val="15000"/>
+            </a:spcAft>
+            <a:buChar char="••"/>
+          </a:pPr>
+          <a:r>
+            <a:rPr lang="es-CO" sz="1500" b="1" kern="1200" dirty="0" smtClean="0"/>
+            <a:t>Falta de control en el estado de las versiones y sus cambios</a:t>
+          </a:r>
+          <a:endParaRPr lang="es-CO" sz="1500" b="1" kern="1200" dirty="0"/>
+        </a:p>
+        <a:p>
+          <a:pPr marL="114300" lvl="1" indent="-114300" algn="l" defTabSz="666750" rtl="0">
+            <a:lnSpc>
+              <a:spcPct val="90000"/>
+            </a:lnSpc>
+            <a:spcBef>
+              <a:spcPct val="0"/>
+            </a:spcBef>
+            <a:spcAft>
+              <a:spcPct val="15000"/>
+            </a:spcAft>
+            <a:buChar char="••"/>
+          </a:pPr>
+          <a:r>
+            <a:rPr lang="es-CO" sz="1500" b="1" kern="1200" dirty="0" smtClean="0"/>
+            <a:t>Dificultad en integración de las diferentes partes </a:t>
+          </a:r>
+          <a:endParaRPr lang="es-CO" sz="1500" b="1" kern="1200" dirty="0"/>
         </a:p>
       </dsp:txBody>
       <dsp:txXfrm rot="5400000">
-        <a:off x="4423689" y="-2408640"/>
-        <a:ext cx="1526638" cy="6356229"/>
+        <a:off x="4423288" y="-2408239"/>
+        <a:ext cx="1527440" cy="6356229"/>
       </dsp:txXfrm>
     </dsp:sp>
     <dsp:sp modelId="{27EF10BC-A202-491A-96C2-62B99C9944E4}">
@@ -13004,6 +13206,20 @@
           <a:noAutofit/>
         </a:bodyPr>
         <a:lstStyle/>
+        <a:p>
+          <a:pPr lvl="0" algn="ctr" defTabSz="800100" rtl="0">
+            <a:lnSpc>
+              <a:spcPct val="90000"/>
+            </a:lnSpc>
+            <a:spcBef>
+              <a:spcPct val="0"/>
+            </a:spcBef>
+            <a:spcAft>
+              <a:spcPct val="35000"/>
+            </a:spcAft>
+          </a:pPr>
+          <a:endParaRPr lang="es-CO" sz="1800" b="1" kern="1200" dirty="0" smtClean="0"/>
+        </a:p>
         <a:p>
           <a:pPr lvl="0" algn="ctr" defTabSz="800100" rtl="0">
             <a:lnSpc>
@@ -13076,12 +13292,12 @@
         <a:fontRef idx="minor"/>
       </dsp:style>
       <dsp:txBody>
-        <a:bodyPr spcFirstLastPara="0" vert="horz" wrap="square" lIns="99568" tIns="8890" rIns="8890" bIns="8890" numCol="1" spcCol="1270" anchor="ctr" anchorCtr="0">
+        <a:bodyPr spcFirstLastPara="0" vert="horz" wrap="square" lIns="106680" tIns="9525" rIns="9525" bIns="9525" numCol="1" spcCol="1270" anchor="ctr" anchorCtr="0">
           <a:noAutofit/>
         </a:bodyPr>
         <a:lstStyle/>
         <a:p>
-          <a:pPr marL="114300" lvl="1" indent="-114300" algn="l" defTabSz="622300" rtl="0">
+          <a:pPr marL="114300" lvl="1" indent="-114300" algn="l" defTabSz="666750" rtl="0">
             <a:lnSpc>
               <a:spcPct val="90000"/>
             </a:lnSpc>
@@ -13093,7 +13309,30 @@
             </a:spcAft>
             <a:buChar char="••"/>
           </a:pPr>
-          <a:endParaRPr lang="es-CO" sz="1400" b="1" kern="1200" dirty="0"/>
+          <a:r>
+            <a:rPr lang="es-CO" sz="1500" b="1" kern="1200" dirty="0" smtClean="0"/>
+            <a:t>Establecer políticas para el establecimiento y seguimiento del proceso durante los proyectos</a:t>
+          </a:r>
+          <a:endParaRPr lang="es-CO" sz="1500" b="1" kern="1200" dirty="0"/>
+        </a:p>
+        <a:p>
+          <a:pPr marL="114300" lvl="1" indent="-114300" algn="l" defTabSz="666750" rtl="0">
+            <a:lnSpc>
+              <a:spcPct val="90000"/>
+            </a:lnSpc>
+            <a:spcBef>
+              <a:spcPct val="0"/>
+            </a:spcBef>
+            <a:spcAft>
+              <a:spcPct val="15000"/>
+            </a:spcAft>
+            <a:buChar char="••"/>
+          </a:pPr>
+          <a:r>
+            <a:rPr lang="es-CO" sz="1500" b="1" kern="1200" dirty="0" smtClean="0"/>
+            <a:t>Implementar sistemas para la gestión de la configuración</a:t>
+          </a:r>
+          <a:endParaRPr lang="es-CO" sz="1500" b="1" kern="1200" dirty="0"/>
         </a:p>
       </dsp:txBody>
       <dsp:txXfrm rot="5400000">
@@ -15228,6 +15467,20 @@
               <a:spcPct val="35000"/>
             </a:spcAft>
           </a:pPr>
+          <a:endParaRPr lang="es-CO" sz="1800" b="1" kern="1200" dirty="0" smtClean="0"/>
+        </a:p>
+        <a:p>
+          <a:pPr lvl="0" algn="ctr" defTabSz="800100" rtl="0">
+            <a:lnSpc>
+              <a:spcPct val="90000"/>
+            </a:lnSpc>
+            <a:spcBef>
+              <a:spcPct val="0"/>
+            </a:spcBef>
+            <a:spcAft>
+              <a:spcPct val="35000"/>
+            </a:spcAft>
+          </a:pPr>
           <a:r>
             <a:rPr lang="es-CO" sz="1800" b="1" kern="1200" dirty="0" smtClean="0"/>
             <a:t>Fortalezas</a:t>
@@ -15247,8 +15500,8 @@
       </dsp:nvSpPr>
       <dsp:spPr>
         <a:xfrm rot="5400000">
-          <a:off x="4336205" y="-2342122"/>
-          <a:ext cx="1555534" cy="6246941"/>
+          <a:off x="4335796" y="-2341713"/>
+          <a:ext cx="1556352" cy="6246941"/>
         </a:xfrm>
         <a:prstGeom prst="round2SameRect">
           <a:avLst/>
@@ -15288,12 +15541,12 @@
         <a:fontRef idx="minor"/>
       </dsp:style>
       <dsp:txBody>
-        <a:bodyPr spcFirstLastPara="0" vert="horz" wrap="square" lIns="99568" tIns="8890" rIns="8890" bIns="8890" numCol="1" spcCol="1270" anchor="ctr" anchorCtr="0">
+        <a:bodyPr spcFirstLastPara="0" vert="horz" wrap="square" lIns="106680" tIns="9525" rIns="9525" bIns="9525" numCol="1" spcCol="1270" anchor="ctr" anchorCtr="0">
           <a:noAutofit/>
         </a:bodyPr>
         <a:lstStyle/>
         <a:p>
-          <a:pPr marL="114300" lvl="1" indent="-114300" algn="l" defTabSz="622300" rtl="0">
+          <a:pPr marL="114300" lvl="1" indent="-114300" algn="l" defTabSz="666750" rtl="0">
             <a:lnSpc>
               <a:spcPct val="90000"/>
             </a:lnSpc>
@@ -15306,13 +15559,13 @@
             <a:buChar char="••"/>
           </a:pPr>
           <a:r>
-            <a:rPr lang="es-CO" sz="1400" b="1" kern="1200" dirty="0" smtClean="0"/>
+            <a:rPr lang="es-CO" sz="1500" b="1" kern="1200" dirty="0" smtClean="0"/>
             <a:t>Definición de los procesos ISO 9001</a:t>
           </a:r>
-          <a:endParaRPr lang="es-CO" sz="1400" b="1" kern="1200" dirty="0"/>
+          <a:endParaRPr lang="es-CO" sz="1500" b="1" kern="1200" dirty="0"/>
         </a:p>
         <a:p>
-          <a:pPr marL="114300" lvl="1" indent="-114300" algn="l" defTabSz="622300" rtl="0">
+          <a:pPr marL="114300" lvl="1" indent="-114300" algn="l" defTabSz="666750" rtl="0">
             <a:lnSpc>
               <a:spcPct val="90000"/>
             </a:lnSpc>
@@ -15325,13 +15578,13 @@
             <a:buChar char="••"/>
           </a:pPr>
           <a:r>
-            <a:rPr lang="es-CO" sz="1400" b="1" kern="1200" dirty="0" smtClean="0"/>
+            <a:rPr lang="es-CO" sz="1500" b="1" kern="1200" dirty="0" smtClean="0"/>
             <a:t>Se tiene definidos los responsables y roles dentro del proceso</a:t>
           </a:r>
-          <a:endParaRPr lang="es-CO" sz="1400" b="1" kern="1200" dirty="0"/>
+          <a:endParaRPr lang="es-CO" sz="1500" b="1" kern="1200" dirty="0"/>
         </a:p>
         <a:p>
-          <a:pPr marL="114300" lvl="1" indent="-114300" algn="l" defTabSz="622300" rtl="0">
+          <a:pPr marL="114300" lvl="1" indent="-114300" algn="l" defTabSz="666750" rtl="0">
             <a:lnSpc>
               <a:spcPct val="90000"/>
             </a:lnSpc>
@@ -15344,15 +15597,15 @@
             <a:buChar char="••"/>
           </a:pPr>
           <a:r>
-            <a:rPr lang="es-CO" sz="1400" b="1" kern="1200" dirty="0" smtClean="0"/>
+            <a:rPr lang="es-CO" sz="1500" b="1" kern="1200" dirty="0" smtClean="0"/>
             <a:t>Hay identificación clara de los actores importantes para el proceso</a:t>
           </a:r>
-          <a:endParaRPr lang="es-CO" sz="1400" b="1" kern="1200" dirty="0"/>
+          <a:endParaRPr lang="es-CO" sz="1500" b="1" kern="1200" dirty="0"/>
         </a:p>
       </dsp:txBody>
       <dsp:txXfrm rot="5400000">
-        <a:off x="4336205" y="-2342122"/>
-        <a:ext cx="1555534" cy="6246941"/>
+        <a:off x="4335796" y="-2341713"/>
+        <a:ext cx="1556352" cy="6246941"/>
       </dsp:txXfrm>
     </dsp:sp>
     <dsp:sp modelId="{05D70A86-AA1F-460D-A692-CA9B1C4C3CB0}">
@@ -15420,6 +15673,20 @@
               <a:spcPct val="35000"/>
             </a:spcAft>
           </a:pPr>
+          <a:endParaRPr lang="es-CO" sz="1800" b="1" kern="1200" dirty="0" smtClean="0"/>
+        </a:p>
+        <a:p>
+          <a:pPr lvl="0" algn="ctr" defTabSz="800100" rtl="0">
+            <a:lnSpc>
+              <a:spcPct val="90000"/>
+            </a:lnSpc>
+            <a:spcBef>
+              <a:spcPct val="0"/>
+            </a:spcBef>
+            <a:spcAft>
+              <a:spcPct val="35000"/>
+            </a:spcAft>
+          </a:pPr>
           <a:r>
             <a:rPr lang="es-CO" sz="1800" b="1" kern="1200" dirty="0" smtClean="0"/>
             <a:t>Oportunidades de Mejoramiento </a:t>
@@ -15439,8 +15706,8 @@
       </dsp:nvSpPr>
       <dsp:spPr>
         <a:xfrm rot="5400000">
-          <a:off x="4336684" y="-221546"/>
-          <a:ext cx="1556352" cy="6224262"/>
+          <a:off x="4337093" y="-221955"/>
+          <a:ext cx="1555534" cy="6224262"/>
         </a:xfrm>
         <a:prstGeom prst="round2SameRect">
           <a:avLst/>
@@ -15480,12 +15747,12 @@
         <a:fontRef idx="minor"/>
       </dsp:style>
       <dsp:txBody>
-        <a:bodyPr spcFirstLastPara="0" vert="horz" wrap="square" lIns="99568" tIns="8890" rIns="8890" bIns="8890" numCol="1" spcCol="1270" anchor="ctr" anchorCtr="0">
+        <a:bodyPr spcFirstLastPara="0" vert="horz" wrap="square" lIns="106680" tIns="9525" rIns="9525" bIns="9525" numCol="1" spcCol="1270" anchor="ctr" anchorCtr="0">
           <a:noAutofit/>
         </a:bodyPr>
         <a:lstStyle/>
         <a:p>
-          <a:pPr marL="114300" lvl="1" indent="-114300" algn="l" defTabSz="622300" rtl="0">
+          <a:pPr marL="114300" lvl="1" indent="-114300" algn="l" defTabSz="666750" rtl="0">
             <a:lnSpc>
               <a:spcPct val="90000"/>
             </a:lnSpc>
@@ -15498,13 +15765,13 @@
             <a:buChar char="••"/>
           </a:pPr>
           <a:r>
-            <a:rPr lang="es-CO" sz="1400" b="1" kern="1200" dirty="0" smtClean="0"/>
+            <a:rPr lang="es-CO" sz="1500" b="1" kern="1200" dirty="0" smtClean="0"/>
             <a:t>Los requerimientos no han sido documentados formalmente y validados con el cliente</a:t>
           </a:r>
-          <a:endParaRPr lang="es-CO" sz="1400" b="1" kern="1200" dirty="0"/>
+          <a:endParaRPr lang="es-CO" sz="1500" b="1" kern="1200" dirty="0"/>
         </a:p>
         <a:p>
-          <a:pPr marL="114300" lvl="1" indent="-114300" algn="l" defTabSz="622300" rtl="0">
+          <a:pPr marL="114300" lvl="1" indent="-114300" algn="l" defTabSz="666750" rtl="0">
             <a:lnSpc>
               <a:spcPct val="90000"/>
             </a:lnSpc>
@@ -15517,13 +15784,13 @@
             <a:buChar char="••"/>
           </a:pPr>
           <a:r>
-            <a:rPr lang="es-CO" sz="1400" b="1" kern="1200" dirty="0" smtClean="0"/>
+            <a:rPr lang="es-CO" sz="1500" b="1" kern="1200" dirty="0" smtClean="0"/>
             <a:t>Evaluación y análisis del impacto en cambio de requerimientos</a:t>
           </a:r>
-          <a:endParaRPr lang="es-CO" sz="1400" b="1" kern="1200" dirty="0"/>
+          <a:endParaRPr lang="es-CO" sz="1500" b="1" kern="1200" dirty="0"/>
         </a:p>
         <a:p>
-          <a:pPr marL="114300" lvl="1" indent="-114300" algn="l" defTabSz="622300" rtl="0">
+          <a:pPr marL="114300" lvl="1" indent="-114300" algn="l" defTabSz="666750" rtl="0">
             <a:lnSpc>
               <a:spcPct val="90000"/>
             </a:lnSpc>
@@ -15536,21 +15803,21 @@
             <a:buChar char="••"/>
           </a:pPr>
           <a:r>
-            <a:rPr lang="es-CO" sz="1400" b="1" kern="1200" dirty="0" smtClean="0"/>
+            <a:rPr lang="es-CO" sz="1500" b="1" kern="1200" dirty="0" smtClean="0"/>
             <a:t>Mantener trazabilidad </a:t>
           </a:r>
           <a:r>
-            <a:rPr lang="es-CO" sz="1400" b="1" kern="1200" dirty="0" err="1" smtClean="0"/>
+            <a:rPr lang="es-CO" sz="1500" b="1" kern="1200" dirty="0" err="1" smtClean="0"/>
             <a:t>bi</a:t>
           </a:r>
           <a:r>
-            <a:rPr lang="es-CO" sz="1400" b="1" kern="1200" dirty="0" smtClean="0"/>
+            <a:rPr lang="es-CO" sz="1500" b="1" kern="1200" dirty="0" smtClean="0"/>
             <a:t>-direccional de los requerimientos</a:t>
           </a:r>
-          <a:endParaRPr lang="es-CO" sz="1400" b="1" kern="1200" dirty="0"/>
+          <a:endParaRPr lang="es-CO" sz="1500" b="1" kern="1200" dirty="0"/>
         </a:p>
         <a:p>
-          <a:pPr marL="114300" lvl="1" indent="-114300" algn="l" defTabSz="622300" rtl="0">
+          <a:pPr marL="114300" lvl="1" indent="-114300" algn="l" defTabSz="666750" rtl="0">
             <a:lnSpc>
               <a:spcPct val="90000"/>
             </a:lnSpc>
@@ -15563,13 +15830,13 @@
             <a:buChar char="••"/>
           </a:pPr>
           <a:r>
-            <a:rPr lang="es-CO" sz="1400" b="1" kern="1200" dirty="0" smtClean="0"/>
+            <a:rPr lang="es-CO" sz="1500" b="1" kern="1200" dirty="0" smtClean="0"/>
             <a:t>Control y seguimiento de progreso en requerimientos</a:t>
           </a:r>
-          <a:endParaRPr lang="es-CO" sz="1400" b="1" kern="1200" dirty="0"/>
+          <a:endParaRPr lang="es-CO" sz="1500" b="1" kern="1200" dirty="0"/>
         </a:p>
         <a:p>
-          <a:pPr marL="114300" lvl="1" indent="-114300" algn="l" defTabSz="622300" rtl="0">
+          <a:pPr marL="114300" lvl="1" indent="-114300" algn="l" defTabSz="666750" rtl="0">
             <a:lnSpc>
               <a:spcPct val="90000"/>
             </a:lnSpc>
@@ -15582,15 +15849,15 @@
             <a:buChar char="••"/>
           </a:pPr>
           <a:r>
-            <a:rPr lang="es-CO" sz="1400" b="1" kern="1200" dirty="0" smtClean="0"/>
+            <a:rPr lang="es-CO" sz="1500" b="1" kern="1200" dirty="0" smtClean="0"/>
             <a:t>Establecimiento de una política para la administración de requerimientos</a:t>
           </a:r>
-          <a:endParaRPr lang="es-CO" sz="1400" b="1" kern="1200" dirty="0"/>
+          <a:endParaRPr lang="es-CO" sz="1500" b="1" kern="1200" dirty="0"/>
         </a:p>
       </dsp:txBody>
       <dsp:txXfrm rot="5400000">
-        <a:off x="4336684" y="-221546"/>
-        <a:ext cx="1556352" cy="6224262"/>
+        <a:off x="4337093" y="-221955"/>
+        <a:ext cx="1555534" cy="6224262"/>
       </dsp:txXfrm>
     </dsp:sp>
   </dsp:spTree>
@@ -15670,6 +15937,20 @@
               <a:spcPct val="35000"/>
             </a:spcAft>
           </a:pPr>
+          <a:endParaRPr lang="es-CO" sz="1800" b="1" kern="1200" dirty="0" smtClean="0"/>
+        </a:p>
+        <a:p>
+          <a:pPr lvl="0" algn="ctr" defTabSz="800100" rtl="0">
+            <a:lnSpc>
+              <a:spcPct val="90000"/>
+            </a:lnSpc>
+            <a:spcBef>
+              <a:spcPct val="0"/>
+            </a:spcBef>
+            <a:spcAft>
+              <a:spcPct val="35000"/>
+            </a:spcAft>
+          </a:pPr>
           <a:r>
             <a:rPr lang="es-CO" sz="1800" b="1" kern="1200" dirty="0" smtClean="0"/>
             <a:t>Consecuencias</a:t>
@@ -15689,8 +15970,8 @@
       </dsp:nvSpPr>
       <dsp:spPr>
         <a:xfrm rot="5400000">
-          <a:off x="4423689" y="-2408640"/>
-          <a:ext cx="1526638" cy="6356229"/>
+          <a:off x="4423288" y="-2408239"/>
+          <a:ext cx="1527440" cy="6356229"/>
         </a:xfrm>
         <a:prstGeom prst="round2SameRect">
           <a:avLst/>
@@ -15730,12 +16011,12 @@
         <a:fontRef idx="minor"/>
       </dsp:style>
       <dsp:txBody>
-        <a:bodyPr spcFirstLastPara="0" vert="horz" wrap="square" lIns="99568" tIns="8890" rIns="8890" bIns="8890" numCol="1" spcCol="1270" anchor="ctr" anchorCtr="0">
+        <a:bodyPr spcFirstLastPara="0" vert="horz" wrap="square" lIns="106680" tIns="9525" rIns="9525" bIns="9525" numCol="1" spcCol="1270" anchor="ctr" anchorCtr="0">
           <a:noAutofit/>
         </a:bodyPr>
         <a:lstStyle/>
         <a:p>
-          <a:pPr marL="114300" lvl="1" indent="-114300" algn="l" defTabSz="622300" rtl="0">
+          <a:pPr marL="114300" lvl="1" indent="-114300" algn="l" defTabSz="666750" rtl="0">
             <a:lnSpc>
               <a:spcPct val="90000"/>
             </a:lnSpc>
@@ -15748,13 +16029,13 @@
             <a:buChar char="••"/>
           </a:pPr>
           <a:r>
-            <a:rPr lang="es-CO" sz="1400" b="1" kern="1200" dirty="0" smtClean="0"/>
+            <a:rPr lang="es-CO" sz="1500" b="1" kern="1200" dirty="0" smtClean="0"/>
             <a:t>Generación de re trabajo por falta de definición clara de requerimientos</a:t>
           </a:r>
-          <a:endParaRPr lang="es-CO" sz="1400" kern="1200" dirty="0"/>
+          <a:endParaRPr lang="es-CO" sz="1500" kern="1200" dirty="0"/>
         </a:p>
         <a:p>
-          <a:pPr marL="114300" lvl="1" indent="-114300" algn="l" defTabSz="622300" rtl="0">
+          <a:pPr marL="114300" lvl="1" indent="-114300" algn="l" defTabSz="666750" rtl="0">
             <a:lnSpc>
               <a:spcPct val="90000"/>
             </a:lnSpc>
@@ -15767,13 +16048,13 @@
             <a:buChar char="••"/>
           </a:pPr>
           <a:r>
-            <a:rPr lang="es-CO" sz="1400" b="1" kern="1200" dirty="0" smtClean="0"/>
+            <a:rPr lang="es-CO" sz="1500" b="1" kern="1200" dirty="0" smtClean="0"/>
             <a:t>Incrementos en el tiempo empleado vs tiempo real</a:t>
           </a:r>
-          <a:endParaRPr lang="es-CO" sz="1400" kern="1200" dirty="0"/>
+          <a:endParaRPr lang="es-CO" sz="1500" kern="1200" dirty="0"/>
         </a:p>
         <a:p>
-          <a:pPr marL="114300" lvl="1" indent="-114300" algn="l" defTabSz="622300" rtl="0">
+          <a:pPr marL="114300" lvl="1" indent="-114300" algn="l" defTabSz="666750" rtl="0">
             <a:lnSpc>
               <a:spcPct val="90000"/>
             </a:lnSpc>
@@ -15786,13 +16067,13 @@
             <a:buChar char="••"/>
           </a:pPr>
           <a:r>
-            <a:rPr lang="es-CO" sz="1400" b="1" kern="1200" dirty="0" smtClean="0"/>
+            <a:rPr lang="es-CO" sz="1500" b="1" kern="1200" dirty="0" smtClean="0"/>
             <a:t>Inconsistencias entre lo requerido y lo desarrollado</a:t>
           </a:r>
-          <a:endParaRPr lang="es-CO" sz="1400" b="1" kern="1200" dirty="0"/>
+          <a:endParaRPr lang="es-CO" sz="1500" b="1" kern="1200" dirty="0"/>
         </a:p>
         <a:p>
-          <a:pPr marL="114300" lvl="1" indent="-114300" algn="l" defTabSz="622300" rtl="0">
+          <a:pPr marL="114300" lvl="1" indent="-114300" algn="l" defTabSz="666750" rtl="0">
             <a:lnSpc>
               <a:spcPct val="90000"/>
             </a:lnSpc>
@@ -15805,15 +16086,15 @@
             <a:buChar char="••"/>
           </a:pPr>
           <a:r>
-            <a:rPr lang="es-CO" sz="1400" b="1" kern="1200" dirty="0" smtClean="0"/>
+            <a:rPr lang="es-CO" sz="1500" b="1" kern="1200" dirty="0" smtClean="0"/>
             <a:t>Cambios parte del cliente de forma indiscriminada</a:t>
           </a:r>
-          <a:endParaRPr lang="es-CO" sz="1400" b="1" kern="1200" dirty="0"/>
+          <a:endParaRPr lang="es-CO" sz="1500" b="1" kern="1200" dirty="0"/>
         </a:p>
       </dsp:txBody>
       <dsp:txXfrm rot="5400000">
-        <a:off x="4423689" y="-2408640"/>
-        <a:ext cx="1526638" cy="6356229"/>
+        <a:off x="4423288" y="-2408239"/>
+        <a:ext cx="1527440" cy="6356229"/>
       </dsp:txXfrm>
     </dsp:sp>
     <dsp:sp modelId="{27EF10BC-A202-491A-96C2-62B99C9944E4}">
@@ -15869,6 +16150,20 @@
           <a:noAutofit/>
         </a:bodyPr>
         <a:lstStyle/>
+        <a:p>
+          <a:pPr lvl="0" algn="ctr" defTabSz="800100" rtl="0">
+            <a:lnSpc>
+              <a:spcPct val="90000"/>
+            </a:lnSpc>
+            <a:spcBef>
+              <a:spcPct val="0"/>
+            </a:spcBef>
+            <a:spcAft>
+              <a:spcPct val="35000"/>
+            </a:spcAft>
+          </a:pPr>
+          <a:endParaRPr lang="es-CO" sz="1800" b="1" kern="1200" dirty="0" smtClean="0"/>
+        </a:p>
         <a:p>
           <a:pPr lvl="0" algn="ctr" defTabSz="800100" rtl="0">
             <a:lnSpc>
@@ -15941,12 +16236,12 @@
         <a:fontRef idx="minor"/>
       </dsp:style>
       <dsp:txBody>
-        <a:bodyPr spcFirstLastPara="0" vert="horz" wrap="square" lIns="99568" tIns="8890" rIns="8890" bIns="8890" numCol="1" spcCol="1270" anchor="ctr" anchorCtr="0">
+        <a:bodyPr spcFirstLastPara="0" vert="horz" wrap="square" lIns="106680" tIns="9525" rIns="9525" bIns="9525" numCol="1" spcCol="1270" anchor="ctr" anchorCtr="0">
           <a:noAutofit/>
         </a:bodyPr>
         <a:lstStyle/>
         <a:p>
-          <a:pPr marL="114300" lvl="1" indent="-114300" algn="l" defTabSz="622300" rtl="0">
+          <a:pPr marL="114300" lvl="1" indent="-114300" algn="l" defTabSz="666750" rtl="0">
             <a:lnSpc>
               <a:spcPct val="90000"/>
             </a:lnSpc>
@@ -15959,13 +16254,13 @@
             <a:buChar char="••"/>
           </a:pPr>
           <a:r>
-            <a:rPr lang="es-CO" sz="1400" b="1" kern="1200" dirty="0" smtClean="0"/>
+            <a:rPr lang="es-CO" sz="1500" b="1" kern="1200" dirty="0" smtClean="0"/>
             <a:t>Definir documentación formal y actas en la definición de los requerimientos</a:t>
           </a:r>
-          <a:endParaRPr lang="es-CO" sz="1400" b="1" kern="1200" dirty="0"/>
+          <a:endParaRPr lang="es-CO" sz="1500" b="1" kern="1200" dirty="0"/>
         </a:p>
         <a:p>
-          <a:pPr marL="114300" lvl="1" indent="-114300" algn="l" defTabSz="622300" rtl="0">
+          <a:pPr marL="114300" lvl="1" indent="-114300" algn="l" defTabSz="666750" rtl="0">
             <a:lnSpc>
               <a:spcPct val="90000"/>
             </a:lnSpc>
@@ -15978,13 +16273,13 @@
             <a:buChar char="••"/>
           </a:pPr>
           <a:r>
-            <a:rPr lang="es-CO" sz="1400" b="1" kern="1200" dirty="0" smtClean="0"/>
+            <a:rPr lang="es-CO" sz="1500" b="1" kern="1200" dirty="0" smtClean="0"/>
             <a:t>Establecer conductos regulares para las solicitudes de cambios en requerimientos</a:t>
           </a:r>
-          <a:endParaRPr lang="es-CO" sz="1400" b="1" kern="1200" dirty="0"/>
+          <a:endParaRPr lang="es-CO" sz="1500" b="1" kern="1200" dirty="0"/>
         </a:p>
         <a:p>
-          <a:pPr marL="114300" lvl="1" indent="-114300" algn="l" defTabSz="622300" rtl="0">
+          <a:pPr marL="114300" lvl="1" indent="-114300" algn="l" defTabSz="666750" rtl="0">
             <a:lnSpc>
               <a:spcPct val="90000"/>
             </a:lnSpc>
@@ -15997,10 +16292,10 @@
             <a:buChar char="••"/>
           </a:pPr>
           <a:r>
-            <a:rPr lang="es-CO" sz="1400" b="1" kern="1200" dirty="0" smtClean="0"/>
+            <a:rPr lang="es-CO" sz="1500" b="1" kern="1200" dirty="0" smtClean="0"/>
             <a:t>Incluir actividades de análisis y evaluación de impacto en las solicitudes de cambio en requerimientos</a:t>
           </a:r>
-          <a:endParaRPr lang="es-CO" sz="1400" b="1" kern="1200" dirty="0"/>
+          <a:endParaRPr lang="es-CO" sz="1500" b="1" kern="1200" dirty="0"/>
         </a:p>
       </dsp:txBody>
       <dsp:txXfrm rot="5400000">
@@ -16085,6 +16380,20 @@
               <a:spcPct val="35000"/>
             </a:spcAft>
           </a:pPr>
+          <a:endParaRPr lang="es-CO" sz="1800" b="1" kern="1200" dirty="0" smtClean="0"/>
+        </a:p>
+        <a:p>
+          <a:pPr lvl="0" algn="ctr" defTabSz="800100" rtl="0">
+            <a:lnSpc>
+              <a:spcPct val="90000"/>
+            </a:lnSpc>
+            <a:spcBef>
+              <a:spcPct val="0"/>
+            </a:spcBef>
+            <a:spcAft>
+              <a:spcPct val="35000"/>
+            </a:spcAft>
+          </a:pPr>
           <a:r>
             <a:rPr lang="es-CO" sz="1800" b="1" kern="1200" dirty="0" smtClean="0"/>
             <a:t>Fortalezas</a:t>
@@ -16104,8 +16413,8 @@
       </dsp:nvSpPr>
       <dsp:spPr>
         <a:xfrm rot="5400000">
-          <a:off x="4336205" y="-2342122"/>
-          <a:ext cx="1555534" cy="6246941"/>
+          <a:off x="4335796" y="-2341713"/>
+          <a:ext cx="1556352" cy="6246941"/>
         </a:xfrm>
         <a:prstGeom prst="round2SameRect">
           <a:avLst/>
@@ -16145,12 +16454,12 @@
         <a:fontRef idx="minor"/>
       </dsp:style>
       <dsp:txBody>
-        <a:bodyPr spcFirstLastPara="0" vert="horz" wrap="square" lIns="99568" tIns="8890" rIns="8890" bIns="8890" numCol="1" spcCol="1270" anchor="ctr" anchorCtr="0">
+        <a:bodyPr spcFirstLastPara="0" vert="horz" wrap="square" lIns="106680" tIns="9525" rIns="9525" bIns="9525" numCol="1" spcCol="1270" anchor="ctr" anchorCtr="0">
           <a:noAutofit/>
         </a:bodyPr>
         <a:lstStyle/>
         <a:p>
-          <a:pPr marL="114300" lvl="1" indent="-114300" algn="l" defTabSz="622300" rtl="0">
+          <a:pPr marL="114300" lvl="1" indent="-114300" algn="l" defTabSz="666750" rtl="0">
             <a:lnSpc>
               <a:spcPct val="90000"/>
             </a:lnSpc>
@@ -16163,13 +16472,13 @@
             <a:buChar char="••"/>
           </a:pPr>
           <a:r>
-            <a:rPr lang="es-CO" sz="1400" b="1" kern="1200" dirty="0" smtClean="0"/>
+            <a:rPr lang="es-CO" sz="1500" b="1" kern="1200" dirty="0" smtClean="0"/>
             <a:t>Los proyectos cuentan con un repositorio central para gestionar la configuración</a:t>
           </a:r>
-          <a:endParaRPr lang="es-CO" sz="1400" b="1" kern="1200" dirty="0"/>
+          <a:endParaRPr lang="es-CO" sz="1500" b="1" kern="1200" dirty="0"/>
         </a:p>
         <a:p>
-          <a:pPr marL="114300" lvl="1" indent="-114300" algn="l" defTabSz="622300" rtl="0">
+          <a:pPr marL="114300" lvl="1" indent="-114300" algn="l" defTabSz="666750" rtl="0">
             <a:lnSpc>
               <a:spcPct val="90000"/>
             </a:lnSpc>
@@ -16182,15 +16491,15 @@
             <a:buChar char="••"/>
           </a:pPr>
           <a:r>
-            <a:rPr lang="es-CO" sz="1400" b="1" kern="1200" dirty="0" smtClean="0"/>
+            <a:rPr lang="es-CO" sz="1500" b="1" kern="1200" dirty="0" smtClean="0"/>
             <a:t>Algunos proyectos cuentan con definición de responsabilidades y actores del proceso</a:t>
           </a:r>
-          <a:endParaRPr lang="es-CO" sz="1400" b="1" kern="1200" dirty="0"/>
+          <a:endParaRPr lang="es-CO" sz="1500" b="1" kern="1200" dirty="0"/>
         </a:p>
       </dsp:txBody>
       <dsp:txXfrm rot="5400000">
-        <a:off x="4336205" y="-2342122"/>
-        <a:ext cx="1555534" cy="6246941"/>
+        <a:off x="4335796" y="-2341713"/>
+        <a:ext cx="1556352" cy="6246941"/>
       </dsp:txXfrm>
     </dsp:sp>
     <dsp:sp modelId="{05D70A86-AA1F-460D-A692-CA9B1C4C3CB0}">
@@ -16258,6 +16567,20 @@
               <a:spcPct val="35000"/>
             </a:spcAft>
           </a:pPr>
+          <a:endParaRPr lang="es-CO" sz="1800" b="1" kern="1200" dirty="0" smtClean="0"/>
+        </a:p>
+        <a:p>
+          <a:pPr lvl="0" algn="ctr" defTabSz="800100" rtl="0">
+            <a:lnSpc>
+              <a:spcPct val="90000"/>
+            </a:lnSpc>
+            <a:spcBef>
+              <a:spcPct val="0"/>
+            </a:spcBef>
+            <a:spcAft>
+              <a:spcPct val="35000"/>
+            </a:spcAft>
+          </a:pPr>
           <a:r>
             <a:rPr lang="es-CO" sz="1800" b="1" kern="1200" dirty="0" smtClean="0"/>
             <a:t>Oportunidades de Mejoramiento </a:t>
@@ -16277,8 +16600,8 @@
       </dsp:nvSpPr>
       <dsp:spPr>
         <a:xfrm rot="5400000">
-          <a:off x="4336684" y="-221546"/>
-          <a:ext cx="1556352" cy="6224262"/>
+          <a:off x="4337093" y="-221955"/>
+          <a:ext cx="1555534" cy="6224262"/>
         </a:xfrm>
         <a:prstGeom prst="round2SameRect">
           <a:avLst/>
@@ -16318,12 +16641,12 @@
         <a:fontRef idx="minor"/>
       </dsp:style>
       <dsp:txBody>
-        <a:bodyPr spcFirstLastPara="0" vert="horz" wrap="square" lIns="99568" tIns="8890" rIns="8890" bIns="8890" numCol="1" spcCol="1270" anchor="ctr" anchorCtr="0">
+        <a:bodyPr spcFirstLastPara="0" vert="horz" wrap="square" lIns="106680" tIns="9525" rIns="9525" bIns="9525" numCol="1" spcCol="1270" anchor="ctr" anchorCtr="0">
           <a:noAutofit/>
         </a:bodyPr>
         <a:lstStyle/>
         <a:p>
-          <a:pPr marL="114300" lvl="1" indent="-114300" algn="l" defTabSz="622300">
+          <a:pPr marL="114300" lvl="1" indent="-114300" algn="l" defTabSz="666750">
             <a:lnSpc>
               <a:spcPct val="90000"/>
             </a:lnSpc>
@@ -16335,10 +16658,10 @@
             </a:spcAft>
             <a:buChar char="••"/>
           </a:pPr>
-          <a:endParaRPr lang="es-ES" sz="1400" b="1" kern="1200" dirty="0"/>
+          <a:endParaRPr lang="es-ES" sz="1500" b="1" kern="1200" dirty="0"/>
         </a:p>
         <a:p>
-          <a:pPr marL="114300" lvl="1" indent="-114300" algn="l" defTabSz="622300">
+          <a:pPr marL="114300" lvl="1" indent="-114300" algn="l" defTabSz="666750">
             <a:lnSpc>
               <a:spcPct val="90000"/>
             </a:lnSpc>
@@ -16351,13 +16674,13 @@
             <a:buChar char="••"/>
           </a:pPr>
           <a:r>
-            <a:rPr lang="es-CO" sz="1400" b="1" kern="1200" dirty="0" smtClean="0"/>
+            <a:rPr lang="es-CO" sz="1500" b="1" kern="1200" dirty="0" smtClean="0"/>
             <a:t>Planificación de actividades de administración de la configuración en los proyectos</a:t>
           </a:r>
-          <a:endParaRPr lang="es-ES" sz="1400" b="1" kern="1200" dirty="0"/>
+          <a:endParaRPr lang="es-ES" sz="1500" b="1" kern="1200" dirty="0"/>
         </a:p>
         <a:p>
-          <a:pPr marL="114300" lvl="1" indent="-114300" algn="l" defTabSz="622300">
+          <a:pPr marL="114300" lvl="1" indent="-114300" algn="l" defTabSz="666750">
             <a:lnSpc>
               <a:spcPct val="90000"/>
             </a:lnSpc>
@@ -16370,13 +16693,13 @@
             <a:buChar char="••"/>
           </a:pPr>
           <a:r>
-            <a:rPr lang="es-CO" sz="1400" b="1" kern="1200" dirty="0" smtClean="0"/>
+            <a:rPr lang="es-CO" sz="1500" b="1" kern="1200" dirty="0" smtClean="0"/>
             <a:t>Seguimiento  e informalidad en petición de cambios</a:t>
           </a:r>
-          <a:endParaRPr lang="es-ES" sz="1400" b="1" kern="1200" dirty="0"/>
+          <a:endParaRPr lang="es-ES" sz="1500" b="1" kern="1200" dirty="0"/>
         </a:p>
         <a:p>
-          <a:pPr marL="114300" lvl="1" indent="-114300" algn="l" defTabSz="622300">
+          <a:pPr marL="114300" lvl="1" indent="-114300" algn="l" defTabSz="666750">
             <a:lnSpc>
               <a:spcPct val="90000"/>
             </a:lnSpc>
@@ -16389,10 +16712,10 @@
             <a:buChar char="••"/>
           </a:pPr>
           <a:r>
-            <a:rPr lang="es-CO" sz="1400" b="1" kern="1200" dirty="0" smtClean="0"/>
+            <a:rPr lang="es-CO" sz="1500" b="1" kern="1200" dirty="0" smtClean="0"/>
             <a:t>Formación y capacitación en el proceso</a:t>
           </a:r>
-          <a:endParaRPr lang="es-ES" sz="1400" b="1" kern="1200" dirty="0"/>
+          <a:endParaRPr lang="es-ES" sz="1500" b="1" kern="1200" dirty="0"/>
         </a:p>
         <a:p>
           <a:pPr marL="114300" lvl="1" indent="-114300" algn="l" defTabSz="622300">
@@ -16411,8 +16734,8 @@
         </a:p>
       </dsp:txBody>
       <dsp:txXfrm rot="5400000">
-        <a:off x="4336684" y="-221546"/>
-        <a:ext cx="1556352" cy="6224262"/>
+        <a:off x="4337093" y="-221955"/>
+        <a:ext cx="1555534" cy="6224262"/>
       </dsp:txXfrm>
     </dsp:sp>
   </dsp:spTree>
@@ -34142,18 +34465,17 @@
         </p:nvGraphicFramePr>
         <p:xfrm>
           <a:off x="539750" y="1397000"/>
-          <a:ext cx="8136903" cy="4840312"/>
+          <a:ext cx="7776666" cy="4840312"/>
         </p:xfrm>
         <a:graphic>
           <a:graphicData uri="http://schemas.openxmlformats.org/drawingml/2006/table">
             <a:tbl>
               <a:tblPr firstRow="1" bandRow="1">
-                <a:tableStyleId>{5C22544A-7EE6-4342-B048-85BDC9FD1C3A}</a:tableStyleId>
+                <a:tableStyleId>{3C2FFA5D-87B4-456A-9821-1D502468CF0F}</a:tableStyleId>
               </a:tblPr>
               <a:tblGrid>
-                <a:gridCol w="2880319"/>
-                <a:gridCol w="3312368"/>
-                <a:gridCol w="1944216"/>
+                <a:gridCol w="3617053"/>
+                <a:gridCol w="4159613"/>
               </a:tblGrid>
               <a:tr h="674318">
                 <a:tc>
@@ -34162,7 +34484,7 @@
                     <a:lstStyle/>
                     <a:p>
                       <a:r>
-                        <a:rPr lang="es-CO" dirty="0" smtClean="0"/>
+                        <a:rPr lang="es-CO" b="1" dirty="0" smtClean="0"/>
                         <a:t>Tarea</a:t>
                       </a:r>
                       <a:endParaRPr lang="es-CO" b="1" dirty="0"/>
@@ -34176,22 +34498,8 @@
                     <a:lstStyle/>
                     <a:p>
                       <a:r>
-                        <a:rPr lang="es-CO" dirty="0" smtClean="0"/>
+                        <a:rPr lang="es-CO" b="1" dirty="0" smtClean="0"/>
                         <a:t>Responsable</a:t>
-                      </a:r>
-                      <a:endParaRPr lang="es-CO" b="1" dirty="0"/>
-                    </a:p>
-                  </a:txBody>
-                  <a:tcPr anchor="ctr"/>
-                </a:tc>
-                <a:tc>
-                  <a:txBody>
-                    <a:bodyPr/>
-                    <a:lstStyle/>
-                    <a:p>
-                      <a:r>
-                        <a:rPr lang="es-CO" dirty="0" smtClean="0"/>
-                        <a:t>Fecha</a:t>
                       </a:r>
                       <a:endParaRPr lang="es-CO" b="1" dirty="0"/>
                     </a:p>
@@ -34206,8 +34514,12 @@
                     <a:lstStyle/>
                     <a:p>
                       <a:r>
-                        <a:rPr lang="es-CO" dirty="0" smtClean="0"/>
-                        <a:t>Elaborar borrador Plan de Acción</a:t>
+                        <a:rPr lang="es-CO" b="1" dirty="0" smtClean="0"/>
+                        <a:t>Elaborar borrador Plan de </a:t>
+                      </a:r>
+                      <a:r>
+                        <a:rPr lang="es-CO" b="1" dirty="0" smtClean="0"/>
+                        <a:t>Acción</a:t>
                       </a:r>
                       <a:endParaRPr lang="es-CO" b="1" dirty="0"/>
                     </a:p>
@@ -34220,20 +34532,10 @@
                     <a:lstStyle/>
                     <a:p>
                       <a:r>
-                        <a:rPr lang="es-CO" dirty="0" smtClean="0"/>
+                        <a:rPr lang="es-CO" b="1" dirty="0" smtClean="0"/>
                         <a:t>Participantes MA</a:t>
                       </a:r>
                       <a:endParaRPr lang="es-CO" b="1" dirty="0"/>
-                    </a:p>
-                  </a:txBody>
-                  <a:tcPr anchor="ctr"/>
-                </a:tc>
-                <a:tc>
-                  <a:txBody>
-                    <a:bodyPr/>
-                    <a:lstStyle/>
-                    <a:p>
-                      <a:endParaRPr lang="es-CO" b="1"/>
                     </a:p>
                   </a:txBody>
                   <a:tcPr anchor="ctr"/>
@@ -34246,11 +34548,11 @@
                     <a:lstStyle/>
                     <a:p>
                       <a:r>
-                        <a:rPr lang="es-CO" dirty="0" smtClean="0"/>
+                        <a:rPr lang="es-CO" b="1" dirty="0" smtClean="0"/>
                         <a:t>Presentación</a:t>
                       </a:r>
                       <a:r>
-                        <a:rPr lang="es-CO" baseline="0" dirty="0" smtClean="0"/>
+                        <a:rPr lang="es-CO" b="1" baseline="0" dirty="0" smtClean="0"/>
                         <a:t> a la Gerencia</a:t>
                       </a:r>
                       <a:endParaRPr lang="es-CO" b="1" dirty="0"/>
@@ -34264,24 +34566,14 @@
                     <a:lstStyle/>
                     <a:p>
                       <a:r>
-                        <a:rPr lang="es-CO" dirty="0" smtClean="0"/>
+                        <a:rPr lang="es-CO" b="1" dirty="0" smtClean="0"/>
                         <a:t>Participantes</a:t>
                       </a:r>
                       <a:r>
-                        <a:rPr lang="es-CO" baseline="0" dirty="0" smtClean="0"/>
+                        <a:rPr lang="es-CO" b="1" baseline="0" dirty="0" smtClean="0"/>
                         <a:t> MA</a:t>
                       </a:r>
                       <a:endParaRPr lang="es-CO" b="1" dirty="0"/>
-                    </a:p>
-                  </a:txBody>
-                  <a:tcPr anchor="ctr"/>
-                </a:tc>
-                <a:tc>
-                  <a:txBody>
-                    <a:bodyPr/>
-                    <a:lstStyle/>
-                    <a:p>
-                      <a:endParaRPr lang="es-CO" b="1"/>
                     </a:p>
                   </a:txBody>
                   <a:tcPr anchor="ctr"/>
@@ -34294,15 +34586,15 @@
                     <a:lstStyle/>
                     <a:p>
                       <a:r>
-                        <a:rPr lang="es-CO" dirty="0" err="1" smtClean="0"/>
+                        <a:rPr lang="es-CO" b="1" dirty="0" err="1" smtClean="0"/>
                         <a:t>Contormar</a:t>
                       </a:r>
                       <a:r>
-                        <a:rPr lang="es-CO" dirty="0" smtClean="0"/>
+                        <a:rPr lang="es-CO" b="1" dirty="0" smtClean="0"/>
                         <a:t> </a:t>
                       </a:r>
                       <a:r>
-                        <a:rPr lang="es-CO" dirty="0" err="1" smtClean="0"/>
+                        <a:rPr lang="es-CO" b="1" dirty="0" err="1" smtClean="0"/>
                         <a:t>PATss</a:t>
                       </a:r>
                       <a:endParaRPr lang="es-CO" b="1" dirty="0"/>
@@ -34316,19 +34608,9 @@
                     <a:lstStyle/>
                     <a:p>
                       <a:r>
-                        <a:rPr lang="es-CO" dirty="0" smtClean="0"/>
+                        <a:rPr lang="es-CO" b="1" dirty="0" smtClean="0"/>
                         <a:t>SEPG, MSG</a:t>
                       </a:r>
-                      <a:endParaRPr lang="es-CO" b="1" dirty="0"/>
-                    </a:p>
-                  </a:txBody>
-                  <a:tcPr anchor="ctr"/>
-                </a:tc>
-                <a:tc>
-                  <a:txBody>
-                    <a:bodyPr/>
-                    <a:lstStyle/>
-                    <a:p>
                       <a:endParaRPr lang="es-CO" b="1" dirty="0"/>
                     </a:p>
                   </a:txBody>
@@ -34342,7 +34624,7 @@
                     <a:lstStyle/>
                     <a:p>
                       <a:r>
-                        <a:rPr lang="es-CO" dirty="0" smtClean="0"/>
+                        <a:rPr lang="es-CO" b="1" dirty="0" smtClean="0"/>
                         <a:t>Definir Prioridades de Mejoramiento</a:t>
                       </a:r>
                       <a:endParaRPr lang="es-CO" b="1" dirty="0"/>
@@ -34356,19 +34638,9 @@
                     <a:lstStyle/>
                     <a:p>
                       <a:r>
-                        <a:rPr lang="es-CO" dirty="0" smtClean="0"/>
+                        <a:rPr lang="es-CO" b="1" dirty="0" smtClean="0"/>
                         <a:t>MSG</a:t>
                       </a:r>
-                      <a:endParaRPr lang="es-CO" b="1" dirty="0"/>
-                    </a:p>
-                  </a:txBody>
-                  <a:tcPr anchor="ctr"/>
-                </a:tc>
-                <a:tc>
-                  <a:txBody>
-                    <a:bodyPr/>
-                    <a:lstStyle/>
-                    <a:p>
                       <a:endParaRPr lang="es-CO" b="1" dirty="0"/>
                     </a:p>
                   </a:txBody>
